--- a/docs/LearningBayesianNetworksNeapolitanNotes.pptx
+++ b/docs/LearningBayesianNetworksNeapolitanNotes.pptx
@@ -6,6 +6,7 @@
   </p:sldMasterIdLst>
   <p:sldIdLst>
     <p:sldId id="256" r:id="rId2"/>
+    <p:sldId id="257" r:id="rId3"/>
   </p:sldIdLst>
   <p:sldSz cx="12192000" cy="6858000"/>
   <p:notesSz cx="6858000" cy="9144000"/>
@@ -3321,10 +3322,6766 @@
           <a:chExt cx="0" cy="0"/>
         </a:xfrm>
       </p:grpSpPr>
+      <p:grpSp>
+        <p:nvGrpSpPr>
+          <p:cNvPr id="35" name="Group 34">
+            <a:extLst>
+              <a:ext uri="{FF2B5EF4-FFF2-40B4-BE49-F238E27FC236}">
+                <a16:creationId xmlns:a16="http://schemas.microsoft.com/office/drawing/2014/main" id="{EF7A2F17-4147-96E5-B701-C3F2CBDBA3A0}"/>
+              </a:ext>
+            </a:extLst>
+          </p:cNvPr>
+          <p:cNvGrpSpPr/>
+          <p:nvPr/>
+        </p:nvGrpSpPr>
+        <p:grpSpPr>
+          <a:xfrm>
+            <a:off x="1516830" y="1382078"/>
+            <a:ext cx="3497845" cy="1318260"/>
+            <a:chOff x="1903948" y="1394039"/>
+            <a:chExt cx="3497845" cy="1318260"/>
+          </a:xfrm>
+        </p:grpSpPr>
+        <p:sp>
+          <p:nvSpPr>
+            <p:cNvPr id="4" name="Oval 3">
+              <a:extLst>
+                <a:ext uri="{FF2B5EF4-FFF2-40B4-BE49-F238E27FC236}">
+                  <a16:creationId xmlns:a16="http://schemas.microsoft.com/office/drawing/2014/main" id="{AAAEED85-FD8F-BB28-8F8B-1BAAF61E9BDD}"/>
+                </a:ext>
+              </a:extLst>
+            </p:cNvPr>
+            <p:cNvSpPr/>
+            <p:nvPr/>
+          </p:nvSpPr>
+          <p:spPr>
+            <a:xfrm>
+              <a:off x="1903948" y="1394039"/>
+              <a:ext cx="340117" cy="370332"/>
+            </a:xfrm>
+            <a:prstGeom prst="ellipse">
+              <a:avLst/>
+            </a:prstGeom>
+            <a:solidFill>
+              <a:schemeClr val="accent1">
+                <a:alpha val="23000"/>
+              </a:schemeClr>
+            </a:solidFill>
+          </p:spPr>
+          <p:style>
+            <a:lnRef idx="2">
+              <a:schemeClr val="accent1">
+                <a:shade val="15000"/>
+              </a:schemeClr>
+            </a:lnRef>
+            <a:fillRef idx="1">
+              <a:schemeClr val="accent1"/>
+            </a:fillRef>
+            <a:effectRef idx="0">
+              <a:schemeClr val="accent1"/>
+            </a:effectRef>
+            <a:fontRef idx="minor">
+              <a:schemeClr val="lt1"/>
+            </a:fontRef>
+          </p:style>
+          <p:txBody>
+            <a:bodyPr rtlCol="0" anchor="ctr"/>
+            <a:lstStyle/>
+            <a:p>
+              <a:pPr algn="ctr"/>
+              <a:endParaRPr lang="en-US"/>
+            </a:p>
+          </p:txBody>
+        </p:sp>
+        <mc:AlternateContent xmlns:mc="http://schemas.openxmlformats.org/markup-compatibility/2006">
+          <mc:Choice xmlns:a14="http://schemas.microsoft.com/office/drawing/2010/main" Requires="a14">
+            <p:sp>
+              <p:nvSpPr>
+                <p:cNvPr id="5" name="TextBox 4">
+                  <a:extLst>
+                    <a:ext uri="{FF2B5EF4-FFF2-40B4-BE49-F238E27FC236}">
+                      <a16:creationId xmlns:a16="http://schemas.microsoft.com/office/drawing/2014/main" id="{3C423E1F-6BE6-05F9-FAC9-B6758D123650}"/>
+                    </a:ext>
+                  </a:extLst>
+                </p:cNvPr>
+                <p:cNvSpPr txBox="1"/>
+                <p:nvPr/>
+              </p:nvSpPr>
+              <p:spPr>
+                <a:xfrm>
+                  <a:off x="1931404" y="1463789"/>
+                  <a:ext cx="285206" cy="230832"/>
+                </a:xfrm>
+                <a:prstGeom prst="rect">
+                  <a:avLst/>
+                </a:prstGeom>
+                <a:noFill/>
+              </p:spPr>
+              <p:txBody>
+                <a:bodyPr wrap="none" rtlCol="0">
+                  <a:spAutoFit/>
+                </a:bodyPr>
+                <a:lstStyle/>
+                <a:p>
+                  <a14:m>
+                    <m:oMathPara xmlns:m="http://schemas.openxmlformats.org/officeDocument/2006/math">
+                      <m:oMathParaPr>
+                        <m:jc m:val="centerGroup"/>
+                      </m:oMathParaPr>
+                      <m:oMath xmlns:m="http://schemas.openxmlformats.org/officeDocument/2006/math">
+                        <m:r>
+                          <a:rPr lang="en-US" sz="900" i="1" dirty="0" smtClean="0">
+                            <a:latin typeface="Cambria Math" panose="02040503050406030204" pitchFamily="18" charset="0"/>
+                          </a:rPr>
+                          <m:t>𝐴</m:t>
+                        </m:r>
+                      </m:oMath>
+                    </m:oMathPara>
+                  </a14:m>
+                  <a:endParaRPr lang="en-US" sz="900" dirty="0"/>
+                </a:p>
+              </p:txBody>
+            </p:sp>
+          </mc:Choice>
+          <mc:Fallback>
+            <p:sp>
+              <p:nvSpPr>
+                <p:cNvPr id="5" name="TextBox 4">
+                  <a:extLst>
+                    <a:ext uri="{FF2B5EF4-FFF2-40B4-BE49-F238E27FC236}">
+                      <a16:creationId xmlns:a16="http://schemas.microsoft.com/office/drawing/2014/main" id="{3C423E1F-6BE6-05F9-FAC9-B6758D123650}"/>
+                    </a:ext>
+                  </a:extLst>
+                </p:cNvPr>
+                <p:cNvSpPr txBox="1">
+                  <a:spLocks noRot="1" noChangeAspect="1" noMove="1" noResize="1" noEditPoints="1" noAdjustHandles="1" noChangeArrowheads="1" noChangeShapeType="1" noTextEdit="1"/>
+                </p:cNvSpPr>
+                <p:nvPr/>
+              </p:nvSpPr>
+              <p:spPr>
+                <a:xfrm>
+                  <a:off x="1931404" y="1463789"/>
+                  <a:ext cx="285206" cy="230832"/>
+                </a:xfrm>
+                <a:prstGeom prst="rect">
+                  <a:avLst/>
+                </a:prstGeom>
+                <a:blipFill>
+                  <a:blip r:embed="rId2"/>
+                  <a:stretch>
+                    <a:fillRect/>
+                  </a:stretch>
+                </a:blipFill>
+              </p:spPr>
+              <p:txBody>
+                <a:bodyPr/>
+                <a:lstStyle/>
+                <a:p>
+                  <a:r>
+                    <a:rPr lang="en-US">
+                      <a:noFill/>
+                    </a:rPr>
+                    <a:t> </a:t>
+                  </a:r>
+                </a:p>
+              </p:txBody>
+            </p:sp>
+          </mc:Fallback>
+        </mc:AlternateContent>
+        <p:sp>
+          <p:nvSpPr>
+            <p:cNvPr id="6" name="Oval 5">
+              <a:extLst>
+                <a:ext uri="{FF2B5EF4-FFF2-40B4-BE49-F238E27FC236}">
+                  <a16:creationId xmlns:a16="http://schemas.microsoft.com/office/drawing/2014/main" id="{09C2C53E-6CB8-C8AA-E1E7-D60AC78C5D26}"/>
+                </a:ext>
+              </a:extLst>
+            </p:cNvPr>
+            <p:cNvSpPr/>
+            <p:nvPr/>
+          </p:nvSpPr>
+          <p:spPr>
+            <a:xfrm>
+              <a:off x="1903948" y="2341967"/>
+              <a:ext cx="340117" cy="370332"/>
+            </a:xfrm>
+            <a:prstGeom prst="ellipse">
+              <a:avLst/>
+            </a:prstGeom>
+            <a:solidFill>
+              <a:schemeClr val="accent1">
+                <a:alpha val="23000"/>
+              </a:schemeClr>
+            </a:solidFill>
+          </p:spPr>
+          <p:style>
+            <a:lnRef idx="2">
+              <a:schemeClr val="accent1">
+                <a:shade val="15000"/>
+              </a:schemeClr>
+            </a:lnRef>
+            <a:fillRef idx="1">
+              <a:schemeClr val="accent1"/>
+            </a:fillRef>
+            <a:effectRef idx="0">
+              <a:schemeClr val="accent1"/>
+            </a:effectRef>
+            <a:fontRef idx="minor">
+              <a:schemeClr val="lt1"/>
+            </a:fontRef>
+          </p:style>
+          <p:txBody>
+            <a:bodyPr rtlCol="0" anchor="ctr"/>
+            <a:lstStyle/>
+            <a:p>
+              <a:pPr algn="ctr"/>
+              <a:endParaRPr lang="en-US"/>
+            </a:p>
+          </p:txBody>
+        </p:sp>
+        <mc:AlternateContent xmlns:mc="http://schemas.openxmlformats.org/markup-compatibility/2006">
+          <mc:Choice xmlns:a14="http://schemas.microsoft.com/office/drawing/2010/main" Requires="a14">
+            <p:sp>
+              <p:nvSpPr>
+                <p:cNvPr id="7" name="TextBox 6">
+                  <a:extLst>
+                    <a:ext uri="{FF2B5EF4-FFF2-40B4-BE49-F238E27FC236}">
+                      <a16:creationId xmlns:a16="http://schemas.microsoft.com/office/drawing/2014/main" id="{5C7A3876-D9D1-0589-5614-FD326A1E2784}"/>
+                    </a:ext>
+                  </a:extLst>
+                </p:cNvPr>
+                <p:cNvSpPr txBox="1"/>
+                <p:nvPr/>
+              </p:nvSpPr>
+              <p:spPr>
+                <a:xfrm>
+                  <a:off x="1931404" y="2411717"/>
+                  <a:ext cx="310918" cy="230832"/>
+                </a:xfrm>
+                <a:prstGeom prst="rect">
+                  <a:avLst/>
+                </a:prstGeom>
+                <a:noFill/>
+              </p:spPr>
+              <p:txBody>
+                <a:bodyPr wrap="none" rtlCol="0">
+                  <a:spAutoFit/>
+                </a:bodyPr>
+                <a:lstStyle/>
+                <a:p>
+                  <a14:m>
+                    <m:oMathPara xmlns:m="http://schemas.openxmlformats.org/officeDocument/2006/math">
+                      <m:oMathParaPr>
+                        <m:jc m:val="centerGroup"/>
+                      </m:oMathParaPr>
+                      <m:oMath xmlns:m="http://schemas.openxmlformats.org/officeDocument/2006/math">
+                        <m:r>
+                          <a:rPr lang="en-US" sz="900" b="0" i="1" dirty="0" smtClean="0">
+                            <a:latin typeface="Cambria Math" panose="02040503050406030204" pitchFamily="18" charset="0"/>
+                          </a:rPr>
+                          <m:t>𝑀</m:t>
+                        </m:r>
+                      </m:oMath>
+                    </m:oMathPara>
+                  </a14:m>
+                  <a:endParaRPr lang="en-US" sz="900" dirty="0"/>
+                </a:p>
+              </p:txBody>
+            </p:sp>
+          </mc:Choice>
+          <mc:Fallback>
+            <p:sp>
+              <p:nvSpPr>
+                <p:cNvPr id="7" name="TextBox 6">
+                  <a:extLst>
+                    <a:ext uri="{FF2B5EF4-FFF2-40B4-BE49-F238E27FC236}">
+                      <a16:creationId xmlns:a16="http://schemas.microsoft.com/office/drawing/2014/main" id="{5C7A3876-D9D1-0589-5614-FD326A1E2784}"/>
+                    </a:ext>
+                  </a:extLst>
+                </p:cNvPr>
+                <p:cNvSpPr txBox="1">
+                  <a:spLocks noRot="1" noChangeAspect="1" noMove="1" noResize="1" noEditPoints="1" noAdjustHandles="1" noChangeArrowheads="1" noChangeShapeType="1" noTextEdit="1"/>
+                </p:cNvSpPr>
+                <p:nvPr/>
+              </p:nvSpPr>
+              <p:spPr>
+                <a:xfrm>
+                  <a:off x="1931404" y="2411717"/>
+                  <a:ext cx="310918" cy="230832"/>
+                </a:xfrm>
+                <a:prstGeom prst="rect">
+                  <a:avLst/>
+                </a:prstGeom>
+                <a:blipFill>
+                  <a:blip r:embed="rId3"/>
+                  <a:stretch>
+                    <a:fillRect/>
+                  </a:stretch>
+                </a:blipFill>
+              </p:spPr>
+              <p:txBody>
+                <a:bodyPr/>
+                <a:lstStyle/>
+                <a:p>
+                  <a:r>
+                    <a:rPr lang="en-US">
+                      <a:noFill/>
+                    </a:rPr>
+                    <a:t> </a:t>
+                  </a:r>
+                </a:p>
+              </p:txBody>
+            </p:sp>
+          </mc:Fallback>
+        </mc:AlternateContent>
+        <p:sp>
+          <p:nvSpPr>
+            <p:cNvPr id="8" name="Oval 7">
+              <a:extLst>
+                <a:ext uri="{FF2B5EF4-FFF2-40B4-BE49-F238E27FC236}">
+                  <a16:creationId xmlns:a16="http://schemas.microsoft.com/office/drawing/2014/main" id="{906A3ED0-54ED-D876-9279-31DBF3D53268}"/>
+                </a:ext>
+              </a:extLst>
+            </p:cNvPr>
+            <p:cNvSpPr/>
+            <p:nvPr/>
+          </p:nvSpPr>
+          <p:spPr>
+            <a:xfrm>
+              <a:off x="2984464" y="1877147"/>
+              <a:ext cx="340117" cy="370332"/>
+            </a:xfrm>
+            <a:prstGeom prst="ellipse">
+              <a:avLst/>
+            </a:prstGeom>
+            <a:solidFill>
+              <a:schemeClr val="accent1">
+                <a:alpha val="23000"/>
+              </a:schemeClr>
+            </a:solidFill>
+          </p:spPr>
+          <p:style>
+            <a:lnRef idx="2">
+              <a:schemeClr val="accent1">
+                <a:shade val="15000"/>
+              </a:schemeClr>
+            </a:lnRef>
+            <a:fillRef idx="1">
+              <a:schemeClr val="accent1"/>
+            </a:fillRef>
+            <a:effectRef idx="0">
+              <a:schemeClr val="accent1"/>
+            </a:effectRef>
+            <a:fontRef idx="minor">
+              <a:schemeClr val="lt1"/>
+            </a:fontRef>
+          </p:style>
+          <p:txBody>
+            <a:bodyPr rtlCol="0" anchor="ctr"/>
+            <a:lstStyle/>
+            <a:p>
+              <a:pPr algn="ctr"/>
+              <a:endParaRPr lang="en-US"/>
+            </a:p>
+          </p:txBody>
+        </p:sp>
+        <mc:AlternateContent xmlns:mc="http://schemas.openxmlformats.org/markup-compatibility/2006">
+          <mc:Choice xmlns:a14="http://schemas.microsoft.com/office/drawing/2010/main" Requires="a14">
+            <p:sp>
+              <p:nvSpPr>
+                <p:cNvPr id="9" name="TextBox 8">
+                  <a:extLst>
+                    <a:ext uri="{FF2B5EF4-FFF2-40B4-BE49-F238E27FC236}">
+                      <a16:creationId xmlns:a16="http://schemas.microsoft.com/office/drawing/2014/main" id="{F38DCFA4-E941-9522-1ED5-977C91BCD902}"/>
+                    </a:ext>
+                  </a:extLst>
+                </p:cNvPr>
+                <p:cNvSpPr txBox="1"/>
+                <p:nvPr/>
+              </p:nvSpPr>
+              <p:spPr>
+                <a:xfrm>
+                  <a:off x="3011920" y="1946897"/>
+                  <a:ext cx="286938" cy="230832"/>
+                </a:xfrm>
+                <a:prstGeom prst="rect">
+                  <a:avLst/>
+                </a:prstGeom>
+                <a:noFill/>
+              </p:spPr>
+              <p:txBody>
+                <a:bodyPr wrap="none" rtlCol="0">
+                  <a:spAutoFit/>
+                </a:bodyPr>
+                <a:lstStyle/>
+                <a:p>
+                  <a14:m>
+                    <m:oMathPara xmlns:m="http://schemas.openxmlformats.org/officeDocument/2006/math">
+                      <m:oMathParaPr>
+                        <m:jc m:val="centerGroup"/>
+                      </m:oMathParaPr>
+                      <m:oMath xmlns:m="http://schemas.openxmlformats.org/officeDocument/2006/math">
+                        <m:r>
+                          <a:rPr lang="en-US" sz="900" b="0" i="1" smtClean="0">
+                            <a:latin typeface="Cambria Math" panose="02040503050406030204" pitchFamily="18" charset="0"/>
+                          </a:rPr>
+                          <m:t>𝐸</m:t>
+                        </m:r>
+                      </m:oMath>
+                    </m:oMathPara>
+                  </a14:m>
+                  <a:endParaRPr lang="en-US" sz="900" dirty="0"/>
+                </a:p>
+              </p:txBody>
+            </p:sp>
+          </mc:Choice>
+          <mc:Fallback>
+            <p:sp>
+              <p:nvSpPr>
+                <p:cNvPr id="9" name="TextBox 8">
+                  <a:extLst>
+                    <a:ext uri="{FF2B5EF4-FFF2-40B4-BE49-F238E27FC236}">
+                      <a16:creationId xmlns:a16="http://schemas.microsoft.com/office/drawing/2014/main" id="{F38DCFA4-E941-9522-1ED5-977C91BCD902}"/>
+                    </a:ext>
+                  </a:extLst>
+                </p:cNvPr>
+                <p:cNvSpPr txBox="1">
+                  <a:spLocks noRot="1" noChangeAspect="1" noMove="1" noResize="1" noEditPoints="1" noAdjustHandles="1" noChangeArrowheads="1" noChangeShapeType="1" noTextEdit="1"/>
+                </p:cNvSpPr>
+                <p:nvPr/>
+              </p:nvSpPr>
+              <p:spPr>
+                <a:xfrm>
+                  <a:off x="3011920" y="1946897"/>
+                  <a:ext cx="286938" cy="230832"/>
+                </a:xfrm>
+                <a:prstGeom prst="rect">
+                  <a:avLst/>
+                </a:prstGeom>
+                <a:blipFill>
+                  <a:blip r:embed="rId4"/>
+                  <a:stretch>
+                    <a:fillRect/>
+                  </a:stretch>
+                </a:blipFill>
+              </p:spPr>
+              <p:txBody>
+                <a:bodyPr/>
+                <a:lstStyle/>
+                <a:p>
+                  <a:r>
+                    <a:rPr lang="en-US">
+                      <a:noFill/>
+                    </a:rPr>
+                    <a:t> </a:t>
+                  </a:r>
+                </a:p>
+              </p:txBody>
+            </p:sp>
+          </mc:Fallback>
+        </mc:AlternateContent>
+        <p:sp>
+          <p:nvSpPr>
+            <p:cNvPr id="10" name="Oval 9">
+              <a:extLst>
+                <a:ext uri="{FF2B5EF4-FFF2-40B4-BE49-F238E27FC236}">
+                  <a16:creationId xmlns:a16="http://schemas.microsoft.com/office/drawing/2014/main" id="{1BCD412C-F08D-9150-F51D-6F6908824241}"/>
+                </a:ext>
+              </a:extLst>
+            </p:cNvPr>
+            <p:cNvSpPr/>
+            <p:nvPr/>
+          </p:nvSpPr>
+          <p:spPr>
+            <a:xfrm>
+              <a:off x="4019260" y="1394039"/>
+              <a:ext cx="340117" cy="370332"/>
+            </a:xfrm>
+            <a:prstGeom prst="ellipse">
+              <a:avLst/>
+            </a:prstGeom>
+            <a:solidFill>
+              <a:schemeClr val="accent1">
+                <a:alpha val="23000"/>
+              </a:schemeClr>
+            </a:solidFill>
+          </p:spPr>
+          <p:style>
+            <a:lnRef idx="2">
+              <a:schemeClr val="accent1">
+                <a:shade val="15000"/>
+              </a:schemeClr>
+            </a:lnRef>
+            <a:fillRef idx="1">
+              <a:schemeClr val="accent1"/>
+            </a:fillRef>
+            <a:effectRef idx="0">
+              <a:schemeClr val="accent1"/>
+            </a:effectRef>
+            <a:fontRef idx="minor">
+              <a:schemeClr val="lt1"/>
+            </a:fontRef>
+          </p:style>
+          <p:txBody>
+            <a:bodyPr rtlCol="0" anchor="ctr"/>
+            <a:lstStyle/>
+            <a:p>
+              <a:pPr algn="ctr"/>
+              <a:endParaRPr lang="en-US"/>
+            </a:p>
+          </p:txBody>
+        </p:sp>
+        <mc:AlternateContent xmlns:mc="http://schemas.openxmlformats.org/markup-compatibility/2006">
+          <mc:Choice xmlns:a14="http://schemas.microsoft.com/office/drawing/2010/main" Requires="a14">
+            <p:sp>
+              <p:nvSpPr>
+                <p:cNvPr id="11" name="TextBox 10">
+                  <a:extLst>
+                    <a:ext uri="{FF2B5EF4-FFF2-40B4-BE49-F238E27FC236}">
+                      <a16:creationId xmlns:a16="http://schemas.microsoft.com/office/drawing/2014/main" id="{3AF8035C-8A35-ACA6-4373-B0E5AF81EF5E}"/>
+                    </a:ext>
+                  </a:extLst>
+                </p:cNvPr>
+                <p:cNvSpPr txBox="1"/>
+                <p:nvPr/>
+              </p:nvSpPr>
+              <p:spPr>
+                <a:xfrm>
+                  <a:off x="4046716" y="1463789"/>
+                  <a:ext cx="281808" cy="230832"/>
+                </a:xfrm>
+                <a:prstGeom prst="rect">
+                  <a:avLst/>
+                </a:prstGeom>
+                <a:noFill/>
+              </p:spPr>
+              <p:txBody>
+                <a:bodyPr wrap="none" rtlCol="0">
+                  <a:spAutoFit/>
+                </a:bodyPr>
+                <a:lstStyle/>
+                <a:p>
+                  <a14:m>
+                    <m:oMathPara xmlns:m="http://schemas.openxmlformats.org/officeDocument/2006/math">
+                      <m:oMathParaPr>
+                        <m:jc m:val="centerGroup"/>
+                      </m:oMathParaPr>
+                      <m:oMath xmlns:m="http://schemas.openxmlformats.org/officeDocument/2006/math">
+                        <m:r>
+                          <a:rPr lang="en-US" sz="900" b="0" i="1" smtClean="0">
+                            <a:latin typeface="Cambria Math" panose="02040503050406030204" pitchFamily="18" charset="0"/>
+                          </a:rPr>
+                          <m:t>𝑇</m:t>
+                        </m:r>
+                      </m:oMath>
+                    </m:oMathPara>
+                  </a14:m>
+                  <a:endParaRPr lang="en-US" sz="900" dirty="0"/>
+                </a:p>
+              </p:txBody>
+            </p:sp>
+          </mc:Choice>
+          <mc:Fallback>
+            <p:sp>
+              <p:nvSpPr>
+                <p:cNvPr id="11" name="TextBox 10">
+                  <a:extLst>
+                    <a:ext uri="{FF2B5EF4-FFF2-40B4-BE49-F238E27FC236}">
+                      <a16:creationId xmlns:a16="http://schemas.microsoft.com/office/drawing/2014/main" id="{3AF8035C-8A35-ACA6-4373-B0E5AF81EF5E}"/>
+                    </a:ext>
+                  </a:extLst>
+                </p:cNvPr>
+                <p:cNvSpPr txBox="1">
+                  <a:spLocks noRot="1" noChangeAspect="1" noMove="1" noResize="1" noEditPoints="1" noAdjustHandles="1" noChangeArrowheads="1" noChangeShapeType="1" noTextEdit="1"/>
+                </p:cNvSpPr>
+                <p:nvPr/>
+              </p:nvSpPr>
+              <p:spPr>
+                <a:xfrm>
+                  <a:off x="4046716" y="1463789"/>
+                  <a:ext cx="281808" cy="230832"/>
+                </a:xfrm>
+                <a:prstGeom prst="rect">
+                  <a:avLst/>
+                </a:prstGeom>
+                <a:blipFill>
+                  <a:blip r:embed="rId5"/>
+                  <a:stretch>
+                    <a:fillRect/>
+                  </a:stretch>
+                </a:blipFill>
+              </p:spPr>
+              <p:txBody>
+                <a:bodyPr/>
+                <a:lstStyle/>
+                <a:p>
+                  <a:r>
+                    <a:rPr lang="en-US">
+                      <a:noFill/>
+                    </a:rPr>
+                    <a:t> </a:t>
+                  </a:r>
+                </a:p>
+              </p:txBody>
+            </p:sp>
+          </mc:Fallback>
+        </mc:AlternateContent>
+        <p:sp>
+          <p:nvSpPr>
+            <p:cNvPr id="12" name="Oval 11">
+              <a:extLst>
+                <a:ext uri="{FF2B5EF4-FFF2-40B4-BE49-F238E27FC236}">
+                  <a16:creationId xmlns:a16="http://schemas.microsoft.com/office/drawing/2014/main" id="{1BAA9B66-B0C6-BC07-1645-2733A141B1FD}"/>
+                </a:ext>
+              </a:extLst>
+            </p:cNvPr>
+            <p:cNvSpPr/>
+            <p:nvPr/>
+          </p:nvSpPr>
+          <p:spPr>
+            <a:xfrm>
+              <a:off x="4019260" y="2341967"/>
+              <a:ext cx="340117" cy="370332"/>
+            </a:xfrm>
+            <a:prstGeom prst="ellipse">
+              <a:avLst/>
+            </a:prstGeom>
+            <a:solidFill>
+              <a:schemeClr val="accent1">
+                <a:alpha val="23000"/>
+              </a:schemeClr>
+            </a:solidFill>
+          </p:spPr>
+          <p:style>
+            <a:lnRef idx="2">
+              <a:schemeClr val="accent1">
+                <a:shade val="15000"/>
+              </a:schemeClr>
+            </a:lnRef>
+            <a:fillRef idx="1">
+              <a:schemeClr val="accent1"/>
+            </a:fillRef>
+            <a:effectRef idx="0">
+              <a:schemeClr val="accent1"/>
+            </a:effectRef>
+            <a:fontRef idx="minor">
+              <a:schemeClr val="lt1"/>
+            </a:fontRef>
+          </p:style>
+          <p:txBody>
+            <a:bodyPr rtlCol="0" anchor="ctr"/>
+            <a:lstStyle/>
+            <a:p>
+              <a:pPr algn="ctr"/>
+              <a:endParaRPr lang="en-US"/>
+            </a:p>
+          </p:txBody>
+        </p:sp>
+        <mc:AlternateContent xmlns:mc="http://schemas.openxmlformats.org/markup-compatibility/2006">
+          <mc:Choice xmlns:a14="http://schemas.microsoft.com/office/drawing/2010/main" Requires="a14">
+            <p:sp>
+              <p:nvSpPr>
+                <p:cNvPr id="13" name="TextBox 12">
+                  <a:extLst>
+                    <a:ext uri="{FF2B5EF4-FFF2-40B4-BE49-F238E27FC236}">
+                      <a16:creationId xmlns:a16="http://schemas.microsoft.com/office/drawing/2014/main" id="{FE9C0A35-58FB-60F9-5639-F9839DC54F1D}"/>
+                    </a:ext>
+                  </a:extLst>
+                </p:cNvPr>
+                <p:cNvSpPr txBox="1"/>
+                <p:nvPr/>
+              </p:nvSpPr>
+              <p:spPr>
+                <a:xfrm>
+                  <a:off x="4046716" y="2411717"/>
+                  <a:ext cx="273601" cy="230832"/>
+                </a:xfrm>
+                <a:prstGeom prst="rect">
+                  <a:avLst/>
+                </a:prstGeom>
+                <a:noFill/>
+              </p:spPr>
+              <p:txBody>
+                <a:bodyPr wrap="none" rtlCol="0">
+                  <a:spAutoFit/>
+                </a:bodyPr>
+                <a:lstStyle/>
+                <a:p>
+                  <a14:m>
+                    <m:oMathPara xmlns:m="http://schemas.openxmlformats.org/officeDocument/2006/math">
+                      <m:oMathParaPr>
+                        <m:jc m:val="centerGroup"/>
+                      </m:oMathParaPr>
+                      <m:oMath xmlns:m="http://schemas.openxmlformats.org/officeDocument/2006/math">
+                        <m:r>
+                          <a:rPr lang="en-US" sz="900" b="0" i="1" smtClean="0">
+                            <a:latin typeface="Cambria Math" panose="02040503050406030204" pitchFamily="18" charset="0"/>
+                          </a:rPr>
+                          <m:t>𝐿</m:t>
+                        </m:r>
+                      </m:oMath>
+                    </m:oMathPara>
+                  </a14:m>
+                  <a:endParaRPr lang="en-US" sz="900" dirty="0"/>
+                </a:p>
+              </p:txBody>
+            </p:sp>
+          </mc:Choice>
+          <mc:Fallback>
+            <p:sp>
+              <p:nvSpPr>
+                <p:cNvPr id="13" name="TextBox 12">
+                  <a:extLst>
+                    <a:ext uri="{FF2B5EF4-FFF2-40B4-BE49-F238E27FC236}">
+                      <a16:creationId xmlns:a16="http://schemas.microsoft.com/office/drawing/2014/main" id="{FE9C0A35-58FB-60F9-5639-F9839DC54F1D}"/>
+                    </a:ext>
+                  </a:extLst>
+                </p:cNvPr>
+                <p:cNvSpPr txBox="1">
+                  <a:spLocks noRot="1" noChangeAspect="1" noMove="1" noResize="1" noEditPoints="1" noAdjustHandles="1" noChangeArrowheads="1" noChangeShapeType="1" noTextEdit="1"/>
+                </p:cNvSpPr>
+                <p:nvPr/>
+              </p:nvSpPr>
+              <p:spPr>
+                <a:xfrm>
+                  <a:off x="4046716" y="2411717"/>
+                  <a:ext cx="273601" cy="230832"/>
+                </a:xfrm>
+                <a:prstGeom prst="rect">
+                  <a:avLst/>
+                </a:prstGeom>
+                <a:blipFill>
+                  <a:blip r:embed="rId6"/>
+                  <a:stretch>
+                    <a:fillRect/>
+                  </a:stretch>
+                </a:blipFill>
+              </p:spPr>
+              <p:txBody>
+                <a:bodyPr/>
+                <a:lstStyle/>
+                <a:p>
+                  <a:r>
+                    <a:rPr lang="en-US">
+                      <a:noFill/>
+                    </a:rPr>
+                    <a:t> </a:t>
+                  </a:r>
+                </a:p>
+              </p:txBody>
+            </p:sp>
+          </mc:Fallback>
+        </mc:AlternateContent>
+        <p:sp>
+          <p:nvSpPr>
+            <p:cNvPr id="14" name="Oval 13">
+              <a:extLst>
+                <a:ext uri="{FF2B5EF4-FFF2-40B4-BE49-F238E27FC236}">
+                  <a16:creationId xmlns:a16="http://schemas.microsoft.com/office/drawing/2014/main" id="{9412407A-1732-CD2F-0AF0-8336FAD2D4F4}"/>
+                </a:ext>
+              </a:extLst>
+            </p:cNvPr>
+            <p:cNvSpPr/>
+            <p:nvPr/>
+          </p:nvSpPr>
+          <p:spPr>
+            <a:xfrm>
+              <a:off x="5061676" y="1877147"/>
+              <a:ext cx="340117" cy="370332"/>
+            </a:xfrm>
+            <a:prstGeom prst="ellipse">
+              <a:avLst/>
+            </a:prstGeom>
+            <a:solidFill>
+              <a:schemeClr val="accent1">
+                <a:alpha val="23000"/>
+              </a:schemeClr>
+            </a:solidFill>
+          </p:spPr>
+          <p:style>
+            <a:lnRef idx="2">
+              <a:schemeClr val="accent1">
+                <a:shade val="15000"/>
+              </a:schemeClr>
+            </a:lnRef>
+            <a:fillRef idx="1">
+              <a:schemeClr val="accent1"/>
+            </a:fillRef>
+            <a:effectRef idx="0">
+              <a:schemeClr val="accent1"/>
+            </a:effectRef>
+            <a:fontRef idx="minor">
+              <a:schemeClr val="lt1"/>
+            </a:fontRef>
+          </p:style>
+          <p:txBody>
+            <a:bodyPr rtlCol="0" anchor="ctr"/>
+            <a:lstStyle/>
+            <a:p>
+              <a:pPr algn="ctr"/>
+              <a:endParaRPr lang="en-US"/>
+            </a:p>
+          </p:txBody>
+        </p:sp>
+        <mc:AlternateContent xmlns:mc="http://schemas.openxmlformats.org/markup-compatibility/2006">
+          <mc:Choice xmlns:a14="http://schemas.microsoft.com/office/drawing/2010/main" Requires="a14">
+            <p:sp>
+              <p:nvSpPr>
+                <p:cNvPr id="15" name="TextBox 14">
+                  <a:extLst>
+                    <a:ext uri="{FF2B5EF4-FFF2-40B4-BE49-F238E27FC236}">
+                      <a16:creationId xmlns:a16="http://schemas.microsoft.com/office/drawing/2014/main" id="{FD4453AC-276D-0D54-1C20-05A48364B6B4}"/>
+                    </a:ext>
+                  </a:extLst>
+                </p:cNvPr>
+                <p:cNvSpPr txBox="1"/>
+                <p:nvPr/>
+              </p:nvSpPr>
+              <p:spPr>
+                <a:xfrm>
+                  <a:off x="5089132" y="1946897"/>
+                  <a:ext cx="291682" cy="230832"/>
+                </a:xfrm>
+                <a:prstGeom prst="rect">
+                  <a:avLst/>
+                </a:prstGeom>
+                <a:noFill/>
+              </p:spPr>
+              <p:txBody>
+                <a:bodyPr wrap="none" rtlCol="0">
+                  <a:spAutoFit/>
+                </a:bodyPr>
+                <a:lstStyle/>
+                <a:p>
+                  <a14:m>
+                    <m:oMathPara xmlns:m="http://schemas.openxmlformats.org/officeDocument/2006/math">
+                      <m:oMathParaPr>
+                        <m:jc m:val="centerGroup"/>
+                      </m:oMathParaPr>
+                      <m:oMath xmlns:m="http://schemas.openxmlformats.org/officeDocument/2006/math">
+                        <m:r>
+                          <a:rPr lang="en-US" sz="900" b="0" i="1" smtClean="0">
+                            <a:latin typeface="Cambria Math" panose="02040503050406030204" pitchFamily="18" charset="0"/>
+                          </a:rPr>
+                          <m:t>𝑂</m:t>
+                        </m:r>
+                      </m:oMath>
+                    </m:oMathPara>
+                  </a14:m>
+                  <a:endParaRPr lang="en-US" sz="900" dirty="0"/>
+                </a:p>
+              </p:txBody>
+            </p:sp>
+          </mc:Choice>
+          <mc:Fallback>
+            <p:sp>
+              <p:nvSpPr>
+                <p:cNvPr id="15" name="TextBox 14">
+                  <a:extLst>
+                    <a:ext uri="{FF2B5EF4-FFF2-40B4-BE49-F238E27FC236}">
+                      <a16:creationId xmlns:a16="http://schemas.microsoft.com/office/drawing/2014/main" id="{FD4453AC-276D-0D54-1C20-05A48364B6B4}"/>
+                    </a:ext>
+                  </a:extLst>
+                </p:cNvPr>
+                <p:cNvSpPr txBox="1">
+                  <a:spLocks noRot="1" noChangeAspect="1" noMove="1" noResize="1" noEditPoints="1" noAdjustHandles="1" noChangeArrowheads="1" noChangeShapeType="1" noTextEdit="1"/>
+                </p:cNvSpPr>
+                <p:nvPr/>
+              </p:nvSpPr>
+              <p:spPr>
+                <a:xfrm>
+                  <a:off x="5089132" y="1946897"/>
+                  <a:ext cx="291682" cy="230832"/>
+                </a:xfrm>
+                <a:prstGeom prst="rect">
+                  <a:avLst/>
+                </a:prstGeom>
+                <a:blipFill>
+                  <a:blip r:embed="rId7"/>
+                  <a:stretch>
+                    <a:fillRect/>
+                  </a:stretch>
+                </a:blipFill>
+              </p:spPr>
+              <p:txBody>
+                <a:bodyPr/>
+                <a:lstStyle/>
+                <a:p>
+                  <a:r>
+                    <a:rPr lang="en-US">
+                      <a:noFill/>
+                    </a:rPr>
+                    <a:t> </a:t>
+                  </a:r>
+                </a:p>
+              </p:txBody>
+            </p:sp>
+          </mc:Fallback>
+        </mc:AlternateContent>
+        <p:cxnSp>
+          <p:nvCxnSpPr>
+            <p:cNvPr id="17" name="Straight Arrow Connector 16">
+              <a:extLst>
+                <a:ext uri="{FF2B5EF4-FFF2-40B4-BE49-F238E27FC236}">
+                  <a16:creationId xmlns:a16="http://schemas.microsoft.com/office/drawing/2014/main" id="{1DF7BB4F-7260-7128-2238-51B1E96574FB}"/>
+                </a:ext>
+              </a:extLst>
+            </p:cNvPr>
+            <p:cNvCxnSpPr>
+              <a:stCxn id="4" idx="6"/>
+              <a:endCxn id="10" idx="2"/>
+            </p:cNvCxnSpPr>
+            <p:nvPr/>
+          </p:nvCxnSpPr>
+          <p:spPr>
+            <a:xfrm>
+              <a:off x="2244065" y="1579205"/>
+              <a:ext cx="1775195" cy="0"/>
+            </a:xfrm>
+            <a:prstGeom prst="straightConnector1">
+              <a:avLst/>
+            </a:prstGeom>
+            <a:ln>
+              <a:tailEnd type="triangle"/>
+            </a:ln>
+          </p:spPr>
+          <p:style>
+            <a:lnRef idx="1">
+              <a:schemeClr val="accent1"/>
+            </a:lnRef>
+            <a:fillRef idx="0">
+              <a:schemeClr val="accent1"/>
+            </a:fillRef>
+            <a:effectRef idx="0">
+              <a:schemeClr val="accent1"/>
+            </a:effectRef>
+            <a:fontRef idx="minor">
+              <a:schemeClr val="tx1"/>
+            </a:fontRef>
+          </p:style>
+        </p:cxnSp>
+        <p:cxnSp>
+          <p:nvCxnSpPr>
+            <p:cNvPr id="19" name="Straight Arrow Connector 18">
+              <a:extLst>
+                <a:ext uri="{FF2B5EF4-FFF2-40B4-BE49-F238E27FC236}">
+                  <a16:creationId xmlns:a16="http://schemas.microsoft.com/office/drawing/2014/main" id="{AE5E71F1-DB65-1DC5-591F-F1D5995D47E4}"/>
+                </a:ext>
+              </a:extLst>
+            </p:cNvPr>
+            <p:cNvCxnSpPr>
+              <a:cxnSpLocks/>
+              <a:stCxn id="10" idx="6"/>
+            </p:cNvCxnSpPr>
+            <p:nvPr/>
+          </p:nvCxnSpPr>
+          <p:spPr>
+            <a:xfrm>
+              <a:off x="4359377" y="1579205"/>
+              <a:ext cx="729755" cy="367692"/>
+            </a:xfrm>
+            <a:prstGeom prst="straightConnector1">
+              <a:avLst/>
+            </a:prstGeom>
+            <a:ln>
+              <a:tailEnd type="triangle"/>
+            </a:ln>
+          </p:spPr>
+          <p:style>
+            <a:lnRef idx="1">
+              <a:schemeClr val="accent1"/>
+            </a:lnRef>
+            <a:fillRef idx="0">
+              <a:schemeClr val="accent1"/>
+            </a:fillRef>
+            <a:effectRef idx="0">
+              <a:schemeClr val="accent1"/>
+            </a:effectRef>
+            <a:fontRef idx="minor">
+              <a:schemeClr val="tx1"/>
+            </a:fontRef>
+          </p:style>
+        </p:cxnSp>
+        <p:cxnSp>
+          <p:nvCxnSpPr>
+            <p:cNvPr id="22" name="Straight Arrow Connector 21">
+              <a:extLst>
+                <a:ext uri="{FF2B5EF4-FFF2-40B4-BE49-F238E27FC236}">
+                  <a16:creationId xmlns:a16="http://schemas.microsoft.com/office/drawing/2014/main" id="{12540811-65B1-8703-3AE7-2C69F20D0265}"/>
+                </a:ext>
+              </a:extLst>
+            </p:cNvPr>
+            <p:cNvCxnSpPr>
+              <a:stCxn id="6" idx="6"/>
+              <a:endCxn id="12" idx="2"/>
+            </p:cNvCxnSpPr>
+            <p:nvPr/>
+          </p:nvCxnSpPr>
+          <p:spPr>
+            <a:xfrm>
+              <a:off x="2244065" y="2527133"/>
+              <a:ext cx="1775195" cy="0"/>
+            </a:xfrm>
+            <a:prstGeom prst="straightConnector1">
+              <a:avLst/>
+            </a:prstGeom>
+            <a:ln>
+              <a:tailEnd type="triangle"/>
+            </a:ln>
+          </p:spPr>
+          <p:style>
+            <a:lnRef idx="1">
+              <a:schemeClr val="accent1"/>
+            </a:lnRef>
+            <a:fillRef idx="0">
+              <a:schemeClr val="accent1"/>
+            </a:fillRef>
+            <a:effectRef idx="0">
+              <a:schemeClr val="accent1"/>
+            </a:effectRef>
+            <a:fontRef idx="minor">
+              <a:schemeClr val="tx1"/>
+            </a:fontRef>
+          </p:style>
+        </p:cxnSp>
+        <p:cxnSp>
+          <p:nvCxnSpPr>
+            <p:cNvPr id="24" name="Straight Arrow Connector 23">
+              <a:extLst>
+                <a:ext uri="{FF2B5EF4-FFF2-40B4-BE49-F238E27FC236}">
+                  <a16:creationId xmlns:a16="http://schemas.microsoft.com/office/drawing/2014/main" id="{BFB8C2AD-6729-2E43-16A7-EC6E38ACBB57}"/>
+                </a:ext>
+              </a:extLst>
+            </p:cNvPr>
+            <p:cNvCxnSpPr>
+              <a:cxnSpLocks/>
+              <a:stCxn id="12" idx="6"/>
+            </p:cNvCxnSpPr>
+            <p:nvPr/>
+          </p:nvCxnSpPr>
+          <p:spPr>
+            <a:xfrm flipV="1">
+              <a:off x="4359377" y="2177729"/>
+              <a:ext cx="740399" cy="349404"/>
+            </a:xfrm>
+            <a:prstGeom prst="straightConnector1">
+              <a:avLst/>
+            </a:prstGeom>
+            <a:ln>
+              <a:tailEnd type="triangle"/>
+            </a:ln>
+          </p:spPr>
+          <p:style>
+            <a:lnRef idx="1">
+              <a:schemeClr val="accent1"/>
+            </a:lnRef>
+            <a:fillRef idx="0">
+              <a:schemeClr val="accent1"/>
+            </a:fillRef>
+            <a:effectRef idx="0">
+              <a:schemeClr val="accent1"/>
+            </a:effectRef>
+            <a:fontRef idx="minor">
+              <a:schemeClr val="tx1"/>
+            </a:fontRef>
+          </p:style>
+        </p:cxnSp>
+        <p:cxnSp>
+          <p:nvCxnSpPr>
+            <p:cNvPr id="27" name="Straight Arrow Connector 26">
+              <a:extLst>
+                <a:ext uri="{FF2B5EF4-FFF2-40B4-BE49-F238E27FC236}">
+                  <a16:creationId xmlns:a16="http://schemas.microsoft.com/office/drawing/2014/main" id="{EB9D624E-2962-32E8-4D4F-D500ECB610C8}"/>
+                </a:ext>
+              </a:extLst>
+            </p:cNvPr>
+            <p:cNvCxnSpPr>
+              <a:cxnSpLocks/>
+            </p:cNvCxnSpPr>
+            <p:nvPr/>
+          </p:nvCxnSpPr>
+          <p:spPr>
+            <a:xfrm flipV="1">
+              <a:off x="3293728" y="1592894"/>
+              <a:ext cx="722135" cy="367692"/>
+            </a:xfrm>
+            <a:prstGeom prst="straightConnector1">
+              <a:avLst/>
+            </a:prstGeom>
+            <a:ln>
+              <a:tailEnd type="triangle"/>
+            </a:ln>
+          </p:spPr>
+          <p:style>
+            <a:lnRef idx="1">
+              <a:schemeClr val="accent1"/>
+            </a:lnRef>
+            <a:fillRef idx="0">
+              <a:schemeClr val="accent1"/>
+            </a:fillRef>
+            <a:effectRef idx="0">
+              <a:schemeClr val="accent1"/>
+            </a:effectRef>
+            <a:fontRef idx="minor">
+              <a:schemeClr val="tx1"/>
+            </a:fontRef>
+          </p:style>
+        </p:cxnSp>
+        <p:cxnSp>
+          <p:nvCxnSpPr>
+            <p:cNvPr id="31" name="Straight Arrow Connector 30">
+              <a:extLst>
+                <a:ext uri="{FF2B5EF4-FFF2-40B4-BE49-F238E27FC236}">
+                  <a16:creationId xmlns:a16="http://schemas.microsoft.com/office/drawing/2014/main" id="{0A9F7E8A-4D94-E34C-E12D-78898D26BC1B}"/>
+                </a:ext>
+              </a:extLst>
+            </p:cNvPr>
+            <p:cNvCxnSpPr>
+              <a:cxnSpLocks/>
+            </p:cNvCxnSpPr>
+            <p:nvPr/>
+          </p:nvCxnSpPr>
+          <p:spPr>
+            <a:xfrm>
+              <a:off x="3293727" y="2167265"/>
+              <a:ext cx="722135" cy="349404"/>
+            </a:xfrm>
+            <a:prstGeom prst="straightConnector1">
+              <a:avLst/>
+            </a:prstGeom>
+            <a:ln>
+              <a:tailEnd type="triangle"/>
+            </a:ln>
+          </p:spPr>
+          <p:style>
+            <a:lnRef idx="1">
+              <a:schemeClr val="accent1"/>
+            </a:lnRef>
+            <a:fillRef idx="0">
+              <a:schemeClr val="accent1"/>
+            </a:fillRef>
+            <a:effectRef idx="0">
+              <a:schemeClr val="accent1"/>
+            </a:effectRef>
+            <a:fontRef idx="minor">
+              <a:schemeClr val="tx1"/>
+            </a:fontRef>
+          </p:style>
+        </p:cxnSp>
+        <p:cxnSp>
+          <p:nvCxnSpPr>
+            <p:cNvPr id="34" name="Straight Arrow Connector 33">
+              <a:extLst>
+                <a:ext uri="{FF2B5EF4-FFF2-40B4-BE49-F238E27FC236}">
+                  <a16:creationId xmlns:a16="http://schemas.microsoft.com/office/drawing/2014/main" id="{AD4B13E1-1BC0-9119-98D7-9D5DE4759C40}"/>
+                </a:ext>
+              </a:extLst>
+            </p:cNvPr>
+            <p:cNvCxnSpPr>
+              <a:stCxn id="4" idx="4"/>
+              <a:endCxn id="6" idx="0"/>
+            </p:cNvCxnSpPr>
+            <p:nvPr/>
+          </p:nvCxnSpPr>
+          <p:spPr>
+            <a:xfrm>
+              <a:off x="2074007" y="1764371"/>
+              <a:ext cx="0" cy="577596"/>
+            </a:xfrm>
+            <a:prstGeom prst="straightConnector1">
+              <a:avLst/>
+            </a:prstGeom>
+            <a:ln>
+              <a:tailEnd type="triangle"/>
+            </a:ln>
+          </p:spPr>
+          <p:style>
+            <a:lnRef idx="1">
+              <a:schemeClr val="accent1"/>
+            </a:lnRef>
+            <a:fillRef idx="0">
+              <a:schemeClr val="accent1"/>
+            </a:fillRef>
+            <a:effectRef idx="0">
+              <a:schemeClr val="accent1"/>
+            </a:effectRef>
+            <a:fontRef idx="minor">
+              <a:schemeClr val="tx1"/>
+            </a:fontRef>
+          </p:style>
+        </p:cxnSp>
+      </p:grpSp>
+      <p:grpSp>
+        <p:nvGrpSpPr>
+          <p:cNvPr id="57" name="Group 56">
+            <a:extLst>
+              <a:ext uri="{FF2B5EF4-FFF2-40B4-BE49-F238E27FC236}">
+                <a16:creationId xmlns:a16="http://schemas.microsoft.com/office/drawing/2014/main" id="{64B52F6E-4056-617B-A4AC-965CA316FA73}"/>
+              </a:ext>
+            </a:extLst>
+          </p:cNvPr>
+          <p:cNvGrpSpPr/>
+          <p:nvPr/>
+        </p:nvGrpSpPr>
+        <p:grpSpPr>
+          <a:xfrm>
+            <a:off x="1903948" y="3429000"/>
+            <a:ext cx="2312826" cy="1685544"/>
+            <a:chOff x="1903948" y="3429000"/>
+            <a:chExt cx="2312826" cy="1685544"/>
+          </a:xfrm>
+        </p:grpSpPr>
+        <p:sp>
+          <p:nvSpPr>
+            <p:cNvPr id="36" name="Oval 35">
+              <a:extLst>
+                <a:ext uri="{FF2B5EF4-FFF2-40B4-BE49-F238E27FC236}">
+                  <a16:creationId xmlns:a16="http://schemas.microsoft.com/office/drawing/2014/main" id="{B7B7503F-6B15-881F-A424-3F5174DFD931}"/>
+                </a:ext>
+              </a:extLst>
+            </p:cNvPr>
+            <p:cNvSpPr/>
+            <p:nvPr/>
+          </p:nvSpPr>
+          <p:spPr>
+            <a:xfrm>
+              <a:off x="1903948" y="4095574"/>
+              <a:ext cx="340117" cy="370332"/>
+            </a:xfrm>
+            <a:prstGeom prst="ellipse">
+              <a:avLst/>
+            </a:prstGeom>
+            <a:solidFill>
+              <a:schemeClr val="accent1">
+                <a:alpha val="23000"/>
+              </a:schemeClr>
+            </a:solidFill>
+          </p:spPr>
+          <p:style>
+            <a:lnRef idx="2">
+              <a:schemeClr val="accent1">
+                <a:shade val="15000"/>
+              </a:schemeClr>
+            </a:lnRef>
+            <a:fillRef idx="1">
+              <a:schemeClr val="accent1"/>
+            </a:fillRef>
+            <a:effectRef idx="0">
+              <a:schemeClr val="accent1"/>
+            </a:effectRef>
+            <a:fontRef idx="minor">
+              <a:schemeClr val="lt1"/>
+            </a:fontRef>
+          </p:style>
+          <p:txBody>
+            <a:bodyPr rtlCol="0" anchor="ctr"/>
+            <a:lstStyle/>
+            <a:p>
+              <a:pPr algn="ctr"/>
+              <a:endParaRPr lang="en-US"/>
+            </a:p>
+          </p:txBody>
+        </p:sp>
+        <mc:AlternateContent xmlns:mc="http://schemas.openxmlformats.org/markup-compatibility/2006">
+          <mc:Choice xmlns:a14="http://schemas.microsoft.com/office/drawing/2010/main" Requires="a14">
+            <p:sp>
+              <p:nvSpPr>
+                <p:cNvPr id="37" name="TextBox 36">
+                  <a:extLst>
+                    <a:ext uri="{FF2B5EF4-FFF2-40B4-BE49-F238E27FC236}">
+                      <a16:creationId xmlns:a16="http://schemas.microsoft.com/office/drawing/2014/main" id="{4092B547-B08E-6547-FC32-8D0E63D45BC5}"/>
+                    </a:ext>
+                  </a:extLst>
+                </p:cNvPr>
+                <p:cNvSpPr txBox="1"/>
+                <p:nvPr/>
+              </p:nvSpPr>
+              <p:spPr>
+                <a:xfrm>
+                  <a:off x="1931404" y="4165324"/>
+                  <a:ext cx="288733" cy="230832"/>
+                </a:xfrm>
+                <a:prstGeom prst="rect">
+                  <a:avLst/>
+                </a:prstGeom>
+                <a:noFill/>
+              </p:spPr>
+              <p:txBody>
+                <a:bodyPr wrap="none" rtlCol="0">
+                  <a:spAutoFit/>
+                </a:bodyPr>
+                <a:lstStyle/>
+                <a:p>
+                  <a14:m>
+                    <m:oMathPara xmlns:m="http://schemas.openxmlformats.org/officeDocument/2006/math">
+                      <m:oMathParaPr>
+                        <m:jc m:val="centerGroup"/>
+                      </m:oMathParaPr>
+                      <m:oMath xmlns:m="http://schemas.openxmlformats.org/officeDocument/2006/math">
+                        <m:r>
+                          <a:rPr lang="en-US" sz="900" b="0" i="1" smtClean="0">
+                            <a:latin typeface="Cambria Math" panose="02040503050406030204" pitchFamily="18" charset="0"/>
+                          </a:rPr>
+                          <m:t>𝐵</m:t>
+                        </m:r>
+                      </m:oMath>
+                    </m:oMathPara>
+                  </a14:m>
+                  <a:endParaRPr lang="en-US" sz="900" dirty="0"/>
+                </a:p>
+              </p:txBody>
+            </p:sp>
+          </mc:Choice>
+          <mc:Fallback>
+            <p:sp>
+              <p:nvSpPr>
+                <p:cNvPr id="37" name="TextBox 36">
+                  <a:extLst>
+                    <a:ext uri="{FF2B5EF4-FFF2-40B4-BE49-F238E27FC236}">
+                      <a16:creationId xmlns:a16="http://schemas.microsoft.com/office/drawing/2014/main" id="{4092B547-B08E-6547-FC32-8D0E63D45BC5}"/>
+                    </a:ext>
+                  </a:extLst>
+                </p:cNvPr>
+                <p:cNvSpPr txBox="1">
+                  <a:spLocks noRot="1" noChangeAspect="1" noMove="1" noResize="1" noEditPoints="1" noAdjustHandles="1" noChangeArrowheads="1" noChangeShapeType="1" noTextEdit="1"/>
+                </p:cNvSpPr>
+                <p:nvPr/>
+              </p:nvSpPr>
+              <p:spPr>
+                <a:xfrm>
+                  <a:off x="1931404" y="4165324"/>
+                  <a:ext cx="288733" cy="230832"/>
+                </a:xfrm>
+                <a:prstGeom prst="rect">
+                  <a:avLst/>
+                </a:prstGeom>
+                <a:blipFill>
+                  <a:blip r:embed="rId8"/>
+                  <a:stretch>
+                    <a:fillRect/>
+                  </a:stretch>
+                </a:blipFill>
+              </p:spPr>
+              <p:txBody>
+                <a:bodyPr/>
+                <a:lstStyle/>
+                <a:p>
+                  <a:r>
+                    <a:rPr lang="en-US">
+                      <a:noFill/>
+                    </a:rPr>
+                    <a:t> </a:t>
+                  </a:r>
+                </a:p>
+              </p:txBody>
+            </p:sp>
+          </mc:Fallback>
+        </mc:AlternateContent>
+        <p:sp>
+          <p:nvSpPr>
+            <p:cNvPr id="38" name="Oval 37">
+              <a:extLst>
+                <a:ext uri="{FF2B5EF4-FFF2-40B4-BE49-F238E27FC236}">
+                  <a16:creationId xmlns:a16="http://schemas.microsoft.com/office/drawing/2014/main" id="{2A1C1898-3852-D1D6-DD2E-BA2050677472}"/>
+                </a:ext>
+              </a:extLst>
+            </p:cNvPr>
+            <p:cNvSpPr/>
+            <p:nvPr/>
+          </p:nvSpPr>
+          <p:spPr>
+            <a:xfrm>
+              <a:off x="3222208" y="4089479"/>
+              <a:ext cx="340117" cy="370332"/>
+            </a:xfrm>
+            <a:prstGeom prst="ellipse">
+              <a:avLst/>
+            </a:prstGeom>
+            <a:solidFill>
+              <a:schemeClr val="accent1">
+                <a:alpha val="23000"/>
+              </a:schemeClr>
+            </a:solidFill>
+          </p:spPr>
+          <p:style>
+            <a:lnRef idx="2">
+              <a:schemeClr val="accent1">
+                <a:shade val="15000"/>
+              </a:schemeClr>
+            </a:lnRef>
+            <a:fillRef idx="1">
+              <a:schemeClr val="accent1"/>
+            </a:fillRef>
+            <a:effectRef idx="0">
+              <a:schemeClr val="accent1"/>
+            </a:effectRef>
+            <a:fontRef idx="minor">
+              <a:schemeClr val="lt1"/>
+            </a:fontRef>
+          </p:style>
+          <p:txBody>
+            <a:bodyPr rtlCol="0" anchor="ctr"/>
+            <a:lstStyle/>
+            <a:p>
+              <a:pPr algn="ctr"/>
+              <a:endParaRPr lang="en-US"/>
+            </a:p>
+          </p:txBody>
+        </p:sp>
+        <mc:AlternateContent xmlns:mc="http://schemas.openxmlformats.org/markup-compatibility/2006">
+          <mc:Choice xmlns:a14="http://schemas.microsoft.com/office/drawing/2010/main" Requires="a14">
+            <p:sp>
+              <p:nvSpPr>
+                <p:cNvPr id="39" name="TextBox 38">
+                  <a:extLst>
+                    <a:ext uri="{FF2B5EF4-FFF2-40B4-BE49-F238E27FC236}">
+                      <a16:creationId xmlns:a16="http://schemas.microsoft.com/office/drawing/2014/main" id="{CA593F19-E20C-D5C6-798C-CC7BDC5DC521}"/>
+                    </a:ext>
+                  </a:extLst>
+                </p:cNvPr>
+                <p:cNvSpPr txBox="1"/>
+                <p:nvPr/>
+              </p:nvSpPr>
+              <p:spPr>
+                <a:xfrm>
+                  <a:off x="3249664" y="4159229"/>
+                  <a:ext cx="273601" cy="230832"/>
+                </a:xfrm>
+                <a:prstGeom prst="rect">
+                  <a:avLst/>
+                </a:prstGeom>
+                <a:noFill/>
+              </p:spPr>
+              <p:txBody>
+                <a:bodyPr wrap="none" rtlCol="0">
+                  <a:spAutoFit/>
+                </a:bodyPr>
+                <a:lstStyle/>
+                <a:p>
+                  <a14:m>
+                    <m:oMathPara xmlns:m="http://schemas.openxmlformats.org/officeDocument/2006/math">
+                      <m:oMathParaPr>
+                        <m:jc m:val="centerGroup"/>
+                      </m:oMathParaPr>
+                      <m:oMath xmlns:m="http://schemas.openxmlformats.org/officeDocument/2006/math">
+                        <m:r>
+                          <a:rPr lang="en-US" sz="900" b="0" i="1" smtClean="0">
+                            <a:latin typeface="Cambria Math" panose="02040503050406030204" pitchFamily="18" charset="0"/>
+                          </a:rPr>
+                          <m:t>𝐿</m:t>
+                        </m:r>
+                      </m:oMath>
+                    </m:oMathPara>
+                  </a14:m>
+                  <a:endParaRPr lang="en-US" sz="900" dirty="0"/>
+                </a:p>
+              </p:txBody>
+            </p:sp>
+          </mc:Choice>
+          <mc:Fallback>
+            <p:sp>
+              <p:nvSpPr>
+                <p:cNvPr id="39" name="TextBox 38">
+                  <a:extLst>
+                    <a:ext uri="{FF2B5EF4-FFF2-40B4-BE49-F238E27FC236}">
+                      <a16:creationId xmlns:a16="http://schemas.microsoft.com/office/drawing/2014/main" id="{CA593F19-E20C-D5C6-798C-CC7BDC5DC521}"/>
+                    </a:ext>
+                  </a:extLst>
+                </p:cNvPr>
+                <p:cNvSpPr txBox="1">
+                  <a:spLocks noRot="1" noChangeAspect="1" noMove="1" noResize="1" noEditPoints="1" noAdjustHandles="1" noChangeArrowheads="1" noChangeShapeType="1" noTextEdit="1"/>
+                </p:cNvSpPr>
+                <p:nvPr/>
+              </p:nvSpPr>
+              <p:spPr>
+                <a:xfrm>
+                  <a:off x="3249664" y="4159229"/>
+                  <a:ext cx="273601" cy="230832"/>
+                </a:xfrm>
+                <a:prstGeom prst="rect">
+                  <a:avLst/>
+                </a:prstGeom>
+                <a:blipFill>
+                  <a:blip r:embed="rId9"/>
+                  <a:stretch>
+                    <a:fillRect/>
+                  </a:stretch>
+                </a:blipFill>
+              </p:spPr>
+              <p:txBody>
+                <a:bodyPr/>
+                <a:lstStyle/>
+                <a:p>
+                  <a:r>
+                    <a:rPr lang="en-US">
+                      <a:noFill/>
+                    </a:rPr>
+                    <a:t> </a:t>
+                  </a:r>
+                </a:p>
+              </p:txBody>
+            </p:sp>
+          </mc:Fallback>
+        </mc:AlternateContent>
+        <p:sp>
+          <p:nvSpPr>
+            <p:cNvPr id="40" name="Oval 39">
+              <a:extLst>
+                <a:ext uri="{FF2B5EF4-FFF2-40B4-BE49-F238E27FC236}">
+                  <a16:creationId xmlns:a16="http://schemas.microsoft.com/office/drawing/2014/main" id="{167B49FA-5999-6A90-31B0-987EB10EFA8E}"/>
+                </a:ext>
+              </a:extLst>
+            </p:cNvPr>
+            <p:cNvSpPr/>
+            <p:nvPr/>
+          </p:nvSpPr>
+          <p:spPr>
+            <a:xfrm>
+              <a:off x="2533360" y="3429000"/>
+              <a:ext cx="340117" cy="370332"/>
+            </a:xfrm>
+            <a:prstGeom prst="ellipse">
+              <a:avLst/>
+            </a:prstGeom>
+            <a:solidFill>
+              <a:schemeClr val="accent1">
+                <a:alpha val="23000"/>
+              </a:schemeClr>
+            </a:solidFill>
+          </p:spPr>
+          <p:style>
+            <a:lnRef idx="2">
+              <a:schemeClr val="accent1">
+                <a:shade val="15000"/>
+              </a:schemeClr>
+            </a:lnRef>
+            <a:fillRef idx="1">
+              <a:schemeClr val="accent1"/>
+            </a:fillRef>
+            <a:effectRef idx="0">
+              <a:schemeClr val="accent1"/>
+            </a:effectRef>
+            <a:fontRef idx="minor">
+              <a:schemeClr val="lt1"/>
+            </a:fontRef>
+          </p:style>
+          <p:txBody>
+            <a:bodyPr rtlCol="0" anchor="ctr"/>
+            <a:lstStyle/>
+            <a:p>
+              <a:pPr algn="ctr"/>
+              <a:endParaRPr lang="en-US"/>
+            </a:p>
+          </p:txBody>
+        </p:sp>
+        <mc:AlternateContent xmlns:mc="http://schemas.openxmlformats.org/markup-compatibility/2006">
+          <mc:Choice xmlns:a14="http://schemas.microsoft.com/office/drawing/2010/main" Requires="a14">
+            <p:sp>
+              <p:nvSpPr>
+                <p:cNvPr id="41" name="TextBox 40">
+                  <a:extLst>
+                    <a:ext uri="{FF2B5EF4-FFF2-40B4-BE49-F238E27FC236}">
+                      <a16:creationId xmlns:a16="http://schemas.microsoft.com/office/drawing/2014/main" id="{3F768CFF-A096-630E-2B17-92F1E7485D22}"/>
+                    </a:ext>
+                  </a:extLst>
+                </p:cNvPr>
+                <p:cNvSpPr txBox="1"/>
+                <p:nvPr/>
+              </p:nvSpPr>
+              <p:spPr>
+                <a:xfrm>
+                  <a:off x="2560816" y="3498750"/>
+                  <a:ext cx="297068" cy="230832"/>
+                </a:xfrm>
+                <a:prstGeom prst="rect">
+                  <a:avLst/>
+                </a:prstGeom>
+                <a:noFill/>
+              </p:spPr>
+              <p:txBody>
+                <a:bodyPr wrap="none" rtlCol="0">
+                  <a:spAutoFit/>
+                </a:bodyPr>
+                <a:lstStyle/>
+                <a:p>
+                  <a14:m>
+                    <m:oMathPara xmlns:m="http://schemas.openxmlformats.org/officeDocument/2006/math">
+                      <m:oMathParaPr>
+                        <m:jc m:val="centerGroup"/>
+                      </m:oMathParaPr>
+                      <m:oMath xmlns:m="http://schemas.openxmlformats.org/officeDocument/2006/math">
+                        <m:r>
+                          <a:rPr lang="en-US" sz="900" b="0" i="1" smtClean="0">
+                            <a:latin typeface="Cambria Math" panose="02040503050406030204" pitchFamily="18" charset="0"/>
+                          </a:rPr>
+                          <m:t>𝐻</m:t>
+                        </m:r>
+                      </m:oMath>
+                    </m:oMathPara>
+                  </a14:m>
+                  <a:endParaRPr lang="en-US" sz="900" dirty="0"/>
+                </a:p>
+              </p:txBody>
+            </p:sp>
+          </mc:Choice>
+          <mc:Fallback>
+            <p:sp>
+              <p:nvSpPr>
+                <p:cNvPr id="41" name="TextBox 40">
+                  <a:extLst>
+                    <a:ext uri="{FF2B5EF4-FFF2-40B4-BE49-F238E27FC236}">
+                      <a16:creationId xmlns:a16="http://schemas.microsoft.com/office/drawing/2014/main" id="{3F768CFF-A096-630E-2B17-92F1E7485D22}"/>
+                    </a:ext>
+                  </a:extLst>
+                </p:cNvPr>
+                <p:cNvSpPr txBox="1">
+                  <a:spLocks noRot="1" noChangeAspect="1" noMove="1" noResize="1" noEditPoints="1" noAdjustHandles="1" noChangeArrowheads="1" noChangeShapeType="1" noTextEdit="1"/>
+                </p:cNvSpPr>
+                <p:nvPr/>
+              </p:nvSpPr>
+              <p:spPr>
+                <a:xfrm>
+                  <a:off x="2560816" y="3498750"/>
+                  <a:ext cx="297068" cy="230832"/>
+                </a:xfrm>
+                <a:prstGeom prst="rect">
+                  <a:avLst/>
+                </a:prstGeom>
+                <a:blipFill>
+                  <a:blip r:embed="rId10"/>
+                  <a:stretch>
+                    <a:fillRect/>
+                  </a:stretch>
+                </a:blipFill>
+              </p:spPr>
+              <p:txBody>
+                <a:bodyPr/>
+                <a:lstStyle/>
+                <a:p>
+                  <a:r>
+                    <a:rPr lang="en-US">
+                      <a:noFill/>
+                    </a:rPr>
+                    <a:t> </a:t>
+                  </a:r>
+                </a:p>
+              </p:txBody>
+            </p:sp>
+          </mc:Fallback>
+        </mc:AlternateContent>
+        <p:sp>
+          <p:nvSpPr>
+            <p:cNvPr id="42" name="Oval 41">
+              <a:extLst>
+                <a:ext uri="{FF2B5EF4-FFF2-40B4-BE49-F238E27FC236}">
+                  <a16:creationId xmlns:a16="http://schemas.microsoft.com/office/drawing/2014/main" id="{9469E068-4522-DD74-8FC0-2F832D651F9C}"/>
+                </a:ext>
+              </a:extLst>
+            </p:cNvPr>
+            <p:cNvSpPr/>
+            <p:nvPr/>
+          </p:nvSpPr>
+          <p:spPr>
+            <a:xfrm>
+              <a:off x="2560816" y="4738116"/>
+              <a:ext cx="340117" cy="370332"/>
+            </a:xfrm>
+            <a:prstGeom prst="ellipse">
+              <a:avLst/>
+            </a:prstGeom>
+            <a:solidFill>
+              <a:schemeClr val="accent1">
+                <a:alpha val="23000"/>
+              </a:schemeClr>
+            </a:solidFill>
+          </p:spPr>
+          <p:style>
+            <a:lnRef idx="2">
+              <a:schemeClr val="accent1">
+                <a:shade val="15000"/>
+              </a:schemeClr>
+            </a:lnRef>
+            <a:fillRef idx="1">
+              <a:schemeClr val="accent1"/>
+            </a:fillRef>
+            <a:effectRef idx="0">
+              <a:schemeClr val="accent1"/>
+            </a:effectRef>
+            <a:fontRef idx="minor">
+              <a:schemeClr val="lt1"/>
+            </a:fontRef>
+          </p:style>
+          <p:txBody>
+            <a:bodyPr rtlCol="0" anchor="ctr"/>
+            <a:lstStyle/>
+            <a:p>
+              <a:pPr algn="ctr"/>
+              <a:endParaRPr lang="en-US"/>
+            </a:p>
+          </p:txBody>
+        </p:sp>
+        <mc:AlternateContent xmlns:mc="http://schemas.openxmlformats.org/markup-compatibility/2006">
+          <mc:Choice xmlns:a14="http://schemas.microsoft.com/office/drawing/2010/main" Requires="a14">
+            <p:sp>
+              <p:nvSpPr>
+                <p:cNvPr id="43" name="TextBox 42">
+                  <a:extLst>
+                    <a:ext uri="{FF2B5EF4-FFF2-40B4-BE49-F238E27FC236}">
+                      <a16:creationId xmlns:a16="http://schemas.microsoft.com/office/drawing/2014/main" id="{C6843EEA-D979-D66E-BC6A-92D71EECEEED}"/>
+                    </a:ext>
+                  </a:extLst>
+                </p:cNvPr>
+                <p:cNvSpPr txBox="1"/>
+                <p:nvPr/>
+              </p:nvSpPr>
+              <p:spPr>
+                <a:xfrm>
+                  <a:off x="2588272" y="4807866"/>
+                  <a:ext cx="285335" cy="230832"/>
+                </a:xfrm>
+                <a:prstGeom prst="rect">
+                  <a:avLst/>
+                </a:prstGeom>
+                <a:noFill/>
+              </p:spPr>
+              <p:txBody>
+                <a:bodyPr wrap="none" rtlCol="0">
+                  <a:spAutoFit/>
+                </a:bodyPr>
+                <a:lstStyle/>
+                <a:p>
+                  <a14:m>
+                    <m:oMathPara xmlns:m="http://schemas.openxmlformats.org/officeDocument/2006/math">
+                      <m:oMathParaPr>
+                        <m:jc m:val="centerGroup"/>
+                      </m:oMathParaPr>
+                      <m:oMath xmlns:m="http://schemas.openxmlformats.org/officeDocument/2006/math">
+                        <m:r>
+                          <a:rPr lang="en-US" sz="900" b="0" i="1" smtClean="0">
+                            <a:latin typeface="Cambria Math" panose="02040503050406030204" pitchFamily="18" charset="0"/>
+                          </a:rPr>
+                          <m:t>𝐹</m:t>
+                        </m:r>
+                      </m:oMath>
+                    </m:oMathPara>
+                  </a14:m>
+                  <a:endParaRPr lang="en-US" sz="900" dirty="0"/>
+                </a:p>
+              </p:txBody>
+            </p:sp>
+          </mc:Choice>
+          <mc:Fallback>
+            <p:sp>
+              <p:nvSpPr>
+                <p:cNvPr id="43" name="TextBox 42">
+                  <a:extLst>
+                    <a:ext uri="{FF2B5EF4-FFF2-40B4-BE49-F238E27FC236}">
+                      <a16:creationId xmlns:a16="http://schemas.microsoft.com/office/drawing/2014/main" id="{C6843EEA-D979-D66E-BC6A-92D71EECEEED}"/>
+                    </a:ext>
+                  </a:extLst>
+                </p:cNvPr>
+                <p:cNvSpPr txBox="1">
+                  <a:spLocks noRot="1" noChangeAspect="1" noMove="1" noResize="1" noEditPoints="1" noAdjustHandles="1" noChangeArrowheads="1" noChangeShapeType="1" noTextEdit="1"/>
+                </p:cNvSpPr>
+                <p:nvPr/>
+              </p:nvSpPr>
+              <p:spPr>
+                <a:xfrm>
+                  <a:off x="2588272" y="4807866"/>
+                  <a:ext cx="285335" cy="230832"/>
+                </a:xfrm>
+                <a:prstGeom prst="rect">
+                  <a:avLst/>
+                </a:prstGeom>
+                <a:blipFill>
+                  <a:blip r:embed="rId11"/>
+                  <a:stretch>
+                    <a:fillRect/>
+                  </a:stretch>
+                </a:blipFill>
+              </p:spPr>
+              <p:txBody>
+                <a:bodyPr/>
+                <a:lstStyle/>
+                <a:p>
+                  <a:r>
+                    <a:rPr lang="en-US">
+                      <a:noFill/>
+                    </a:rPr>
+                    <a:t> </a:t>
+                  </a:r>
+                </a:p>
+              </p:txBody>
+            </p:sp>
+          </mc:Fallback>
+        </mc:AlternateContent>
+        <p:sp>
+          <p:nvSpPr>
+            <p:cNvPr id="44" name="Oval 43">
+              <a:extLst>
+                <a:ext uri="{FF2B5EF4-FFF2-40B4-BE49-F238E27FC236}">
+                  <a16:creationId xmlns:a16="http://schemas.microsoft.com/office/drawing/2014/main" id="{6CF36704-31A4-44F5-0BD2-0B4BF6660054}"/>
+                </a:ext>
+              </a:extLst>
+            </p:cNvPr>
+            <p:cNvSpPr/>
+            <p:nvPr/>
+          </p:nvSpPr>
+          <p:spPr>
+            <a:xfrm>
+              <a:off x="3876657" y="4744212"/>
+              <a:ext cx="340117" cy="370332"/>
+            </a:xfrm>
+            <a:prstGeom prst="ellipse">
+              <a:avLst/>
+            </a:prstGeom>
+            <a:solidFill>
+              <a:schemeClr val="accent1">
+                <a:alpha val="23000"/>
+              </a:schemeClr>
+            </a:solidFill>
+          </p:spPr>
+          <p:style>
+            <a:lnRef idx="2">
+              <a:schemeClr val="accent1">
+                <a:shade val="15000"/>
+              </a:schemeClr>
+            </a:lnRef>
+            <a:fillRef idx="1">
+              <a:schemeClr val="accent1"/>
+            </a:fillRef>
+            <a:effectRef idx="0">
+              <a:schemeClr val="accent1"/>
+            </a:effectRef>
+            <a:fontRef idx="minor">
+              <a:schemeClr val="lt1"/>
+            </a:fontRef>
+          </p:style>
+          <p:txBody>
+            <a:bodyPr rtlCol="0" anchor="ctr"/>
+            <a:lstStyle/>
+            <a:p>
+              <a:pPr algn="ctr"/>
+              <a:endParaRPr lang="en-US"/>
+            </a:p>
+          </p:txBody>
+        </p:sp>
+        <mc:AlternateContent xmlns:mc="http://schemas.openxmlformats.org/markup-compatibility/2006">
+          <mc:Choice xmlns:a14="http://schemas.microsoft.com/office/drawing/2010/main" Requires="a14">
+            <p:sp>
+              <p:nvSpPr>
+                <p:cNvPr id="45" name="TextBox 44">
+                  <a:extLst>
+                    <a:ext uri="{FF2B5EF4-FFF2-40B4-BE49-F238E27FC236}">
+                      <a16:creationId xmlns:a16="http://schemas.microsoft.com/office/drawing/2014/main" id="{1DB48B9C-D8BA-53DB-662C-B9987EB67D09}"/>
+                    </a:ext>
+                  </a:extLst>
+                </p:cNvPr>
+                <p:cNvSpPr txBox="1"/>
+                <p:nvPr/>
+              </p:nvSpPr>
+              <p:spPr>
+                <a:xfrm>
+                  <a:off x="3904113" y="4813962"/>
+                  <a:ext cx="284309" cy="230832"/>
+                </a:xfrm>
+                <a:prstGeom prst="rect">
+                  <a:avLst/>
+                </a:prstGeom>
+                <a:noFill/>
+              </p:spPr>
+              <p:txBody>
+                <a:bodyPr wrap="none" rtlCol="0">
+                  <a:spAutoFit/>
+                </a:bodyPr>
+                <a:lstStyle/>
+                <a:p>
+                  <a14:m>
+                    <m:oMathPara xmlns:m="http://schemas.openxmlformats.org/officeDocument/2006/math">
+                      <m:oMathParaPr>
+                        <m:jc m:val="centerGroup"/>
+                      </m:oMathParaPr>
+                      <m:oMath xmlns:m="http://schemas.openxmlformats.org/officeDocument/2006/math">
+                        <m:r>
+                          <a:rPr lang="en-US" sz="900" b="0" i="1" smtClean="0">
+                            <a:latin typeface="Cambria Math" panose="02040503050406030204" pitchFamily="18" charset="0"/>
+                          </a:rPr>
+                          <m:t>𝐶</m:t>
+                        </m:r>
+                      </m:oMath>
+                    </m:oMathPara>
+                  </a14:m>
+                  <a:endParaRPr lang="en-US" sz="900" dirty="0"/>
+                </a:p>
+              </p:txBody>
+            </p:sp>
+          </mc:Choice>
+          <mc:Fallback>
+            <p:sp>
+              <p:nvSpPr>
+                <p:cNvPr id="45" name="TextBox 44">
+                  <a:extLst>
+                    <a:ext uri="{FF2B5EF4-FFF2-40B4-BE49-F238E27FC236}">
+                      <a16:creationId xmlns:a16="http://schemas.microsoft.com/office/drawing/2014/main" id="{1DB48B9C-D8BA-53DB-662C-B9987EB67D09}"/>
+                    </a:ext>
+                  </a:extLst>
+                </p:cNvPr>
+                <p:cNvSpPr txBox="1">
+                  <a:spLocks noRot="1" noChangeAspect="1" noMove="1" noResize="1" noEditPoints="1" noAdjustHandles="1" noChangeArrowheads="1" noChangeShapeType="1" noTextEdit="1"/>
+                </p:cNvSpPr>
+                <p:nvPr/>
+              </p:nvSpPr>
+              <p:spPr>
+                <a:xfrm>
+                  <a:off x="3904113" y="4813962"/>
+                  <a:ext cx="284309" cy="230832"/>
+                </a:xfrm>
+                <a:prstGeom prst="rect">
+                  <a:avLst/>
+                </a:prstGeom>
+                <a:blipFill>
+                  <a:blip r:embed="rId12"/>
+                  <a:stretch>
+                    <a:fillRect/>
+                  </a:stretch>
+                </a:blipFill>
+              </p:spPr>
+              <p:txBody>
+                <a:bodyPr/>
+                <a:lstStyle/>
+                <a:p>
+                  <a:r>
+                    <a:rPr lang="en-US">
+                      <a:noFill/>
+                    </a:rPr>
+                    <a:t> </a:t>
+                  </a:r>
+                </a:p>
+              </p:txBody>
+            </p:sp>
+          </mc:Fallback>
+        </mc:AlternateContent>
+        <p:cxnSp>
+          <p:nvCxnSpPr>
+            <p:cNvPr id="49" name="Straight Arrow Connector 48">
+              <a:extLst>
+                <a:ext uri="{FF2B5EF4-FFF2-40B4-BE49-F238E27FC236}">
+                  <a16:creationId xmlns:a16="http://schemas.microsoft.com/office/drawing/2014/main" id="{5A39963F-5F6C-12A3-2D7D-B5913C0097CE}"/>
+                </a:ext>
+              </a:extLst>
+            </p:cNvPr>
+            <p:cNvCxnSpPr>
+              <a:endCxn id="38" idx="1"/>
+            </p:cNvCxnSpPr>
+            <p:nvPr/>
+          </p:nvCxnSpPr>
+          <p:spPr>
+            <a:xfrm>
+              <a:off x="2857884" y="3729582"/>
+              <a:ext cx="414133" cy="414131"/>
+            </a:xfrm>
+            <a:prstGeom prst="straightConnector1">
+              <a:avLst/>
+            </a:prstGeom>
+            <a:ln>
+              <a:tailEnd type="triangle"/>
+            </a:ln>
+          </p:spPr>
+          <p:style>
+            <a:lnRef idx="1">
+              <a:schemeClr val="accent1"/>
+            </a:lnRef>
+            <a:fillRef idx="0">
+              <a:schemeClr val="accent1"/>
+            </a:fillRef>
+            <a:effectRef idx="0">
+              <a:schemeClr val="accent1"/>
+            </a:effectRef>
+            <a:fontRef idx="minor">
+              <a:schemeClr val="tx1"/>
+            </a:fontRef>
+          </p:style>
+        </p:cxnSp>
+        <p:cxnSp>
+          <p:nvCxnSpPr>
+            <p:cNvPr id="51" name="Straight Arrow Connector 50">
+              <a:extLst>
+                <a:ext uri="{FF2B5EF4-FFF2-40B4-BE49-F238E27FC236}">
+                  <a16:creationId xmlns:a16="http://schemas.microsoft.com/office/drawing/2014/main" id="{1794C6CE-81BD-0E18-E32F-A5145D714DF2}"/>
+                </a:ext>
+              </a:extLst>
+            </p:cNvPr>
+            <p:cNvCxnSpPr/>
+            <p:nvPr/>
+          </p:nvCxnSpPr>
+          <p:spPr>
+            <a:xfrm>
+              <a:off x="2194256" y="4425696"/>
+              <a:ext cx="394016" cy="382170"/>
+            </a:xfrm>
+            <a:prstGeom prst="straightConnector1">
+              <a:avLst/>
+            </a:prstGeom>
+            <a:ln>
+              <a:tailEnd type="triangle"/>
+            </a:ln>
+          </p:spPr>
+          <p:style>
+            <a:lnRef idx="1">
+              <a:schemeClr val="accent1"/>
+            </a:lnRef>
+            <a:fillRef idx="0">
+              <a:schemeClr val="accent1"/>
+            </a:fillRef>
+            <a:effectRef idx="0">
+              <a:schemeClr val="accent1"/>
+            </a:effectRef>
+            <a:fontRef idx="minor">
+              <a:schemeClr val="tx1"/>
+            </a:fontRef>
+          </p:style>
+        </p:cxnSp>
+        <p:cxnSp>
+          <p:nvCxnSpPr>
+            <p:cNvPr id="52" name="Straight Arrow Connector 51">
+              <a:extLst>
+                <a:ext uri="{FF2B5EF4-FFF2-40B4-BE49-F238E27FC236}">
+                  <a16:creationId xmlns:a16="http://schemas.microsoft.com/office/drawing/2014/main" id="{4049D503-4962-F6C1-2143-4C3CF72BCFED}"/>
+                </a:ext>
+              </a:extLst>
+            </p:cNvPr>
+            <p:cNvCxnSpPr>
+              <a:cxnSpLocks/>
+            </p:cNvCxnSpPr>
+            <p:nvPr/>
+          </p:nvCxnSpPr>
+          <p:spPr>
+            <a:xfrm flipH="1">
+              <a:off x="2873477" y="4405577"/>
+              <a:ext cx="392276" cy="402289"/>
+            </a:xfrm>
+            <a:prstGeom prst="straightConnector1">
+              <a:avLst/>
+            </a:prstGeom>
+            <a:ln>
+              <a:tailEnd type="triangle"/>
+            </a:ln>
+          </p:spPr>
+          <p:style>
+            <a:lnRef idx="1">
+              <a:schemeClr val="accent1"/>
+            </a:lnRef>
+            <a:fillRef idx="0">
+              <a:schemeClr val="accent1"/>
+            </a:fillRef>
+            <a:effectRef idx="0">
+              <a:schemeClr val="accent1"/>
+            </a:effectRef>
+            <a:fontRef idx="minor">
+              <a:schemeClr val="tx1"/>
+            </a:fontRef>
+          </p:style>
+        </p:cxnSp>
+        <p:cxnSp>
+          <p:nvCxnSpPr>
+            <p:cNvPr id="54" name="Straight Arrow Connector 53">
+              <a:extLst>
+                <a:ext uri="{FF2B5EF4-FFF2-40B4-BE49-F238E27FC236}">
+                  <a16:creationId xmlns:a16="http://schemas.microsoft.com/office/drawing/2014/main" id="{56D3CF0B-1B62-8199-58CF-39ABAF65A824}"/>
+                </a:ext>
+              </a:extLst>
+            </p:cNvPr>
+            <p:cNvCxnSpPr>
+              <a:cxnSpLocks/>
+            </p:cNvCxnSpPr>
+            <p:nvPr/>
+          </p:nvCxnSpPr>
+          <p:spPr>
+            <a:xfrm flipH="1">
+              <a:off x="2185363" y="3748479"/>
+              <a:ext cx="392276" cy="402289"/>
+            </a:xfrm>
+            <a:prstGeom prst="straightConnector1">
+              <a:avLst/>
+            </a:prstGeom>
+            <a:ln>
+              <a:tailEnd type="triangle"/>
+            </a:ln>
+          </p:spPr>
+          <p:style>
+            <a:lnRef idx="1">
+              <a:schemeClr val="accent1"/>
+            </a:lnRef>
+            <a:fillRef idx="0">
+              <a:schemeClr val="accent1"/>
+            </a:fillRef>
+            <a:effectRef idx="0">
+              <a:schemeClr val="accent1"/>
+            </a:effectRef>
+            <a:fontRef idx="minor">
+              <a:schemeClr val="tx1"/>
+            </a:fontRef>
+          </p:style>
+        </p:cxnSp>
+        <p:cxnSp>
+          <p:nvCxnSpPr>
+            <p:cNvPr id="56" name="Straight Arrow Connector 55">
+              <a:extLst>
+                <a:ext uri="{FF2B5EF4-FFF2-40B4-BE49-F238E27FC236}">
+                  <a16:creationId xmlns:a16="http://schemas.microsoft.com/office/drawing/2014/main" id="{C82A833B-0B91-DDEA-E721-5B930088E1F1}"/>
+                </a:ext>
+              </a:extLst>
+            </p:cNvPr>
+            <p:cNvCxnSpPr>
+              <a:stCxn id="38" idx="5"/>
+            </p:cNvCxnSpPr>
+            <p:nvPr/>
+          </p:nvCxnSpPr>
+          <p:spPr>
+            <a:xfrm>
+              <a:off x="3512516" y="4405577"/>
+              <a:ext cx="398540" cy="392868"/>
+            </a:xfrm>
+            <a:prstGeom prst="straightConnector1">
+              <a:avLst/>
+            </a:prstGeom>
+            <a:ln>
+              <a:tailEnd type="triangle"/>
+            </a:ln>
+          </p:spPr>
+          <p:style>
+            <a:lnRef idx="1">
+              <a:schemeClr val="accent1"/>
+            </a:lnRef>
+            <a:fillRef idx="0">
+              <a:schemeClr val="accent1"/>
+            </a:fillRef>
+            <a:effectRef idx="0">
+              <a:schemeClr val="accent1"/>
+            </a:effectRef>
+            <a:fontRef idx="minor">
+              <a:schemeClr val="tx1"/>
+            </a:fontRef>
+          </p:style>
+        </p:cxnSp>
+      </p:grpSp>
+      <p:grpSp>
+        <p:nvGrpSpPr>
+          <p:cNvPr id="86" name="Group 85">
+            <a:extLst>
+              <a:ext uri="{FF2B5EF4-FFF2-40B4-BE49-F238E27FC236}">
+                <a16:creationId xmlns:a16="http://schemas.microsoft.com/office/drawing/2014/main" id="{A71D251C-5D01-4F60-57AA-12BFEFC17408}"/>
+              </a:ext>
+            </a:extLst>
+          </p:cNvPr>
+          <p:cNvGrpSpPr/>
+          <p:nvPr/>
+        </p:nvGrpSpPr>
+        <p:grpSpPr>
+          <a:xfrm>
+            <a:off x="6109636" y="1239012"/>
+            <a:ext cx="3753343" cy="1332290"/>
+            <a:chOff x="6109636" y="1239012"/>
+            <a:chExt cx="3753343" cy="1332290"/>
+          </a:xfrm>
+        </p:grpSpPr>
+        <p:sp>
+          <p:nvSpPr>
+            <p:cNvPr id="58" name="Oval 57">
+              <a:extLst>
+                <a:ext uri="{FF2B5EF4-FFF2-40B4-BE49-F238E27FC236}">
+                  <a16:creationId xmlns:a16="http://schemas.microsoft.com/office/drawing/2014/main" id="{B379A1FD-542D-3454-6638-4999562B5154}"/>
+                </a:ext>
+              </a:extLst>
+            </p:cNvPr>
+            <p:cNvSpPr/>
+            <p:nvPr/>
+          </p:nvSpPr>
+          <p:spPr>
+            <a:xfrm>
+              <a:off x="6535048" y="1276718"/>
+              <a:ext cx="340117" cy="370332"/>
+            </a:xfrm>
+            <a:prstGeom prst="ellipse">
+              <a:avLst/>
+            </a:prstGeom>
+            <a:solidFill>
+              <a:schemeClr val="accent1">
+                <a:alpha val="23000"/>
+              </a:schemeClr>
+            </a:solidFill>
+          </p:spPr>
+          <p:style>
+            <a:lnRef idx="2">
+              <a:schemeClr val="accent1">
+                <a:shade val="15000"/>
+              </a:schemeClr>
+            </a:lnRef>
+            <a:fillRef idx="1">
+              <a:schemeClr val="accent1"/>
+            </a:fillRef>
+            <a:effectRef idx="0">
+              <a:schemeClr val="accent1"/>
+            </a:effectRef>
+            <a:fontRef idx="minor">
+              <a:schemeClr val="lt1"/>
+            </a:fontRef>
+          </p:style>
+          <p:txBody>
+            <a:bodyPr rtlCol="0" anchor="ctr"/>
+            <a:lstStyle/>
+            <a:p>
+              <a:pPr algn="ctr"/>
+              <a:endParaRPr lang="en-US"/>
+            </a:p>
+          </p:txBody>
+        </p:sp>
+        <mc:AlternateContent xmlns:mc="http://schemas.openxmlformats.org/markup-compatibility/2006">
+          <mc:Choice xmlns:a14="http://schemas.microsoft.com/office/drawing/2010/main" Requires="a14">
+            <p:sp>
+              <p:nvSpPr>
+                <p:cNvPr id="59" name="TextBox 58">
+                  <a:extLst>
+                    <a:ext uri="{FF2B5EF4-FFF2-40B4-BE49-F238E27FC236}">
+                      <a16:creationId xmlns:a16="http://schemas.microsoft.com/office/drawing/2014/main" id="{1346BC44-870B-67FA-60CC-ABC8A056AE32}"/>
+                    </a:ext>
+                  </a:extLst>
+                </p:cNvPr>
+                <p:cNvSpPr txBox="1"/>
+                <p:nvPr/>
+              </p:nvSpPr>
+              <p:spPr>
+                <a:xfrm>
+                  <a:off x="6562951" y="1350101"/>
+                  <a:ext cx="284309" cy="230832"/>
+                </a:xfrm>
+                <a:prstGeom prst="rect">
+                  <a:avLst/>
+                </a:prstGeom>
+                <a:noFill/>
+              </p:spPr>
+              <p:txBody>
+                <a:bodyPr wrap="none" rtlCol="0">
+                  <a:spAutoFit/>
+                </a:bodyPr>
+                <a:lstStyle/>
+                <a:p>
+                  <a14:m>
+                    <m:oMathPara xmlns:m="http://schemas.openxmlformats.org/officeDocument/2006/math">
+                      <m:oMathParaPr>
+                        <m:jc m:val="centerGroup"/>
+                      </m:oMathParaPr>
+                      <m:oMath xmlns:m="http://schemas.openxmlformats.org/officeDocument/2006/math">
+                        <m:r>
+                          <a:rPr lang="en-US" sz="900" b="0" i="1" smtClean="0">
+                            <a:latin typeface="Cambria Math" panose="02040503050406030204" pitchFamily="18" charset="0"/>
+                          </a:rPr>
+                          <m:t>𝐶</m:t>
+                        </m:r>
+                      </m:oMath>
+                    </m:oMathPara>
+                  </a14:m>
+                  <a:endParaRPr lang="en-US" sz="900" dirty="0"/>
+                </a:p>
+              </p:txBody>
+            </p:sp>
+          </mc:Choice>
+          <mc:Fallback>
+            <p:sp>
+              <p:nvSpPr>
+                <p:cNvPr id="59" name="TextBox 58">
+                  <a:extLst>
+                    <a:ext uri="{FF2B5EF4-FFF2-40B4-BE49-F238E27FC236}">
+                      <a16:creationId xmlns:a16="http://schemas.microsoft.com/office/drawing/2014/main" id="{1346BC44-870B-67FA-60CC-ABC8A056AE32}"/>
+                    </a:ext>
+                  </a:extLst>
+                </p:cNvPr>
+                <p:cNvSpPr txBox="1">
+                  <a:spLocks noRot="1" noChangeAspect="1" noMove="1" noResize="1" noEditPoints="1" noAdjustHandles="1" noChangeArrowheads="1" noChangeShapeType="1" noTextEdit="1"/>
+                </p:cNvSpPr>
+                <p:nvPr/>
+              </p:nvSpPr>
+              <p:spPr>
+                <a:xfrm>
+                  <a:off x="6562951" y="1350101"/>
+                  <a:ext cx="284309" cy="230832"/>
+                </a:xfrm>
+                <a:prstGeom prst="rect">
+                  <a:avLst/>
+                </a:prstGeom>
+                <a:blipFill>
+                  <a:blip r:embed="rId13"/>
+                  <a:stretch>
+                    <a:fillRect/>
+                  </a:stretch>
+                </a:blipFill>
+              </p:spPr>
+              <p:txBody>
+                <a:bodyPr/>
+                <a:lstStyle/>
+                <a:p>
+                  <a:r>
+                    <a:rPr lang="en-US">
+                      <a:noFill/>
+                    </a:rPr>
+                    <a:t> </a:t>
+                  </a:r>
+                </a:p>
+              </p:txBody>
+            </p:sp>
+          </mc:Fallback>
+        </mc:AlternateContent>
+        <p:sp>
+          <p:nvSpPr>
+            <p:cNvPr id="60" name="Oval 59">
+              <a:extLst>
+                <a:ext uri="{FF2B5EF4-FFF2-40B4-BE49-F238E27FC236}">
+                  <a16:creationId xmlns:a16="http://schemas.microsoft.com/office/drawing/2014/main" id="{E72CD92C-174A-A101-11FC-D34320E2A1C1}"/>
+                </a:ext>
+              </a:extLst>
+            </p:cNvPr>
+            <p:cNvSpPr/>
+            <p:nvPr/>
+          </p:nvSpPr>
+          <p:spPr>
+            <a:xfrm>
+              <a:off x="6109636" y="1923582"/>
+              <a:ext cx="340117" cy="370332"/>
+            </a:xfrm>
+            <a:prstGeom prst="ellipse">
+              <a:avLst/>
+            </a:prstGeom>
+            <a:solidFill>
+              <a:schemeClr val="accent1">
+                <a:alpha val="23000"/>
+              </a:schemeClr>
+            </a:solidFill>
+          </p:spPr>
+          <p:style>
+            <a:lnRef idx="2">
+              <a:schemeClr val="accent1">
+                <a:shade val="15000"/>
+              </a:schemeClr>
+            </a:lnRef>
+            <a:fillRef idx="1">
+              <a:schemeClr val="accent1"/>
+            </a:fillRef>
+            <a:effectRef idx="0">
+              <a:schemeClr val="accent1"/>
+            </a:effectRef>
+            <a:fontRef idx="minor">
+              <a:schemeClr val="lt1"/>
+            </a:fontRef>
+          </p:style>
+          <p:txBody>
+            <a:bodyPr rtlCol="0" anchor="ctr"/>
+            <a:lstStyle/>
+            <a:p>
+              <a:pPr algn="ctr"/>
+              <a:endParaRPr lang="en-US"/>
+            </a:p>
+          </p:txBody>
+        </p:sp>
+        <mc:AlternateContent xmlns:mc="http://schemas.openxmlformats.org/markup-compatibility/2006">
+          <mc:Choice xmlns:a14="http://schemas.microsoft.com/office/drawing/2010/main" Requires="a14">
+            <p:sp>
+              <p:nvSpPr>
+                <p:cNvPr id="61" name="TextBox 60">
+                  <a:extLst>
+                    <a:ext uri="{FF2B5EF4-FFF2-40B4-BE49-F238E27FC236}">
+                      <a16:creationId xmlns:a16="http://schemas.microsoft.com/office/drawing/2014/main" id="{095BC4B3-589C-2A4E-C4D0-815037EFD882}"/>
+                    </a:ext>
+                  </a:extLst>
+                </p:cNvPr>
+                <p:cNvSpPr txBox="1"/>
+                <p:nvPr/>
+              </p:nvSpPr>
+              <p:spPr>
+                <a:xfrm>
+                  <a:off x="6137539" y="1996965"/>
+                  <a:ext cx="287451" cy="230832"/>
+                </a:xfrm>
+                <a:prstGeom prst="rect">
+                  <a:avLst/>
+                </a:prstGeom>
+                <a:noFill/>
+              </p:spPr>
+              <p:txBody>
+                <a:bodyPr wrap="none" rtlCol="0">
+                  <a:spAutoFit/>
+                </a:bodyPr>
+                <a:lstStyle/>
+                <a:p>
+                  <a14:m>
+                    <m:oMathPara xmlns:m="http://schemas.openxmlformats.org/officeDocument/2006/math">
+                      <m:oMathParaPr>
+                        <m:jc m:val="centerGroup"/>
+                      </m:oMathParaPr>
+                      <m:oMath xmlns:m="http://schemas.openxmlformats.org/officeDocument/2006/math">
+                        <m:r>
+                          <a:rPr lang="en-US" sz="900" b="0" i="1" smtClean="0">
+                            <a:latin typeface="Cambria Math" panose="02040503050406030204" pitchFamily="18" charset="0"/>
+                          </a:rPr>
+                          <m:t>𝑅</m:t>
+                        </m:r>
+                      </m:oMath>
+                    </m:oMathPara>
+                  </a14:m>
+                  <a:endParaRPr lang="en-US" sz="900" dirty="0"/>
+                </a:p>
+              </p:txBody>
+            </p:sp>
+          </mc:Choice>
+          <mc:Fallback>
+            <p:sp>
+              <p:nvSpPr>
+                <p:cNvPr id="61" name="TextBox 60">
+                  <a:extLst>
+                    <a:ext uri="{FF2B5EF4-FFF2-40B4-BE49-F238E27FC236}">
+                      <a16:creationId xmlns:a16="http://schemas.microsoft.com/office/drawing/2014/main" id="{095BC4B3-589C-2A4E-C4D0-815037EFD882}"/>
+                    </a:ext>
+                  </a:extLst>
+                </p:cNvPr>
+                <p:cNvSpPr txBox="1">
+                  <a:spLocks noRot="1" noChangeAspect="1" noMove="1" noResize="1" noEditPoints="1" noAdjustHandles="1" noChangeArrowheads="1" noChangeShapeType="1" noTextEdit="1"/>
+                </p:cNvSpPr>
+                <p:nvPr/>
+              </p:nvSpPr>
+              <p:spPr>
+                <a:xfrm>
+                  <a:off x="6137539" y="1996965"/>
+                  <a:ext cx="287451" cy="230832"/>
+                </a:xfrm>
+                <a:prstGeom prst="rect">
+                  <a:avLst/>
+                </a:prstGeom>
+                <a:blipFill>
+                  <a:blip r:embed="rId14"/>
+                  <a:stretch>
+                    <a:fillRect/>
+                  </a:stretch>
+                </a:blipFill>
+              </p:spPr>
+              <p:txBody>
+                <a:bodyPr/>
+                <a:lstStyle/>
+                <a:p>
+                  <a:r>
+                    <a:rPr lang="en-US">
+                      <a:noFill/>
+                    </a:rPr>
+                    <a:t> </a:t>
+                  </a:r>
+                </a:p>
+              </p:txBody>
+            </p:sp>
+          </mc:Fallback>
+        </mc:AlternateContent>
+        <p:sp>
+          <p:nvSpPr>
+            <p:cNvPr id="62" name="Oval 61">
+              <a:extLst>
+                <a:ext uri="{FF2B5EF4-FFF2-40B4-BE49-F238E27FC236}">
+                  <a16:creationId xmlns:a16="http://schemas.microsoft.com/office/drawing/2014/main" id="{9CE10F85-9732-C19B-5458-172A10E4170F}"/>
+                </a:ext>
+              </a:extLst>
+            </p:cNvPr>
+            <p:cNvSpPr/>
+            <p:nvPr/>
+          </p:nvSpPr>
+          <p:spPr>
+            <a:xfrm>
+              <a:off x="7007268" y="1921372"/>
+              <a:ext cx="340117" cy="370332"/>
+            </a:xfrm>
+            <a:prstGeom prst="ellipse">
+              <a:avLst/>
+            </a:prstGeom>
+            <a:solidFill>
+              <a:schemeClr val="accent1">
+                <a:alpha val="23000"/>
+              </a:schemeClr>
+            </a:solidFill>
+          </p:spPr>
+          <p:style>
+            <a:lnRef idx="2">
+              <a:schemeClr val="accent1">
+                <a:shade val="15000"/>
+              </a:schemeClr>
+            </a:lnRef>
+            <a:fillRef idx="1">
+              <a:schemeClr val="accent1"/>
+            </a:fillRef>
+            <a:effectRef idx="0">
+              <a:schemeClr val="accent1"/>
+            </a:effectRef>
+            <a:fontRef idx="minor">
+              <a:schemeClr val="lt1"/>
+            </a:fontRef>
+          </p:style>
+          <p:txBody>
+            <a:bodyPr rtlCol="0" anchor="ctr"/>
+            <a:lstStyle/>
+            <a:p>
+              <a:pPr algn="ctr"/>
+              <a:endParaRPr lang="en-US"/>
+            </a:p>
+          </p:txBody>
+        </p:sp>
+        <mc:AlternateContent xmlns:mc="http://schemas.openxmlformats.org/markup-compatibility/2006">
+          <mc:Choice xmlns:a14="http://schemas.microsoft.com/office/drawing/2010/main" Requires="a14">
+            <p:sp>
+              <p:nvSpPr>
+                <p:cNvPr id="63" name="TextBox 62">
+                  <a:extLst>
+                    <a:ext uri="{FF2B5EF4-FFF2-40B4-BE49-F238E27FC236}">
+                      <a16:creationId xmlns:a16="http://schemas.microsoft.com/office/drawing/2014/main" id="{35BE1CC4-892D-25C9-71BF-835AA60355EF}"/>
+                    </a:ext>
+                  </a:extLst>
+                </p:cNvPr>
+                <p:cNvSpPr txBox="1"/>
+                <p:nvPr/>
+              </p:nvSpPr>
+              <p:spPr>
+                <a:xfrm>
+                  <a:off x="7035171" y="1994755"/>
+                  <a:ext cx="273472" cy="230832"/>
+                </a:xfrm>
+                <a:prstGeom prst="rect">
+                  <a:avLst/>
+                </a:prstGeom>
+                <a:noFill/>
+              </p:spPr>
+              <p:txBody>
+                <a:bodyPr wrap="none" rtlCol="0">
+                  <a:spAutoFit/>
+                </a:bodyPr>
+                <a:lstStyle/>
+                <a:p>
+                  <a14:m>
+                    <m:oMathPara xmlns:m="http://schemas.openxmlformats.org/officeDocument/2006/math">
+                      <m:oMathParaPr>
+                        <m:jc m:val="centerGroup"/>
+                      </m:oMathParaPr>
+                      <m:oMath xmlns:m="http://schemas.openxmlformats.org/officeDocument/2006/math">
+                        <m:r>
+                          <a:rPr lang="en-US" sz="900" b="0" i="1" smtClean="0">
+                            <a:latin typeface="Cambria Math" panose="02040503050406030204" pitchFamily="18" charset="0"/>
+                          </a:rPr>
+                          <m:t>𝑆</m:t>
+                        </m:r>
+                      </m:oMath>
+                    </m:oMathPara>
+                  </a14:m>
+                  <a:endParaRPr lang="en-US" sz="900" dirty="0"/>
+                </a:p>
+              </p:txBody>
+            </p:sp>
+          </mc:Choice>
+          <mc:Fallback>
+            <p:sp>
+              <p:nvSpPr>
+                <p:cNvPr id="63" name="TextBox 62">
+                  <a:extLst>
+                    <a:ext uri="{FF2B5EF4-FFF2-40B4-BE49-F238E27FC236}">
+                      <a16:creationId xmlns:a16="http://schemas.microsoft.com/office/drawing/2014/main" id="{35BE1CC4-892D-25C9-71BF-835AA60355EF}"/>
+                    </a:ext>
+                  </a:extLst>
+                </p:cNvPr>
+                <p:cNvSpPr txBox="1">
+                  <a:spLocks noRot="1" noChangeAspect="1" noMove="1" noResize="1" noEditPoints="1" noAdjustHandles="1" noChangeArrowheads="1" noChangeShapeType="1" noTextEdit="1"/>
+                </p:cNvSpPr>
+                <p:nvPr/>
+              </p:nvSpPr>
+              <p:spPr>
+                <a:xfrm>
+                  <a:off x="7035171" y="1994755"/>
+                  <a:ext cx="273472" cy="230832"/>
+                </a:xfrm>
+                <a:prstGeom prst="rect">
+                  <a:avLst/>
+                </a:prstGeom>
+                <a:blipFill>
+                  <a:blip r:embed="rId15"/>
+                  <a:stretch>
+                    <a:fillRect/>
+                  </a:stretch>
+                </a:blipFill>
+              </p:spPr>
+              <p:txBody>
+                <a:bodyPr/>
+                <a:lstStyle/>
+                <a:p>
+                  <a:r>
+                    <a:rPr lang="en-US">
+                      <a:noFill/>
+                    </a:rPr>
+                    <a:t> </a:t>
+                  </a:r>
+                </a:p>
+              </p:txBody>
+            </p:sp>
+          </mc:Fallback>
+        </mc:AlternateContent>
+        <p:sp>
+          <p:nvSpPr>
+            <p:cNvPr id="64" name="Oval 63">
+              <a:extLst>
+                <a:ext uri="{FF2B5EF4-FFF2-40B4-BE49-F238E27FC236}">
+                  <a16:creationId xmlns:a16="http://schemas.microsoft.com/office/drawing/2014/main" id="{A0DAD7F6-65AE-354D-4783-2322F511DF28}"/>
+                </a:ext>
+              </a:extLst>
+            </p:cNvPr>
+            <p:cNvSpPr/>
+            <p:nvPr/>
+          </p:nvSpPr>
+          <p:spPr>
+            <a:xfrm>
+              <a:off x="9050642" y="1276718"/>
+              <a:ext cx="340117" cy="370332"/>
+            </a:xfrm>
+            <a:prstGeom prst="ellipse">
+              <a:avLst/>
+            </a:prstGeom>
+            <a:solidFill>
+              <a:schemeClr val="accent1">
+                <a:alpha val="23000"/>
+              </a:schemeClr>
+            </a:solidFill>
+          </p:spPr>
+          <p:style>
+            <a:lnRef idx="2">
+              <a:schemeClr val="accent1">
+                <a:shade val="15000"/>
+              </a:schemeClr>
+            </a:lnRef>
+            <a:fillRef idx="1">
+              <a:schemeClr val="accent1"/>
+            </a:fillRef>
+            <a:effectRef idx="0">
+              <a:schemeClr val="accent1"/>
+            </a:effectRef>
+            <a:fontRef idx="minor">
+              <a:schemeClr val="lt1"/>
+            </a:fontRef>
+          </p:style>
+          <p:txBody>
+            <a:bodyPr rtlCol="0" anchor="ctr"/>
+            <a:lstStyle/>
+            <a:p>
+              <a:pPr algn="ctr"/>
+              <a:endParaRPr lang="en-US"/>
+            </a:p>
+          </p:txBody>
+        </p:sp>
+        <mc:AlternateContent xmlns:mc="http://schemas.openxmlformats.org/markup-compatibility/2006">
+          <mc:Choice xmlns:a14="http://schemas.microsoft.com/office/drawing/2010/main" Requires="a14">
+            <p:sp>
+              <p:nvSpPr>
+                <p:cNvPr id="65" name="TextBox 64">
+                  <a:extLst>
+                    <a:ext uri="{FF2B5EF4-FFF2-40B4-BE49-F238E27FC236}">
+                      <a16:creationId xmlns:a16="http://schemas.microsoft.com/office/drawing/2014/main" id="{C7BF998E-DB47-7581-F03C-156BD3C68474}"/>
+                    </a:ext>
+                  </a:extLst>
+                </p:cNvPr>
+                <p:cNvSpPr txBox="1"/>
+                <p:nvPr/>
+              </p:nvSpPr>
+              <p:spPr>
+                <a:xfrm>
+                  <a:off x="9078545" y="1350101"/>
+                  <a:ext cx="284309" cy="230832"/>
+                </a:xfrm>
+                <a:prstGeom prst="rect">
+                  <a:avLst/>
+                </a:prstGeom>
+                <a:noFill/>
+              </p:spPr>
+              <p:txBody>
+                <a:bodyPr wrap="none" rtlCol="0">
+                  <a:spAutoFit/>
+                </a:bodyPr>
+                <a:lstStyle/>
+                <a:p>
+                  <a14:m>
+                    <m:oMathPara xmlns:m="http://schemas.openxmlformats.org/officeDocument/2006/math">
+                      <m:oMathParaPr>
+                        <m:jc m:val="centerGroup"/>
+                      </m:oMathParaPr>
+                      <m:oMath xmlns:m="http://schemas.openxmlformats.org/officeDocument/2006/math">
+                        <m:r>
+                          <a:rPr lang="en-US" sz="900" b="0" i="1" smtClean="0">
+                            <a:latin typeface="Cambria Math" panose="02040503050406030204" pitchFamily="18" charset="0"/>
+                          </a:rPr>
+                          <m:t>𝐶</m:t>
+                        </m:r>
+                      </m:oMath>
+                    </m:oMathPara>
+                  </a14:m>
+                  <a:endParaRPr lang="en-US" sz="900" dirty="0"/>
+                </a:p>
+              </p:txBody>
+            </p:sp>
+          </mc:Choice>
+          <mc:Fallback>
+            <p:sp>
+              <p:nvSpPr>
+                <p:cNvPr id="65" name="TextBox 64">
+                  <a:extLst>
+                    <a:ext uri="{FF2B5EF4-FFF2-40B4-BE49-F238E27FC236}">
+                      <a16:creationId xmlns:a16="http://schemas.microsoft.com/office/drawing/2014/main" id="{C7BF998E-DB47-7581-F03C-156BD3C68474}"/>
+                    </a:ext>
+                  </a:extLst>
+                </p:cNvPr>
+                <p:cNvSpPr txBox="1">
+                  <a:spLocks noRot="1" noChangeAspect="1" noMove="1" noResize="1" noEditPoints="1" noAdjustHandles="1" noChangeArrowheads="1" noChangeShapeType="1" noTextEdit="1"/>
+                </p:cNvSpPr>
+                <p:nvPr/>
+              </p:nvSpPr>
+              <p:spPr>
+                <a:xfrm>
+                  <a:off x="9078545" y="1350101"/>
+                  <a:ext cx="284309" cy="230832"/>
+                </a:xfrm>
+                <a:prstGeom prst="rect">
+                  <a:avLst/>
+                </a:prstGeom>
+                <a:blipFill>
+                  <a:blip r:embed="rId13"/>
+                  <a:stretch>
+                    <a:fillRect/>
+                  </a:stretch>
+                </a:blipFill>
+              </p:spPr>
+              <p:txBody>
+                <a:bodyPr/>
+                <a:lstStyle/>
+                <a:p>
+                  <a:r>
+                    <a:rPr lang="en-US">
+                      <a:noFill/>
+                    </a:rPr>
+                    <a:t> </a:t>
+                  </a:r>
+                </a:p>
+              </p:txBody>
+            </p:sp>
+          </mc:Fallback>
+        </mc:AlternateContent>
+        <p:sp>
+          <p:nvSpPr>
+            <p:cNvPr id="66" name="Oval 65">
+              <a:extLst>
+                <a:ext uri="{FF2B5EF4-FFF2-40B4-BE49-F238E27FC236}">
+                  <a16:creationId xmlns:a16="http://schemas.microsoft.com/office/drawing/2014/main" id="{D872A5DE-26C1-1332-3095-715A2FE8E9BF}"/>
+                </a:ext>
+              </a:extLst>
+            </p:cNvPr>
+            <p:cNvSpPr/>
+            <p:nvPr/>
+          </p:nvSpPr>
+          <p:spPr>
+            <a:xfrm>
+              <a:off x="8625230" y="1923582"/>
+              <a:ext cx="340117" cy="370332"/>
+            </a:xfrm>
+            <a:prstGeom prst="ellipse">
+              <a:avLst/>
+            </a:prstGeom>
+            <a:solidFill>
+              <a:schemeClr val="accent1">
+                <a:alpha val="23000"/>
+              </a:schemeClr>
+            </a:solidFill>
+          </p:spPr>
+          <p:style>
+            <a:lnRef idx="2">
+              <a:schemeClr val="accent1">
+                <a:shade val="15000"/>
+              </a:schemeClr>
+            </a:lnRef>
+            <a:fillRef idx="1">
+              <a:schemeClr val="accent1"/>
+            </a:fillRef>
+            <a:effectRef idx="0">
+              <a:schemeClr val="accent1"/>
+            </a:effectRef>
+            <a:fontRef idx="minor">
+              <a:schemeClr val="lt1"/>
+            </a:fontRef>
+          </p:style>
+          <p:txBody>
+            <a:bodyPr rtlCol="0" anchor="ctr"/>
+            <a:lstStyle/>
+            <a:p>
+              <a:pPr algn="ctr"/>
+              <a:endParaRPr lang="en-US"/>
+            </a:p>
+          </p:txBody>
+        </p:sp>
+        <mc:AlternateContent xmlns:mc="http://schemas.openxmlformats.org/markup-compatibility/2006">
+          <mc:Choice xmlns:a14="http://schemas.microsoft.com/office/drawing/2010/main" Requires="a14">
+            <p:sp>
+              <p:nvSpPr>
+                <p:cNvPr id="67" name="TextBox 66">
+                  <a:extLst>
+                    <a:ext uri="{FF2B5EF4-FFF2-40B4-BE49-F238E27FC236}">
+                      <a16:creationId xmlns:a16="http://schemas.microsoft.com/office/drawing/2014/main" id="{6AE97A79-4FC1-349D-D40C-0365F636D64E}"/>
+                    </a:ext>
+                  </a:extLst>
+                </p:cNvPr>
+                <p:cNvSpPr txBox="1"/>
+                <p:nvPr/>
+              </p:nvSpPr>
+              <p:spPr>
+                <a:xfrm>
+                  <a:off x="8653133" y="1996965"/>
+                  <a:ext cx="287451" cy="230832"/>
+                </a:xfrm>
+                <a:prstGeom prst="rect">
+                  <a:avLst/>
+                </a:prstGeom>
+                <a:noFill/>
+              </p:spPr>
+              <p:txBody>
+                <a:bodyPr wrap="none" rtlCol="0">
+                  <a:spAutoFit/>
+                </a:bodyPr>
+                <a:lstStyle/>
+                <a:p>
+                  <a14:m>
+                    <m:oMathPara xmlns:m="http://schemas.openxmlformats.org/officeDocument/2006/math">
+                      <m:oMathParaPr>
+                        <m:jc m:val="centerGroup"/>
+                      </m:oMathParaPr>
+                      <m:oMath xmlns:m="http://schemas.openxmlformats.org/officeDocument/2006/math">
+                        <m:r>
+                          <a:rPr lang="en-US" sz="900" b="0" i="1" smtClean="0">
+                            <a:latin typeface="Cambria Math" panose="02040503050406030204" pitchFamily="18" charset="0"/>
+                          </a:rPr>
+                          <m:t>𝑅</m:t>
+                        </m:r>
+                      </m:oMath>
+                    </m:oMathPara>
+                  </a14:m>
+                  <a:endParaRPr lang="en-US" sz="900" dirty="0"/>
+                </a:p>
+              </p:txBody>
+            </p:sp>
+          </mc:Choice>
+          <mc:Fallback>
+            <p:sp>
+              <p:nvSpPr>
+                <p:cNvPr id="67" name="TextBox 66">
+                  <a:extLst>
+                    <a:ext uri="{FF2B5EF4-FFF2-40B4-BE49-F238E27FC236}">
+                      <a16:creationId xmlns:a16="http://schemas.microsoft.com/office/drawing/2014/main" id="{6AE97A79-4FC1-349D-D40C-0365F636D64E}"/>
+                    </a:ext>
+                  </a:extLst>
+                </p:cNvPr>
+                <p:cNvSpPr txBox="1">
+                  <a:spLocks noRot="1" noChangeAspect="1" noMove="1" noResize="1" noEditPoints="1" noAdjustHandles="1" noChangeArrowheads="1" noChangeShapeType="1" noTextEdit="1"/>
+                </p:cNvSpPr>
+                <p:nvPr/>
+              </p:nvSpPr>
+              <p:spPr>
+                <a:xfrm>
+                  <a:off x="8653133" y="1996965"/>
+                  <a:ext cx="287451" cy="230832"/>
+                </a:xfrm>
+                <a:prstGeom prst="rect">
+                  <a:avLst/>
+                </a:prstGeom>
+                <a:blipFill>
+                  <a:blip r:embed="rId16"/>
+                  <a:stretch>
+                    <a:fillRect/>
+                  </a:stretch>
+                </a:blipFill>
+              </p:spPr>
+              <p:txBody>
+                <a:bodyPr/>
+                <a:lstStyle/>
+                <a:p>
+                  <a:r>
+                    <a:rPr lang="en-US">
+                      <a:noFill/>
+                    </a:rPr>
+                    <a:t> </a:t>
+                  </a:r>
+                </a:p>
+              </p:txBody>
+            </p:sp>
+          </mc:Fallback>
+        </mc:AlternateContent>
+        <p:sp>
+          <p:nvSpPr>
+            <p:cNvPr id="68" name="Oval 67">
+              <a:extLst>
+                <a:ext uri="{FF2B5EF4-FFF2-40B4-BE49-F238E27FC236}">
+                  <a16:creationId xmlns:a16="http://schemas.microsoft.com/office/drawing/2014/main" id="{91809AD9-17EB-969A-9155-ADFB7B56508E}"/>
+                </a:ext>
+              </a:extLst>
+            </p:cNvPr>
+            <p:cNvSpPr/>
+            <p:nvPr/>
+          </p:nvSpPr>
+          <p:spPr>
+            <a:xfrm>
+              <a:off x="9522862" y="1921372"/>
+              <a:ext cx="340117" cy="370332"/>
+            </a:xfrm>
+            <a:prstGeom prst="ellipse">
+              <a:avLst/>
+            </a:prstGeom>
+            <a:solidFill>
+              <a:schemeClr val="accent1">
+                <a:alpha val="23000"/>
+              </a:schemeClr>
+            </a:solidFill>
+          </p:spPr>
+          <p:style>
+            <a:lnRef idx="2">
+              <a:schemeClr val="accent1">
+                <a:shade val="15000"/>
+              </a:schemeClr>
+            </a:lnRef>
+            <a:fillRef idx="1">
+              <a:schemeClr val="accent1"/>
+            </a:fillRef>
+            <a:effectRef idx="0">
+              <a:schemeClr val="accent1"/>
+            </a:effectRef>
+            <a:fontRef idx="minor">
+              <a:schemeClr val="lt1"/>
+            </a:fontRef>
+          </p:style>
+          <p:txBody>
+            <a:bodyPr rtlCol="0" anchor="ctr"/>
+            <a:lstStyle/>
+            <a:p>
+              <a:pPr algn="ctr"/>
+              <a:endParaRPr lang="en-US"/>
+            </a:p>
+          </p:txBody>
+        </p:sp>
+        <mc:AlternateContent xmlns:mc="http://schemas.openxmlformats.org/markup-compatibility/2006">
+          <mc:Choice xmlns:a14="http://schemas.microsoft.com/office/drawing/2010/main" Requires="a14">
+            <p:sp>
+              <p:nvSpPr>
+                <p:cNvPr id="69" name="TextBox 68">
+                  <a:extLst>
+                    <a:ext uri="{FF2B5EF4-FFF2-40B4-BE49-F238E27FC236}">
+                      <a16:creationId xmlns:a16="http://schemas.microsoft.com/office/drawing/2014/main" id="{3F1EC670-0D74-7D61-2A03-362DFCAC07DF}"/>
+                    </a:ext>
+                  </a:extLst>
+                </p:cNvPr>
+                <p:cNvSpPr txBox="1"/>
+                <p:nvPr/>
+              </p:nvSpPr>
+              <p:spPr>
+                <a:xfrm>
+                  <a:off x="9550765" y="1994755"/>
+                  <a:ext cx="284309" cy="230832"/>
+                </a:xfrm>
+                <a:prstGeom prst="rect">
+                  <a:avLst/>
+                </a:prstGeom>
+                <a:noFill/>
+              </p:spPr>
+              <p:txBody>
+                <a:bodyPr wrap="none" rtlCol="0">
+                  <a:spAutoFit/>
+                </a:bodyPr>
+                <a:lstStyle/>
+                <a:p>
+                  <a14:m>
+                    <m:oMathPara xmlns:m="http://schemas.openxmlformats.org/officeDocument/2006/math">
+                      <m:oMathParaPr>
+                        <m:jc m:val="centerGroup"/>
+                      </m:oMathParaPr>
+                      <m:oMath xmlns:m="http://schemas.openxmlformats.org/officeDocument/2006/math">
+                        <m:r>
+                          <a:rPr lang="en-US" sz="900" b="0" i="1" smtClean="0">
+                            <a:latin typeface="Cambria Math" panose="02040503050406030204" pitchFamily="18" charset="0"/>
+                          </a:rPr>
+                          <m:t>𝑆</m:t>
+                        </m:r>
+                      </m:oMath>
+                    </m:oMathPara>
+                  </a14:m>
+                  <a:endParaRPr lang="en-US" sz="900" dirty="0"/>
+                </a:p>
+              </p:txBody>
+            </p:sp>
+          </mc:Choice>
+          <mc:Fallback>
+            <p:sp>
+              <p:nvSpPr>
+                <p:cNvPr id="69" name="TextBox 68">
+                  <a:extLst>
+                    <a:ext uri="{FF2B5EF4-FFF2-40B4-BE49-F238E27FC236}">
+                      <a16:creationId xmlns:a16="http://schemas.microsoft.com/office/drawing/2014/main" id="{3F1EC670-0D74-7D61-2A03-362DFCAC07DF}"/>
+                    </a:ext>
+                  </a:extLst>
+                </p:cNvPr>
+                <p:cNvSpPr txBox="1">
+                  <a:spLocks noRot="1" noChangeAspect="1" noMove="1" noResize="1" noEditPoints="1" noAdjustHandles="1" noChangeArrowheads="1" noChangeShapeType="1" noTextEdit="1"/>
+                </p:cNvSpPr>
+                <p:nvPr/>
+              </p:nvSpPr>
+              <p:spPr>
+                <a:xfrm>
+                  <a:off x="9550765" y="1994755"/>
+                  <a:ext cx="284309" cy="230832"/>
+                </a:xfrm>
+                <a:prstGeom prst="rect">
+                  <a:avLst/>
+                </a:prstGeom>
+                <a:blipFill>
+                  <a:blip r:embed="rId17"/>
+                  <a:stretch>
+                    <a:fillRect/>
+                  </a:stretch>
+                </a:blipFill>
+              </p:spPr>
+              <p:txBody>
+                <a:bodyPr/>
+                <a:lstStyle/>
+                <a:p>
+                  <a:r>
+                    <a:rPr lang="en-US">
+                      <a:noFill/>
+                    </a:rPr>
+                    <a:t> </a:t>
+                  </a:r>
+                </a:p>
+              </p:txBody>
+            </p:sp>
+          </mc:Fallback>
+        </mc:AlternateContent>
+        <p:cxnSp>
+          <p:nvCxnSpPr>
+            <p:cNvPr id="71" name="Straight Connector 70">
+              <a:extLst>
+                <a:ext uri="{FF2B5EF4-FFF2-40B4-BE49-F238E27FC236}">
+                  <a16:creationId xmlns:a16="http://schemas.microsoft.com/office/drawing/2014/main" id="{9250033B-BF97-FE6A-E88E-A717AEA6C0AF}"/>
+                </a:ext>
+              </a:extLst>
+            </p:cNvPr>
+            <p:cNvCxnSpPr>
+              <a:cxnSpLocks/>
+            </p:cNvCxnSpPr>
+            <p:nvPr/>
+          </p:nvCxnSpPr>
+          <p:spPr>
+            <a:xfrm flipH="1">
+              <a:off x="8974836" y="1276718"/>
+              <a:ext cx="548026" cy="328054"/>
+            </a:xfrm>
+            <a:prstGeom prst="line">
+              <a:avLst/>
+            </a:prstGeom>
+            <a:ln>
+              <a:solidFill>
+                <a:schemeClr val="tx1"/>
+              </a:solidFill>
+            </a:ln>
+          </p:spPr>
+          <p:style>
+            <a:lnRef idx="1">
+              <a:schemeClr val="accent1"/>
+            </a:lnRef>
+            <a:fillRef idx="0">
+              <a:schemeClr val="accent1"/>
+            </a:fillRef>
+            <a:effectRef idx="0">
+              <a:schemeClr val="accent1"/>
+            </a:effectRef>
+            <a:fontRef idx="minor">
+              <a:schemeClr val="tx1"/>
+            </a:fontRef>
+          </p:style>
+        </p:cxnSp>
+        <p:cxnSp>
+          <p:nvCxnSpPr>
+            <p:cNvPr id="74" name="Straight Connector 73">
+              <a:extLst>
+                <a:ext uri="{FF2B5EF4-FFF2-40B4-BE49-F238E27FC236}">
+                  <a16:creationId xmlns:a16="http://schemas.microsoft.com/office/drawing/2014/main" id="{0E80454D-75ED-5B39-BF2B-4CF4318BEB8A}"/>
+                </a:ext>
+              </a:extLst>
+            </p:cNvPr>
+            <p:cNvCxnSpPr/>
+            <p:nvPr/>
+          </p:nvCxnSpPr>
+          <p:spPr>
+            <a:xfrm>
+              <a:off x="8997696" y="1239012"/>
+              <a:ext cx="470916" cy="429768"/>
+            </a:xfrm>
+            <a:prstGeom prst="line">
+              <a:avLst/>
+            </a:prstGeom>
+            <a:ln>
+              <a:solidFill>
+                <a:schemeClr val="tx1"/>
+              </a:solidFill>
+            </a:ln>
+          </p:spPr>
+          <p:style>
+            <a:lnRef idx="1">
+              <a:schemeClr val="accent1"/>
+            </a:lnRef>
+            <a:fillRef idx="0">
+              <a:schemeClr val="accent1"/>
+            </a:fillRef>
+            <a:effectRef idx="0">
+              <a:schemeClr val="accent1"/>
+            </a:effectRef>
+            <a:fontRef idx="minor">
+              <a:schemeClr val="tx1"/>
+            </a:fontRef>
+          </p:style>
+        </p:cxnSp>
+        <p:cxnSp>
+          <p:nvCxnSpPr>
+            <p:cNvPr id="76" name="Straight Arrow Connector 75">
+              <a:extLst>
+                <a:ext uri="{FF2B5EF4-FFF2-40B4-BE49-F238E27FC236}">
+                  <a16:creationId xmlns:a16="http://schemas.microsoft.com/office/drawing/2014/main" id="{06ABBE0C-E5FE-9C35-D43A-566587A05A2C}"/>
+                </a:ext>
+              </a:extLst>
+            </p:cNvPr>
+            <p:cNvCxnSpPr>
+              <a:cxnSpLocks/>
+            </p:cNvCxnSpPr>
+            <p:nvPr/>
+          </p:nvCxnSpPr>
+          <p:spPr>
+            <a:xfrm flipH="1">
+              <a:off x="6364917" y="1600501"/>
+              <a:ext cx="247526" cy="348124"/>
+            </a:xfrm>
+            <a:prstGeom prst="straightConnector1">
+              <a:avLst/>
+            </a:prstGeom>
+            <a:ln>
+              <a:tailEnd type="triangle"/>
+            </a:ln>
+          </p:spPr>
+          <p:style>
+            <a:lnRef idx="1">
+              <a:schemeClr val="accent1"/>
+            </a:lnRef>
+            <a:fillRef idx="0">
+              <a:schemeClr val="accent1"/>
+            </a:fillRef>
+            <a:effectRef idx="0">
+              <a:schemeClr val="accent1"/>
+            </a:effectRef>
+            <a:fontRef idx="minor">
+              <a:schemeClr val="tx1"/>
+            </a:fontRef>
+          </p:style>
+        </p:cxnSp>
+        <p:cxnSp>
+          <p:nvCxnSpPr>
+            <p:cNvPr id="78" name="Straight Arrow Connector 77">
+              <a:extLst>
+                <a:ext uri="{FF2B5EF4-FFF2-40B4-BE49-F238E27FC236}">
+                  <a16:creationId xmlns:a16="http://schemas.microsoft.com/office/drawing/2014/main" id="{06B0DB1E-9230-E749-8457-0E4C0D1E9847}"/>
+                </a:ext>
+              </a:extLst>
+            </p:cNvPr>
+            <p:cNvCxnSpPr>
+              <a:cxnSpLocks/>
+            </p:cNvCxnSpPr>
+            <p:nvPr/>
+          </p:nvCxnSpPr>
+          <p:spPr>
+            <a:xfrm flipH="1">
+              <a:off x="8888779" y="1612150"/>
+              <a:ext cx="247526" cy="348124"/>
+            </a:xfrm>
+            <a:prstGeom prst="straightConnector1">
+              <a:avLst/>
+            </a:prstGeom>
+            <a:ln>
+              <a:tailEnd type="triangle"/>
+            </a:ln>
+          </p:spPr>
+          <p:style>
+            <a:lnRef idx="1">
+              <a:schemeClr val="accent1"/>
+            </a:lnRef>
+            <a:fillRef idx="0">
+              <a:schemeClr val="accent1"/>
+            </a:fillRef>
+            <a:effectRef idx="0">
+              <a:schemeClr val="accent1"/>
+            </a:effectRef>
+            <a:fontRef idx="minor">
+              <a:schemeClr val="tx1"/>
+            </a:fontRef>
+          </p:style>
+        </p:cxnSp>
+        <p:cxnSp>
+          <p:nvCxnSpPr>
+            <p:cNvPr id="80" name="Straight Arrow Connector 79">
+              <a:extLst>
+                <a:ext uri="{FF2B5EF4-FFF2-40B4-BE49-F238E27FC236}">
+                  <a16:creationId xmlns:a16="http://schemas.microsoft.com/office/drawing/2014/main" id="{6091B94B-4569-4A72-30F6-247409A70834}"/>
+                </a:ext>
+              </a:extLst>
+            </p:cNvPr>
+            <p:cNvCxnSpPr>
+              <a:cxnSpLocks/>
+            </p:cNvCxnSpPr>
+            <p:nvPr/>
+          </p:nvCxnSpPr>
+          <p:spPr>
+            <a:xfrm>
+              <a:off x="6819599" y="1612150"/>
+              <a:ext cx="248844" cy="329851"/>
+            </a:xfrm>
+            <a:prstGeom prst="straightConnector1">
+              <a:avLst/>
+            </a:prstGeom>
+            <a:ln>
+              <a:tailEnd type="triangle"/>
+            </a:ln>
+          </p:spPr>
+          <p:style>
+            <a:lnRef idx="1">
+              <a:schemeClr val="accent1"/>
+            </a:lnRef>
+            <a:fillRef idx="0">
+              <a:schemeClr val="accent1"/>
+            </a:fillRef>
+            <a:effectRef idx="0">
+              <a:schemeClr val="accent1"/>
+            </a:effectRef>
+            <a:fontRef idx="minor">
+              <a:schemeClr val="tx1"/>
+            </a:fontRef>
+          </p:style>
+        </p:cxnSp>
+        <p:cxnSp>
+          <p:nvCxnSpPr>
+            <p:cNvPr id="82" name="Straight Arrow Connector 81">
+              <a:extLst>
+                <a:ext uri="{FF2B5EF4-FFF2-40B4-BE49-F238E27FC236}">
+                  <a16:creationId xmlns:a16="http://schemas.microsoft.com/office/drawing/2014/main" id="{35A91F8A-35F0-320D-1B45-DC816E9FEB2F}"/>
+                </a:ext>
+              </a:extLst>
+            </p:cNvPr>
+            <p:cNvCxnSpPr>
+              <a:cxnSpLocks/>
+            </p:cNvCxnSpPr>
+            <p:nvPr/>
+          </p:nvCxnSpPr>
+          <p:spPr>
+            <a:xfrm>
+              <a:off x="9338449" y="1600501"/>
+              <a:ext cx="260325" cy="361186"/>
+            </a:xfrm>
+            <a:prstGeom prst="straightConnector1">
+              <a:avLst/>
+            </a:prstGeom>
+            <a:ln>
+              <a:tailEnd type="triangle"/>
+            </a:ln>
+          </p:spPr>
+          <p:style>
+            <a:lnRef idx="1">
+              <a:schemeClr val="accent1"/>
+            </a:lnRef>
+            <a:fillRef idx="0">
+              <a:schemeClr val="accent1"/>
+            </a:fillRef>
+            <a:effectRef idx="0">
+              <a:schemeClr val="accent1"/>
+            </a:effectRef>
+            <a:fontRef idx="minor">
+              <a:schemeClr val="tx1"/>
+            </a:fontRef>
+          </p:style>
+        </p:cxnSp>
+        <mc:AlternateContent xmlns:mc="http://schemas.openxmlformats.org/markup-compatibility/2006">
+          <mc:Choice xmlns:a14="http://schemas.microsoft.com/office/drawing/2010/main" Requires="a14">
+            <p:sp>
+              <p:nvSpPr>
+                <p:cNvPr id="84" name="TextBox 83">
+                  <a:extLst>
+                    <a:ext uri="{FF2B5EF4-FFF2-40B4-BE49-F238E27FC236}">
+                      <a16:creationId xmlns:a16="http://schemas.microsoft.com/office/drawing/2014/main" id="{0007CFB1-1ADD-9EE3-F613-9DCAAFD85AFE}"/>
+                    </a:ext>
+                  </a:extLst>
+                </p:cNvPr>
+                <p:cNvSpPr txBox="1"/>
+                <p:nvPr/>
+              </p:nvSpPr>
+              <p:spPr>
+                <a:xfrm>
+                  <a:off x="6556249" y="2340470"/>
+                  <a:ext cx="325345" cy="230832"/>
+                </a:xfrm>
+                <a:prstGeom prst="rect">
+                  <a:avLst/>
+                </a:prstGeom>
+                <a:noFill/>
+              </p:spPr>
+              <p:txBody>
+                <a:bodyPr wrap="none" rtlCol="0">
+                  <a:spAutoFit/>
+                </a:bodyPr>
+                <a:lstStyle/>
+                <a:p>
+                  <a14:m>
+                    <m:oMathPara xmlns:m="http://schemas.openxmlformats.org/officeDocument/2006/math">
+                      <m:oMathParaPr>
+                        <m:jc m:val="centerGroup"/>
+                      </m:oMathParaPr>
+                      <m:oMath xmlns:m="http://schemas.openxmlformats.org/officeDocument/2006/math">
+                        <m:r>
+                          <a:rPr lang="en-US" sz="900" b="0" i="1" smtClean="0">
+                            <a:latin typeface="Cambria Math" panose="02040503050406030204" pitchFamily="18" charset="0"/>
+                          </a:rPr>
+                          <m:t>𝑎</m:t>
+                        </m:r>
+                        <m:r>
+                          <a:rPr lang="en-US" sz="900" b="0" i="1" smtClean="0">
+                            <a:latin typeface="Cambria Math" panose="02040503050406030204" pitchFamily="18" charset="0"/>
+                          </a:rPr>
+                          <m:t>)</m:t>
+                        </m:r>
+                      </m:oMath>
+                    </m:oMathPara>
+                  </a14:m>
+                  <a:endParaRPr lang="en-US" sz="900" dirty="0"/>
+                </a:p>
+              </p:txBody>
+            </p:sp>
+          </mc:Choice>
+          <mc:Fallback>
+            <p:sp>
+              <p:nvSpPr>
+                <p:cNvPr id="84" name="TextBox 83">
+                  <a:extLst>
+                    <a:ext uri="{FF2B5EF4-FFF2-40B4-BE49-F238E27FC236}">
+                      <a16:creationId xmlns:a16="http://schemas.microsoft.com/office/drawing/2014/main" id="{0007CFB1-1ADD-9EE3-F613-9DCAAFD85AFE}"/>
+                    </a:ext>
+                  </a:extLst>
+                </p:cNvPr>
+                <p:cNvSpPr txBox="1">
+                  <a:spLocks noRot="1" noChangeAspect="1" noMove="1" noResize="1" noEditPoints="1" noAdjustHandles="1" noChangeArrowheads="1" noChangeShapeType="1" noTextEdit="1"/>
+                </p:cNvSpPr>
+                <p:nvPr/>
+              </p:nvSpPr>
+              <p:spPr>
+                <a:xfrm>
+                  <a:off x="6556249" y="2340470"/>
+                  <a:ext cx="325345" cy="230832"/>
+                </a:xfrm>
+                <a:prstGeom prst="rect">
+                  <a:avLst/>
+                </a:prstGeom>
+                <a:blipFill>
+                  <a:blip r:embed="rId18"/>
+                  <a:stretch>
+                    <a:fillRect/>
+                  </a:stretch>
+                </a:blipFill>
+              </p:spPr>
+              <p:txBody>
+                <a:bodyPr/>
+                <a:lstStyle/>
+                <a:p>
+                  <a:r>
+                    <a:rPr lang="en-US">
+                      <a:noFill/>
+                    </a:rPr>
+                    <a:t> </a:t>
+                  </a:r>
+                </a:p>
+              </p:txBody>
+            </p:sp>
+          </mc:Fallback>
+        </mc:AlternateContent>
+        <mc:AlternateContent xmlns:mc="http://schemas.openxmlformats.org/markup-compatibility/2006">
+          <mc:Choice xmlns:a14="http://schemas.microsoft.com/office/drawing/2010/main" Requires="a14">
+            <p:sp>
+              <p:nvSpPr>
+                <p:cNvPr id="85" name="TextBox 84">
+                  <a:extLst>
+                    <a:ext uri="{FF2B5EF4-FFF2-40B4-BE49-F238E27FC236}">
+                      <a16:creationId xmlns:a16="http://schemas.microsoft.com/office/drawing/2014/main" id="{F3141F20-8134-75FD-9D25-C77FA849534A}"/>
+                    </a:ext>
+                  </a:extLst>
+                </p:cNvPr>
+                <p:cNvSpPr txBox="1"/>
+                <p:nvPr/>
+              </p:nvSpPr>
+              <p:spPr>
+                <a:xfrm>
+                  <a:off x="9122718" y="2340470"/>
+                  <a:ext cx="323486" cy="230832"/>
+                </a:xfrm>
+                <a:prstGeom prst="rect">
+                  <a:avLst/>
+                </a:prstGeom>
+                <a:noFill/>
+              </p:spPr>
+              <p:txBody>
+                <a:bodyPr wrap="none" rtlCol="0">
+                  <a:spAutoFit/>
+                </a:bodyPr>
+                <a:lstStyle/>
+                <a:p>
+                  <a14:m>
+                    <m:oMathPara xmlns:m="http://schemas.openxmlformats.org/officeDocument/2006/math">
+                      <m:oMathParaPr>
+                        <m:jc m:val="centerGroup"/>
+                      </m:oMathParaPr>
+                      <m:oMath xmlns:m="http://schemas.openxmlformats.org/officeDocument/2006/math">
+                        <m:r>
+                          <a:rPr lang="en-US" sz="900" b="0" i="1" dirty="0" smtClean="0">
+                            <a:latin typeface="Cambria Math" panose="02040503050406030204" pitchFamily="18" charset="0"/>
+                          </a:rPr>
+                          <m:t>𝑏</m:t>
+                        </m:r>
+                        <m:r>
+                          <a:rPr lang="en-US" sz="900" b="0" i="1" smtClean="0">
+                            <a:latin typeface="Cambria Math" panose="02040503050406030204" pitchFamily="18" charset="0"/>
+                          </a:rPr>
+                          <m:t>)</m:t>
+                        </m:r>
+                      </m:oMath>
+                    </m:oMathPara>
+                  </a14:m>
+                  <a:endParaRPr lang="en-US" sz="900" dirty="0"/>
+                </a:p>
+              </p:txBody>
+            </p:sp>
+          </mc:Choice>
+          <mc:Fallback>
+            <p:sp>
+              <p:nvSpPr>
+                <p:cNvPr id="85" name="TextBox 84">
+                  <a:extLst>
+                    <a:ext uri="{FF2B5EF4-FFF2-40B4-BE49-F238E27FC236}">
+                      <a16:creationId xmlns:a16="http://schemas.microsoft.com/office/drawing/2014/main" id="{F3141F20-8134-75FD-9D25-C77FA849534A}"/>
+                    </a:ext>
+                  </a:extLst>
+                </p:cNvPr>
+                <p:cNvSpPr txBox="1">
+                  <a:spLocks noRot="1" noChangeAspect="1" noMove="1" noResize="1" noEditPoints="1" noAdjustHandles="1" noChangeArrowheads="1" noChangeShapeType="1" noTextEdit="1"/>
+                </p:cNvSpPr>
+                <p:nvPr/>
+              </p:nvSpPr>
+              <p:spPr>
+                <a:xfrm>
+                  <a:off x="9122718" y="2340470"/>
+                  <a:ext cx="323486" cy="230832"/>
+                </a:xfrm>
+                <a:prstGeom prst="rect">
+                  <a:avLst/>
+                </a:prstGeom>
+                <a:blipFill>
+                  <a:blip r:embed="rId19"/>
+                  <a:stretch>
+                    <a:fillRect/>
+                  </a:stretch>
+                </a:blipFill>
+              </p:spPr>
+              <p:txBody>
+                <a:bodyPr/>
+                <a:lstStyle/>
+                <a:p>
+                  <a:r>
+                    <a:rPr lang="en-US">
+                      <a:noFill/>
+                    </a:rPr>
+                    <a:t> </a:t>
+                  </a:r>
+                </a:p>
+              </p:txBody>
+            </p:sp>
+          </mc:Fallback>
+        </mc:AlternateContent>
+      </p:grpSp>
+      <p:grpSp>
+        <p:nvGrpSpPr>
+          <p:cNvPr id="124" name="Group 123">
+            <a:extLst>
+              <a:ext uri="{FF2B5EF4-FFF2-40B4-BE49-F238E27FC236}">
+                <a16:creationId xmlns:a16="http://schemas.microsoft.com/office/drawing/2014/main" id="{2C267C04-15BC-D4A0-7971-DCE867DC812F}"/>
+              </a:ext>
+            </a:extLst>
+          </p:cNvPr>
+          <p:cNvGrpSpPr/>
+          <p:nvPr/>
+        </p:nvGrpSpPr>
+        <p:grpSpPr>
+          <a:xfrm>
+            <a:off x="6024800" y="3298964"/>
+            <a:ext cx="4052623" cy="1559156"/>
+            <a:chOff x="6024800" y="3298964"/>
+            <a:chExt cx="4052623" cy="1559156"/>
+          </a:xfrm>
+        </p:grpSpPr>
+        <p:sp>
+          <p:nvSpPr>
+            <p:cNvPr id="87" name="Oval 86">
+              <a:extLst>
+                <a:ext uri="{FF2B5EF4-FFF2-40B4-BE49-F238E27FC236}">
+                  <a16:creationId xmlns:a16="http://schemas.microsoft.com/office/drawing/2014/main" id="{CBF2FABC-4F59-9358-5F3E-30715830D9C9}"/>
+                </a:ext>
+              </a:extLst>
+            </p:cNvPr>
+            <p:cNvSpPr/>
+            <p:nvPr/>
+          </p:nvSpPr>
+          <p:spPr>
+            <a:xfrm>
+              <a:off x="6024800" y="3351276"/>
+              <a:ext cx="340117" cy="370332"/>
+            </a:xfrm>
+            <a:prstGeom prst="ellipse">
+              <a:avLst/>
+            </a:prstGeom>
+            <a:solidFill>
+              <a:schemeClr val="accent1">
+                <a:alpha val="23000"/>
+              </a:schemeClr>
+            </a:solidFill>
+          </p:spPr>
+          <p:style>
+            <a:lnRef idx="2">
+              <a:schemeClr val="accent1">
+                <a:shade val="15000"/>
+              </a:schemeClr>
+            </a:lnRef>
+            <a:fillRef idx="1">
+              <a:schemeClr val="accent1"/>
+            </a:fillRef>
+            <a:effectRef idx="0">
+              <a:schemeClr val="accent1"/>
+            </a:effectRef>
+            <a:fontRef idx="minor">
+              <a:schemeClr val="lt1"/>
+            </a:fontRef>
+          </p:style>
+          <p:txBody>
+            <a:bodyPr rtlCol="0" anchor="ctr"/>
+            <a:lstStyle/>
+            <a:p>
+              <a:pPr algn="ctr"/>
+              <a:endParaRPr lang="en-US"/>
+            </a:p>
+          </p:txBody>
+        </p:sp>
+        <mc:AlternateContent xmlns:mc="http://schemas.openxmlformats.org/markup-compatibility/2006">
+          <mc:Choice xmlns:a14="http://schemas.microsoft.com/office/drawing/2010/main" Requires="a14">
+            <p:sp>
+              <p:nvSpPr>
+                <p:cNvPr id="88" name="TextBox 87">
+                  <a:extLst>
+                    <a:ext uri="{FF2B5EF4-FFF2-40B4-BE49-F238E27FC236}">
+                      <a16:creationId xmlns:a16="http://schemas.microsoft.com/office/drawing/2014/main" id="{C172D57B-44E3-5C73-5BEC-425FEAF8F942}"/>
+                    </a:ext>
+                  </a:extLst>
+                </p:cNvPr>
+                <p:cNvSpPr txBox="1"/>
+                <p:nvPr/>
+              </p:nvSpPr>
+              <p:spPr>
+                <a:xfrm>
+                  <a:off x="6052947" y="3421026"/>
+                  <a:ext cx="284309" cy="230832"/>
+                </a:xfrm>
+                <a:prstGeom prst="rect">
+                  <a:avLst/>
+                </a:prstGeom>
+                <a:noFill/>
+              </p:spPr>
+              <p:txBody>
+                <a:bodyPr wrap="none" rtlCol="0">
+                  <a:spAutoFit/>
+                </a:bodyPr>
+                <a:lstStyle/>
+                <a:p>
+                  <a14:m>
+                    <m:oMathPara xmlns:m="http://schemas.openxmlformats.org/officeDocument/2006/math">
+                      <m:oMathParaPr>
+                        <m:jc m:val="centerGroup"/>
+                      </m:oMathParaPr>
+                      <m:oMath xmlns:m="http://schemas.openxmlformats.org/officeDocument/2006/math">
+                        <m:r>
+                          <a:rPr lang="en-US" sz="900" b="0" i="1" smtClean="0">
+                            <a:latin typeface="Cambria Math" panose="02040503050406030204" pitchFamily="18" charset="0"/>
+                          </a:rPr>
+                          <m:t>𝐶</m:t>
+                        </m:r>
+                      </m:oMath>
+                    </m:oMathPara>
+                  </a14:m>
+                  <a:endParaRPr lang="en-US" sz="900" dirty="0"/>
+                </a:p>
+              </p:txBody>
+            </p:sp>
+          </mc:Choice>
+          <mc:Fallback>
+            <p:sp>
+              <p:nvSpPr>
+                <p:cNvPr id="88" name="TextBox 87">
+                  <a:extLst>
+                    <a:ext uri="{FF2B5EF4-FFF2-40B4-BE49-F238E27FC236}">
+                      <a16:creationId xmlns:a16="http://schemas.microsoft.com/office/drawing/2014/main" id="{C172D57B-44E3-5C73-5BEC-425FEAF8F942}"/>
+                    </a:ext>
+                  </a:extLst>
+                </p:cNvPr>
+                <p:cNvSpPr txBox="1">
+                  <a:spLocks noRot="1" noChangeAspect="1" noMove="1" noResize="1" noEditPoints="1" noAdjustHandles="1" noChangeArrowheads="1" noChangeShapeType="1" noTextEdit="1"/>
+                </p:cNvSpPr>
+                <p:nvPr/>
+              </p:nvSpPr>
+              <p:spPr>
+                <a:xfrm>
+                  <a:off x="6052947" y="3421026"/>
+                  <a:ext cx="284309" cy="230832"/>
+                </a:xfrm>
+                <a:prstGeom prst="rect">
+                  <a:avLst/>
+                </a:prstGeom>
+                <a:blipFill>
+                  <a:blip r:embed="rId20"/>
+                  <a:stretch>
+                    <a:fillRect/>
+                  </a:stretch>
+                </a:blipFill>
+              </p:spPr>
+              <p:txBody>
+                <a:bodyPr/>
+                <a:lstStyle/>
+                <a:p>
+                  <a:r>
+                    <a:rPr lang="en-US">
+                      <a:noFill/>
+                    </a:rPr>
+                    <a:t> </a:t>
+                  </a:r>
+                </a:p>
+              </p:txBody>
+            </p:sp>
+          </mc:Fallback>
+        </mc:AlternateContent>
+        <p:sp>
+          <p:nvSpPr>
+            <p:cNvPr id="89" name="Oval 88">
+              <a:extLst>
+                <a:ext uri="{FF2B5EF4-FFF2-40B4-BE49-F238E27FC236}">
+                  <a16:creationId xmlns:a16="http://schemas.microsoft.com/office/drawing/2014/main" id="{106B74AC-8A7A-E2A1-F204-860500401760}"/>
+                </a:ext>
+              </a:extLst>
+            </p:cNvPr>
+            <p:cNvSpPr/>
+            <p:nvPr/>
+          </p:nvSpPr>
+          <p:spPr>
+            <a:xfrm>
+              <a:off x="7068443" y="3347874"/>
+              <a:ext cx="340117" cy="370332"/>
+            </a:xfrm>
+            <a:prstGeom prst="ellipse">
+              <a:avLst/>
+            </a:prstGeom>
+            <a:solidFill>
+              <a:schemeClr val="accent1">
+                <a:alpha val="23000"/>
+              </a:schemeClr>
+            </a:solidFill>
+          </p:spPr>
+          <p:style>
+            <a:lnRef idx="2">
+              <a:schemeClr val="accent1">
+                <a:shade val="15000"/>
+              </a:schemeClr>
+            </a:lnRef>
+            <a:fillRef idx="1">
+              <a:schemeClr val="accent1"/>
+            </a:fillRef>
+            <a:effectRef idx="0">
+              <a:schemeClr val="accent1"/>
+            </a:effectRef>
+            <a:fontRef idx="minor">
+              <a:schemeClr val="lt1"/>
+            </a:fontRef>
+          </p:style>
+          <p:txBody>
+            <a:bodyPr rtlCol="0" anchor="ctr"/>
+            <a:lstStyle/>
+            <a:p>
+              <a:pPr algn="ctr"/>
+              <a:endParaRPr lang="en-US"/>
+            </a:p>
+          </p:txBody>
+        </p:sp>
+        <mc:AlternateContent xmlns:mc="http://schemas.openxmlformats.org/markup-compatibility/2006">
+          <mc:Choice xmlns:a14="http://schemas.microsoft.com/office/drawing/2010/main" Requires="a14">
+            <p:sp>
+              <p:nvSpPr>
+                <p:cNvPr id="90" name="TextBox 89">
+                  <a:extLst>
+                    <a:ext uri="{FF2B5EF4-FFF2-40B4-BE49-F238E27FC236}">
+                      <a16:creationId xmlns:a16="http://schemas.microsoft.com/office/drawing/2014/main" id="{C88EC9B6-E7A4-67C4-53EB-F453EBC632E5}"/>
+                    </a:ext>
+                  </a:extLst>
+                </p:cNvPr>
+                <p:cNvSpPr txBox="1"/>
+                <p:nvPr/>
+              </p:nvSpPr>
+              <p:spPr>
+                <a:xfrm>
+                  <a:off x="7096590" y="3417624"/>
+                  <a:ext cx="297068" cy="230832"/>
+                </a:xfrm>
+                <a:prstGeom prst="rect">
+                  <a:avLst/>
+                </a:prstGeom>
+                <a:noFill/>
+              </p:spPr>
+              <p:txBody>
+                <a:bodyPr wrap="none" rtlCol="0">
+                  <a:spAutoFit/>
+                </a:bodyPr>
+                <a:lstStyle/>
+                <a:p>
+                  <a14:m>
+                    <m:oMathPara xmlns:m="http://schemas.openxmlformats.org/officeDocument/2006/math">
+                      <m:oMathParaPr>
+                        <m:jc m:val="centerGroup"/>
+                      </m:oMathParaPr>
+                      <m:oMath xmlns:m="http://schemas.openxmlformats.org/officeDocument/2006/math">
+                        <m:r>
+                          <a:rPr lang="en-US" sz="900" b="0" i="1" smtClean="0">
+                            <a:latin typeface="Cambria Math" panose="02040503050406030204" pitchFamily="18" charset="0"/>
+                          </a:rPr>
+                          <m:t>𝐻</m:t>
+                        </m:r>
+                      </m:oMath>
+                    </m:oMathPara>
+                  </a14:m>
+                  <a:endParaRPr lang="en-US" sz="900" dirty="0"/>
+                </a:p>
+              </p:txBody>
+            </p:sp>
+          </mc:Choice>
+          <mc:Fallback>
+            <p:sp>
+              <p:nvSpPr>
+                <p:cNvPr id="90" name="TextBox 89">
+                  <a:extLst>
+                    <a:ext uri="{FF2B5EF4-FFF2-40B4-BE49-F238E27FC236}">
+                      <a16:creationId xmlns:a16="http://schemas.microsoft.com/office/drawing/2014/main" id="{C88EC9B6-E7A4-67C4-53EB-F453EBC632E5}"/>
+                    </a:ext>
+                  </a:extLst>
+                </p:cNvPr>
+                <p:cNvSpPr txBox="1">
+                  <a:spLocks noRot="1" noChangeAspect="1" noMove="1" noResize="1" noEditPoints="1" noAdjustHandles="1" noChangeArrowheads="1" noChangeShapeType="1" noTextEdit="1"/>
+                </p:cNvSpPr>
+                <p:nvPr/>
+              </p:nvSpPr>
+              <p:spPr>
+                <a:xfrm>
+                  <a:off x="7096590" y="3417624"/>
+                  <a:ext cx="297068" cy="230832"/>
+                </a:xfrm>
+                <a:prstGeom prst="rect">
+                  <a:avLst/>
+                </a:prstGeom>
+                <a:blipFill>
+                  <a:blip r:embed="rId21"/>
+                  <a:stretch>
+                    <a:fillRect/>
+                  </a:stretch>
+                </a:blipFill>
+              </p:spPr>
+              <p:txBody>
+                <a:bodyPr/>
+                <a:lstStyle/>
+                <a:p>
+                  <a:r>
+                    <a:rPr lang="en-US">
+                      <a:noFill/>
+                    </a:rPr>
+                    <a:t> </a:t>
+                  </a:r>
+                </a:p>
+              </p:txBody>
+            </p:sp>
+          </mc:Fallback>
+        </mc:AlternateContent>
+        <p:sp>
+          <p:nvSpPr>
+            <p:cNvPr id="91" name="Oval 90">
+              <a:extLst>
+                <a:ext uri="{FF2B5EF4-FFF2-40B4-BE49-F238E27FC236}">
+                  <a16:creationId xmlns:a16="http://schemas.microsoft.com/office/drawing/2014/main" id="{EFC5C638-3F9A-DDE1-81BA-B3407DC0A3F9}"/>
+                </a:ext>
+              </a:extLst>
+            </p:cNvPr>
+            <p:cNvSpPr/>
+            <p:nvPr/>
+          </p:nvSpPr>
+          <p:spPr>
+            <a:xfrm>
+              <a:off x="6024800" y="4190353"/>
+              <a:ext cx="340117" cy="370332"/>
+            </a:xfrm>
+            <a:prstGeom prst="ellipse">
+              <a:avLst/>
+            </a:prstGeom>
+            <a:solidFill>
+              <a:schemeClr val="accent1">
+                <a:alpha val="23000"/>
+              </a:schemeClr>
+            </a:solidFill>
+          </p:spPr>
+          <p:style>
+            <a:lnRef idx="2">
+              <a:schemeClr val="accent1">
+                <a:shade val="15000"/>
+              </a:schemeClr>
+            </a:lnRef>
+            <a:fillRef idx="1">
+              <a:schemeClr val="accent1"/>
+            </a:fillRef>
+            <a:effectRef idx="0">
+              <a:schemeClr val="accent1"/>
+            </a:effectRef>
+            <a:fontRef idx="minor">
+              <a:schemeClr val="lt1"/>
+            </a:fontRef>
+          </p:style>
+          <p:txBody>
+            <a:bodyPr rtlCol="0" anchor="ctr"/>
+            <a:lstStyle/>
+            <a:p>
+              <a:pPr algn="ctr"/>
+              <a:endParaRPr lang="en-US"/>
+            </a:p>
+          </p:txBody>
+        </p:sp>
+        <mc:AlternateContent xmlns:mc="http://schemas.openxmlformats.org/markup-compatibility/2006">
+          <mc:Choice xmlns:a14="http://schemas.microsoft.com/office/drawing/2010/main" Requires="a14">
+            <p:sp>
+              <p:nvSpPr>
+                <p:cNvPr id="92" name="TextBox 91">
+                  <a:extLst>
+                    <a:ext uri="{FF2B5EF4-FFF2-40B4-BE49-F238E27FC236}">
+                      <a16:creationId xmlns:a16="http://schemas.microsoft.com/office/drawing/2014/main" id="{1360A6FC-EB61-ECC4-6D4D-3EBFCA1E67DD}"/>
+                    </a:ext>
+                  </a:extLst>
+                </p:cNvPr>
+                <p:cNvSpPr txBox="1"/>
+                <p:nvPr/>
+              </p:nvSpPr>
+              <p:spPr>
+                <a:xfrm>
+                  <a:off x="6052947" y="4260103"/>
+                  <a:ext cx="287451" cy="230832"/>
+                </a:xfrm>
+                <a:prstGeom prst="rect">
+                  <a:avLst/>
+                </a:prstGeom>
+                <a:noFill/>
+              </p:spPr>
+              <p:txBody>
+                <a:bodyPr wrap="none" rtlCol="0">
+                  <a:spAutoFit/>
+                </a:bodyPr>
+                <a:lstStyle/>
+                <a:p>
+                  <a14:m>
+                    <m:oMathPara xmlns:m="http://schemas.openxmlformats.org/officeDocument/2006/math">
+                      <m:oMathParaPr>
+                        <m:jc m:val="centerGroup"/>
+                      </m:oMathParaPr>
+                      <m:oMath xmlns:m="http://schemas.openxmlformats.org/officeDocument/2006/math">
+                        <m:r>
+                          <a:rPr lang="en-US" sz="900" b="0" i="1" smtClean="0">
+                            <a:latin typeface="Cambria Math" panose="02040503050406030204" pitchFamily="18" charset="0"/>
+                          </a:rPr>
+                          <m:t>𝑅</m:t>
+                        </m:r>
+                      </m:oMath>
+                    </m:oMathPara>
+                  </a14:m>
+                  <a:endParaRPr lang="en-US" sz="900" dirty="0"/>
+                </a:p>
+              </p:txBody>
+            </p:sp>
+          </mc:Choice>
+          <mc:Fallback>
+            <p:sp>
+              <p:nvSpPr>
+                <p:cNvPr id="92" name="TextBox 91">
+                  <a:extLst>
+                    <a:ext uri="{FF2B5EF4-FFF2-40B4-BE49-F238E27FC236}">
+                      <a16:creationId xmlns:a16="http://schemas.microsoft.com/office/drawing/2014/main" id="{1360A6FC-EB61-ECC4-6D4D-3EBFCA1E67DD}"/>
+                    </a:ext>
+                  </a:extLst>
+                </p:cNvPr>
+                <p:cNvSpPr txBox="1">
+                  <a:spLocks noRot="1" noChangeAspect="1" noMove="1" noResize="1" noEditPoints="1" noAdjustHandles="1" noChangeArrowheads="1" noChangeShapeType="1" noTextEdit="1"/>
+                </p:cNvSpPr>
+                <p:nvPr/>
+              </p:nvSpPr>
+              <p:spPr>
+                <a:xfrm>
+                  <a:off x="6052947" y="4260103"/>
+                  <a:ext cx="287451" cy="230832"/>
+                </a:xfrm>
+                <a:prstGeom prst="rect">
+                  <a:avLst/>
+                </a:prstGeom>
+                <a:blipFill>
+                  <a:blip r:embed="rId22"/>
+                  <a:stretch>
+                    <a:fillRect/>
+                  </a:stretch>
+                </a:blipFill>
+              </p:spPr>
+              <p:txBody>
+                <a:bodyPr/>
+                <a:lstStyle/>
+                <a:p>
+                  <a:r>
+                    <a:rPr lang="en-US">
+                      <a:noFill/>
+                    </a:rPr>
+                    <a:t> </a:t>
+                  </a:r>
+                </a:p>
+              </p:txBody>
+            </p:sp>
+          </mc:Fallback>
+        </mc:AlternateContent>
+        <p:sp>
+          <p:nvSpPr>
+            <p:cNvPr id="93" name="Oval 92">
+              <a:extLst>
+                <a:ext uri="{FF2B5EF4-FFF2-40B4-BE49-F238E27FC236}">
+                  <a16:creationId xmlns:a16="http://schemas.microsoft.com/office/drawing/2014/main" id="{A464C56E-A93B-5492-19DF-F139760A064B}"/>
+                </a:ext>
+              </a:extLst>
+            </p:cNvPr>
+            <p:cNvSpPr/>
+            <p:nvPr/>
+          </p:nvSpPr>
+          <p:spPr>
+            <a:xfrm>
+              <a:off x="7065272" y="4190353"/>
+              <a:ext cx="340117" cy="370332"/>
+            </a:xfrm>
+            <a:prstGeom prst="ellipse">
+              <a:avLst/>
+            </a:prstGeom>
+            <a:solidFill>
+              <a:schemeClr val="accent1">
+                <a:alpha val="23000"/>
+              </a:schemeClr>
+            </a:solidFill>
+          </p:spPr>
+          <p:style>
+            <a:lnRef idx="2">
+              <a:schemeClr val="accent1">
+                <a:shade val="15000"/>
+              </a:schemeClr>
+            </a:lnRef>
+            <a:fillRef idx="1">
+              <a:schemeClr val="accent1"/>
+            </a:fillRef>
+            <a:effectRef idx="0">
+              <a:schemeClr val="accent1"/>
+            </a:effectRef>
+            <a:fontRef idx="minor">
+              <a:schemeClr val="lt1"/>
+            </a:fontRef>
+          </p:style>
+          <p:txBody>
+            <a:bodyPr rtlCol="0" anchor="ctr"/>
+            <a:lstStyle/>
+            <a:p>
+              <a:pPr algn="ctr"/>
+              <a:endParaRPr lang="en-US"/>
+            </a:p>
+          </p:txBody>
+        </p:sp>
+        <mc:AlternateContent xmlns:mc="http://schemas.openxmlformats.org/markup-compatibility/2006">
+          <mc:Choice xmlns:a14="http://schemas.microsoft.com/office/drawing/2010/main" Requires="a14">
+            <p:sp>
+              <p:nvSpPr>
+                <p:cNvPr id="94" name="TextBox 93">
+                  <a:extLst>
+                    <a:ext uri="{FF2B5EF4-FFF2-40B4-BE49-F238E27FC236}">
+                      <a16:creationId xmlns:a16="http://schemas.microsoft.com/office/drawing/2014/main" id="{6ABDD443-1D49-C47D-1A1B-74C30DCA8D86}"/>
+                    </a:ext>
+                  </a:extLst>
+                </p:cNvPr>
+                <p:cNvSpPr txBox="1"/>
+                <p:nvPr/>
+              </p:nvSpPr>
+              <p:spPr>
+                <a:xfrm>
+                  <a:off x="7093419" y="4260103"/>
+                  <a:ext cx="273472" cy="230832"/>
+                </a:xfrm>
+                <a:prstGeom prst="rect">
+                  <a:avLst/>
+                </a:prstGeom>
+                <a:noFill/>
+              </p:spPr>
+              <p:txBody>
+                <a:bodyPr wrap="none" rtlCol="0">
+                  <a:spAutoFit/>
+                </a:bodyPr>
+                <a:lstStyle/>
+                <a:p>
+                  <a14:m>
+                    <m:oMathPara xmlns:m="http://schemas.openxmlformats.org/officeDocument/2006/math">
+                      <m:oMathParaPr>
+                        <m:jc m:val="centerGroup"/>
+                      </m:oMathParaPr>
+                      <m:oMath xmlns:m="http://schemas.openxmlformats.org/officeDocument/2006/math">
+                        <m:r>
+                          <a:rPr lang="en-US" sz="900" b="0" i="1" smtClean="0">
+                            <a:latin typeface="Cambria Math" panose="02040503050406030204" pitchFamily="18" charset="0"/>
+                          </a:rPr>
+                          <m:t>𝑆</m:t>
+                        </m:r>
+                      </m:oMath>
+                    </m:oMathPara>
+                  </a14:m>
+                  <a:endParaRPr lang="en-US" sz="900" dirty="0"/>
+                </a:p>
+              </p:txBody>
+            </p:sp>
+          </mc:Choice>
+          <mc:Fallback>
+            <p:sp>
+              <p:nvSpPr>
+                <p:cNvPr id="94" name="TextBox 93">
+                  <a:extLst>
+                    <a:ext uri="{FF2B5EF4-FFF2-40B4-BE49-F238E27FC236}">
+                      <a16:creationId xmlns:a16="http://schemas.microsoft.com/office/drawing/2014/main" id="{6ABDD443-1D49-C47D-1A1B-74C30DCA8D86}"/>
+                    </a:ext>
+                  </a:extLst>
+                </p:cNvPr>
+                <p:cNvSpPr txBox="1">
+                  <a:spLocks noRot="1" noChangeAspect="1" noMove="1" noResize="1" noEditPoints="1" noAdjustHandles="1" noChangeArrowheads="1" noChangeShapeType="1" noTextEdit="1"/>
+                </p:cNvSpPr>
+                <p:nvPr/>
+              </p:nvSpPr>
+              <p:spPr>
+                <a:xfrm>
+                  <a:off x="7093419" y="4260103"/>
+                  <a:ext cx="273472" cy="230832"/>
+                </a:xfrm>
+                <a:prstGeom prst="rect">
+                  <a:avLst/>
+                </a:prstGeom>
+                <a:blipFill>
+                  <a:blip r:embed="rId23"/>
+                  <a:stretch>
+                    <a:fillRect/>
+                  </a:stretch>
+                </a:blipFill>
+              </p:spPr>
+              <p:txBody>
+                <a:bodyPr/>
+                <a:lstStyle/>
+                <a:p>
+                  <a:r>
+                    <a:rPr lang="en-US">
+                      <a:noFill/>
+                    </a:rPr>
+                    <a:t> </a:t>
+                  </a:r>
+                </a:p>
+              </p:txBody>
+            </p:sp>
+          </mc:Fallback>
+        </mc:AlternateContent>
+        <p:cxnSp>
+          <p:nvCxnSpPr>
+            <p:cNvPr id="96" name="Straight Arrow Connector 95">
+              <a:extLst>
+                <a:ext uri="{FF2B5EF4-FFF2-40B4-BE49-F238E27FC236}">
+                  <a16:creationId xmlns:a16="http://schemas.microsoft.com/office/drawing/2014/main" id="{ED1CAE66-997E-9FEC-BC1A-DFB6430EE97A}"/>
+                </a:ext>
+              </a:extLst>
+            </p:cNvPr>
+            <p:cNvCxnSpPr>
+              <a:cxnSpLocks/>
+              <a:stCxn id="87" idx="4"/>
+              <a:endCxn id="91" idx="0"/>
+            </p:cNvCxnSpPr>
+            <p:nvPr/>
+          </p:nvCxnSpPr>
+          <p:spPr>
+            <a:xfrm>
+              <a:off x="6194859" y="3721608"/>
+              <a:ext cx="0" cy="468745"/>
+            </a:xfrm>
+            <a:prstGeom prst="straightConnector1">
+              <a:avLst/>
+            </a:prstGeom>
+            <a:ln>
+              <a:tailEnd type="triangle"/>
+            </a:ln>
+          </p:spPr>
+          <p:style>
+            <a:lnRef idx="1">
+              <a:schemeClr val="accent1"/>
+            </a:lnRef>
+            <a:fillRef idx="0">
+              <a:schemeClr val="accent1"/>
+            </a:fillRef>
+            <a:effectRef idx="0">
+              <a:schemeClr val="accent1"/>
+            </a:effectRef>
+            <a:fontRef idx="minor">
+              <a:schemeClr val="tx1"/>
+            </a:fontRef>
+          </p:style>
+        </p:cxnSp>
+        <p:cxnSp>
+          <p:nvCxnSpPr>
+            <p:cNvPr id="98" name="Straight Arrow Connector 97">
+              <a:extLst>
+                <a:ext uri="{FF2B5EF4-FFF2-40B4-BE49-F238E27FC236}">
+                  <a16:creationId xmlns:a16="http://schemas.microsoft.com/office/drawing/2014/main" id="{F1ACF9EF-A31D-8A66-7868-12CC8FF41689}"/>
+                </a:ext>
+              </a:extLst>
+            </p:cNvPr>
+            <p:cNvCxnSpPr>
+              <a:cxnSpLocks/>
+            </p:cNvCxnSpPr>
+            <p:nvPr/>
+          </p:nvCxnSpPr>
+          <p:spPr>
+            <a:xfrm>
+              <a:off x="7234227" y="3729582"/>
+              <a:ext cx="0" cy="468745"/>
+            </a:xfrm>
+            <a:prstGeom prst="straightConnector1">
+              <a:avLst/>
+            </a:prstGeom>
+            <a:ln>
+              <a:tailEnd type="triangle"/>
+            </a:ln>
+          </p:spPr>
+          <p:style>
+            <a:lnRef idx="1">
+              <a:schemeClr val="accent1"/>
+            </a:lnRef>
+            <a:fillRef idx="0">
+              <a:schemeClr val="accent1"/>
+            </a:fillRef>
+            <a:effectRef idx="0">
+              <a:schemeClr val="accent1"/>
+            </a:effectRef>
+            <a:fontRef idx="minor">
+              <a:schemeClr val="tx1"/>
+            </a:fontRef>
+          </p:style>
+        </p:cxnSp>
+        <p:cxnSp>
+          <p:nvCxnSpPr>
+            <p:cNvPr id="100" name="Straight Arrow Connector 99">
+              <a:extLst>
+                <a:ext uri="{FF2B5EF4-FFF2-40B4-BE49-F238E27FC236}">
+                  <a16:creationId xmlns:a16="http://schemas.microsoft.com/office/drawing/2014/main" id="{B42B63D5-86C3-7142-CBDF-780DA11CE2FC}"/>
+                </a:ext>
+              </a:extLst>
+            </p:cNvPr>
+            <p:cNvCxnSpPr>
+              <a:cxnSpLocks/>
+            </p:cNvCxnSpPr>
+            <p:nvPr/>
+          </p:nvCxnSpPr>
+          <p:spPr>
+            <a:xfrm>
+              <a:off x="6333425" y="3658575"/>
+              <a:ext cx="755906" cy="594809"/>
+            </a:xfrm>
+            <a:prstGeom prst="straightConnector1">
+              <a:avLst/>
+            </a:prstGeom>
+            <a:ln>
+              <a:tailEnd type="triangle"/>
+            </a:ln>
+          </p:spPr>
+          <p:style>
+            <a:lnRef idx="1">
+              <a:schemeClr val="accent1"/>
+            </a:lnRef>
+            <a:fillRef idx="0">
+              <a:schemeClr val="accent1"/>
+            </a:fillRef>
+            <a:effectRef idx="0">
+              <a:schemeClr val="accent1"/>
+            </a:effectRef>
+            <a:fontRef idx="minor">
+              <a:schemeClr val="tx1"/>
+            </a:fontRef>
+          </p:style>
+        </p:cxnSp>
+        <p:cxnSp>
+          <p:nvCxnSpPr>
+            <p:cNvPr id="104" name="Straight Arrow Connector 103">
+              <a:extLst>
+                <a:ext uri="{FF2B5EF4-FFF2-40B4-BE49-F238E27FC236}">
+                  <a16:creationId xmlns:a16="http://schemas.microsoft.com/office/drawing/2014/main" id="{23993EC4-CD18-5971-B6DD-B4D8D84C07A5}"/>
+                </a:ext>
+              </a:extLst>
+            </p:cNvPr>
+            <p:cNvCxnSpPr>
+              <a:cxnSpLocks/>
+            </p:cNvCxnSpPr>
+            <p:nvPr/>
+          </p:nvCxnSpPr>
+          <p:spPr>
+            <a:xfrm flipH="1">
+              <a:off x="6333425" y="3658575"/>
+              <a:ext cx="763165" cy="601528"/>
+            </a:xfrm>
+            <a:prstGeom prst="straightConnector1">
+              <a:avLst/>
+            </a:prstGeom>
+            <a:ln>
+              <a:tailEnd type="triangle"/>
+            </a:ln>
+          </p:spPr>
+          <p:style>
+            <a:lnRef idx="1">
+              <a:schemeClr val="accent1"/>
+            </a:lnRef>
+            <a:fillRef idx="0">
+              <a:schemeClr val="accent1"/>
+            </a:fillRef>
+            <a:effectRef idx="0">
+              <a:schemeClr val="accent1"/>
+            </a:effectRef>
+            <a:fontRef idx="minor">
+              <a:schemeClr val="tx1"/>
+            </a:fontRef>
+          </p:style>
+        </p:cxnSp>
+        <p:sp>
+          <p:nvSpPr>
+            <p:cNvPr id="106" name="Oval 105">
+              <a:extLst>
+                <a:ext uri="{FF2B5EF4-FFF2-40B4-BE49-F238E27FC236}">
+                  <a16:creationId xmlns:a16="http://schemas.microsoft.com/office/drawing/2014/main" id="{AA8A182A-2FEF-F9CB-F34D-BE486F73D6A7}"/>
+                </a:ext>
+              </a:extLst>
+            </p:cNvPr>
+            <p:cNvSpPr/>
+            <p:nvPr/>
+          </p:nvSpPr>
+          <p:spPr>
+            <a:xfrm>
+              <a:off x="8597083" y="3348580"/>
+              <a:ext cx="340117" cy="370332"/>
+            </a:xfrm>
+            <a:prstGeom prst="ellipse">
+              <a:avLst/>
+            </a:prstGeom>
+            <a:solidFill>
+              <a:schemeClr val="accent1">
+                <a:alpha val="23000"/>
+              </a:schemeClr>
+            </a:solidFill>
+          </p:spPr>
+          <p:style>
+            <a:lnRef idx="2">
+              <a:schemeClr val="accent1">
+                <a:shade val="15000"/>
+              </a:schemeClr>
+            </a:lnRef>
+            <a:fillRef idx="1">
+              <a:schemeClr val="accent1"/>
+            </a:fillRef>
+            <a:effectRef idx="0">
+              <a:schemeClr val="accent1"/>
+            </a:effectRef>
+            <a:fontRef idx="minor">
+              <a:schemeClr val="lt1"/>
+            </a:fontRef>
+          </p:style>
+          <p:txBody>
+            <a:bodyPr rtlCol="0" anchor="ctr"/>
+            <a:lstStyle/>
+            <a:p>
+              <a:pPr algn="ctr"/>
+              <a:endParaRPr lang="en-US"/>
+            </a:p>
+          </p:txBody>
+        </p:sp>
+        <mc:AlternateContent xmlns:mc="http://schemas.openxmlformats.org/markup-compatibility/2006">
+          <mc:Choice xmlns:a14="http://schemas.microsoft.com/office/drawing/2010/main" Requires="a14">
+            <p:sp>
+              <p:nvSpPr>
+                <p:cNvPr id="107" name="TextBox 106">
+                  <a:extLst>
+                    <a:ext uri="{FF2B5EF4-FFF2-40B4-BE49-F238E27FC236}">
+                      <a16:creationId xmlns:a16="http://schemas.microsoft.com/office/drawing/2014/main" id="{A86CB804-4E65-17B1-4A70-766228E79BAE}"/>
+                    </a:ext>
+                  </a:extLst>
+                </p:cNvPr>
+                <p:cNvSpPr txBox="1"/>
+                <p:nvPr/>
+              </p:nvSpPr>
+              <p:spPr>
+                <a:xfrm>
+                  <a:off x="8625230" y="3418330"/>
+                  <a:ext cx="284309" cy="230832"/>
+                </a:xfrm>
+                <a:prstGeom prst="rect">
+                  <a:avLst/>
+                </a:prstGeom>
+                <a:noFill/>
+              </p:spPr>
+              <p:txBody>
+                <a:bodyPr wrap="none" rtlCol="0">
+                  <a:spAutoFit/>
+                </a:bodyPr>
+                <a:lstStyle/>
+                <a:p>
+                  <a14:m>
+                    <m:oMathPara xmlns:m="http://schemas.openxmlformats.org/officeDocument/2006/math">
+                      <m:oMathParaPr>
+                        <m:jc m:val="centerGroup"/>
+                      </m:oMathParaPr>
+                      <m:oMath xmlns:m="http://schemas.openxmlformats.org/officeDocument/2006/math">
+                        <m:r>
+                          <a:rPr lang="en-US" sz="900" b="0" i="1" smtClean="0">
+                            <a:latin typeface="Cambria Math" panose="02040503050406030204" pitchFamily="18" charset="0"/>
+                          </a:rPr>
+                          <m:t>𝐶</m:t>
+                        </m:r>
+                      </m:oMath>
+                    </m:oMathPara>
+                  </a14:m>
+                  <a:endParaRPr lang="en-US" sz="900" dirty="0"/>
+                </a:p>
+              </p:txBody>
+            </p:sp>
+          </mc:Choice>
+          <mc:Fallback>
+            <p:sp>
+              <p:nvSpPr>
+                <p:cNvPr id="107" name="TextBox 106">
+                  <a:extLst>
+                    <a:ext uri="{FF2B5EF4-FFF2-40B4-BE49-F238E27FC236}">
+                      <a16:creationId xmlns:a16="http://schemas.microsoft.com/office/drawing/2014/main" id="{A86CB804-4E65-17B1-4A70-766228E79BAE}"/>
+                    </a:ext>
+                  </a:extLst>
+                </p:cNvPr>
+                <p:cNvSpPr txBox="1">
+                  <a:spLocks noRot="1" noChangeAspect="1" noMove="1" noResize="1" noEditPoints="1" noAdjustHandles="1" noChangeArrowheads="1" noChangeShapeType="1" noTextEdit="1"/>
+                </p:cNvSpPr>
+                <p:nvPr/>
+              </p:nvSpPr>
+              <p:spPr>
+                <a:xfrm>
+                  <a:off x="8625230" y="3418330"/>
+                  <a:ext cx="284309" cy="230832"/>
+                </a:xfrm>
+                <a:prstGeom prst="rect">
+                  <a:avLst/>
+                </a:prstGeom>
+                <a:blipFill>
+                  <a:blip r:embed="rId24"/>
+                  <a:stretch>
+                    <a:fillRect/>
+                  </a:stretch>
+                </a:blipFill>
+              </p:spPr>
+              <p:txBody>
+                <a:bodyPr/>
+                <a:lstStyle/>
+                <a:p>
+                  <a:r>
+                    <a:rPr lang="en-US">
+                      <a:noFill/>
+                    </a:rPr>
+                    <a:t> </a:t>
+                  </a:r>
+                </a:p>
+              </p:txBody>
+            </p:sp>
+          </mc:Fallback>
+        </mc:AlternateContent>
+        <p:sp>
+          <p:nvSpPr>
+            <p:cNvPr id="108" name="Oval 107">
+              <a:extLst>
+                <a:ext uri="{FF2B5EF4-FFF2-40B4-BE49-F238E27FC236}">
+                  <a16:creationId xmlns:a16="http://schemas.microsoft.com/office/drawing/2014/main" id="{9F5CB00F-68C5-01D7-F51F-B341A2F6082D}"/>
+                </a:ext>
+              </a:extLst>
+            </p:cNvPr>
+            <p:cNvSpPr/>
+            <p:nvPr/>
+          </p:nvSpPr>
+          <p:spPr>
+            <a:xfrm>
+              <a:off x="9640726" y="3345178"/>
+              <a:ext cx="340117" cy="370332"/>
+            </a:xfrm>
+            <a:prstGeom prst="ellipse">
+              <a:avLst/>
+            </a:prstGeom>
+            <a:solidFill>
+              <a:schemeClr val="accent1">
+                <a:alpha val="23000"/>
+              </a:schemeClr>
+            </a:solidFill>
+          </p:spPr>
+          <p:style>
+            <a:lnRef idx="2">
+              <a:schemeClr val="accent1">
+                <a:shade val="15000"/>
+              </a:schemeClr>
+            </a:lnRef>
+            <a:fillRef idx="1">
+              <a:schemeClr val="accent1"/>
+            </a:fillRef>
+            <a:effectRef idx="0">
+              <a:schemeClr val="accent1"/>
+            </a:effectRef>
+            <a:fontRef idx="minor">
+              <a:schemeClr val="lt1"/>
+            </a:fontRef>
+          </p:style>
+          <p:txBody>
+            <a:bodyPr rtlCol="0" anchor="ctr"/>
+            <a:lstStyle/>
+            <a:p>
+              <a:pPr algn="ctr"/>
+              <a:endParaRPr lang="en-US"/>
+            </a:p>
+          </p:txBody>
+        </p:sp>
+        <mc:AlternateContent xmlns:mc="http://schemas.openxmlformats.org/markup-compatibility/2006">
+          <mc:Choice xmlns:a14="http://schemas.microsoft.com/office/drawing/2010/main" Requires="a14">
+            <p:sp>
+              <p:nvSpPr>
+                <p:cNvPr id="109" name="TextBox 108">
+                  <a:extLst>
+                    <a:ext uri="{FF2B5EF4-FFF2-40B4-BE49-F238E27FC236}">
+                      <a16:creationId xmlns:a16="http://schemas.microsoft.com/office/drawing/2014/main" id="{018AACBF-DD70-752D-A5DC-923D0DC30050}"/>
+                    </a:ext>
+                  </a:extLst>
+                </p:cNvPr>
+                <p:cNvSpPr txBox="1"/>
+                <p:nvPr/>
+              </p:nvSpPr>
+              <p:spPr>
+                <a:xfrm>
+                  <a:off x="9668873" y="3414928"/>
+                  <a:ext cx="297068" cy="230832"/>
+                </a:xfrm>
+                <a:prstGeom prst="rect">
+                  <a:avLst/>
+                </a:prstGeom>
+                <a:noFill/>
+              </p:spPr>
+              <p:txBody>
+                <a:bodyPr wrap="none" rtlCol="0">
+                  <a:spAutoFit/>
+                </a:bodyPr>
+                <a:lstStyle/>
+                <a:p>
+                  <a14:m>
+                    <m:oMathPara xmlns:m="http://schemas.openxmlformats.org/officeDocument/2006/math">
+                      <m:oMathParaPr>
+                        <m:jc m:val="centerGroup"/>
+                      </m:oMathParaPr>
+                      <m:oMath xmlns:m="http://schemas.openxmlformats.org/officeDocument/2006/math">
+                        <m:r>
+                          <a:rPr lang="en-US" sz="900" b="0" i="1" smtClean="0">
+                            <a:latin typeface="Cambria Math" panose="02040503050406030204" pitchFamily="18" charset="0"/>
+                          </a:rPr>
+                          <m:t>𝐻</m:t>
+                        </m:r>
+                      </m:oMath>
+                    </m:oMathPara>
+                  </a14:m>
+                  <a:endParaRPr lang="en-US" sz="900" dirty="0"/>
+                </a:p>
+              </p:txBody>
+            </p:sp>
+          </mc:Choice>
+          <mc:Fallback>
+            <p:sp>
+              <p:nvSpPr>
+                <p:cNvPr id="109" name="TextBox 108">
+                  <a:extLst>
+                    <a:ext uri="{FF2B5EF4-FFF2-40B4-BE49-F238E27FC236}">
+                      <a16:creationId xmlns:a16="http://schemas.microsoft.com/office/drawing/2014/main" id="{018AACBF-DD70-752D-A5DC-923D0DC30050}"/>
+                    </a:ext>
+                  </a:extLst>
+                </p:cNvPr>
+                <p:cNvSpPr txBox="1">
+                  <a:spLocks noRot="1" noChangeAspect="1" noMove="1" noResize="1" noEditPoints="1" noAdjustHandles="1" noChangeArrowheads="1" noChangeShapeType="1" noTextEdit="1"/>
+                </p:cNvSpPr>
+                <p:nvPr/>
+              </p:nvSpPr>
+              <p:spPr>
+                <a:xfrm>
+                  <a:off x="9668873" y="3414928"/>
+                  <a:ext cx="297068" cy="230832"/>
+                </a:xfrm>
+                <a:prstGeom prst="rect">
+                  <a:avLst/>
+                </a:prstGeom>
+                <a:blipFill>
+                  <a:blip r:embed="rId25"/>
+                  <a:stretch>
+                    <a:fillRect/>
+                  </a:stretch>
+                </a:blipFill>
+              </p:spPr>
+              <p:txBody>
+                <a:bodyPr/>
+                <a:lstStyle/>
+                <a:p>
+                  <a:r>
+                    <a:rPr lang="en-US">
+                      <a:noFill/>
+                    </a:rPr>
+                    <a:t> </a:t>
+                  </a:r>
+                </a:p>
+              </p:txBody>
+            </p:sp>
+          </mc:Fallback>
+        </mc:AlternateContent>
+        <p:sp>
+          <p:nvSpPr>
+            <p:cNvPr id="110" name="Oval 109">
+              <a:extLst>
+                <a:ext uri="{FF2B5EF4-FFF2-40B4-BE49-F238E27FC236}">
+                  <a16:creationId xmlns:a16="http://schemas.microsoft.com/office/drawing/2014/main" id="{3228DF03-121A-4931-E2BE-4857EFED8031}"/>
+                </a:ext>
+              </a:extLst>
+            </p:cNvPr>
+            <p:cNvSpPr/>
+            <p:nvPr/>
+          </p:nvSpPr>
+          <p:spPr>
+            <a:xfrm>
+              <a:off x="8597083" y="4187657"/>
+              <a:ext cx="340117" cy="370332"/>
+            </a:xfrm>
+            <a:prstGeom prst="ellipse">
+              <a:avLst/>
+            </a:prstGeom>
+            <a:solidFill>
+              <a:schemeClr val="accent1">
+                <a:alpha val="23000"/>
+              </a:schemeClr>
+            </a:solidFill>
+          </p:spPr>
+          <p:style>
+            <a:lnRef idx="2">
+              <a:schemeClr val="accent1">
+                <a:shade val="15000"/>
+              </a:schemeClr>
+            </a:lnRef>
+            <a:fillRef idx="1">
+              <a:schemeClr val="accent1"/>
+            </a:fillRef>
+            <a:effectRef idx="0">
+              <a:schemeClr val="accent1"/>
+            </a:effectRef>
+            <a:fontRef idx="minor">
+              <a:schemeClr val="lt1"/>
+            </a:fontRef>
+          </p:style>
+          <p:txBody>
+            <a:bodyPr rtlCol="0" anchor="ctr"/>
+            <a:lstStyle/>
+            <a:p>
+              <a:pPr algn="ctr"/>
+              <a:endParaRPr lang="en-US"/>
+            </a:p>
+          </p:txBody>
+        </p:sp>
+        <mc:AlternateContent xmlns:mc="http://schemas.openxmlformats.org/markup-compatibility/2006">
+          <mc:Choice xmlns:a14="http://schemas.microsoft.com/office/drawing/2010/main" Requires="a14">
+            <p:sp>
+              <p:nvSpPr>
+                <p:cNvPr id="111" name="TextBox 110">
+                  <a:extLst>
+                    <a:ext uri="{FF2B5EF4-FFF2-40B4-BE49-F238E27FC236}">
+                      <a16:creationId xmlns:a16="http://schemas.microsoft.com/office/drawing/2014/main" id="{434070A0-846F-67BA-D362-E5E367380EB0}"/>
+                    </a:ext>
+                  </a:extLst>
+                </p:cNvPr>
+                <p:cNvSpPr txBox="1"/>
+                <p:nvPr/>
+              </p:nvSpPr>
+              <p:spPr>
+                <a:xfrm>
+                  <a:off x="8625230" y="4257407"/>
+                  <a:ext cx="287451" cy="230832"/>
+                </a:xfrm>
+                <a:prstGeom prst="rect">
+                  <a:avLst/>
+                </a:prstGeom>
+                <a:noFill/>
+              </p:spPr>
+              <p:txBody>
+                <a:bodyPr wrap="none" rtlCol="0">
+                  <a:spAutoFit/>
+                </a:bodyPr>
+                <a:lstStyle/>
+                <a:p>
+                  <a14:m>
+                    <m:oMathPara xmlns:m="http://schemas.openxmlformats.org/officeDocument/2006/math">
+                      <m:oMathParaPr>
+                        <m:jc m:val="centerGroup"/>
+                      </m:oMathParaPr>
+                      <m:oMath xmlns:m="http://schemas.openxmlformats.org/officeDocument/2006/math">
+                        <m:r>
+                          <a:rPr lang="en-US" sz="900" b="0" i="1" smtClean="0">
+                            <a:latin typeface="Cambria Math" panose="02040503050406030204" pitchFamily="18" charset="0"/>
+                          </a:rPr>
+                          <m:t>𝑅</m:t>
+                        </m:r>
+                      </m:oMath>
+                    </m:oMathPara>
+                  </a14:m>
+                  <a:endParaRPr lang="en-US" sz="900" dirty="0"/>
+                </a:p>
+              </p:txBody>
+            </p:sp>
+          </mc:Choice>
+          <mc:Fallback>
+            <p:sp>
+              <p:nvSpPr>
+                <p:cNvPr id="111" name="TextBox 110">
+                  <a:extLst>
+                    <a:ext uri="{FF2B5EF4-FFF2-40B4-BE49-F238E27FC236}">
+                      <a16:creationId xmlns:a16="http://schemas.microsoft.com/office/drawing/2014/main" id="{434070A0-846F-67BA-D362-E5E367380EB0}"/>
+                    </a:ext>
+                  </a:extLst>
+                </p:cNvPr>
+                <p:cNvSpPr txBox="1">
+                  <a:spLocks noRot="1" noChangeAspect="1" noMove="1" noResize="1" noEditPoints="1" noAdjustHandles="1" noChangeArrowheads="1" noChangeShapeType="1" noTextEdit="1"/>
+                </p:cNvSpPr>
+                <p:nvPr/>
+              </p:nvSpPr>
+              <p:spPr>
+                <a:xfrm>
+                  <a:off x="8625230" y="4257407"/>
+                  <a:ext cx="287451" cy="230832"/>
+                </a:xfrm>
+                <a:prstGeom prst="rect">
+                  <a:avLst/>
+                </a:prstGeom>
+                <a:blipFill>
+                  <a:blip r:embed="rId14"/>
+                  <a:stretch>
+                    <a:fillRect/>
+                  </a:stretch>
+                </a:blipFill>
+              </p:spPr>
+              <p:txBody>
+                <a:bodyPr/>
+                <a:lstStyle/>
+                <a:p>
+                  <a:r>
+                    <a:rPr lang="en-US">
+                      <a:noFill/>
+                    </a:rPr>
+                    <a:t> </a:t>
+                  </a:r>
+                </a:p>
+              </p:txBody>
+            </p:sp>
+          </mc:Fallback>
+        </mc:AlternateContent>
+        <p:sp>
+          <p:nvSpPr>
+            <p:cNvPr id="112" name="Oval 111">
+              <a:extLst>
+                <a:ext uri="{FF2B5EF4-FFF2-40B4-BE49-F238E27FC236}">
+                  <a16:creationId xmlns:a16="http://schemas.microsoft.com/office/drawing/2014/main" id="{7B5D44E9-E90E-81D0-1C22-0A30741CD508}"/>
+                </a:ext>
+              </a:extLst>
+            </p:cNvPr>
+            <p:cNvSpPr/>
+            <p:nvPr/>
+          </p:nvSpPr>
+          <p:spPr>
+            <a:xfrm>
+              <a:off x="9637555" y="4187657"/>
+              <a:ext cx="340117" cy="370332"/>
+            </a:xfrm>
+            <a:prstGeom prst="ellipse">
+              <a:avLst/>
+            </a:prstGeom>
+            <a:solidFill>
+              <a:schemeClr val="accent1">
+                <a:alpha val="23000"/>
+              </a:schemeClr>
+            </a:solidFill>
+          </p:spPr>
+          <p:style>
+            <a:lnRef idx="2">
+              <a:schemeClr val="accent1">
+                <a:shade val="15000"/>
+              </a:schemeClr>
+            </a:lnRef>
+            <a:fillRef idx="1">
+              <a:schemeClr val="accent1"/>
+            </a:fillRef>
+            <a:effectRef idx="0">
+              <a:schemeClr val="accent1"/>
+            </a:effectRef>
+            <a:fontRef idx="minor">
+              <a:schemeClr val="lt1"/>
+            </a:fontRef>
+          </p:style>
+          <p:txBody>
+            <a:bodyPr rtlCol="0" anchor="ctr"/>
+            <a:lstStyle/>
+            <a:p>
+              <a:pPr algn="ctr"/>
+              <a:endParaRPr lang="en-US"/>
+            </a:p>
+          </p:txBody>
+        </p:sp>
+        <mc:AlternateContent xmlns:mc="http://schemas.openxmlformats.org/markup-compatibility/2006">
+          <mc:Choice xmlns:a14="http://schemas.microsoft.com/office/drawing/2010/main" Requires="a14">
+            <p:sp>
+              <p:nvSpPr>
+                <p:cNvPr id="113" name="TextBox 112">
+                  <a:extLst>
+                    <a:ext uri="{FF2B5EF4-FFF2-40B4-BE49-F238E27FC236}">
+                      <a16:creationId xmlns:a16="http://schemas.microsoft.com/office/drawing/2014/main" id="{0F66AAF3-7B0F-A502-A638-445B1676B28A}"/>
+                    </a:ext>
+                  </a:extLst>
+                </p:cNvPr>
+                <p:cNvSpPr txBox="1"/>
+                <p:nvPr/>
+              </p:nvSpPr>
+              <p:spPr>
+                <a:xfrm>
+                  <a:off x="9665702" y="4257407"/>
+                  <a:ext cx="273472" cy="230832"/>
+                </a:xfrm>
+                <a:prstGeom prst="rect">
+                  <a:avLst/>
+                </a:prstGeom>
+                <a:noFill/>
+              </p:spPr>
+              <p:txBody>
+                <a:bodyPr wrap="none" rtlCol="0">
+                  <a:spAutoFit/>
+                </a:bodyPr>
+                <a:lstStyle/>
+                <a:p>
+                  <a14:m>
+                    <m:oMathPara xmlns:m="http://schemas.openxmlformats.org/officeDocument/2006/math">
+                      <m:oMathParaPr>
+                        <m:jc m:val="centerGroup"/>
+                      </m:oMathParaPr>
+                      <m:oMath xmlns:m="http://schemas.openxmlformats.org/officeDocument/2006/math">
+                        <m:r>
+                          <a:rPr lang="en-US" sz="900" b="0" i="1" smtClean="0">
+                            <a:latin typeface="Cambria Math" panose="02040503050406030204" pitchFamily="18" charset="0"/>
+                          </a:rPr>
+                          <m:t>𝑆</m:t>
+                        </m:r>
+                      </m:oMath>
+                    </m:oMathPara>
+                  </a14:m>
+                  <a:endParaRPr lang="en-US" sz="900" dirty="0"/>
+                </a:p>
+              </p:txBody>
+            </p:sp>
+          </mc:Choice>
+          <mc:Fallback>
+            <p:sp>
+              <p:nvSpPr>
+                <p:cNvPr id="113" name="TextBox 112">
+                  <a:extLst>
+                    <a:ext uri="{FF2B5EF4-FFF2-40B4-BE49-F238E27FC236}">
+                      <a16:creationId xmlns:a16="http://schemas.microsoft.com/office/drawing/2014/main" id="{0F66AAF3-7B0F-A502-A638-445B1676B28A}"/>
+                    </a:ext>
+                  </a:extLst>
+                </p:cNvPr>
+                <p:cNvSpPr txBox="1">
+                  <a:spLocks noRot="1" noChangeAspect="1" noMove="1" noResize="1" noEditPoints="1" noAdjustHandles="1" noChangeArrowheads="1" noChangeShapeType="1" noTextEdit="1"/>
+                </p:cNvSpPr>
+                <p:nvPr/>
+              </p:nvSpPr>
+              <p:spPr>
+                <a:xfrm>
+                  <a:off x="9665702" y="4257407"/>
+                  <a:ext cx="273472" cy="230832"/>
+                </a:xfrm>
+                <a:prstGeom prst="rect">
+                  <a:avLst/>
+                </a:prstGeom>
+                <a:blipFill>
+                  <a:blip r:embed="rId26"/>
+                  <a:stretch>
+                    <a:fillRect/>
+                  </a:stretch>
+                </a:blipFill>
+              </p:spPr>
+              <p:txBody>
+                <a:bodyPr/>
+                <a:lstStyle/>
+                <a:p>
+                  <a:r>
+                    <a:rPr lang="en-US">
+                      <a:noFill/>
+                    </a:rPr>
+                    <a:t> </a:t>
+                  </a:r>
+                </a:p>
+              </p:txBody>
+            </p:sp>
+          </mc:Fallback>
+        </mc:AlternateContent>
+        <p:cxnSp>
+          <p:nvCxnSpPr>
+            <p:cNvPr id="114" name="Straight Arrow Connector 113">
+              <a:extLst>
+                <a:ext uri="{FF2B5EF4-FFF2-40B4-BE49-F238E27FC236}">
+                  <a16:creationId xmlns:a16="http://schemas.microsoft.com/office/drawing/2014/main" id="{917D21F7-26D0-404B-D08A-2A1C6CF504EC}"/>
+                </a:ext>
+              </a:extLst>
+            </p:cNvPr>
+            <p:cNvCxnSpPr>
+              <a:cxnSpLocks/>
+              <a:stCxn id="106" idx="4"/>
+              <a:endCxn id="110" idx="0"/>
+            </p:cNvCxnSpPr>
+            <p:nvPr/>
+          </p:nvCxnSpPr>
+          <p:spPr>
+            <a:xfrm>
+              <a:off x="8767142" y="3718912"/>
+              <a:ext cx="0" cy="468745"/>
+            </a:xfrm>
+            <a:prstGeom prst="straightConnector1">
+              <a:avLst/>
+            </a:prstGeom>
+            <a:ln>
+              <a:tailEnd type="triangle"/>
+            </a:ln>
+          </p:spPr>
+          <p:style>
+            <a:lnRef idx="1">
+              <a:schemeClr val="accent1"/>
+            </a:lnRef>
+            <a:fillRef idx="0">
+              <a:schemeClr val="accent1"/>
+            </a:fillRef>
+            <a:effectRef idx="0">
+              <a:schemeClr val="accent1"/>
+            </a:effectRef>
+            <a:fontRef idx="minor">
+              <a:schemeClr val="tx1"/>
+            </a:fontRef>
+          </p:style>
+        </p:cxnSp>
+        <p:cxnSp>
+          <p:nvCxnSpPr>
+            <p:cNvPr id="115" name="Straight Arrow Connector 114">
+              <a:extLst>
+                <a:ext uri="{FF2B5EF4-FFF2-40B4-BE49-F238E27FC236}">
+                  <a16:creationId xmlns:a16="http://schemas.microsoft.com/office/drawing/2014/main" id="{2A6C3946-8F00-C159-6D8C-E2423D2B5C79}"/>
+                </a:ext>
+              </a:extLst>
+            </p:cNvPr>
+            <p:cNvCxnSpPr>
+              <a:cxnSpLocks/>
+            </p:cNvCxnSpPr>
+            <p:nvPr/>
+          </p:nvCxnSpPr>
+          <p:spPr>
+            <a:xfrm>
+              <a:off x="9806510" y="3726886"/>
+              <a:ext cx="0" cy="468745"/>
+            </a:xfrm>
+            <a:prstGeom prst="straightConnector1">
+              <a:avLst/>
+            </a:prstGeom>
+            <a:ln>
+              <a:tailEnd type="triangle"/>
+            </a:ln>
+          </p:spPr>
+          <p:style>
+            <a:lnRef idx="1">
+              <a:schemeClr val="accent1"/>
+            </a:lnRef>
+            <a:fillRef idx="0">
+              <a:schemeClr val="accent1"/>
+            </a:fillRef>
+            <a:effectRef idx="0">
+              <a:schemeClr val="accent1"/>
+            </a:effectRef>
+            <a:fontRef idx="minor">
+              <a:schemeClr val="tx1"/>
+            </a:fontRef>
+          </p:style>
+        </p:cxnSp>
+        <p:cxnSp>
+          <p:nvCxnSpPr>
+            <p:cNvPr id="116" name="Straight Arrow Connector 115">
+              <a:extLst>
+                <a:ext uri="{FF2B5EF4-FFF2-40B4-BE49-F238E27FC236}">
+                  <a16:creationId xmlns:a16="http://schemas.microsoft.com/office/drawing/2014/main" id="{B48A1E73-6B65-7AE3-B534-4329069DE6C7}"/>
+                </a:ext>
+              </a:extLst>
+            </p:cNvPr>
+            <p:cNvCxnSpPr>
+              <a:cxnSpLocks/>
+            </p:cNvCxnSpPr>
+            <p:nvPr/>
+          </p:nvCxnSpPr>
+          <p:spPr>
+            <a:xfrm>
+              <a:off x="8905708" y="3655879"/>
+              <a:ext cx="755906" cy="594809"/>
+            </a:xfrm>
+            <a:prstGeom prst="straightConnector1">
+              <a:avLst/>
+            </a:prstGeom>
+            <a:ln>
+              <a:tailEnd type="triangle"/>
+            </a:ln>
+          </p:spPr>
+          <p:style>
+            <a:lnRef idx="1">
+              <a:schemeClr val="accent1"/>
+            </a:lnRef>
+            <a:fillRef idx="0">
+              <a:schemeClr val="accent1"/>
+            </a:fillRef>
+            <a:effectRef idx="0">
+              <a:schemeClr val="accent1"/>
+            </a:effectRef>
+            <a:fontRef idx="minor">
+              <a:schemeClr val="tx1"/>
+            </a:fontRef>
+          </p:style>
+        </p:cxnSp>
+        <p:cxnSp>
+          <p:nvCxnSpPr>
+            <p:cNvPr id="117" name="Straight Arrow Connector 116">
+              <a:extLst>
+                <a:ext uri="{FF2B5EF4-FFF2-40B4-BE49-F238E27FC236}">
+                  <a16:creationId xmlns:a16="http://schemas.microsoft.com/office/drawing/2014/main" id="{75917532-9F00-14EF-F136-F1A09287ABE7}"/>
+                </a:ext>
+              </a:extLst>
+            </p:cNvPr>
+            <p:cNvCxnSpPr>
+              <a:cxnSpLocks/>
+            </p:cNvCxnSpPr>
+            <p:nvPr/>
+          </p:nvCxnSpPr>
+          <p:spPr>
+            <a:xfrm flipH="1">
+              <a:off x="8905708" y="3655879"/>
+              <a:ext cx="763165" cy="601528"/>
+            </a:xfrm>
+            <a:prstGeom prst="straightConnector1">
+              <a:avLst/>
+            </a:prstGeom>
+            <a:ln>
+              <a:tailEnd type="triangle"/>
+            </a:ln>
+          </p:spPr>
+          <p:style>
+            <a:lnRef idx="1">
+              <a:schemeClr val="accent1"/>
+            </a:lnRef>
+            <a:fillRef idx="0">
+              <a:schemeClr val="accent1"/>
+            </a:fillRef>
+            <a:effectRef idx="0">
+              <a:schemeClr val="accent1"/>
+            </a:effectRef>
+            <a:fontRef idx="minor">
+              <a:schemeClr val="tx1"/>
+            </a:fontRef>
+          </p:style>
+        </p:cxnSp>
+        <p:cxnSp>
+          <p:nvCxnSpPr>
+            <p:cNvPr id="118" name="Straight Connector 117">
+              <a:extLst>
+                <a:ext uri="{FF2B5EF4-FFF2-40B4-BE49-F238E27FC236}">
+                  <a16:creationId xmlns:a16="http://schemas.microsoft.com/office/drawing/2014/main" id="{C1667CCB-AF62-EE39-2F1B-986B0F6897E0}"/>
+                </a:ext>
+              </a:extLst>
+            </p:cNvPr>
+            <p:cNvCxnSpPr/>
+            <p:nvPr/>
+          </p:nvCxnSpPr>
+          <p:spPr>
+            <a:xfrm>
+              <a:off x="9550765" y="3310395"/>
+              <a:ext cx="470916" cy="429768"/>
+            </a:xfrm>
+            <a:prstGeom prst="line">
+              <a:avLst/>
+            </a:prstGeom>
+            <a:ln>
+              <a:solidFill>
+                <a:schemeClr val="tx1"/>
+              </a:solidFill>
+            </a:ln>
+          </p:spPr>
+          <p:style>
+            <a:lnRef idx="1">
+              <a:schemeClr val="accent1"/>
+            </a:lnRef>
+            <a:fillRef idx="0">
+              <a:schemeClr val="accent1"/>
+            </a:fillRef>
+            <a:effectRef idx="0">
+              <a:schemeClr val="accent1"/>
+            </a:effectRef>
+            <a:fontRef idx="minor">
+              <a:schemeClr val="tx1"/>
+            </a:fontRef>
+          </p:style>
+        </p:cxnSp>
+        <p:cxnSp>
+          <p:nvCxnSpPr>
+            <p:cNvPr id="119" name="Straight Connector 118">
+              <a:extLst>
+                <a:ext uri="{FF2B5EF4-FFF2-40B4-BE49-F238E27FC236}">
+                  <a16:creationId xmlns:a16="http://schemas.microsoft.com/office/drawing/2014/main" id="{4D43C355-7BE4-D596-9BAC-071D3837F6FE}"/>
+                </a:ext>
+              </a:extLst>
+            </p:cNvPr>
+            <p:cNvCxnSpPr>
+              <a:cxnSpLocks/>
+            </p:cNvCxnSpPr>
+            <p:nvPr/>
+          </p:nvCxnSpPr>
+          <p:spPr>
+            <a:xfrm flipH="1">
+              <a:off x="9529397" y="3373720"/>
+              <a:ext cx="548026" cy="328054"/>
+            </a:xfrm>
+            <a:prstGeom prst="line">
+              <a:avLst/>
+            </a:prstGeom>
+            <a:ln>
+              <a:solidFill>
+                <a:schemeClr val="tx1"/>
+              </a:solidFill>
+            </a:ln>
+          </p:spPr>
+          <p:style>
+            <a:lnRef idx="1">
+              <a:schemeClr val="accent1"/>
+            </a:lnRef>
+            <a:fillRef idx="0">
+              <a:schemeClr val="accent1"/>
+            </a:fillRef>
+            <a:effectRef idx="0">
+              <a:schemeClr val="accent1"/>
+            </a:effectRef>
+            <a:fontRef idx="minor">
+              <a:schemeClr val="tx1"/>
+            </a:fontRef>
+          </p:style>
+        </p:cxnSp>
+        <p:cxnSp>
+          <p:nvCxnSpPr>
+            <p:cNvPr id="120" name="Straight Connector 119">
+              <a:extLst>
+                <a:ext uri="{FF2B5EF4-FFF2-40B4-BE49-F238E27FC236}">
+                  <a16:creationId xmlns:a16="http://schemas.microsoft.com/office/drawing/2014/main" id="{864D1DDD-9F95-0F8A-3F21-2CEF8FA4050E}"/>
+                </a:ext>
+              </a:extLst>
+            </p:cNvPr>
+            <p:cNvCxnSpPr/>
+            <p:nvPr/>
+          </p:nvCxnSpPr>
+          <p:spPr>
+            <a:xfrm>
+              <a:off x="8527985" y="3298964"/>
+              <a:ext cx="470916" cy="429768"/>
+            </a:xfrm>
+            <a:prstGeom prst="line">
+              <a:avLst/>
+            </a:prstGeom>
+            <a:ln>
+              <a:solidFill>
+                <a:schemeClr val="tx1"/>
+              </a:solidFill>
+            </a:ln>
+          </p:spPr>
+          <p:style>
+            <a:lnRef idx="1">
+              <a:schemeClr val="accent1"/>
+            </a:lnRef>
+            <a:fillRef idx="0">
+              <a:schemeClr val="accent1"/>
+            </a:fillRef>
+            <a:effectRef idx="0">
+              <a:schemeClr val="accent1"/>
+            </a:effectRef>
+            <a:fontRef idx="minor">
+              <a:schemeClr val="tx1"/>
+            </a:fontRef>
+          </p:style>
+        </p:cxnSp>
+        <p:cxnSp>
+          <p:nvCxnSpPr>
+            <p:cNvPr id="121" name="Straight Connector 120">
+              <a:extLst>
+                <a:ext uri="{FF2B5EF4-FFF2-40B4-BE49-F238E27FC236}">
+                  <a16:creationId xmlns:a16="http://schemas.microsoft.com/office/drawing/2014/main" id="{32F47DAF-E6F7-4BCA-F7E4-F120B790E36A}"/>
+                </a:ext>
+              </a:extLst>
+            </p:cNvPr>
+            <p:cNvCxnSpPr>
+              <a:cxnSpLocks/>
+            </p:cNvCxnSpPr>
+            <p:nvPr/>
+          </p:nvCxnSpPr>
+          <p:spPr>
+            <a:xfrm flipH="1">
+              <a:off x="8505876" y="3358515"/>
+              <a:ext cx="548026" cy="328054"/>
+            </a:xfrm>
+            <a:prstGeom prst="line">
+              <a:avLst/>
+            </a:prstGeom>
+            <a:ln>
+              <a:solidFill>
+                <a:schemeClr val="tx1"/>
+              </a:solidFill>
+            </a:ln>
+          </p:spPr>
+          <p:style>
+            <a:lnRef idx="1">
+              <a:schemeClr val="accent1"/>
+            </a:lnRef>
+            <a:fillRef idx="0">
+              <a:schemeClr val="accent1"/>
+            </a:fillRef>
+            <a:effectRef idx="0">
+              <a:schemeClr val="accent1"/>
+            </a:effectRef>
+            <a:fontRef idx="minor">
+              <a:schemeClr val="tx1"/>
+            </a:fontRef>
+          </p:style>
+        </p:cxnSp>
+        <mc:AlternateContent xmlns:mc="http://schemas.openxmlformats.org/markup-compatibility/2006">
+          <mc:Choice xmlns:a14="http://schemas.microsoft.com/office/drawing/2010/main" Requires="a14">
+            <p:sp>
+              <p:nvSpPr>
+                <p:cNvPr id="122" name="TextBox 121">
+                  <a:extLst>
+                    <a:ext uri="{FF2B5EF4-FFF2-40B4-BE49-F238E27FC236}">
+                      <a16:creationId xmlns:a16="http://schemas.microsoft.com/office/drawing/2014/main" id="{AA137CA1-2145-E636-FEB4-49F80F804280}"/>
+                    </a:ext>
+                  </a:extLst>
+                </p:cNvPr>
+                <p:cNvSpPr txBox="1"/>
+                <p:nvPr/>
+              </p:nvSpPr>
+              <p:spPr>
+                <a:xfrm>
+                  <a:off x="6552489" y="4616781"/>
+                  <a:ext cx="314958" cy="230832"/>
+                </a:xfrm>
+                <a:prstGeom prst="rect">
+                  <a:avLst/>
+                </a:prstGeom>
+                <a:noFill/>
+              </p:spPr>
+              <p:txBody>
+                <a:bodyPr wrap="none" rtlCol="0">
+                  <a:spAutoFit/>
+                </a:bodyPr>
+                <a:lstStyle/>
+                <a:p>
+                  <a14:m>
+                    <m:oMathPara xmlns:m="http://schemas.openxmlformats.org/officeDocument/2006/math">
+                      <m:oMathParaPr>
+                        <m:jc m:val="centerGroup"/>
+                      </m:oMathParaPr>
+                      <m:oMath xmlns:m="http://schemas.openxmlformats.org/officeDocument/2006/math">
+                        <m:r>
+                          <a:rPr lang="en-US" sz="900" b="0" i="1" dirty="0" smtClean="0">
+                            <a:latin typeface="Cambria Math" panose="02040503050406030204" pitchFamily="18" charset="0"/>
+                          </a:rPr>
+                          <m:t>𝑐</m:t>
+                        </m:r>
+                        <m:r>
+                          <a:rPr lang="en-US" sz="900" b="0" i="1" smtClean="0">
+                            <a:latin typeface="Cambria Math" panose="02040503050406030204" pitchFamily="18" charset="0"/>
+                          </a:rPr>
+                          <m:t>)</m:t>
+                        </m:r>
+                      </m:oMath>
+                    </m:oMathPara>
+                  </a14:m>
+                  <a:endParaRPr lang="en-US" sz="900" dirty="0"/>
+                </a:p>
+              </p:txBody>
+            </p:sp>
+          </mc:Choice>
+          <mc:Fallback>
+            <p:sp>
+              <p:nvSpPr>
+                <p:cNvPr id="122" name="TextBox 121">
+                  <a:extLst>
+                    <a:ext uri="{FF2B5EF4-FFF2-40B4-BE49-F238E27FC236}">
+                      <a16:creationId xmlns:a16="http://schemas.microsoft.com/office/drawing/2014/main" id="{AA137CA1-2145-E636-FEB4-49F80F804280}"/>
+                    </a:ext>
+                  </a:extLst>
+                </p:cNvPr>
+                <p:cNvSpPr txBox="1">
+                  <a:spLocks noRot="1" noChangeAspect="1" noMove="1" noResize="1" noEditPoints="1" noAdjustHandles="1" noChangeArrowheads="1" noChangeShapeType="1" noTextEdit="1"/>
+                </p:cNvSpPr>
+                <p:nvPr/>
+              </p:nvSpPr>
+              <p:spPr>
+                <a:xfrm>
+                  <a:off x="6552489" y="4616781"/>
+                  <a:ext cx="314958" cy="230832"/>
+                </a:xfrm>
+                <a:prstGeom prst="rect">
+                  <a:avLst/>
+                </a:prstGeom>
+                <a:blipFill>
+                  <a:blip r:embed="rId27"/>
+                  <a:stretch>
+                    <a:fillRect/>
+                  </a:stretch>
+                </a:blipFill>
+              </p:spPr>
+              <p:txBody>
+                <a:bodyPr/>
+                <a:lstStyle/>
+                <a:p>
+                  <a:r>
+                    <a:rPr lang="en-US">
+                      <a:noFill/>
+                    </a:rPr>
+                    <a:t> </a:t>
+                  </a:r>
+                </a:p>
+              </p:txBody>
+            </p:sp>
+          </mc:Fallback>
+        </mc:AlternateContent>
+        <mc:AlternateContent xmlns:mc="http://schemas.openxmlformats.org/markup-compatibility/2006">
+          <mc:Choice xmlns:a14="http://schemas.microsoft.com/office/drawing/2010/main" Requires="a14">
+            <p:sp>
+              <p:nvSpPr>
+                <p:cNvPr id="123" name="TextBox 122">
+                  <a:extLst>
+                    <a:ext uri="{FF2B5EF4-FFF2-40B4-BE49-F238E27FC236}">
+                      <a16:creationId xmlns:a16="http://schemas.microsoft.com/office/drawing/2014/main" id="{CE464EB6-5983-8D5F-2024-7CE7BC7E35A2}"/>
+                    </a:ext>
+                  </a:extLst>
+                </p:cNvPr>
+                <p:cNvSpPr txBox="1"/>
+                <p:nvPr/>
+              </p:nvSpPr>
+              <p:spPr>
+                <a:xfrm>
+                  <a:off x="9207904" y="4627288"/>
+                  <a:ext cx="329386" cy="230832"/>
+                </a:xfrm>
+                <a:prstGeom prst="rect">
+                  <a:avLst/>
+                </a:prstGeom>
+                <a:noFill/>
+              </p:spPr>
+              <p:txBody>
+                <a:bodyPr wrap="none" rtlCol="0">
+                  <a:spAutoFit/>
+                </a:bodyPr>
+                <a:lstStyle/>
+                <a:p>
+                  <a14:m>
+                    <m:oMathPara xmlns:m="http://schemas.openxmlformats.org/officeDocument/2006/math">
+                      <m:oMathParaPr>
+                        <m:jc m:val="centerGroup"/>
+                      </m:oMathParaPr>
+                      <m:oMath xmlns:m="http://schemas.openxmlformats.org/officeDocument/2006/math">
+                        <m:r>
+                          <a:rPr lang="en-US" sz="900" b="0" i="1" dirty="0" smtClean="0">
+                            <a:latin typeface="Cambria Math" panose="02040503050406030204" pitchFamily="18" charset="0"/>
+                          </a:rPr>
+                          <m:t>𝑑</m:t>
+                        </m:r>
+                        <m:r>
+                          <a:rPr lang="en-US" sz="900" b="0" i="1" smtClean="0">
+                            <a:latin typeface="Cambria Math" panose="02040503050406030204" pitchFamily="18" charset="0"/>
+                          </a:rPr>
+                          <m:t>)</m:t>
+                        </m:r>
+                      </m:oMath>
+                    </m:oMathPara>
+                  </a14:m>
+                  <a:endParaRPr lang="en-US" sz="900" dirty="0"/>
+                </a:p>
+              </p:txBody>
+            </p:sp>
+          </mc:Choice>
+          <mc:Fallback>
+            <p:sp>
+              <p:nvSpPr>
+                <p:cNvPr id="123" name="TextBox 122">
+                  <a:extLst>
+                    <a:ext uri="{FF2B5EF4-FFF2-40B4-BE49-F238E27FC236}">
+                      <a16:creationId xmlns:a16="http://schemas.microsoft.com/office/drawing/2014/main" id="{CE464EB6-5983-8D5F-2024-7CE7BC7E35A2}"/>
+                    </a:ext>
+                  </a:extLst>
+                </p:cNvPr>
+                <p:cNvSpPr txBox="1">
+                  <a:spLocks noRot="1" noChangeAspect="1" noMove="1" noResize="1" noEditPoints="1" noAdjustHandles="1" noChangeArrowheads="1" noChangeShapeType="1" noTextEdit="1"/>
+                </p:cNvSpPr>
+                <p:nvPr/>
+              </p:nvSpPr>
+              <p:spPr>
+                <a:xfrm>
+                  <a:off x="9207904" y="4627288"/>
+                  <a:ext cx="329386" cy="230832"/>
+                </a:xfrm>
+                <a:prstGeom prst="rect">
+                  <a:avLst/>
+                </a:prstGeom>
+                <a:blipFill>
+                  <a:blip r:embed="rId28"/>
+                  <a:stretch>
+                    <a:fillRect/>
+                  </a:stretch>
+                </a:blipFill>
+              </p:spPr>
+              <p:txBody>
+                <a:bodyPr/>
+                <a:lstStyle/>
+                <a:p>
+                  <a:r>
+                    <a:rPr lang="en-US">
+                      <a:noFill/>
+                    </a:rPr>
+                    <a:t> </a:t>
+                  </a:r>
+                </a:p>
+              </p:txBody>
+            </p:sp>
+          </mc:Fallback>
+        </mc:AlternateContent>
+      </p:grpSp>
+      <p:grpSp>
+        <p:nvGrpSpPr>
+          <p:cNvPr id="146" name="Group 145">
+            <a:extLst>
+              <a:ext uri="{FF2B5EF4-FFF2-40B4-BE49-F238E27FC236}">
+                <a16:creationId xmlns:a16="http://schemas.microsoft.com/office/drawing/2014/main" id="{A39A5CCE-804E-96BA-010D-C8E3C0F38C2C}"/>
+              </a:ext>
+            </a:extLst>
+          </p:cNvPr>
+          <p:cNvGrpSpPr/>
+          <p:nvPr/>
+        </p:nvGrpSpPr>
+        <p:grpSpPr>
+          <a:xfrm>
+            <a:off x="6024799" y="5532422"/>
+            <a:ext cx="4557323" cy="754259"/>
+            <a:chOff x="6024799" y="5532422"/>
+            <a:chExt cx="4557323" cy="754259"/>
+          </a:xfrm>
+        </p:grpSpPr>
+        <p:sp>
+          <p:nvSpPr>
+            <p:cNvPr id="125" name="Oval 124">
+              <a:extLst>
+                <a:ext uri="{FF2B5EF4-FFF2-40B4-BE49-F238E27FC236}">
+                  <a16:creationId xmlns:a16="http://schemas.microsoft.com/office/drawing/2014/main" id="{A0B1097C-D0A8-1D44-0906-8B77C1366661}"/>
+                </a:ext>
+              </a:extLst>
+            </p:cNvPr>
+            <p:cNvSpPr/>
+            <p:nvPr/>
+          </p:nvSpPr>
+          <p:spPr>
+            <a:xfrm>
+              <a:off x="6024799" y="5554333"/>
+              <a:ext cx="340117" cy="370332"/>
+            </a:xfrm>
+            <a:prstGeom prst="ellipse">
+              <a:avLst/>
+            </a:prstGeom>
+            <a:solidFill>
+              <a:schemeClr val="accent1">
+                <a:alpha val="23000"/>
+              </a:schemeClr>
+            </a:solidFill>
+          </p:spPr>
+          <p:style>
+            <a:lnRef idx="2">
+              <a:schemeClr val="accent1">
+                <a:shade val="15000"/>
+              </a:schemeClr>
+            </a:lnRef>
+            <a:fillRef idx="1">
+              <a:schemeClr val="accent1"/>
+            </a:fillRef>
+            <a:effectRef idx="0">
+              <a:schemeClr val="accent1"/>
+            </a:effectRef>
+            <a:fontRef idx="minor">
+              <a:schemeClr val="lt1"/>
+            </a:fontRef>
+          </p:style>
+          <p:txBody>
+            <a:bodyPr rtlCol="0" anchor="ctr"/>
+            <a:lstStyle/>
+            <a:p>
+              <a:pPr algn="ctr"/>
+              <a:endParaRPr lang="en-US"/>
+            </a:p>
+          </p:txBody>
+        </p:sp>
+        <mc:AlternateContent xmlns:mc="http://schemas.openxmlformats.org/markup-compatibility/2006">
+          <mc:Choice xmlns:a14="http://schemas.microsoft.com/office/drawing/2010/main" Requires="a14">
+            <p:sp>
+              <p:nvSpPr>
+                <p:cNvPr id="126" name="TextBox 125">
+                  <a:extLst>
+                    <a:ext uri="{FF2B5EF4-FFF2-40B4-BE49-F238E27FC236}">
+                      <a16:creationId xmlns:a16="http://schemas.microsoft.com/office/drawing/2014/main" id="{839E0C2C-1201-7915-730B-638A8720E8B2}"/>
+                    </a:ext>
+                  </a:extLst>
+                </p:cNvPr>
+                <p:cNvSpPr txBox="1"/>
+                <p:nvPr/>
+              </p:nvSpPr>
+              <p:spPr>
+                <a:xfrm>
+                  <a:off x="6061020" y="5624764"/>
+                  <a:ext cx="284309" cy="230832"/>
+                </a:xfrm>
+                <a:prstGeom prst="rect">
+                  <a:avLst/>
+                </a:prstGeom>
+                <a:noFill/>
+              </p:spPr>
+              <p:txBody>
+                <a:bodyPr wrap="none" rtlCol="0">
+                  <a:spAutoFit/>
+                </a:bodyPr>
+                <a:lstStyle/>
+                <a:p>
+                  <a14:m>
+                    <m:oMathPara xmlns:m="http://schemas.openxmlformats.org/officeDocument/2006/math">
+                      <m:oMathParaPr>
+                        <m:jc m:val="centerGroup"/>
+                      </m:oMathParaPr>
+                      <m:oMath xmlns:m="http://schemas.openxmlformats.org/officeDocument/2006/math">
+                        <m:r>
+                          <a:rPr lang="en-US" sz="900" b="0" i="1" smtClean="0">
+                            <a:latin typeface="Cambria Math" panose="02040503050406030204" pitchFamily="18" charset="0"/>
+                          </a:rPr>
+                          <m:t>𝐶</m:t>
+                        </m:r>
+                      </m:oMath>
+                    </m:oMathPara>
+                  </a14:m>
+                  <a:endParaRPr lang="en-US" sz="900" dirty="0"/>
+                </a:p>
+              </p:txBody>
+            </p:sp>
+          </mc:Choice>
+          <mc:Fallback>
+            <p:sp>
+              <p:nvSpPr>
+                <p:cNvPr id="126" name="TextBox 125">
+                  <a:extLst>
+                    <a:ext uri="{FF2B5EF4-FFF2-40B4-BE49-F238E27FC236}">
+                      <a16:creationId xmlns:a16="http://schemas.microsoft.com/office/drawing/2014/main" id="{839E0C2C-1201-7915-730B-638A8720E8B2}"/>
+                    </a:ext>
+                  </a:extLst>
+                </p:cNvPr>
+                <p:cNvSpPr txBox="1">
+                  <a:spLocks noRot="1" noChangeAspect="1" noMove="1" noResize="1" noEditPoints="1" noAdjustHandles="1" noChangeArrowheads="1" noChangeShapeType="1" noTextEdit="1"/>
+                </p:cNvSpPr>
+                <p:nvPr/>
+              </p:nvSpPr>
+              <p:spPr>
+                <a:xfrm>
+                  <a:off x="6061020" y="5624764"/>
+                  <a:ext cx="284309" cy="230832"/>
+                </a:xfrm>
+                <a:prstGeom prst="rect">
+                  <a:avLst/>
+                </a:prstGeom>
+                <a:blipFill>
+                  <a:blip r:embed="rId24"/>
+                  <a:stretch>
+                    <a:fillRect/>
+                  </a:stretch>
+                </a:blipFill>
+              </p:spPr>
+              <p:txBody>
+                <a:bodyPr/>
+                <a:lstStyle/>
+                <a:p>
+                  <a:r>
+                    <a:rPr lang="en-US">
+                      <a:noFill/>
+                    </a:rPr>
+                    <a:t> </a:t>
+                  </a:r>
+                </a:p>
+              </p:txBody>
+            </p:sp>
+          </mc:Fallback>
+        </mc:AlternateContent>
+        <p:sp>
+          <p:nvSpPr>
+            <p:cNvPr id="127" name="Oval 126">
+              <a:extLst>
+                <a:ext uri="{FF2B5EF4-FFF2-40B4-BE49-F238E27FC236}">
+                  <a16:creationId xmlns:a16="http://schemas.microsoft.com/office/drawing/2014/main" id="{9602A965-F990-26CD-5951-45152A704BCC}"/>
+                </a:ext>
+              </a:extLst>
+            </p:cNvPr>
+            <p:cNvSpPr/>
+            <p:nvPr/>
+          </p:nvSpPr>
+          <p:spPr>
+            <a:xfrm>
+              <a:off x="6847260" y="5558014"/>
+              <a:ext cx="340117" cy="370332"/>
+            </a:xfrm>
+            <a:prstGeom prst="ellipse">
+              <a:avLst/>
+            </a:prstGeom>
+            <a:solidFill>
+              <a:schemeClr val="accent1">
+                <a:alpha val="23000"/>
+              </a:schemeClr>
+            </a:solidFill>
+          </p:spPr>
+          <p:style>
+            <a:lnRef idx="2">
+              <a:schemeClr val="accent1">
+                <a:shade val="15000"/>
+              </a:schemeClr>
+            </a:lnRef>
+            <a:fillRef idx="1">
+              <a:schemeClr val="accent1"/>
+            </a:fillRef>
+            <a:effectRef idx="0">
+              <a:schemeClr val="accent1"/>
+            </a:effectRef>
+            <a:fontRef idx="minor">
+              <a:schemeClr val="lt1"/>
+            </a:fontRef>
+          </p:style>
+          <p:txBody>
+            <a:bodyPr rtlCol="0" anchor="ctr"/>
+            <a:lstStyle/>
+            <a:p>
+              <a:pPr algn="ctr"/>
+              <a:endParaRPr lang="en-US"/>
+            </a:p>
+          </p:txBody>
+        </p:sp>
+        <mc:AlternateContent xmlns:mc="http://schemas.openxmlformats.org/markup-compatibility/2006">
+          <mc:Choice xmlns:a14="http://schemas.microsoft.com/office/drawing/2010/main" Requires="a14">
+            <p:sp>
+              <p:nvSpPr>
+                <p:cNvPr id="128" name="TextBox 127">
+                  <a:extLst>
+                    <a:ext uri="{FF2B5EF4-FFF2-40B4-BE49-F238E27FC236}">
+                      <a16:creationId xmlns:a16="http://schemas.microsoft.com/office/drawing/2014/main" id="{A3D3F30D-8301-22CA-2E5C-169A8F5ABE97}"/>
+                    </a:ext>
+                  </a:extLst>
+                </p:cNvPr>
+                <p:cNvSpPr txBox="1"/>
+                <p:nvPr/>
+              </p:nvSpPr>
+              <p:spPr>
+                <a:xfrm>
+                  <a:off x="6883481" y="5628445"/>
+                  <a:ext cx="286104" cy="230832"/>
+                </a:xfrm>
+                <a:prstGeom prst="rect">
+                  <a:avLst/>
+                </a:prstGeom>
+                <a:noFill/>
+              </p:spPr>
+              <p:txBody>
+                <a:bodyPr wrap="none" rtlCol="0">
+                  <a:spAutoFit/>
+                </a:bodyPr>
+                <a:lstStyle/>
+                <a:p>
+                  <a14:m>
+                    <m:oMathPara xmlns:m="http://schemas.openxmlformats.org/officeDocument/2006/math">
+                      <m:oMathParaPr>
+                        <m:jc m:val="centerGroup"/>
+                      </m:oMathParaPr>
+                      <m:oMath xmlns:m="http://schemas.openxmlformats.org/officeDocument/2006/math">
+                        <m:r>
+                          <a:rPr lang="en-US" sz="900" b="0" i="1" smtClean="0">
+                            <a:latin typeface="Cambria Math" panose="02040503050406030204" pitchFamily="18" charset="0"/>
+                          </a:rPr>
+                          <m:t>𝑉</m:t>
+                        </m:r>
+                      </m:oMath>
+                    </m:oMathPara>
+                  </a14:m>
+                  <a:endParaRPr lang="en-US" sz="900" dirty="0"/>
+                </a:p>
+              </p:txBody>
+            </p:sp>
+          </mc:Choice>
+          <mc:Fallback>
+            <p:sp>
+              <p:nvSpPr>
+                <p:cNvPr id="128" name="TextBox 127">
+                  <a:extLst>
+                    <a:ext uri="{FF2B5EF4-FFF2-40B4-BE49-F238E27FC236}">
+                      <a16:creationId xmlns:a16="http://schemas.microsoft.com/office/drawing/2014/main" id="{A3D3F30D-8301-22CA-2E5C-169A8F5ABE97}"/>
+                    </a:ext>
+                  </a:extLst>
+                </p:cNvPr>
+                <p:cNvSpPr txBox="1">
+                  <a:spLocks noRot="1" noChangeAspect="1" noMove="1" noResize="1" noEditPoints="1" noAdjustHandles="1" noChangeArrowheads="1" noChangeShapeType="1" noTextEdit="1"/>
+                </p:cNvSpPr>
+                <p:nvPr/>
+              </p:nvSpPr>
+              <p:spPr>
+                <a:xfrm>
+                  <a:off x="6883481" y="5628445"/>
+                  <a:ext cx="286104" cy="230832"/>
+                </a:xfrm>
+                <a:prstGeom prst="rect">
+                  <a:avLst/>
+                </a:prstGeom>
+                <a:blipFill>
+                  <a:blip r:embed="rId29"/>
+                  <a:stretch>
+                    <a:fillRect/>
+                  </a:stretch>
+                </a:blipFill>
+              </p:spPr>
+              <p:txBody>
+                <a:bodyPr/>
+                <a:lstStyle/>
+                <a:p>
+                  <a:r>
+                    <a:rPr lang="en-US">
+                      <a:noFill/>
+                    </a:rPr>
+                    <a:t> </a:t>
+                  </a:r>
+                </a:p>
+              </p:txBody>
+            </p:sp>
+          </mc:Fallback>
+        </mc:AlternateContent>
+        <p:sp>
+          <p:nvSpPr>
+            <p:cNvPr id="129" name="Oval 128">
+              <a:extLst>
+                <a:ext uri="{FF2B5EF4-FFF2-40B4-BE49-F238E27FC236}">
+                  <a16:creationId xmlns:a16="http://schemas.microsoft.com/office/drawing/2014/main" id="{B6BD1BB3-BDCC-2B7F-3DCA-8817BD066DD7}"/>
+                </a:ext>
+              </a:extLst>
+            </p:cNvPr>
+            <p:cNvSpPr/>
+            <p:nvPr/>
+          </p:nvSpPr>
+          <p:spPr>
+            <a:xfrm>
+              <a:off x="7669721" y="5554333"/>
+              <a:ext cx="340117" cy="370332"/>
+            </a:xfrm>
+            <a:prstGeom prst="ellipse">
+              <a:avLst/>
+            </a:prstGeom>
+            <a:solidFill>
+              <a:schemeClr val="accent1">
+                <a:alpha val="23000"/>
+              </a:schemeClr>
+            </a:solidFill>
+          </p:spPr>
+          <p:style>
+            <a:lnRef idx="2">
+              <a:schemeClr val="accent1">
+                <a:shade val="15000"/>
+              </a:schemeClr>
+            </a:lnRef>
+            <a:fillRef idx="1">
+              <a:schemeClr val="accent1"/>
+            </a:fillRef>
+            <a:effectRef idx="0">
+              <a:schemeClr val="accent1"/>
+            </a:effectRef>
+            <a:fontRef idx="minor">
+              <a:schemeClr val="lt1"/>
+            </a:fontRef>
+          </p:style>
+          <p:txBody>
+            <a:bodyPr rtlCol="0" anchor="ctr"/>
+            <a:lstStyle/>
+            <a:p>
+              <a:pPr algn="ctr"/>
+              <a:endParaRPr lang="en-US"/>
+            </a:p>
+          </p:txBody>
+        </p:sp>
+        <mc:AlternateContent xmlns:mc="http://schemas.openxmlformats.org/markup-compatibility/2006">
+          <mc:Choice xmlns:a14="http://schemas.microsoft.com/office/drawing/2010/main" Requires="a14">
+            <p:sp>
+              <p:nvSpPr>
+                <p:cNvPr id="130" name="TextBox 129">
+                  <a:extLst>
+                    <a:ext uri="{FF2B5EF4-FFF2-40B4-BE49-F238E27FC236}">
+                      <a16:creationId xmlns:a16="http://schemas.microsoft.com/office/drawing/2014/main" id="{4C68FC55-0054-CC6A-14A5-774945DAB42F}"/>
+                    </a:ext>
+                  </a:extLst>
+                </p:cNvPr>
+                <p:cNvSpPr txBox="1"/>
+                <p:nvPr/>
+              </p:nvSpPr>
+              <p:spPr>
+                <a:xfrm>
+                  <a:off x="7705942" y="5624764"/>
+                  <a:ext cx="273472" cy="230832"/>
+                </a:xfrm>
+                <a:prstGeom prst="rect">
+                  <a:avLst/>
+                </a:prstGeom>
+                <a:noFill/>
+              </p:spPr>
+              <p:txBody>
+                <a:bodyPr wrap="none" rtlCol="0">
+                  <a:spAutoFit/>
+                </a:bodyPr>
+                <a:lstStyle/>
+                <a:p>
+                  <a14:m>
+                    <m:oMathPara xmlns:m="http://schemas.openxmlformats.org/officeDocument/2006/math">
+                      <m:oMathParaPr>
+                        <m:jc m:val="centerGroup"/>
+                      </m:oMathParaPr>
+                      <m:oMath xmlns:m="http://schemas.openxmlformats.org/officeDocument/2006/math">
+                        <m:r>
+                          <a:rPr lang="en-US" sz="900" b="0" i="1" smtClean="0">
+                            <a:latin typeface="Cambria Math" panose="02040503050406030204" pitchFamily="18" charset="0"/>
+                          </a:rPr>
+                          <m:t>𝑆</m:t>
+                        </m:r>
+                      </m:oMath>
+                    </m:oMathPara>
+                  </a14:m>
+                  <a:endParaRPr lang="en-US" sz="900" dirty="0"/>
+                </a:p>
+              </p:txBody>
+            </p:sp>
+          </mc:Choice>
+          <mc:Fallback>
+            <p:sp>
+              <p:nvSpPr>
+                <p:cNvPr id="130" name="TextBox 129">
+                  <a:extLst>
+                    <a:ext uri="{FF2B5EF4-FFF2-40B4-BE49-F238E27FC236}">
+                      <a16:creationId xmlns:a16="http://schemas.microsoft.com/office/drawing/2014/main" id="{4C68FC55-0054-CC6A-14A5-774945DAB42F}"/>
+                    </a:ext>
+                  </a:extLst>
+                </p:cNvPr>
+                <p:cNvSpPr txBox="1">
+                  <a:spLocks noRot="1" noChangeAspect="1" noMove="1" noResize="1" noEditPoints="1" noAdjustHandles="1" noChangeArrowheads="1" noChangeShapeType="1" noTextEdit="1"/>
+                </p:cNvSpPr>
+                <p:nvPr/>
+              </p:nvSpPr>
+              <p:spPr>
+                <a:xfrm>
+                  <a:off x="7705942" y="5624764"/>
+                  <a:ext cx="273472" cy="230832"/>
+                </a:xfrm>
+                <a:prstGeom prst="rect">
+                  <a:avLst/>
+                </a:prstGeom>
+                <a:blipFill>
+                  <a:blip r:embed="rId30"/>
+                  <a:stretch>
+                    <a:fillRect/>
+                  </a:stretch>
+                </a:blipFill>
+              </p:spPr>
+              <p:txBody>
+                <a:bodyPr/>
+                <a:lstStyle/>
+                <a:p>
+                  <a:r>
+                    <a:rPr lang="en-US">
+                      <a:noFill/>
+                    </a:rPr>
+                    <a:t> </a:t>
+                  </a:r>
+                </a:p>
+              </p:txBody>
+            </p:sp>
+          </mc:Fallback>
+        </mc:AlternateContent>
+        <p:cxnSp>
+          <p:nvCxnSpPr>
+            <p:cNvPr id="132" name="Straight Arrow Connector 131">
+              <a:extLst>
+                <a:ext uri="{FF2B5EF4-FFF2-40B4-BE49-F238E27FC236}">
+                  <a16:creationId xmlns:a16="http://schemas.microsoft.com/office/drawing/2014/main" id="{8556394F-5FCB-0E4E-7E00-AD99FF5FC69A}"/>
+                </a:ext>
+              </a:extLst>
+            </p:cNvPr>
+            <p:cNvCxnSpPr>
+              <a:stCxn id="125" idx="6"/>
+              <a:endCxn id="127" idx="2"/>
+            </p:cNvCxnSpPr>
+            <p:nvPr/>
+          </p:nvCxnSpPr>
+          <p:spPr>
+            <a:xfrm>
+              <a:off x="6364916" y="5739499"/>
+              <a:ext cx="482344" cy="3681"/>
+            </a:xfrm>
+            <a:prstGeom prst="straightConnector1">
+              <a:avLst/>
+            </a:prstGeom>
+            <a:ln>
+              <a:tailEnd type="triangle"/>
+            </a:ln>
+          </p:spPr>
+          <p:style>
+            <a:lnRef idx="1">
+              <a:schemeClr val="accent1"/>
+            </a:lnRef>
+            <a:fillRef idx="0">
+              <a:schemeClr val="accent1"/>
+            </a:fillRef>
+            <a:effectRef idx="0">
+              <a:schemeClr val="accent1"/>
+            </a:effectRef>
+            <a:fontRef idx="minor">
+              <a:schemeClr val="tx1"/>
+            </a:fontRef>
+          </p:style>
+        </p:cxnSp>
+        <p:cxnSp>
+          <p:nvCxnSpPr>
+            <p:cNvPr id="133" name="Straight Arrow Connector 132">
+              <a:extLst>
+                <a:ext uri="{FF2B5EF4-FFF2-40B4-BE49-F238E27FC236}">
+                  <a16:creationId xmlns:a16="http://schemas.microsoft.com/office/drawing/2014/main" id="{128E3022-8A5D-51FC-2CCA-853EFFD35C1A}"/>
+                </a:ext>
+              </a:extLst>
+            </p:cNvPr>
+            <p:cNvCxnSpPr/>
+            <p:nvPr/>
+          </p:nvCxnSpPr>
+          <p:spPr>
+            <a:xfrm>
+              <a:off x="7187377" y="5747306"/>
+              <a:ext cx="482344" cy="3681"/>
+            </a:xfrm>
+            <a:prstGeom prst="straightConnector1">
+              <a:avLst/>
+            </a:prstGeom>
+            <a:ln>
+              <a:tailEnd type="triangle"/>
+            </a:ln>
+          </p:spPr>
+          <p:style>
+            <a:lnRef idx="1">
+              <a:schemeClr val="accent1"/>
+            </a:lnRef>
+            <a:fillRef idx="0">
+              <a:schemeClr val="accent1"/>
+            </a:fillRef>
+            <a:effectRef idx="0">
+              <a:schemeClr val="accent1"/>
+            </a:effectRef>
+            <a:fontRef idx="minor">
+              <a:schemeClr val="tx1"/>
+            </a:fontRef>
+          </p:style>
+        </p:cxnSp>
+        <mc:AlternateContent xmlns:mc="http://schemas.openxmlformats.org/markup-compatibility/2006">
+          <mc:Choice xmlns:a14="http://schemas.microsoft.com/office/drawing/2010/main" Requires="a14">
+            <p:sp>
+              <p:nvSpPr>
+                <p:cNvPr id="134" name="TextBox 133">
+                  <a:extLst>
+                    <a:ext uri="{FF2B5EF4-FFF2-40B4-BE49-F238E27FC236}">
+                      <a16:creationId xmlns:a16="http://schemas.microsoft.com/office/drawing/2014/main" id="{0338F939-AB67-E6E9-7746-DF1D4DE7EE0D}"/>
+                    </a:ext>
+                  </a:extLst>
+                </p:cNvPr>
+                <p:cNvSpPr txBox="1"/>
+                <p:nvPr/>
+              </p:nvSpPr>
+              <p:spPr>
+                <a:xfrm>
+                  <a:off x="6877692" y="6055849"/>
+                  <a:ext cx="325345" cy="230832"/>
+                </a:xfrm>
+                <a:prstGeom prst="rect">
+                  <a:avLst/>
+                </a:prstGeom>
+                <a:noFill/>
+              </p:spPr>
+              <p:txBody>
+                <a:bodyPr wrap="none" rtlCol="0">
+                  <a:spAutoFit/>
+                </a:bodyPr>
+                <a:lstStyle/>
+                <a:p>
+                  <a14:m>
+                    <m:oMathPara xmlns:m="http://schemas.openxmlformats.org/officeDocument/2006/math">
+                      <m:oMathParaPr>
+                        <m:jc m:val="centerGroup"/>
+                      </m:oMathParaPr>
+                      <m:oMath xmlns:m="http://schemas.openxmlformats.org/officeDocument/2006/math">
+                        <m:r>
+                          <a:rPr lang="en-US" sz="900" b="0" i="1" dirty="0" smtClean="0">
+                            <a:latin typeface="Cambria Math" panose="02040503050406030204" pitchFamily="18" charset="0"/>
+                          </a:rPr>
+                          <m:t>𝑎</m:t>
+                        </m:r>
+                        <m:r>
+                          <a:rPr lang="en-US" sz="900" b="0" i="1" smtClean="0">
+                            <a:latin typeface="Cambria Math" panose="02040503050406030204" pitchFamily="18" charset="0"/>
+                          </a:rPr>
+                          <m:t>)</m:t>
+                        </m:r>
+                      </m:oMath>
+                    </m:oMathPara>
+                  </a14:m>
+                  <a:endParaRPr lang="en-US" sz="900" dirty="0"/>
+                </a:p>
+              </p:txBody>
+            </p:sp>
+          </mc:Choice>
+          <mc:Fallback>
+            <p:sp>
+              <p:nvSpPr>
+                <p:cNvPr id="134" name="TextBox 133">
+                  <a:extLst>
+                    <a:ext uri="{FF2B5EF4-FFF2-40B4-BE49-F238E27FC236}">
+                      <a16:creationId xmlns:a16="http://schemas.microsoft.com/office/drawing/2014/main" id="{0338F939-AB67-E6E9-7746-DF1D4DE7EE0D}"/>
+                    </a:ext>
+                  </a:extLst>
+                </p:cNvPr>
+                <p:cNvSpPr txBox="1">
+                  <a:spLocks noRot="1" noChangeAspect="1" noMove="1" noResize="1" noEditPoints="1" noAdjustHandles="1" noChangeArrowheads="1" noChangeShapeType="1" noTextEdit="1"/>
+                </p:cNvSpPr>
+                <p:nvPr/>
+              </p:nvSpPr>
+              <p:spPr>
+                <a:xfrm>
+                  <a:off x="6877692" y="6055849"/>
+                  <a:ext cx="325345" cy="230832"/>
+                </a:xfrm>
+                <a:prstGeom prst="rect">
+                  <a:avLst/>
+                </a:prstGeom>
+                <a:blipFill>
+                  <a:blip r:embed="rId31"/>
+                  <a:stretch>
+                    <a:fillRect/>
+                  </a:stretch>
+                </a:blipFill>
+              </p:spPr>
+              <p:txBody>
+                <a:bodyPr/>
+                <a:lstStyle/>
+                <a:p>
+                  <a:r>
+                    <a:rPr lang="en-US">
+                      <a:noFill/>
+                    </a:rPr>
+                    <a:t> </a:t>
+                  </a:r>
+                </a:p>
+              </p:txBody>
+            </p:sp>
+          </mc:Fallback>
+        </mc:AlternateContent>
+        <p:sp>
+          <p:nvSpPr>
+            <p:cNvPr id="135" name="Oval 134">
+              <a:extLst>
+                <a:ext uri="{FF2B5EF4-FFF2-40B4-BE49-F238E27FC236}">
+                  <a16:creationId xmlns:a16="http://schemas.microsoft.com/office/drawing/2014/main" id="{B5BB6B11-1B44-9C3E-8A33-E0C8A9F297E7}"/>
+                </a:ext>
+              </a:extLst>
+            </p:cNvPr>
+            <p:cNvSpPr/>
+            <p:nvPr/>
+          </p:nvSpPr>
+          <p:spPr>
+            <a:xfrm>
+              <a:off x="8597083" y="5554333"/>
+              <a:ext cx="340117" cy="370332"/>
+            </a:xfrm>
+            <a:prstGeom prst="ellipse">
+              <a:avLst/>
+            </a:prstGeom>
+            <a:solidFill>
+              <a:schemeClr val="accent1">
+                <a:alpha val="23000"/>
+              </a:schemeClr>
+            </a:solidFill>
+          </p:spPr>
+          <p:style>
+            <a:lnRef idx="2">
+              <a:schemeClr val="accent1">
+                <a:shade val="15000"/>
+              </a:schemeClr>
+            </a:lnRef>
+            <a:fillRef idx="1">
+              <a:schemeClr val="accent1"/>
+            </a:fillRef>
+            <a:effectRef idx="0">
+              <a:schemeClr val="accent1"/>
+            </a:effectRef>
+            <a:fontRef idx="minor">
+              <a:schemeClr val="lt1"/>
+            </a:fontRef>
+          </p:style>
+          <p:txBody>
+            <a:bodyPr rtlCol="0" anchor="ctr"/>
+            <a:lstStyle/>
+            <a:p>
+              <a:pPr algn="ctr"/>
+              <a:endParaRPr lang="en-US"/>
+            </a:p>
+          </p:txBody>
+        </p:sp>
+        <mc:AlternateContent xmlns:mc="http://schemas.openxmlformats.org/markup-compatibility/2006">
+          <mc:Choice xmlns:a14="http://schemas.microsoft.com/office/drawing/2010/main" Requires="a14">
+            <p:sp>
+              <p:nvSpPr>
+                <p:cNvPr id="136" name="TextBox 135">
+                  <a:extLst>
+                    <a:ext uri="{FF2B5EF4-FFF2-40B4-BE49-F238E27FC236}">
+                      <a16:creationId xmlns:a16="http://schemas.microsoft.com/office/drawing/2014/main" id="{7839DE42-737A-B949-A5F6-08DDA789C94E}"/>
+                    </a:ext>
+                  </a:extLst>
+                </p:cNvPr>
+                <p:cNvSpPr txBox="1"/>
+                <p:nvPr/>
+              </p:nvSpPr>
+              <p:spPr>
+                <a:xfrm>
+                  <a:off x="8633304" y="5624764"/>
+                  <a:ext cx="284309" cy="230832"/>
+                </a:xfrm>
+                <a:prstGeom prst="rect">
+                  <a:avLst/>
+                </a:prstGeom>
+                <a:noFill/>
+              </p:spPr>
+              <p:txBody>
+                <a:bodyPr wrap="none" rtlCol="0">
+                  <a:spAutoFit/>
+                </a:bodyPr>
+                <a:lstStyle/>
+                <a:p>
+                  <a14:m>
+                    <m:oMathPara xmlns:m="http://schemas.openxmlformats.org/officeDocument/2006/math">
+                      <m:oMathParaPr>
+                        <m:jc m:val="centerGroup"/>
+                      </m:oMathParaPr>
+                      <m:oMath xmlns:m="http://schemas.openxmlformats.org/officeDocument/2006/math">
+                        <m:r>
+                          <a:rPr lang="en-US" sz="900" b="0" i="1" smtClean="0">
+                            <a:latin typeface="Cambria Math" panose="02040503050406030204" pitchFamily="18" charset="0"/>
+                          </a:rPr>
+                          <m:t>𝐶</m:t>
+                        </m:r>
+                      </m:oMath>
+                    </m:oMathPara>
+                  </a14:m>
+                  <a:endParaRPr lang="en-US" sz="900" dirty="0"/>
+                </a:p>
+              </p:txBody>
+            </p:sp>
+          </mc:Choice>
+          <mc:Fallback>
+            <p:sp>
+              <p:nvSpPr>
+                <p:cNvPr id="136" name="TextBox 135">
+                  <a:extLst>
+                    <a:ext uri="{FF2B5EF4-FFF2-40B4-BE49-F238E27FC236}">
+                      <a16:creationId xmlns:a16="http://schemas.microsoft.com/office/drawing/2014/main" id="{7839DE42-737A-B949-A5F6-08DDA789C94E}"/>
+                    </a:ext>
+                  </a:extLst>
+                </p:cNvPr>
+                <p:cNvSpPr txBox="1">
+                  <a:spLocks noRot="1" noChangeAspect="1" noMove="1" noResize="1" noEditPoints="1" noAdjustHandles="1" noChangeArrowheads="1" noChangeShapeType="1" noTextEdit="1"/>
+                </p:cNvSpPr>
+                <p:nvPr/>
+              </p:nvSpPr>
+              <p:spPr>
+                <a:xfrm>
+                  <a:off x="8633304" y="5624764"/>
+                  <a:ext cx="284309" cy="230832"/>
+                </a:xfrm>
+                <a:prstGeom prst="rect">
+                  <a:avLst/>
+                </a:prstGeom>
+                <a:blipFill>
+                  <a:blip r:embed="rId32"/>
+                  <a:stretch>
+                    <a:fillRect/>
+                  </a:stretch>
+                </a:blipFill>
+              </p:spPr>
+              <p:txBody>
+                <a:bodyPr/>
+                <a:lstStyle/>
+                <a:p>
+                  <a:r>
+                    <a:rPr lang="en-US">
+                      <a:noFill/>
+                    </a:rPr>
+                    <a:t> </a:t>
+                  </a:r>
+                </a:p>
+              </p:txBody>
+            </p:sp>
+          </mc:Fallback>
+        </mc:AlternateContent>
+        <p:sp>
+          <p:nvSpPr>
+            <p:cNvPr id="137" name="Oval 136">
+              <a:extLst>
+                <a:ext uri="{FF2B5EF4-FFF2-40B4-BE49-F238E27FC236}">
+                  <a16:creationId xmlns:a16="http://schemas.microsoft.com/office/drawing/2014/main" id="{1F31214A-6DCF-A166-C028-929A7034210C}"/>
+                </a:ext>
+              </a:extLst>
+            </p:cNvPr>
+            <p:cNvSpPr/>
+            <p:nvPr/>
+          </p:nvSpPr>
+          <p:spPr>
+            <a:xfrm>
+              <a:off x="9419544" y="5558014"/>
+              <a:ext cx="340117" cy="370332"/>
+            </a:xfrm>
+            <a:prstGeom prst="ellipse">
+              <a:avLst/>
+            </a:prstGeom>
+            <a:solidFill>
+              <a:schemeClr val="accent1">
+                <a:alpha val="23000"/>
+              </a:schemeClr>
+            </a:solidFill>
+          </p:spPr>
+          <p:style>
+            <a:lnRef idx="2">
+              <a:schemeClr val="accent1">
+                <a:shade val="15000"/>
+              </a:schemeClr>
+            </a:lnRef>
+            <a:fillRef idx="1">
+              <a:schemeClr val="accent1"/>
+            </a:fillRef>
+            <a:effectRef idx="0">
+              <a:schemeClr val="accent1"/>
+            </a:effectRef>
+            <a:fontRef idx="minor">
+              <a:schemeClr val="lt1"/>
+            </a:fontRef>
+          </p:style>
+          <p:txBody>
+            <a:bodyPr rtlCol="0" anchor="ctr"/>
+            <a:lstStyle/>
+            <a:p>
+              <a:pPr algn="ctr"/>
+              <a:endParaRPr lang="en-US"/>
+            </a:p>
+          </p:txBody>
+        </p:sp>
+        <mc:AlternateContent xmlns:mc="http://schemas.openxmlformats.org/markup-compatibility/2006">
+          <mc:Choice xmlns:a14="http://schemas.microsoft.com/office/drawing/2010/main" Requires="a14">
+            <p:sp>
+              <p:nvSpPr>
+                <p:cNvPr id="138" name="TextBox 137">
+                  <a:extLst>
+                    <a:ext uri="{FF2B5EF4-FFF2-40B4-BE49-F238E27FC236}">
+                      <a16:creationId xmlns:a16="http://schemas.microsoft.com/office/drawing/2014/main" id="{2CD60488-8B26-5208-FA8F-6B9A119B2952}"/>
+                    </a:ext>
+                  </a:extLst>
+                </p:cNvPr>
+                <p:cNvSpPr txBox="1"/>
+                <p:nvPr/>
+              </p:nvSpPr>
+              <p:spPr>
+                <a:xfrm>
+                  <a:off x="9455765" y="5628445"/>
+                  <a:ext cx="286104" cy="230832"/>
+                </a:xfrm>
+                <a:prstGeom prst="rect">
+                  <a:avLst/>
+                </a:prstGeom>
+                <a:noFill/>
+              </p:spPr>
+              <p:txBody>
+                <a:bodyPr wrap="none" rtlCol="0">
+                  <a:spAutoFit/>
+                </a:bodyPr>
+                <a:lstStyle/>
+                <a:p>
+                  <a14:m>
+                    <m:oMathPara xmlns:m="http://schemas.openxmlformats.org/officeDocument/2006/math">
+                      <m:oMathParaPr>
+                        <m:jc m:val="centerGroup"/>
+                      </m:oMathParaPr>
+                      <m:oMath xmlns:m="http://schemas.openxmlformats.org/officeDocument/2006/math">
+                        <m:r>
+                          <a:rPr lang="en-US" sz="900" b="0" i="1" smtClean="0">
+                            <a:latin typeface="Cambria Math" panose="02040503050406030204" pitchFamily="18" charset="0"/>
+                          </a:rPr>
+                          <m:t>𝑉</m:t>
+                        </m:r>
+                      </m:oMath>
+                    </m:oMathPara>
+                  </a14:m>
+                  <a:endParaRPr lang="en-US" sz="900" dirty="0"/>
+                </a:p>
+              </p:txBody>
+            </p:sp>
+          </mc:Choice>
+          <mc:Fallback>
+            <p:sp>
+              <p:nvSpPr>
+                <p:cNvPr id="138" name="TextBox 137">
+                  <a:extLst>
+                    <a:ext uri="{FF2B5EF4-FFF2-40B4-BE49-F238E27FC236}">
+                      <a16:creationId xmlns:a16="http://schemas.microsoft.com/office/drawing/2014/main" id="{2CD60488-8B26-5208-FA8F-6B9A119B2952}"/>
+                    </a:ext>
+                  </a:extLst>
+                </p:cNvPr>
+                <p:cNvSpPr txBox="1">
+                  <a:spLocks noRot="1" noChangeAspect="1" noMove="1" noResize="1" noEditPoints="1" noAdjustHandles="1" noChangeArrowheads="1" noChangeShapeType="1" noTextEdit="1"/>
+                </p:cNvSpPr>
+                <p:nvPr/>
+              </p:nvSpPr>
+              <p:spPr>
+                <a:xfrm>
+                  <a:off x="9455765" y="5628445"/>
+                  <a:ext cx="286104" cy="230832"/>
+                </a:xfrm>
+                <a:prstGeom prst="rect">
+                  <a:avLst/>
+                </a:prstGeom>
+                <a:blipFill>
+                  <a:blip r:embed="rId33"/>
+                  <a:stretch>
+                    <a:fillRect/>
+                  </a:stretch>
+                </a:blipFill>
+              </p:spPr>
+              <p:txBody>
+                <a:bodyPr/>
+                <a:lstStyle/>
+                <a:p>
+                  <a:r>
+                    <a:rPr lang="en-US">
+                      <a:noFill/>
+                    </a:rPr>
+                    <a:t> </a:t>
+                  </a:r>
+                </a:p>
+              </p:txBody>
+            </p:sp>
+          </mc:Fallback>
+        </mc:AlternateContent>
+        <p:sp>
+          <p:nvSpPr>
+            <p:cNvPr id="139" name="Oval 138">
+              <a:extLst>
+                <a:ext uri="{FF2B5EF4-FFF2-40B4-BE49-F238E27FC236}">
+                  <a16:creationId xmlns:a16="http://schemas.microsoft.com/office/drawing/2014/main" id="{1789F838-CD2B-9CD6-6C52-D3702B040E6A}"/>
+                </a:ext>
+              </a:extLst>
+            </p:cNvPr>
+            <p:cNvSpPr/>
+            <p:nvPr/>
+          </p:nvSpPr>
+          <p:spPr>
+            <a:xfrm>
+              <a:off x="10242005" y="5554333"/>
+              <a:ext cx="340117" cy="370332"/>
+            </a:xfrm>
+            <a:prstGeom prst="ellipse">
+              <a:avLst/>
+            </a:prstGeom>
+            <a:solidFill>
+              <a:schemeClr val="accent1">
+                <a:alpha val="23000"/>
+              </a:schemeClr>
+            </a:solidFill>
+          </p:spPr>
+          <p:style>
+            <a:lnRef idx="2">
+              <a:schemeClr val="accent1">
+                <a:shade val="15000"/>
+              </a:schemeClr>
+            </a:lnRef>
+            <a:fillRef idx="1">
+              <a:schemeClr val="accent1"/>
+            </a:fillRef>
+            <a:effectRef idx="0">
+              <a:schemeClr val="accent1"/>
+            </a:effectRef>
+            <a:fontRef idx="minor">
+              <a:schemeClr val="lt1"/>
+            </a:fontRef>
+          </p:style>
+          <p:txBody>
+            <a:bodyPr rtlCol="0" anchor="ctr"/>
+            <a:lstStyle/>
+            <a:p>
+              <a:pPr algn="ctr"/>
+              <a:endParaRPr lang="en-US"/>
+            </a:p>
+          </p:txBody>
+        </p:sp>
+        <mc:AlternateContent xmlns:mc="http://schemas.openxmlformats.org/markup-compatibility/2006">
+          <mc:Choice xmlns:a14="http://schemas.microsoft.com/office/drawing/2010/main" Requires="a14">
+            <p:sp>
+              <p:nvSpPr>
+                <p:cNvPr id="140" name="TextBox 139">
+                  <a:extLst>
+                    <a:ext uri="{FF2B5EF4-FFF2-40B4-BE49-F238E27FC236}">
+                      <a16:creationId xmlns:a16="http://schemas.microsoft.com/office/drawing/2014/main" id="{5CE067BF-3356-A42E-97D3-98CEFBFAF0E7}"/>
+                    </a:ext>
+                  </a:extLst>
+                </p:cNvPr>
+                <p:cNvSpPr txBox="1"/>
+                <p:nvPr/>
+              </p:nvSpPr>
+              <p:spPr>
+                <a:xfrm>
+                  <a:off x="10278226" y="5624764"/>
+                  <a:ext cx="273472" cy="230832"/>
+                </a:xfrm>
+                <a:prstGeom prst="rect">
+                  <a:avLst/>
+                </a:prstGeom>
+                <a:noFill/>
+              </p:spPr>
+              <p:txBody>
+                <a:bodyPr wrap="none" rtlCol="0">
+                  <a:spAutoFit/>
+                </a:bodyPr>
+                <a:lstStyle/>
+                <a:p>
+                  <a14:m>
+                    <m:oMathPara xmlns:m="http://schemas.openxmlformats.org/officeDocument/2006/math">
+                      <m:oMathParaPr>
+                        <m:jc m:val="centerGroup"/>
+                      </m:oMathParaPr>
+                      <m:oMath xmlns:m="http://schemas.openxmlformats.org/officeDocument/2006/math">
+                        <m:r>
+                          <a:rPr lang="en-US" sz="900" b="0" i="1" smtClean="0">
+                            <a:latin typeface="Cambria Math" panose="02040503050406030204" pitchFamily="18" charset="0"/>
+                          </a:rPr>
+                          <m:t>𝑆</m:t>
+                        </m:r>
+                      </m:oMath>
+                    </m:oMathPara>
+                  </a14:m>
+                  <a:endParaRPr lang="en-US" sz="900" dirty="0"/>
+                </a:p>
+              </p:txBody>
+            </p:sp>
+          </mc:Choice>
+          <mc:Fallback>
+            <p:sp>
+              <p:nvSpPr>
+                <p:cNvPr id="140" name="TextBox 139">
+                  <a:extLst>
+                    <a:ext uri="{FF2B5EF4-FFF2-40B4-BE49-F238E27FC236}">
+                      <a16:creationId xmlns:a16="http://schemas.microsoft.com/office/drawing/2014/main" id="{5CE067BF-3356-A42E-97D3-98CEFBFAF0E7}"/>
+                    </a:ext>
+                  </a:extLst>
+                </p:cNvPr>
+                <p:cNvSpPr txBox="1">
+                  <a:spLocks noRot="1" noChangeAspect="1" noMove="1" noResize="1" noEditPoints="1" noAdjustHandles="1" noChangeArrowheads="1" noChangeShapeType="1" noTextEdit="1"/>
+                </p:cNvSpPr>
+                <p:nvPr/>
+              </p:nvSpPr>
+              <p:spPr>
+                <a:xfrm>
+                  <a:off x="10278226" y="5624764"/>
+                  <a:ext cx="273472" cy="230832"/>
+                </a:xfrm>
+                <a:prstGeom prst="rect">
+                  <a:avLst/>
+                </a:prstGeom>
+                <a:blipFill>
+                  <a:blip r:embed="rId34"/>
+                  <a:stretch>
+                    <a:fillRect/>
+                  </a:stretch>
+                </a:blipFill>
+              </p:spPr>
+              <p:txBody>
+                <a:bodyPr/>
+                <a:lstStyle/>
+                <a:p>
+                  <a:r>
+                    <a:rPr lang="en-US">
+                      <a:noFill/>
+                    </a:rPr>
+                    <a:t> </a:t>
+                  </a:r>
+                </a:p>
+              </p:txBody>
+            </p:sp>
+          </mc:Fallback>
+        </mc:AlternateContent>
+        <p:cxnSp>
+          <p:nvCxnSpPr>
+            <p:cNvPr id="141" name="Straight Arrow Connector 140">
+              <a:extLst>
+                <a:ext uri="{FF2B5EF4-FFF2-40B4-BE49-F238E27FC236}">
+                  <a16:creationId xmlns:a16="http://schemas.microsoft.com/office/drawing/2014/main" id="{8F9CF178-4813-F8AA-7AD5-64AD87237597}"/>
+                </a:ext>
+              </a:extLst>
+            </p:cNvPr>
+            <p:cNvCxnSpPr>
+              <a:stCxn id="135" idx="6"/>
+              <a:endCxn id="137" idx="2"/>
+            </p:cNvCxnSpPr>
+            <p:nvPr/>
+          </p:nvCxnSpPr>
+          <p:spPr>
+            <a:xfrm>
+              <a:off x="8937200" y="5739499"/>
+              <a:ext cx="482344" cy="3681"/>
+            </a:xfrm>
+            <a:prstGeom prst="straightConnector1">
+              <a:avLst/>
+            </a:prstGeom>
+            <a:ln>
+              <a:tailEnd type="triangle"/>
+            </a:ln>
+          </p:spPr>
+          <p:style>
+            <a:lnRef idx="1">
+              <a:schemeClr val="accent1"/>
+            </a:lnRef>
+            <a:fillRef idx="0">
+              <a:schemeClr val="accent1"/>
+            </a:fillRef>
+            <a:effectRef idx="0">
+              <a:schemeClr val="accent1"/>
+            </a:effectRef>
+            <a:fontRef idx="minor">
+              <a:schemeClr val="tx1"/>
+            </a:fontRef>
+          </p:style>
+        </p:cxnSp>
+        <p:cxnSp>
+          <p:nvCxnSpPr>
+            <p:cNvPr id="142" name="Straight Arrow Connector 141">
+              <a:extLst>
+                <a:ext uri="{FF2B5EF4-FFF2-40B4-BE49-F238E27FC236}">
+                  <a16:creationId xmlns:a16="http://schemas.microsoft.com/office/drawing/2014/main" id="{FA9B395A-F020-C208-BE8D-B4C57C1782EF}"/>
+                </a:ext>
+              </a:extLst>
+            </p:cNvPr>
+            <p:cNvCxnSpPr/>
+            <p:nvPr/>
+          </p:nvCxnSpPr>
+          <p:spPr>
+            <a:xfrm>
+              <a:off x="9759661" y="5747306"/>
+              <a:ext cx="482344" cy="3681"/>
+            </a:xfrm>
+            <a:prstGeom prst="straightConnector1">
+              <a:avLst/>
+            </a:prstGeom>
+            <a:ln>
+              <a:tailEnd type="triangle"/>
+            </a:ln>
+          </p:spPr>
+          <p:style>
+            <a:lnRef idx="1">
+              <a:schemeClr val="accent1"/>
+            </a:lnRef>
+            <a:fillRef idx="0">
+              <a:schemeClr val="accent1"/>
+            </a:fillRef>
+            <a:effectRef idx="0">
+              <a:schemeClr val="accent1"/>
+            </a:effectRef>
+            <a:fontRef idx="minor">
+              <a:schemeClr val="tx1"/>
+            </a:fontRef>
+          </p:style>
+        </p:cxnSp>
+        <mc:AlternateContent xmlns:mc="http://schemas.openxmlformats.org/markup-compatibility/2006">
+          <mc:Choice xmlns:a14="http://schemas.microsoft.com/office/drawing/2010/main" Requires="a14">
+            <p:sp>
+              <p:nvSpPr>
+                <p:cNvPr id="143" name="TextBox 142">
+                  <a:extLst>
+                    <a:ext uri="{FF2B5EF4-FFF2-40B4-BE49-F238E27FC236}">
+                      <a16:creationId xmlns:a16="http://schemas.microsoft.com/office/drawing/2014/main" id="{6E1B40CD-246B-2CE8-6C46-35C5BCBD368F}"/>
+                    </a:ext>
+                  </a:extLst>
+                </p:cNvPr>
+                <p:cNvSpPr txBox="1"/>
+                <p:nvPr/>
+              </p:nvSpPr>
+              <p:spPr>
+                <a:xfrm>
+                  <a:off x="9434316" y="6052372"/>
+                  <a:ext cx="325345" cy="230832"/>
+                </a:xfrm>
+                <a:prstGeom prst="rect">
+                  <a:avLst/>
+                </a:prstGeom>
+                <a:noFill/>
+              </p:spPr>
+              <p:txBody>
+                <a:bodyPr wrap="none" rtlCol="0">
+                  <a:spAutoFit/>
+                </a:bodyPr>
+                <a:lstStyle/>
+                <a:p>
+                  <a14:m>
+                    <m:oMathPara xmlns:m="http://schemas.openxmlformats.org/officeDocument/2006/math">
+                      <m:oMathParaPr>
+                        <m:jc m:val="centerGroup"/>
+                      </m:oMathParaPr>
+                      <m:oMath xmlns:m="http://schemas.openxmlformats.org/officeDocument/2006/math">
+                        <m:r>
+                          <a:rPr lang="en-US" sz="900" b="0" i="1" dirty="0" smtClean="0">
+                            <a:latin typeface="Cambria Math" panose="02040503050406030204" pitchFamily="18" charset="0"/>
+                          </a:rPr>
+                          <m:t>𝑏</m:t>
+                        </m:r>
+                        <m:r>
+                          <a:rPr lang="en-US" sz="900" b="0" i="1" smtClean="0">
+                            <a:latin typeface="Cambria Math" panose="02040503050406030204" pitchFamily="18" charset="0"/>
+                          </a:rPr>
+                          <m:t>)</m:t>
+                        </m:r>
+                      </m:oMath>
+                    </m:oMathPara>
+                  </a14:m>
+                  <a:endParaRPr lang="en-US" sz="900" dirty="0"/>
+                </a:p>
+              </p:txBody>
+            </p:sp>
+          </mc:Choice>
+          <mc:Fallback>
+            <p:sp>
+              <p:nvSpPr>
+                <p:cNvPr id="143" name="TextBox 142">
+                  <a:extLst>
+                    <a:ext uri="{FF2B5EF4-FFF2-40B4-BE49-F238E27FC236}">
+                      <a16:creationId xmlns:a16="http://schemas.microsoft.com/office/drawing/2014/main" id="{6E1B40CD-246B-2CE8-6C46-35C5BCBD368F}"/>
+                    </a:ext>
+                  </a:extLst>
+                </p:cNvPr>
+                <p:cNvSpPr txBox="1">
+                  <a:spLocks noRot="1" noChangeAspect="1" noMove="1" noResize="1" noEditPoints="1" noAdjustHandles="1" noChangeArrowheads="1" noChangeShapeType="1" noTextEdit="1"/>
+                </p:cNvSpPr>
+                <p:nvPr/>
+              </p:nvSpPr>
+              <p:spPr>
+                <a:xfrm>
+                  <a:off x="9434316" y="6052372"/>
+                  <a:ext cx="325345" cy="230832"/>
+                </a:xfrm>
+                <a:prstGeom prst="rect">
+                  <a:avLst/>
+                </a:prstGeom>
+                <a:blipFill>
+                  <a:blip r:embed="rId35"/>
+                  <a:stretch>
+                    <a:fillRect/>
+                  </a:stretch>
+                </a:blipFill>
+              </p:spPr>
+              <p:txBody>
+                <a:bodyPr/>
+                <a:lstStyle/>
+                <a:p>
+                  <a:r>
+                    <a:rPr lang="en-US">
+                      <a:noFill/>
+                    </a:rPr>
+                    <a:t> </a:t>
+                  </a:r>
+                </a:p>
+              </p:txBody>
+            </p:sp>
+          </mc:Fallback>
+        </mc:AlternateContent>
+        <p:cxnSp>
+          <p:nvCxnSpPr>
+            <p:cNvPr id="144" name="Straight Connector 143">
+              <a:extLst>
+                <a:ext uri="{FF2B5EF4-FFF2-40B4-BE49-F238E27FC236}">
+                  <a16:creationId xmlns:a16="http://schemas.microsoft.com/office/drawing/2014/main" id="{EAD4991B-05C5-A783-84BB-CB934F24D755}"/>
+                </a:ext>
+              </a:extLst>
+            </p:cNvPr>
+            <p:cNvCxnSpPr>
+              <a:cxnSpLocks/>
+            </p:cNvCxnSpPr>
+            <p:nvPr/>
+          </p:nvCxnSpPr>
+          <p:spPr>
+            <a:xfrm flipH="1">
+              <a:off x="9315589" y="5583279"/>
+              <a:ext cx="548026" cy="328054"/>
+            </a:xfrm>
+            <a:prstGeom prst="line">
+              <a:avLst/>
+            </a:prstGeom>
+            <a:ln>
+              <a:solidFill>
+                <a:schemeClr val="tx1"/>
+              </a:solidFill>
+            </a:ln>
+          </p:spPr>
+          <p:style>
+            <a:lnRef idx="1">
+              <a:schemeClr val="accent1"/>
+            </a:lnRef>
+            <a:fillRef idx="0">
+              <a:schemeClr val="accent1"/>
+            </a:fillRef>
+            <a:effectRef idx="0">
+              <a:schemeClr val="accent1"/>
+            </a:effectRef>
+            <a:fontRef idx="minor">
+              <a:schemeClr val="tx1"/>
+            </a:fontRef>
+          </p:style>
+        </p:cxnSp>
+        <p:cxnSp>
+          <p:nvCxnSpPr>
+            <p:cNvPr id="145" name="Straight Connector 144">
+              <a:extLst>
+                <a:ext uri="{FF2B5EF4-FFF2-40B4-BE49-F238E27FC236}">
+                  <a16:creationId xmlns:a16="http://schemas.microsoft.com/office/drawing/2014/main" id="{E4F92D50-0829-BDB9-6A23-315E4C0BD646}"/>
+                </a:ext>
+              </a:extLst>
+            </p:cNvPr>
+            <p:cNvCxnSpPr/>
+            <p:nvPr/>
+          </p:nvCxnSpPr>
+          <p:spPr>
+            <a:xfrm>
+              <a:off x="9364158" y="5532422"/>
+              <a:ext cx="470916" cy="429768"/>
+            </a:xfrm>
+            <a:prstGeom prst="line">
+              <a:avLst/>
+            </a:prstGeom>
+            <a:ln>
+              <a:solidFill>
+                <a:schemeClr val="tx1"/>
+              </a:solidFill>
+            </a:ln>
+          </p:spPr>
+          <p:style>
+            <a:lnRef idx="1">
+              <a:schemeClr val="accent1"/>
+            </a:lnRef>
+            <a:fillRef idx="0">
+              <a:schemeClr val="accent1"/>
+            </a:fillRef>
+            <a:effectRef idx="0">
+              <a:schemeClr val="accent1"/>
+            </a:effectRef>
+            <a:fontRef idx="minor">
+              <a:schemeClr val="tx1"/>
+            </a:fontRef>
+          </p:style>
+        </p:cxnSp>
+      </p:grpSp>
     </p:spTree>
     <p:extLst>
       <p:ext uri="{BB962C8B-B14F-4D97-AF65-F5344CB8AC3E}">
         <p14:creationId xmlns:p14="http://schemas.microsoft.com/office/powerpoint/2010/main" val="3578534442"/>
+      </p:ext>
+    </p:extLst>
+  </p:cSld>
+  <p:clrMapOvr>
+    <a:masterClrMapping/>
+  </p:clrMapOvr>
+</p:sld>
+</file>
+
+<file path=ppt/slides/slide2.xml><?xml version="1.0" encoding="utf-8"?>
+<p:sld xmlns:a="http://schemas.openxmlformats.org/drawingml/2006/main" xmlns:r="http://schemas.openxmlformats.org/officeDocument/2006/relationships" xmlns:p="http://schemas.openxmlformats.org/presentationml/2006/main">
+  <p:cSld>
+    <p:spTree>
+      <p:nvGrpSpPr>
+        <p:cNvPr id="1" name=""/>
+        <p:cNvGrpSpPr/>
+        <p:nvPr/>
+      </p:nvGrpSpPr>
+      <p:grpSpPr>
+        <a:xfrm>
+          <a:off x="0" y="0"/>
+          <a:ext cx="0" cy="0"/>
+          <a:chOff x="0" y="0"/>
+          <a:chExt cx="0" cy="0"/>
+        </a:xfrm>
+      </p:grpSpPr>
+    </p:spTree>
+    <p:extLst>
+      <p:ext uri="{BB962C8B-B14F-4D97-AF65-F5344CB8AC3E}">
+        <p14:creationId xmlns:p14="http://schemas.microsoft.com/office/powerpoint/2010/main" val="1001569796"/>
       </p:ext>
     </p:extLst>
   </p:cSld>

--- a/docs/LearningBayesianNetworksNeapolitanNotes.pptx
+++ b/docs/LearningBayesianNetworksNeapolitanNotes.pptx
@@ -10078,6 +10078,3913 @@
           <a:chExt cx="0" cy="0"/>
         </a:xfrm>
       </p:grpSpPr>
+      <p:grpSp>
+        <p:nvGrpSpPr>
+          <p:cNvPr id="20" name="Group 19">
+            <a:extLst>
+              <a:ext uri="{FF2B5EF4-FFF2-40B4-BE49-F238E27FC236}">
+                <a16:creationId xmlns:a16="http://schemas.microsoft.com/office/drawing/2014/main" id="{B3E272F9-25A4-0C95-7254-9ACFD9E82715}"/>
+              </a:ext>
+            </a:extLst>
+          </p:cNvPr>
+          <p:cNvGrpSpPr/>
+          <p:nvPr/>
+        </p:nvGrpSpPr>
+        <p:grpSpPr>
+          <a:xfrm>
+            <a:off x="2066509" y="665479"/>
+            <a:ext cx="1658377" cy="1679448"/>
+            <a:chOff x="2066509" y="665479"/>
+            <a:chExt cx="1658377" cy="1679448"/>
+          </a:xfrm>
+        </p:grpSpPr>
+        <p:sp>
+          <p:nvSpPr>
+            <p:cNvPr id="5" name="Oval 4">
+              <a:extLst>
+                <a:ext uri="{FF2B5EF4-FFF2-40B4-BE49-F238E27FC236}">
+                  <a16:creationId xmlns:a16="http://schemas.microsoft.com/office/drawing/2014/main" id="{958B1644-4EC5-6DEE-43EA-A4AB728D3E73}"/>
+                </a:ext>
+              </a:extLst>
+            </p:cNvPr>
+            <p:cNvSpPr/>
+            <p:nvPr/>
+          </p:nvSpPr>
+          <p:spPr>
+            <a:xfrm>
+              <a:off x="2066509" y="1332053"/>
+              <a:ext cx="340117" cy="370332"/>
+            </a:xfrm>
+            <a:prstGeom prst="ellipse">
+              <a:avLst/>
+            </a:prstGeom>
+            <a:solidFill>
+              <a:schemeClr val="accent1">
+                <a:alpha val="23000"/>
+              </a:schemeClr>
+            </a:solidFill>
+          </p:spPr>
+          <p:style>
+            <a:lnRef idx="2">
+              <a:schemeClr val="accent1">
+                <a:shade val="15000"/>
+              </a:schemeClr>
+            </a:lnRef>
+            <a:fillRef idx="1">
+              <a:schemeClr val="accent1"/>
+            </a:fillRef>
+            <a:effectRef idx="0">
+              <a:schemeClr val="accent1"/>
+            </a:effectRef>
+            <a:fontRef idx="minor">
+              <a:schemeClr val="lt1"/>
+            </a:fontRef>
+          </p:style>
+          <p:txBody>
+            <a:bodyPr rtlCol="0" anchor="ctr"/>
+            <a:lstStyle/>
+            <a:p>
+              <a:pPr algn="ctr"/>
+              <a:endParaRPr lang="en-US"/>
+            </a:p>
+          </p:txBody>
+        </p:sp>
+        <mc:AlternateContent xmlns:mc="http://schemas.openxmlformats.org/markup-compatibility/2006">
+          <mc:Choice xmlns:a14="http://schemas.microsoft.com/office/drawing/2010/main" Requires="a14">
+            <p:sp>
+              <p:nvSpPr>
+                <p:cNvPr id="6" name="TextBox 5">
+                  <a:extLst>
+                    <a:ext uri="{FF2B5EF4-FFF2-40B4-BE49-F238E27FC236}">
+                      <a16:creationId xmlns:a16="http://schemas.microsoft.com/office/drawing/2014/main" id="{C705E344-C91D-B5D7-DE1C-9C7D6F4843A9}"/>
+                    </a:ext>
+                  </a:extLst>
+                </p:cNvPr>
+                <p:cNvSpPr txBox="1"/>
+                <p:nvPr/>
+              </p:nvSpPr>
+              <p:spPr>
+                <a:xfrm>
+                  <a:off x="2093965" y="1401803"/>
+                  <a:ext cx="286873" cy="230832"/>
+                </a:xfrm>
+                <a:prstGeom prst="rect">
+                  <a:avLst/>
+                </a:prstGeom>
+                <a:noFill/>
+              </p:spPr>
+              <p:txBody>
+                <a:bodyPr wrap="none" rtlCol="0">
+                  <a:spAutoFit/>
+                </a:bodyPr>
+                <a:lstStyle/>
+                <a:p>
+                  <a14:m>
+                    <m:oMathPara xmlns:m="http://schemas.openxmlformats.org/officeDocument/2006/math">
+                      <m:oMathParaPr>
+                        <m:jc m:val="centerGroup"/>
+                      </m:oMathParaPr>
+                      <m:oMath xmlns:m="http://schemas.openxmlformats.org/officeDocument/2006/math">
+                        <m:r>
+                          <a:rPr lang="en-US" sz="900" b="0" i="1" smtClean="0">
+                            <a:latin typeface="Cambria Math" panose="02040503050406030204" pitchFamily="18" charset="0"/>
+                          </a:rPr>
+                          <m:t>𝑋</m:t>
+                        </m:r>
+                      </m:oMath>
+                    </m:oMathPara>
+                  </a14:m>
+                  <a:endParaRPr lang="en-US" sz="900" dirty="0"/>
+                </a:p>
+              </p:txBody>
+            </p:sp>
+          </mc:Choice>
+          <mc:Fallback>
+            <p:sp>
+              <p:nvSpPr>
+                <p:cNvPr id="6" name="TextBox 5">
+                  <a:extLst>
+                    <a:ext uri="{FF2B5EF4-FFF2-40B4-BE49-F238E27FC236}">
+                      <a16:creationId xmlns:a16="http://schemas.microsoft.com/office/drawing/2014/main" id="{C705E344-C91D-B5D7-DE1C-9C7D6F4843A9}"/>
+                    </a:ext>
+                  </a:extLst>
+                </p:cNvPr>
+                <p:cNvSpPr txBox="1">
+                  <a:spLocks noRot="1" noChangeAspect="1" noMove="1" noResize="1" noEditPoints="1" noAdjustHandles="1" noChangeArrowheads="1" noChangeShapeType="1" noTextEdit="1"/>
+                </p:cNvSpPr>
+                <p:nvPr/>
+              </p:nvSpPr>
+              <p:spPr>
+                <a:xfrm>
+                  <a:off x="2093965" y="1401803"/>
+                  <a:ext cx="286873" cy="230832"/>
+                </a:xfrm>
+                <a:prstGeom prst="rect">
+                  <a:avLst/>
+                </a:prstGeom>
+                <a:blipFill>
+                  <a:blip r:embed="rId2"/>
+                  <a:stretch>
+                    <a:fillRect/>
+                  </a:stretch>
+                </a:blipFill>
+              </p:spPr>
+              <p:txBody>
+                <a:bodyPr/>
+                <a:lstStyle/>
+                <a:p>
+                  <a:r>
+                    <a:rPr lang="en-US">
+                      <a:noFill/>
+                    </a:rPr>
+                    <a:t> </a:t>
+                  </a:r>
+                </a:p>
+              </p:txBody>
+            </p:sp>
+          </mc:Fallback>
+        </mc:AlternateContent>
+        <p:sp>
+          <p:nvSpPr>
+            <p:cNvPr id="7" name="Oval 6">
+              <a:extLst>
+                <a:ext uri="{FF2B5EF4-FFF2-40B4-BE49-F238E27FC236}">
+                  <a16:creationId xmlns:a16="http://schemas.microsoft.com/office/drawing/2014/main" id="{8ECD529E-CFD8-5698-2421-5F5A759D40A1}"/>
+                </a:ext>
+              </a:extLst>
+            </p:cNvPr>
+            <p:cNvSpPr/>
+            <p:nvPr/>
+          </p:nvSpPr>
+          <p:spPr>
+            <a:xfrm>
+              <a:off x="3384769" y="1325958"/>
+              <a:ext cx="340117" cy="370332"/>
+            </a:xfrm>
+            <a:prstGeom prst="ellipse">
+              <a:avLst/>
+            </a:prstGeom>
+            <a:solidFill>
+              <a:schemeClr val="accent1">
+                <a:alpha val="23000"/>
+              </a:schemeClr>
+            </a:solidFill>
+          </p:spPr>
+          <p:style>
+            <a:lnRef idx="2">
+              <a:schemeClr val="accent1">
+                <a:shade val="15000"/>
+              </a:schemeClr>
+            </a:lnRef>
+            <a:fillRef idx="1">
+              <a:schemeClr val="accent1"/>
+            </a:fillRef>
+            <a:effectRef idx="0">
+              <a:schemeClr val="accent1"/>
+            </a:effectRef>
+            <a:fontRef idx="minor">
+              <a:schemeClr val="lt1"/>
+            </a:fontRef>
+          </p:style>
+          <p:txBody>
+            <a:bodyPr rtlCol="0" anchor="ctr"/>
+            <a:lstStyle/>
+            <a:p>
+              <a:pPr algn="ctr"/>
+              <a:endParaRPr lang="en-US"/>
+            </a:p>
+          </p:txBody>
+        </p:sp>
+        <mc:AlternateContent xmlns:mc="http://schemas.openxmlformats.org/markup-compatibility/2006">
+          <mc:Choice xmlns:a14="http://schemas.microsoft.com/office/drawing/2010/main" Requires="a14">
+            <p:sp>
+              <p:nvSpPr>
+                <p:cNvPr id="8" name="TextBox 7">
+                  <a:extLst>
+                    <a:ext uri="{FF2B5EF4-FFF2-40B4-BE49-F238E27FC236}">
+                      <a16:creationId xmlns:a16="http://schemas.microsoft.com/office/drawing/2014/main" id="{9B5873CA-4508-8985-D8AB-3D8914C2FAFD}"/>
+                    </a:ext>
+                  </a:extLst>
+                </p:cNvPr>
+                <p:cNvSpPr txBox="1"/>
+                <p:nvPr/>
+              </p:nvSpPr>
+              <p:spPr>
+                <a:xfrm>
+                  <a:off x="3412225" y="1395708"/>
+                  <a:ext cx="282065" cy="230832"/>
+                </a:xfrm>
+                <a:prstGeom prst="rect">
+                  <a:avLst/>
+                </a:prstGeom>
+                <a:noFill/>
+              </p:spPr>
+              <p:txBody>
+                <a:bodyPr wrap="none" rtlCol="0">
+                  <a:spAutoFit/>
+                </a:bodyPr>
+                <a:lstStyle/>
+                <a:p>
+                  <a14:m>
+                    <m:oMathPara xmlns:m="http://schemas.openxmlformats.org/officeDocument/2006/math">
+                      <m:oMathParaPr>
+                        <m:jc m:val="centerGroup"/>
+                      </m:oMathParaPr>
+                      <m:oMath xmlns:m="http://schemas.openxmlformats.org/officeDocument/2006/math">
+                        <m:r>
+                          <a:rPr lang="en-US" sz="900" b="0" i="1" smtClean="0">
+                            <a:latin typeface="Cambria Math" panose="02040503050406030204" pitchFamily="18" charset="0"/>
+                          </a:rPr>
+                          <m:t>𝑌</m:t>
+                        </m:r>
+                      </m:oMath>
+                    </m:oMathPara>
+                  </a14:m>
+                  <a:endParaRPr lang="en-US" sz="900" dirty="0"/>
+                </a:p>
+              </p:txBody>
+            </p:sp>
+          </mc:Choice>
+          <mc:Fallback>
+            <p:sp>
+              <p:nvSpPr>
+                <p:cNvPr id="8" name="TextBox 7">
+                  <a:extLst>
+                    <a:ext uri="{FF2B5EF4-FFF2-40B4-BE49-F238E27FC236}">
+                      <a16:creationId xmlns:a16="http://schemas.microsoft.com/office/drawing/2014/main" id="{9B5873CA-4508-8985-D8AB-3D8914C2FAFD}"/>
+                    </a:ext>
+                  </a:extLst>
+                </p:cNvPr>
+                <p:cNvSpPr txBox="1">
+                  <a:spLocks noRot="1" noChangeAspect="1" noMove="1" noResize="1" noEditPoints="1" noAdjustHandles="1" noChangeArrowheads="1" noChangeShapeType="1" noTextEdit="1"/>
+                </p:cNvSpPr>
+                <p:nvPr/>
+              </p:nvSpPr>
+              <p:spPr>
+                <a:xfrm>
+                  <a:off x="3412225" y="1395708"/>
+                  <a:ext cx="282065" cy="230832"/>
+                </a:xfrm>
+                <a:prstGeom prst="rect">
+                  <a:avLst/>
+                </a:prstGeom>
+                <a:blipFill>
+                  <a:blip r:embed="rId3"/>
+                  <a:stretch>
+                    <a:fillRect/>
+                  </a:stretch>
+                </a:blipFill>
+              </p:spPr>
+              <p:txBody>
+                <a:bodyPr/>
+                <a:lstStyle/>
+                <a:p>
+                  <a:r>
+                    <a:rPr lang="en-US">
+                      <a:noFill/>
+                    </a:rPr>
+                    <a:t> </a:t>
+                  </a:r>
+                </a:p>
+              </p:txBody>
+            </p:sp>
+          </mc:Fallback>
+        </mc:AlternateContent>
+        <p:sp>
+          <p:nvSpPr>
+            <p:cNvPr id="9" name="Oval 8">
+              <a:extLst>
+                <a:ext uri="{FF2B5EF4-FFF2-40B4-BE49-F238E27FC236}">
+                  <a16:creationId xmlns:a16="http://schemas.microsoft.com/office/drawing/2014/main" id="{CE7231DD-02B2-72F4-1D2C-C13656E5F50D}"/>
+                </a:ext>
+              </a:extLst>
+            </p:cNvPr>
+            <p:cNvSpPr/>
+            <p:nvPr/>
+          </p:nvSpPr>
+          <p:spPr>
+            <a:xfrm>
+              <a:off x="2695921" y="665479"/>
+              <a:ext cx="340117" cy="370332"/>
+            </a:xfrm>
+            <a:prstGeom prst="ellipse">
+              <a:avLst/>
+            </a:prstGeom>
+            <a:solidFill>
+              <a:schemeClr val="tx2">
+                <a:alpha val="50000"/>
+              </a:schemeClr>
+            </a:solidFill>
+          </p:spPr>
+          <p:style>
+            <a:lnRef idx="2">
+              <a:schemeClr val="accent1">
+                <a:shade val="15000"/>
+              </a:schemeClr>
+            </a:lnRef>
+            <a:fillRef idx="1">
+              <a:schemeClr val="accent1"/>
+            </a:fillRef>
+            <a:effectRef idx="0">
+              <a:schemeClr val="accent1"/>
+            </a:effectRef>
+            <a:fontRef idx="minor">
+              <a:schemeClr val="lt1"/>
+            </a:fontRef>
+          </p:style>
+          <p:txBody>
+            <a:bodyPr rtlCol="0" anchor="ctr"/>
+            <a:lstStyle/>
+            <a:p>
+              <a:pPr algn="ctr"/>
+              <a:endParaRPr lang="en-US"/>
+            </a:p>
+          </p:txBody>
+        </p:sp>
+        <mc:AlternateContent xmlns:mc="http://schemas.openxmlformats.org/markup-compatibility/2006">
+          <mc:Choice xmlns:a14="http://schemas.microsoft.com/office/drawing/2010/main" Requires="a14">
+            <p:sp>
+              <p:nvSpPr>
+                <p:cNvPr id="10" name="TextBox 9">
+                  <a:extLst>
+                    <a:ext uri="{FF2B5EF4-FFF2-40B4-BE49-F238E27FC236}">
+                      <a16:creationId xmlns:a16="http://schemas.microsoft.com/office/drawing/2014/main" id="{D19FD177-E292-97F1-0B8B-BBBAE739F690}"/>
+                    </a:ext>
+                  </a:extLst>
+                </p:cNvPr>
+                <p:cNvSpPr txBox="1"/>
+                <p:nvPr/>
+              </p:nvSpPr>
+              <p:spPr>
+                <a:xfrm>
+                  <a:off x="2723377" y="735229"/>
+                  <a:ext cx="297068" cy="230832"/>
+                </a:xfrm>
+                <a:prstGeom prst="rect">
+                  <a:avLst/>
+                </a:prstGeom>
+                <a:noFill/>
+              </p:spPr>
+              <p:txBody>
+                <a:bodyPr wrap="none" rtlCol="0">
+                  <a:spAutoFit/>
+                </a:bodyPr>
+                <a:lstStyle/>
+                <a:p>
+                  <a14:m>
+                    <m:oMathPara xmlns:m="http://schemas.openxmlformats.org/officeDocument/2006/math">
+                      <m:oMathParaPr>
+                        <m:jc m:val="centerGroup"/>
+                      </m:oMathParaPr>
+                      <m:oMath xmlns:m="http://schemas.openxmlformats.org/officeDocument/2006/math">
+                        <m:r>
+                          <a:rPr lang="en-US" sz="900" b="0" i="1" smtClean="0">
+                            <a:latin typeface="Cambria Math" panose="02040503050406030204" pitchFamily="18" charset="0"/>
+                          </a:rPr>
+                          <m:t>𝐻</m:t>
+                        </m:r>
+                      </m:oMath>
+                    </m:oMathPara>
+                  </a14:m>
+                  <a:endParaRPr lang="en-US" sz="900" dirty="0"/>
+                </a:p>
+              </p:txBody>
+            </p:sp>
+          </mc:Choice>
+          <mc:Fallback>
+            <p:sp>
+              <p:nvSpPr>
+                <p:cNvPr id="10" name="TextBox 9">
+                  <a:extLst>
+                    <a:ext uri="{FF2B5EF4-FFF2-40B4-BE49-F238E27FC236}">
+                      <a16:creationId xmlns:a16="http://schemas.microsoft.com/office/drawing/2014/main" id="{D19FD177-E292-97F1-0B8B-BBBAE739F690}"/>
+                    </a:ext>
+                  </a:extLst>
+                </p:cNvPr>
+                <p:cNvSpPr txBox="1">
+                  <a:spLocks noRot="1" noChangeAspect="1" noMove="1" noResize="1" noEditPoints="1" noAdjustHandles="1" noChangeArrowheads="1" noChangeShapeType="1" noTextEdit="1"/>
+                </p:cNvSpPr>
+                <p:nvPr/>
+              </p:nvSpPr>
+              <p:spPr>
+                <a:xfrm>
+                  <a:off x="2723377" y="735229"/>
+                  <a:ext cx="297068" cy="230832"/>
+                </a:xfrm>
+                <a:prstGeom prst="rect">
+                  <a:avLst/>
+                </a:prstGeom>
+                <a:blipFill>
+                  <a:blip r:embed="rId4"/>
+                  <a:stretch>
+                    <a:fillRect/>
+                  </a:stretch>
+                </a:blipFill>
+              </p:spPr>
+              <p:txBody>
+                <a:bodyPr/>
+                <a:lstStyle/>
+                <a:p>
+                  <a:r>
+                    <a:rPr lang="en-US">
+                      <a:noFill/>
+                    </a:rPr>
+                    <a:t> </a:t>
+                  </a:r>
+                </a:p>
+              </p:txBody>
+            </p:sp>
+          </mc:Fallback>
+        </mc:AlternateContent>
+        <p:sp>
+          <p:nvSpPr>
+            <p:cNvPr id="11" name="Oval 10">
+              <a:extLst>
+                <a:ext uri="{FF2B5EF4-FFF2-40B4-BE49-F238E27FC236}">
+                  <a16:creationId xmlns:a16="http://schemas.microsoft.com/office/drawing/2014/main" id="{7ACA3388-6FB5-6CB6-C38B-EE4E4E26DC51}"/>
+                </a:ext>
+              </a:extLst>
+            </p:cNvPr>
+            <p:cNvSpPr/>
+            <p:nvPr/>
+          </p:nvSpPr>
+          <p:spPr>
+            <a:xfrm>
+              <a:off x="2723377" y="1974595"/>
+              <a:ext cx="340117" cy="370332"/>
+            </a:xfrm>
+            <a:prstGeom prst="ellipse">
+              <a:avLst/>
+            </a:prstGeom>
+            <a:solidFill>
+              <a:schemeClr val="accent1">
+                <a:alpha val="23000"/>
+              </a:schemeClr>
+            </a:solidFill>
+          </p:spPr>
+          <p:style>
+            <a:lnRef idx="2">
+              <a:schemeClr val="accent1">
+                <a:shade val="15000"/>
+              </a:schemeClr>
+            </a:lnRef>
+            <a:fillRef idx="1">
+              <a:schemeClr val="accent1"/>
+            </a:fillRef>
+            <a:effectRef idx="0">
+              <a:schemeClr val="accent1"/>
+            </a:effectRef>
+            <a:fontRef idx="minor">
+              <a:schemeClr val="lt1"/>
+            </a:fontRef>
+          </p:style>
+          <p:txBody>
+            <a:bodyPr rtlCol="0" anchor="ctr"/>
+            <a:lstStyle/>
+            <a:p>
+              <a:pPr algn="ctr"/>
+              <a:endParaRPr lang="en-US"/>
+            </a:p>
+          </p:txBody>
+        </p:sp>
+        <mc:AlternateContent xmlns:mc="http://schemas.openxmlformats.org/markup-compatibility/2006">
+          <mc:Choice xmlns:a14="http://schemas.microsoft.com/office/drawing/2010/main" Requires="a14">
+            <p:sp>
+              <p:nvSpPr>
+                <p:cNvPr id="12" name="TextBox 11">
+                  <a:extLst>
+                    <a:ext uri="{FF2B5EF4-FFF2-40B4-BE49-F238E27FC236}">
+                      <a16:creationId xmlns:a16="http://schemas.microsoft.com/office/drawing/2014/main" id="{0AE659C6-2984-261A-E691-E4069DB57EAF}"/>
+                    </a:ext>
+                  </a:extLst>
+                </p:cNvPr>
+                <p:cNvSpPr txBox="1"/>
+                <p:nvPr/>
+              </p:nvSpPr>
+              <p:spPr>
+                <a:xfrm>
+                  <a:off x="2750833" y="2044345"/>
+                  <a:ext cx="282065" cy="230832"/>
+                </a:xfrm>
+                <a:prstGeom prst="rect">
+                  <a:avLst/>
+                </a:prstGeom>
+                <a:noFill/>
+              </p:spPr>
+              <p:txBody>
+                <a:bodyPr wrap="none" rtlCol="0">
+                  <a:spAutoFit/>
+                </a:bodyPr>
+                <a:lstStyle/>
+                <a:p>
+                  <a14:m>
+                    <m:oMathPara xmlns:m="http://schemas.openxmlformats.org/officeDocument/2006/math">
+                      <m:oMathParaPr>
+                        <m:jc m:val="centerGroup"/>
+                      </m:oMathParaPr>
+                      <m:oMath xmlns:m="http://schemas.openxmlformats.org/officeDocument/2006/math">
+                        <m:r>
+                          <a:rPr lang="en-US" sz="900" b="0" i="1" smtClean="0">
+                            <a:latin typeface="Cambria Math" panose="02040503050406030204" pitchFamily="18" charset="0"/>
+                          </a:rPr>
+                          <m:t>𝑍</m:t>
+                        </m:r>
+                      </m:oMath>
+                    </m:oMathPara>
+                  </a14:m>
+                  <a:endParaRPr lang="en-US" sz="900" dirty="0"/>
+                </a:p>
+              </p:txBody>
+            </p:sp>
+          </mc:Choice>
+          <mc:Fallback>
+            <p:sp>
+              <p:nvSpPr>
+                <p:cNvPr id="12" name="TextBox 11">
+                  <a:extLst>
+                    <a:ext uri="{FF2B5EF4-FFF2-40B4-BE49-F238E27FC236}">
+                      <a16:creationId xmlns:a16="http://schemas.microsoft.com/office/drawing/2014/main" id="{0AE659C6-2984-261A-E691-E4069DB57EAF}"/>
+                    </a:ext>
+                  </a:extLst>
+                </p:cNvPr>
+                <p:cNvSpPr txBox="1">
+                  <a:spLocks noRot="1" noChangeAspect="1" noMove="1" noResize="1" noEditPoints="1" noAdjustHandles="1" noChangeArrowheads="1" noChangeShapeType="1" noTextEdit="1"/>
+                </p:cNvSpPr>
+                <p:nvPr/>
+              </p:nvSpPr>
+              <p:spPr>
+                <a:xfrm>
+                  <a:off x="2750833" y="2044345"/>
+                  <a:ext cx="282065" cy="230832"/>
+                </a:xfrm>
+                <a:prstGeom prst="rect">
+                  <a:avLst/>
+                </a:prstGeom>
+                <a:blipFill>
+                  <a:blip r:embed="rId5"/>
+                  <a:stretch>
+                    <a:fillRect/>
+                  </a:stretch>
+                </a:blipFill>
+              </p:spPr>
+              <p:txBody>
+                <a:bodyPr/>
+                <a:lstStyle/>
+                <a:p>
+                  <a:r>
+                    <a:rPr lang="en-US">
+                      <a:noFill/>
+                    </a:rPr>
+                    <a:t> </a:t>
+                  </a:r>
+                </a:p>
+              </p:txBody>
+            </p:sp>
+          </mc:Fallback>
+        </mc:AlternateContent>
+        <p:cxnSp>
+          <p:nvCxnSpPr>
+            <p:cNvPr id="15" name="Straight Arrow Connector 14">
+              <a:extLst>
+                <a:ext uri="{FF2B5EF4-FFF2-40B4-BE49-F238E27FC236}">
+                  <a16:creationId xmlns:a16="http://schemas.microsoft.com/office/drawing/2014/main" id="{B0D830D2-C81C-2BA1-A4BA-74A825F39FFA}"/>
+                </a:ext>
+              </a:extLst>
+            </p:cNvPr>
+            <p:cNvCxnSpPr>
+              <a:endCxn id="7" idx="1"/>
+            </p:cNvCxnSpPr>
+            <p:nvPr/>
+          </p:nvCxnSpPr>
+          <p:spPr>
+            <a:xfrm>
+              <a:off x="3020445" y="966061"/>
+              <a:ext cx="414133" cy="414131"/>
+            </a:xfrm>
+            <a:prstGeom prst="straightConnector1">
+              <a:avLst/>
+            </a:prstGeom>
+            <a:ln>
+              <a:tailEnd type="triangle"/>
+            </a:ln>
+          </p:spPr>
+          <p:style>
+            <a:lnRef idx="1">
+              <a:schemeClr val="accent1"/>
+            </a:lnRef>
+            <a:fillRef idx="0">
+              <a:schemeClr val="accent1"/>
+            </a:fillRef>
+            <a:effectRef idx="0">
+              <a:schemeClr val="accent1"/>
+            </a:effectRef>
+            <a:fontRef idx="minor">
+              <a:schemeClr val="tx1"/>
+            </a:fontRef>
+          </p:style>
+        </p:cxnSp>
+        <p:cxnSp>
+          <p:nvCxnSpPr>
+            <p:cNvPr id="16" name="Straight Arrow Connector 15">
+              <a:extLst>
+                <a:ext uri="{FF2B5EF4-FFF2-40B4-BE49-F238E27FC236}">
+                  <a16:creationId xmlns:a16="http://schemas.microsoft.com/office/drawing/2014/main" id="{9EE02DD0-9BA2-7231-BD33-FB97F85FF9EE}"/>
+                </a:ext>
+              </a:extLst>
+            </p:cNvPr>
+            <p:cNvCxnSpPr/>
+            <p:nvPr/>
+          </p:nvCxnSpPr>
+          <p:spPr>
+            <a:xfrm>
+              <a:off x="2356817" y="1662175"/>
+              <a:ext cx="394016" cy="382170"/>
+            </a:xfrm>
+            <a:prstGeom prst="straightConnector1">
+              <a:avLst/>
+            </a:prstGeom>
+            <a:ln>
+              <a:tailEnd type="triangle"/>
+            </a:ln>
+          </p:spPr>
+          <p:style>
+            <a:lnRef idx="1">
+              <a:schemeClr val="accent1"/>
+            </a:lnRef>
+            <a:fillRef idx="0">
+              <a:schemeClr val="accent1"/>
+            </a:fillRef>
+            <a:effectRef idx="0">
+              <a:schemeClr val="accent1"/>
+            </a:effectRef>
+            <a:fontRef idx="minor">
+              <a:schemeClr val="tx1"/>
+            </a:fontRef>
+          </p:style>
+        </p:cxnSp>
+        <p:cxnSp>
+          <p:nvCxnSpPr>
+            <p:cNvPr id="17" name="Straight Arrow Connector 16">
+              <a:extLst>
+                <a:ext uri="{FF2B5EF4-FFF2-40B4-BE49-F238E27FC236}">
+                  <a16:creationId xmlns:a16="http://schemas.microsoft.com/office/drawing/2014/main" id="{C7FF717A-0200-B1D9-0194-D320BE2A6CC2}"/>
+                </a:ext>
+              </a:extLst>
+            </p:cNvPr>
+            <p:cNvCxnSpPr>
+              <a:cxnSpLocks/>
+            </p:cNvCxnSpPr>
+            <p:nvPr/>
+          </p:nvCxnSpPr>
+          <p:spPr>
+            <a:xfrm flipH="1">
+              <a:off x="3036038" y="1642056"/>
+              <a:ext cx="392276" cy="402289"/>
+            </a:xfrm>
+            <a:prstGeom prst="straightConnector1">
+              <a:avLst/>
+            </a:prstGeom>
+            <a:ln>
+              <a:tailEnd type="triangle"/>
+            </a:ln>
+          </p:spPr>
+          <p:style>
+            <a:lnRef idx="1">
+              <a:schemeClr val="accent1"/>
+            </a:lnRef>
+            <a:fillRef idx="0">
+              <a:schemeClr val="accent1"/>
+            </a:fillRef>
+            <a:effectRef idx="0">
+              <a:schemeClr val="accent1"/>
+            </a:effectRef>
+            <a:fontRef idx="minor">
+              <a:schemeClr val="tx1"/>
+            </a:fontRef>
+          </p:style>
+        </p:cxnSp>
+        <p:cxnSp>
+          <p:nvCxnSpPr>
+            <p:cNvPr id="18" name="Straight Arrow Connector 17">
+              <a:extLst>
+                <a:ext uri="{FF2B5EF4-FFF2-40B4-BE49-F238E27FC236}">
+                  <a16:creationId xmlns:a16="http://schemas.microsoft.com/office/drawing/2014/main" id="{98AEDCF9-F295-9D54-25FF-57A538ABAABB}"/>
+                </a:ext>
+              </a:extLst>
+            </p:cNvPr>
+            <p:cNvCxnSpPr>
+              <a:cxnSpLocks/>
+            </p:cNvCxnSpPr>
+            <p:nvPr/>
+          </p:nvCxnSpPr>
+          <p:spPr>
+            <a:xfrm flipH="1">
+              <a:off x="2347924" y="984958"/>
+              <a:ext cx="392276" cy="402289"/>
+            </a:xfrm>
+            <a:prstGeom prst="straightConnector1">
+              <a:avLst/>
+            </a:prstGeom>
+            <a:ln>
+              <a:tailEnd type="triangle"/>
+            </a:ln>
+          </p:spPr>
+          <p:style>
+            <a:lnRef idx="1">
+              <a:schemeClr val="accent1"/>
+            </a:lnRef>
+            <a:fillRef idx="0">
+              <a:schemeClr val="accent1"/>
+            </a:fillRef>
+            <a:effectRef idx="0">
+              <a:schemeClr val="accent1"/>
+            </a:effectRef>
+            <a:fontRef idx="minor">
+              <a:schemeClr val="tx1"/>
+            </a:fontRef>
+          </p:style>
+        </p:cxnSp>
+      </p:grpSp>
+      <p:grpSp>
+        <p:nvGrpSpPr>
+          <p:cNvPr id="38" name="Group 37">
+            <a:extLst>
+              <a:ext uri="{FF2B5EF4-FFF2-40B4-BE49-F238E27FC236}">
+                <a16:creationId xmlns:a16="http://schemas.microsoft.com/office/drawing/2014/main" id="{15C2337D-4944-7E97-1FA7-0B77BDDEE963}"/>
+              </a:ext>
+            </a:extLst>
+          </p:cNvPr>
+          <p:cNvGrpSpPr/>
+          <p:nvPr/>
+        </p:nvGrpSpPr>
+        <p:grpSpPr>
+          <a:xfrm>
+            <a:off x="4437623" y="1325958"/>
+            <a:ext cx="1658377" cy="1105419"/>
+            <a:chOff x="4437623" y="1325958"/>
+            <a:chExt cx="1658377" cy="1105419"/>
+          </a:xfrm>
+        </p:grpSpPr>
+        <p:sp>
+          <p:nvSpPr>
+            <p:cNvPr id="22" name="Oval 21">
+              <a:extLst>
+                <a:ext uri="{FF2B5EF4-FFF2-40B4-BE49-F238E27FC236}">
+                  <a16:creationId xmlns:a16="http://schemas.microsoft.com/office/drawing/2014/main" id="{8306AB2D-FB41-B1B2-90EE-8181C4E5EB62}"/>
+                </a:ext>
+              </a:extLst>
+            </p:cNvPr>
+            <p:cNvSpPr/>
+            <p:nvPr/>
+          </p:nvSpPr>
+          <p:spPr>
+            <a:xfrm>
+              <a:off x="4437623" y="1332053"/>
+              <a:ext cx="340117" cy="370332"/>
+            </a:xfrm>
+            <a:prstGeom prst="ellipse">
+              <a:avLst/>
+            </a:prstGeom>
+            <a:solidFill>
+              <a:schemeClr val="accent1">
+                <a:alpha val="23000"/>
+              </a:schemeClr>
+            </a:solidFill>
+          </p:spPr>
+          <p:style>
+            <a:lnRef idx="2">
+              <a:schemeClr val="accent1">
+                <a:shade val="15000"/>
+              </a:schemeClr>
+            </a:lnRef>
+            <a:fillRef idx="1">
+              <a:schemeClr val="accent1"/>
+            </a:fillRef>
+            <a:effectRef idx="0">
+              <a:schemeClr val="accent1"/>
+            </a:effectRef>
+            <a:fontRef idx="minor">
+              <a:schemeClr val="lt1"/>
+            </a:fontRef>
+          </p:style>
+          <p:txBody>
+            <a:bodyPr rtlCol="0" anchor="ctr"/>
+            <a:lstStyle/>
+            <a:p>
+              <a:pPr algn="ctr"/>
+              <a:endParaRPr lang="en-US"/>
+            </a:p>
+          </p:txBody>
+        </p:sp>
+        <mc:AlternateContent xmlns:mc="http://schemas.openxmlformats.org/markup-compatibility/2006">
+          <mc:Choice xmlns:a14="http://schemas.microsoft.com/office/drawing/2010/main" Requires="a14">
+            <p:sp>
+              <p:nvSpPr>
+                <p:cNvPr id="23" name="TextBox 22">
+                  <a:extLst>
+                    <a:ext uri="{FF2B5EF4-FFF2-40B4-BE49-F238E27FC236}">
+                      <a16:creationId xmlns:a16="http://schemas.microsoft.com/office/drawing/2014/main" id="{C744844F-EA8F-33DC-250A-308BBC12013E}"/>
+                    </a:ext>
+                  </a:extLst>
+                </p:cNvPr>
+                <p:cNvSpPr txBox="1"/>
+                <p:nvPr/>
+              </p:nvSpPr>
+              <p:spPr>
+                <a:xfrm>
+                  <a:off x="4465079" y="1401803"/>
+                  <a:ext cx="285335" cy="230832"/>
+                </a:xfrm>
+                <a:prstGeom prst="rect">
+                  <a:avLst/>
+                </a:prstGeom>
+                <a:noFill/>
+              </p:spPr>
+              <p:txBody>
+                <a:bodyPr wrap="none" rtlCol="0">
+                  <a:spAutoFit/>
+                </a:bodyPr>
+                <a:lstStyle/>
+                <a:p>
+                  <a14:m>
+                    <m:oMathPara xmlns:m="http://schemas.openxmlformats.org/officeDocument/2006/math">
+                      <m:oMathParaPr>
+                        <m:jc m:val="centerGroup"/>
+                      </m:oMathParaPr>
+                      <m:oMath xmlns:m="http://schemas.openxmlformats.org/officeDocument/2006/math">
+                        <m:r>
+                          <a:rPr lang="en-US" sz="900" b="0" i="1" smtClean="0">
+                            <a:latin typeface="Cambria Math" panose="02040503050406030204" pitchFamily="18" charset="0"/>
+                          </a:rPr>
+                          <m:t>𝐹</m:t>
+                        </m:r>
+                      </m:oMath>
+                    </m:oMathPara>
+                  </a14:m>
+                  <a:endParaRPr lang="en-US" sz="900" dirty="0"/>
+                </a:p>
+              </p:txBody>
+            </p:sp>
+          </mc:Choice>
+          <mc:Fallback>
+            <p:sp>
+              <p:nvSpPr>
+                <p:cNvPr id="23" name="TextBox 22">
+                  <a:extLst>
+                    <a:ext uri="{FF2B5EF4-FFF2-40B4-BE49-F238E27FC236}">
+                      <a16:creationId xmlns:a16="http://schemas.microsoft.com/office/drawing/2014/main" id="{C744844F-EA8F-33DC-250A-308BBC12013E}"/>
+                    </a:ext>
+                  </a:extLst>
+                </p:cNvPr>
+                <p:cNvSpPr txBox="1">
+                  <a:spLocks noRot="1" noChangeAspect="1" noMove="1" noResize="1" noEditPoints="1" noAdjustHandles="1" noChangeArrowheads="1" noChangeShapeType="1" noTextEdit="1"/>
+                </p:cNvSpPr>
+                <p:nvPr/>
+              </p:nvSpPr>
+              <p:spPr>
+                <a:xfrm>
+                  <a:off x="4465079" y="1401803"/>
+                  <a:ext cx="285335" cy="230832"/>
+                </a:xfrm>
+                <a:prstGeom prst="rect">
+                  <a:avLst/>
+                </a:prstGeom>
+                <a:blipFill>
+                  <a:blip r:embed="rId6"/>
+                  <a:stretch>
+                    <a:fillRect/>
+                  </a:stretch>
+                </a:blipFill>
+              </p:spPr>
+              <p:txBody>
+                <a:bodyPr/>
+                <a:lstStyle/>
+                <a:p>
+                  <a:r>
+                    <a:rPr lang="en-US">
+                      <a:noFill/>
+                    </a:rPr>
+                    <a:t> </a:t>
+                  </a:r>
+                </a:p>
+              </p:txBody>
+            </p:sp>
+          </mc:Fallback>
+        </mc:AlternateContent>
+        <p:sp>
+          <p:nvSpPr>
+            <p:cNvPr id="24" name="Oval 23">
+              <a:extLst>
+                <a:ext uri="{FF2B5EF4-FFF2-40B4-BE49-F238E27FC236}">
+                  <a16:creationId xmlns:a16="http://schemas.microsoft.com/office/drawing/2014/main" id="{A8E202C6-E3B6-5278-E5F8-7A2B1C53F152}"/>
+                </a:ext>
+              </a:extLst>
+            </p:cNvPr>
+            <p:cNvSpPr/>
+            <p:nvPr/>
+          </p:nvSpPr>
+          <p:spPr>
+            <a:xfrm>
+              <a:off x="5755883" y="1325958"/>
+              <a:ext cx="340117" cy="370332"/>
+            </a:xfrm>
+            <a:prstGeom prst="ellipse">
+              <a:avLst/>
+            </a:prstGeom>
+            <a:solidFill>
+              <a:schemeClr val="accent1">
+                <a:alpha val="23000"/>
+              </a:schemeClr>
+            </a:solidFill>
+          </p:spPr>
+          <p:style>
+            <a:lnRef idx="2">
+              <a:schemeClr val="accent1">
+                <a:shade val="15000"/>
+              </a:schemeClr>
+            </a:lnRef>
+            <a:fillRef idx="1">
+              <a:schemeClr val="accent1"/>
+            </a:fillRef>
+            <a:effectRef idx="0">
+              <a:schemeClr val="accent1"/>
+            </a:effectRef>
+            <a:fontRef idx="minor">
+              <a:schemeClr val="lt1"/>
+            </a:fontRef>
+          </p:style>
+          <p:txBody>
+            <a:bodyPr rtlCol="0" anchor="ctr"/>
+            <a:lstStyle/>
+            <a:p>
+              <a:pPr algn="ctr"/>
+              <a:endParaRPr lang="en-US"/>
+            </a:p>
+          </p:txBody>
+        </p:sp>
+        <mc:AlternateContent xmlns:mc="http://schemas.openxmlformats.org/markup-compatibility/2006">
+          <mc:Choice xmlns:a14="http://schemas.microsoft.com/office/drawing/2010/main" Requires="a14">
+            <p:sp>
+              <p:nvSpPr>
+                <p:cNvPr id="25" name="TextBox 24">
+                  <a:extLst>
+                    <a:ext uri="{FF2B5EF4-FFF2-40B4-BE49-F238E27FC236}">
+                      <a16:creationId xmlns:a16="http://schemas.microsoft.com/office/drawing/2014/main" id="{36AB1036-D1E5-6955-C0D2-A10085BBA93A}"/>
+                    </a:ext>
+                  </a:extLst>
+                </p:cNvPr>
+                <p:cNvSpPr txBox="1"/>
+                <p:nvPr/>
+              </p:nvSpPr>
+              <p:spPr>
+                <a:xfrm>
+                  <a:off x="5783339" y="1395708"/>
+                  <a:ext cx="287515" cy="230832"/>
+                </a:xfrm>
+                <a:prstGeom prst="rect">
+                  <a:avLst/>
+                </a:prstGeom>
+                <a:noFill/>
+              </p:spPr>
+              <p:txBody>
+                <a:bodyPr wrap="none" rtlCol="0">
+                  <a:spAutoFit/>
+                </a:bodyPr>
+                <a:lstStyle/>
+                <a:p>
+                  <a14:m>
+                    <m:oMathPara xmlns:m="http://schemas.openxmlformats.org/officeDocument/2006/math">
+                      <m:oMathParaPr>
+                        <m:jc m:val="centerGroup"/>
+                      </m:oMathParaPr>
+                      <m:oMath xmlns:m="http://schemas.openxmlformats.org/officeDocument/2006/math">
+                        <m:r>
+                          <a:rPr lang="en-US" sz="900" b="0" i="1" smtClean="0">
+                            <a:latin typeface="Cambria Math" panose="02040503050406030204" pitchFamily="18" charset="0"/>
+                          </a:rPr>
+                          <m:t>𝐺</m:t>
+                        </m:r>
+                      </m:oMath>
+                    </m:oMathPara>
+                  </a14:m>
+                  <a:endParaRPr lang="en-US" sz="900" dirty="0"/>
+                </a:p>
+              </p:txBody>
+            </p:sp>
+          </mc:Choice>
+          <mc:Fallback>
+            <p:sp>
+              <p:nvSpPr>
+                <p:cNvPr id="25" name="TextBox 24">
+                  <a:extLst>
+                    <a:ext uri="{FF2B5EF4-FFF2-40B4-BE49-F238E27FC236}">
+                      <a16:creationId xmlns:a16="http://schemas.microsoft.com/office/drawing/2014/main" id="{36AB1036-D1E5-6955-C0D2-A10085BBA93A}"/>
+                    </a:ext>
+                  </a:extLst>
+                </p:cNvPr>
+                <p:cNvSpPr txBox="1">
+                  <a:spLocks noRot="1" noChangeAspect="1" noMove="1" noResize="1" noEditPoints="1" noAdjustHandles="1" noChangeArrowheads="1" noChangeShapeType="1" noTextEdit="1"/>
+                </p:cNvSpPr>
+                <p:nvPr/>
+              </p:nvSpPr>
+              <p:spPr>
+                <a:xfrm>
+                  <a:off x="5783339" y="1395708"/>
+                  <a:ext cx="287515" cy="230832"/>
+                </a:xfrm>
+                <a:prstGeom prst="rect">
+                  <a:avLst/>
+                </a:prstGeom>
+                <a:blipFill>
+                  <a:blip r:embed="rId7"/>
+                  <a:stretch>
+                    <a:fillRect/>
+                  </a:stretch>
+                </a:blipFill>
+              </p:spPr>
+              <p:txBody>
+                <a:bodyPr/>
+                <a:lstStyle/>
+                <a:p>
+                  <a:r>
+                    <a:rPr lang="en-US">
+                      <a:noFill/>
+                    </a:rPr>
+                    <a:t> </a:t>
+                  </a:r>
+                </a:p>
+              </p:txBody>
+            </p:sp>
+          </mc:Fallback>
+        </mc:AlternateContent>
+        <p:sp>
+          <p:nvSpPr>
+            <p:cNvPr id="28" name="Oval 27">
+              <a:extLst>
+                <a:ext uri="{FF2B5EF4-FFF2-40B4-BE49-F238E27FC236}">
+                  <a16:creationId xmlns:a16="http://schemas.microsoft.com/office/drawing/2014/main" id="{F2E909E7-0199-3064-AFE8-866E42B4487C}"/>
+                </a:ext>
+              </a:extLst>
+            </p:cNvPr>
+            <p:cNvSpPr/>
+            <p:nvPr/>
+          </p:nvSpPr>
+          <p:spPr>
+            <a:xfrm>
+              <a:off x="5094491" y="1974595"/>
+              <a:ext cx="340117" cy="370332"/>
+            </a:xfrm>
+            <a:prstGeom prst="ellipse">
+              <a:avLst/>
+            </a:prstGeom>
+            <a:solidFill>
+              <a:schemeClr val="accent1">
+                <a:alpha val="23000"/>
+              </a:schemeClr>
+            </a:solidFill>
+          </p:spPr>
+          <p:style>
+            <a:lnRef idx="2">
+              <a:schemeClr val="accent1">
+                <a:shade val="15000"/>
+              </a:schemeClr>
+            </a:lnRef>
+            <a:fillRef idx="1">
+              <a:schemeClr val="accent1"/>
+            </a:fillRef>
+            <a:effectRef idx="0">
+              <a:schemeClr val="accent1"/>
+            </a:effectRef>
+            <a:fontRef idx="minor">
+              <a:schemeClr val="lt1"/>
+            </a:fontRef>
+          </p:style>
+          <p:txBody>
+            <a:bodyPr rtlCol="0" anchor="ctr"/>
+            <a:lstStyle/>
+            <a:p>
+              <a:pPr algn="ctr"/>
+              <a:endParaRPr lang="en-US"/>
+            </a:p>
+          </p:txBody>
+        </p:sp>
+        <mc:AlternateContent xmlns:mc="http://schemas.openxmlformats.org/markup-compatibility/2006">
+          <mc:Choice xmlns:a14="http://schemas.microsoft.com/office/drawing/2010/main" Requires="a14">
+            <p:sp>
+              <p:nvSpPr>
+                <p:cNvPr id="29" name="TextBox 28">
+                  <a:extLst>
+                    <a:ext uri="{FF2B5EF4-FFF2-40B4-BE49-F238E27FC236}">
+                      <a16:creationId xmlns:a16="http://schemas.microsoft.com/office/drawing/2014/main" id="{1F6A1AC9-A6EB-73C0-A404-91C90D810C37}"/>
+                    </a:ext>
+                  </a:extLst>
+                </p:cNvPr>
+                <p:cNvSpPr txBox="1"/>
+                <p:nvPr/>
+              </p:nvSpPr>
+              <p:spPr>
+                <a:xfrm>
+                  <a:off x="5121947" y="2044345"/>
+                  <a:ext cx="282065" cy="230832"/>
+                </a:xfrm>
+                <a:prstGeom prst="rect">
+                  <a:avLst/>
+                </a:prstGeom>
+                <a:noFill/>
+              </p:spPr>
+              <p:txBody>
+                <a:bodyPr wrap="none" rtlCol="0">
+                  <a:spAutoFit/>
+                </a:bodyPr>
+                <a:lstStyle/>
+                <a:p>
+                  <a14:m>
+                    <m:oMathPara xmlns:m="http://schemas.openxmlformats.org/officeDocument/2006/math">
+                      <m:oMathParaPr>
+                        <m:jc m:val="centerGroup"/>
+                      </m:oMathParaPr>
+                      <m:oMath xmlns:m="http://schemas.openxmlformats.org/officeDocument/2006/math">
+                        <m:r>
+                          <a:rPr lang="en-US" sz="900" b="0" i="1" smtClean="0">
+                            <a:latin typeface="Cambria Math" panose="02040503050406030204" pitchFamily="18" charset="0"/>
+                          </a:rPr>
+                          <m:t>𝑌</m:t>
+                        </m:r>
+                      </m:oMath>
+                    </m:oMathPara>
+                  </a14:m>
+                  <a:endParaRPr lang="en-US" sz="900" dirty="0"/>
+                </a:p>
+              </p:txBody>
+            </p:sp>
+          </mc:Choice>
+          <mc:Fallback>
+            <p:sp>
+              <p:nvSpPr>
+                <p:cNvPr id="29" name="TextBox 28">
+                  <a:extLst>
+                    <a:ext uri="{FF2B5EF4-FFF2-40B4-BE49-F238E27FC236}">
+                      <a16:creationId xmlns:a16="http://schemas.microsoft.com/office/drawing/2014/main" id="{1F6A1AC9-A6EB-73C0-A404-91C90D810C37}"/>
+                    </a:ext>
+                  </a:extLst>
+                </p:cNvPr>
+                <p:cNvSpPr txBox="1">
+                  <a:spLocks noRot="1" noChangeAspect="1" noMove="1" noResize="1" noEditPoints="1" noAdjustHandles="1" noChangeArrowheads="1" noChangeShapeType="1" noTextEdit="1"/>
+                </p:cNvSpPr>
+                <p:nvPr/>
+              </p:nvSpPr>
+              <p:spPr>
+                <a:xfrm>
+                  <a:off x="5121947" y="2044345"/>
+                  <a:ext cx="282065" cy="230832"/>
+                </a:xfrm>
+                <a:prstGeom prst="rect">
+                  <a:avLst/>
+                </a:prstGeom>
+                <a:blipFill>
+                  <a:blip r:embed="rId8"/>
+                  <a:stretch>
+                    <a:fillRect/>
+                  </a:stretch>
+                </a:blipFill>
+              </p:spPr>
+              <p:txBody>
+                <a:bodyPr/>
+                <a:lstStyle/>
+                <a:p>
+                  <a:r>
+                    <a:rPr lang="en-US">
+                      <a:noFill/>
+                    </a:rPr>
+                    <a:t> </a:t>
+                  </a:r>
+                </a:p>
+              </p:txBody>
+            </p:sp>
+          </mc:Fallback>
+        </mc:AlternateContent>
+        <p:cxnSp>
+          <p:nvCxnSpPr>
+            <p:cNvPr id="31" name="Straight Arrow Connector 30">
+              <a:extLst>
+                <a:ext uri="{FF2B5EF4-FFF2-40B4-BE49-F238E27FC236}">
+                  <a16:creationId xmlns:a16="http://schemas.microsoft.com/office/drawing/2014/main" id="{490E1DDA-06AC-EEBE-DDDB-3457E9EC6320}"/>
+                </a:ext>
+              </a:extLst>
+            </p:cNvPr>
+            <p:cNvCxnSpPr/>
+            <p:nvPr/>
+          </p:nvCxnSpPr>
+          <p:spPr>
+            <a:xfrm>
+              <a:off x="4727931" y="1662175"/>
+              <a:ext cx="394016" cy="382170"/>
+            </a:xfrm>
+            <a:prstGeom prst="straightConnector1">
+              <a:avLst/>
+            </a:prstGeom>
+            <a:ln>
+              <a:tailEnd type="triangle"/>
+            </a:ln>
+          </p:spPr>
+          <p:style>
+            <a:lnRef idx="1">
+              <a:schemeClr val="accent1"/>
+            </a:lnRef>
+            <a:fillRef idx="0">
+              <a:schemeClr val="accent1"/>
+            </a:fillRef>
+            <a:effectRef idx="0">
+              <a:schemeClr val="accent1"/>
+            </a:effectRef>
+            <a:fontRef idx="minor">
+              <a:schemeClr val="tx1"/>
+            </a:fontRef>
+          </p:style>
+        </p:cxnSp>
+        <p:cxnSp>
+          <p:nvCxnSpPr>
+            <p:cNvPr id="32" name="Straight Arrow Connector 31">
+              <a:extLst>
+                <a:ext uri="{FF2B5EF4-FFF2-40B4-BE49-F238E27FC236}">
+                  <a16:creationId xmlns:a16="http://schemas.microsoft.com/office/drawing/2014/main" id="{91718B94-CC8D-C963-F98A-FDD615985A71}"/>
+                </a:ext>
+              </a:extLst>
+            </p:cNvPr>
+            <p:cNvCxnSpPr>
+              <a:cxnSpLocks/>
+            </p:cNvCxnSpPr>
+            <p:nvPr/>
+          </p:nvCxnSpPr>
+          <p:spPr>
+            <a:xfrm flipH="1">
+              <a:off x="5407152" y="1642056"/>
+              <a:ext cx="392276" cy="402289"/>
+            </a:xfrm>
+            <a:prstGeom prst="straightConnector1">
+              <a:avLst/>
+            </a:prstGeom>
+            <a:ln>
+              <a:tailEnd type="triangle"/>
+            </a:ln>
+          </p:spPr>
+          <p:style>
+            <a:lnRef idx="1">
+              <a:schemeClr val="accent1"/>
+            </a:lnRef>
+            <a:fillRef idx="0">
+              <a:schemeClr val="accent1"/>
+            </a:fillRef>
+            <a:effectRef idx="0">
+              <a:schemeClr val="accent1"/>
+            </a:effectRef>
+            <a:fontRef idx="minor">
+              <a:schemeClr val="tx1"/>
+            </a:fontRef>
+          </p:style>
+        </p:cxnSp>
+        <p:cxnSp>
+          <p:nvCxnSpPr>
+            <p:cNvPr id="35" name="Straight Connector 34">
+              <a:extLst>
+                <a:ext uri="{FF2B5EF4-FFF2-40B4-BE49-F238E27FC236}">
+                  <a16:creationId xmlns:a16="http://schemas.microsoft.com/office/drawing/2014/main" id="{FB8C7132-4AB6-0687-5782-45CC8B3E488E}"/>
+                </a:ext>
+              </a:extLst>
+            </p:cNvPr>
+            <p:cNvCxnSpPr/>
+            <p:nvPr/>
+          </p:nvCxnSpPr>
+          <p:spPr>
+            <a:xfrm>
+              <a:off x="5121947" y="1853260"/>
+              <a:ext cx="282065" cy="578117"/>
+            </a:xfrm>
+            <a:prstGeom prst="line">
+              <a:avLst/>
+            </a:prstGeom>
+            <a:ln>
+              <a:solidFill>
+                <a:schemeClr val="tx1"/>
+              </a:solidFill>
+            </a:ln>
+          </p:spPr>
+          <p:style>
+            <a:lnRef idx="1">
+              <a:schemeClr val="accent1"/>
+            </a:lnRef>
+            <a:fillRef idx="0">
+              <a:schemeClr val="accent1"/>
+            </a:fillRef>
+            <a:effectRef idx="0">
+              <a:schemeClr val="accent1"/>
+            </a:effectRef>
+            <a:fontRef idx="minor">
+              <a:schemeClr val="tx1"/>
+            </a:fontRef>
+          </p:style>
+        </p:cxnSp>
+        <p:cxnSp>
+          <p:nvCxnSpPr>
+            <p:cNvPr id="37" name="Straight Connector 36">
+              <a:extLst>
+                <a:ext uri="{FF2B5EF4-FFF2-40B4-BE49-F238E27FC236}">
+                  <a16:creationId xmlns:a16="http://schemas.microsoft.com/office/drawing/2014/main" id="{D0B8D372-6CB9-A7A0-A39F-E7915245EEC7}"/>
+                </a:ext>
+              </a:extLst>
+            </p:cNvPr>
+            <p:cNvCxnSpPr/>
+            <p:nvPr/>
+          </p:nvCxnSpPr>
+          <p:spPr>
+            <a:xfrm flipH="1">
+              <a:off x="5082840" y="1870703"/>
+              <a:ext cx="359021" cy="503764"/>
+            </a:xfrm>
+            <a:prstGeom prst="line">
+              <a:avLst/>
+            </a:prstGeom>
+            <a:ln>
+              <a:solidFill>
+                <a:schemeClr val="tx1"/>
+              </a:solidFill>
+            </a:ln>
+          </p:spPr>
+          <p:style>
+            <a:lnRef idx="1">
+              <a:schemeClr val="accent1"/>
+            </a:lnRef>
+            <a:fillRef idx="0">
+              <a:schemeClr val="accent1"/>
+            </a:fillRef>
+            <a:effectRef idx="0">
+              <a:schemeClr val="accent1"/>
+            </a:effectRef>
+            <a:fontRef idx="minor">
+              <a:schemeClr val="tx1"/>
+            </a:fontRef>
+          </p:style>
+        </p:cxnSp>
+      </p:grpSp>
+      <p:grpSp>
+        <p:nvGrpSpPr>
+          <p:cNvPr id="60" name="Group 59">
+            <a:extLst>
+              <a:ext uri="{FF2B5EF4-FFF2-40B4-BE49-F238E27FC236}">
+                <a16:creationId xmlns:a16="http://schemas.microsoft.com/office/drawing/2014/main" id="{F413B27E-CB13-ED71-DA38-6111D406FB29}"/>
+              </a:ext>
+            </a:extLst>
+          </p:cNvPr>
+          <p:cNvGrpSpPr/>
+          <p:nvPr/>
+        </p:nvGrpSpPr>
+        <p:grpSpPr>
+          <a:xfrm>
+            <a:off x="6024799" y="5554333"/>
+            <a:ext cx="1985039" cy="374013"/>
+            <a:chOff x="6024799" y="5554333"/>
+            <a:chExt cx="1985039" cy="374013"/>
+          </a:xfrm>
+        </p:grpSpPr>
+        <p:sp>
+          <p:nvSpPr>
+            <p:cNvPr id="40" name="Oval 39">
+              <a:extLst>
+                <a:ext uri="{FF2B5EF4-FFF2-40B4-BE49-F238E27FC236}">
+                  <a16:creationId xmlns:a16="http://schemas.microsoft.com/office/drawing/2014/main" id="{C9D79232-7529-E2F0-2D69-648FAA0A4C10}"/>
+                </a:ext>
+              </a:extLst>
+            </p:cNvPr>
+            <p:cNvSpPr/>
+            <p:nvPr/>
+          </p:nvSpPr>
+          <p:spPr>
+            <a:xfrm>
+              <a:off x="6024799" y="5554333"/>
+              <a:ext cx="340117" cy="370332"/>
+            </a:xfrm>
+            <a:prstGeom prst="ellipse">
+              <a:avLst/>
+            </a:prstGeom>
+            <a:solidFill>
+              <a:schemeClr val="accent1">
+                <a:alpha val="23000"/>
+              </a:schemeClr>
+            </a:solidFill>
+          </p:spPr>
+          <p:style>
+            <a:lnRef idx="2">
+              <a:schemeClr val="accent1">
+                <a:shade val="15000"/>
+              </a:schemeClr>
+            </a:lnRef>
+            <a:fillRef idx="1">
+              <a:schemeClr val="accent1"/>
+            </a:fillRef>
+            <a:effectRef idx="0">
+              <a:schemeClr val="accent1"/>
+            </a:effectRef>
+            <a:fontRef idx="minor">
+              <a:schemeClr val="lt1"/>
+            </a:fontRef>
+          </p:style>
+          <p:txBody>
+            <a:bodyPr rtlCol="0" anchor="ctr"/>
+            <a:lstStyle/>
+            <a:p>
+              <a:pPr algn="ctr"/>
+              <a:endParaRPr lang="en-US"/>
+            </a:p>
+          </p:txBody>
+        </p:sp>
+        <mc:AlternateContent xmlns:mc="http://schemas.openxmlformats.org/markup-compatibility/2006">
+          <mc:Choice xmlns:a14="http://schemas.microsoft.com/office/drawing/2010/main" Requires="a14">
+            <p:sp>
+              <p:nvSpPr>
+                <p:cNvPr id="41" name="TextBox 40">
+                  <a:extLst>
+                    <a:ext uri="{FF2B5EF4-FFF2-40B4-BE49-F238E27FC236}">
+                      <a16:creationId xmlns:a16="http://schemas.microsoft.com/office/drawing/2014/main" id="{95B1C9CB-82CF-5B33-04EA-7BB71DC09563}"/>
+                    </a:ext>
+                  </a:extLst>
+                </p:cNvPr>
+                <p:cNvSpPr txBox="1"/>
+                <p:nvPr/>
+              </p:nvSpPr>
+              <p:spPr>
+                <a:xfrm>
+                  <a:off x="6061020" y="5624764"/>
+                  <a:ext cx="285335" cy="230832"/>
+                </a:xfrm>
+                <a:prstGeom prst="rect">
+                  <a:avLst/>
+                </a:prstGeom>
+                <a:noFill/>
+              </p:spPr>
+              <p:txBody>
+                <a:bodyPr wrap="none" rtlCol="0">
+                  <a:spAutoFit/>
+                </a:bodyPr>
+                <a:lstStyle/>
+                <a:p>
+                  <a14:m>
+                    <m:oMathPara xmlns:m="http://schemas.openxmlformats.org/officeDocument/2006/math">
+                      <m:oMathParaPr>
+                        <m:jc m:val="centerGroup"/>
+                      </m:oMathParaPr>
+                      <m:oMath xmlns:m="http://schemas.openxmlformats.org/officeDocument/2006/math">
+                        <m:r>
+                          <a:rPr lang="en-US" sz="900" b="0" i="1" smtClean="0">
+                            <a:latin typeface="Cambria Math" panose="02040503050406030204" pitchFamily="18" charset="0"/>
+                          </a:rPr>
+                          <m:t>𝐹</m:t>
+                        </m:r>
+                      </m:oMath>
+                    </m:oMathPara>
+                  </a14:m>
+                  <a:endParaRPr lang="en-US" sz="900" dirty="0"/>
+                </a:p>
+              </p:txBody>
+            </p:sp>
+          </mc:Choice>
+          <mc:Fallback>
+            <p:sp>
+              <p:nvSpPr>
+                <p:cNvPr id="41" name="TextBox 40">
+                  <a:extLst>
+                    <a:ext uri="{FF2B5EF4-FFF2-40B4-BE49-F238E27FC236}">
+                      <a16:creationId xmlns:a16="http://schemas.microsoft.com/office/drawing/2014/main" id="{95B1C9CB-82CF-5B33-04EA-7BB71DC09563}"/>
+                    </a:ext>
+                  </a:extLst>
+                </p:cNvPr>
+                <p:cNvSpPr txBox="1">
+                  <a:spLocks noRot="1" noChangeAspect="1" noMove="1" noResize="1" noEditPoints="1" noAdjustHandles="1" noChangeArrowheads="1" noChangeShapeType="1" noTextEdit="1"/>
+                </p:cNvSpPr>
+                <p:nvPr/>
+              </p:nvSpPr>
+              <p:spPr>
+                <a:xfrm>
+                  <a:off x="6061020" y="5624764"/>
+                  <a:ext cx="285335" cy="230832"/>
+                </a:xfrm>
+                <a:prstGeom prst="rect">
+                  <a:avLst/>
+                </a:prstGeom>
+                <a:blipFill>
+                  <a:blip r:embed="rId9"/>
+                  <a:stretch>
+                    <a:fillRect/>
+                  </a:stretch>
+                </a:blipFill>
+              </p:spPr>
+              <p:txBody>
+                <a:bodyPr/>
+                <a:lstStyle/>
+                <a:p>
+                  <a:r>
+                    <a:rPr lang="en-US">
+                      <a:noFill/>
+                    </a:rPr>
+                    <a:t> </a:t>
+                  </a:r>
+                </a:p>
+              </p:txBody>
+            </p:sp>
+          </mc:Fallback>
+        </mc:AlternateContent>
+        <p:sp>
+          <p:nvSpPr>
+            <p:cNvPr id="42" name="Oval 41">
+              <a:extLst>
+                <a:ext uri="{FF2B5EF4-FFF2-40B4-BE49-F238E27FC236}">
+                  <a16:creationId xmlns:a16="http://schemas.microsoft.com/office/drawing/2014/main" id="{697528E3-D731-3949-EAC2-D7DFA541905C}"/>
+                </a:ext>
+              </a:extLst>
+            </p:cNvPr>
+            <p:cNvSpPr/>
+            <p:nvPr/>
+          </p:nvSpPr>
+          <p:spPr>
+            <a:xfrm>
+              <a:off x="6847260" y="5558014"/>
+              <a:ext cx="340117" cy="370332"/>
+            </a:xfrm>
+            <a:prstGeom prst="ellipse">
+              <a:avLst/>
+            </a:prstGeom>
+            <a:solidFill>
+              <a:schemeClr val="accent1">
+                <a:alpha val="23000"/>
+              </a:schemeClr>
+            </a:solidFill>
+          </p:spPr>
+          <p:style>
+            <a:lnRef idx="2">
+              <a:schemeClr val="accent1">
+                <a:shade val="15000"/>
+              </a:schemeClr>
+            </a:lnRef>
+            <a:fillRef idx="1">
+              <a:schemeClr val="accent1"/>
+            </a:fillRef>
+            <a:effectRef idx="0">
+              <a:schemeClr val="accent1"/>
+            </a:effectRef>
+            <a:fontRef idx="minor">
+              <a:schemeClr val="lt1"/>
+            </a:fontRef>
+          </p:style>
+          <p:txBody>
+            <a:bodyPr rtlCol="0" anchor="ctr"/>
+            <a:lstStyle/>
+            <a:p>
+              <a:pPr algn="ctr"/>
+              <a:endParaRPr lang="en-US"/>
+            </a:p>
+          </p:txBody>
+        </p:sp>
+        <mc:AlternateContent xmlns:mc="http://schemas.openxmlformats.org/markup-compatibility/2006">
+          <mc:Choice xmlns:a14="http://schemas.microsoft.com/office/drawing/2010/main" Requires="a14">
+            <p:sp>
+              <p:nvSpPr>
+                <p:cNvPr id="43" name="TextBox 42">
+                  <a:extLst>
+                    <a:ext uri="{FF2B5EF4-FFF2-40B4-BE49-F238E27FC236}">
+                      <a16:creationId xmlns:a16="http://schemas.microsoft.com/office/drawing/2014/main" id="{BA61C28F-2BF1-8EBD-CE2E-25C375944A0D}"/>
+                    </a:ext>
+                  </a:extLst>
+                </p:cNvPr>
+                <p:cNvSpPr txBox="1"/>
+                <p:nvPr/>
+              </p:nvSpPr>
+              <p:spPr>
+                <a:xfrm>
+                  <a:off x="6883481" y="5628445"/>
+                  <a:ext cx="293863" cy="230832"/>
+                </a:xfrm>
+                <a:prstGeom prst="rect">
+                  <a:avLst/>
+                </a:prstGeom>
+                <a:noFill/>
+              </p:spPr>
+              <p:txBody>
+                <a:bodyPr wrap="none" rtlCol="0">
+                  <a:spAutoFit/>
+                </a:bodyPr>
+                <a:lstStyle/>
+                <a:p>
+                  <a14:m>
+                    <m:oMathPara xmlns:m="http://schemas.openxmlformats.org/officeDocument/2006/math">
+                      <m:oMathParaPr>
+                        <m:jc m:val="centerGroup"/>
+                      </m:oMathParaPr>
+                      <m:oMath xmlns:m="http://schemas.openxmlformats.org/officeDocument/2006/math">
+                        <m:r>
+                          <a:rPr lang="en-US" sz="900" b="0" i="1" smtClean="0">
+                            <a:latin typeface="Cambria Math" panose="02040503050406030204" pitchFamily="18" charset="0"/>
+                          </a:rPr>
+                          <m:t>𝐷</m:t>
+                        </m:r>
+                      </m:oMath>
+                    </m:oMathPara>
+                  </a14:m>
+                  <a:endParaRPr lang="en-US" sz="900" dirty="0"/>
+                </a:p>
+              </p:txBody>
+            </p:sp>
+          </mc:Choice>
+          <mc:Fallback>
+            <p:sp>
+              <p:nvSpPr>
+                <p:cNvPr id="43" name="TextBox 42">
+                  <a:extLst>
+                    <a:ext uri="{FF2B5EF4-FFF2-40B4-BE49-F238E27FC236}">
+                      <a16:creationId xmlns:a16="http://schemas.microsoft.com/office/drawing/2014/main" id="{BA61C28F-2BF1-8EBD-CE2E-25C375944A0D}"/>
+                    </a:ext>
+                  </a:extLst>
+                </p:cNvPr>
+                <p:cNvSpPr txBox="1">
+                  <a:spLocks noRot="1" noChangeAspect="1" noMove="1" noResize="1" noEditPoints="1" noAdjustHandles="1" noChangeArrowheads="1" noChangeShapeType="1" noTextEdit="1"/>
+                </p:cNvSpPr>
+                <p:nvPr/>
+              </p:nvSpPr>
+              <p:spPr>
+                <a:xfrm>
+                  <a:off x="6883481" y="5628445"/>
+                  <a:ext cx="293863" cy="230832"/>
+                </a:xfrm>
+                <a:prstGeom prst="rect">
+                  <a:avLst/>
+                </a:prstGeom>
+                <a:blipFill>
+                  <a:blip r:embed="rId10"/>
+                  <a:stretch>
+                    <a:fillRect/>
+                  </a:stretch>
+                </a:blipFill>
+              </p:spPr>
+              <p:txBody>
+                <a:bodyPr/>
+                <a:lstStyle/>
+                <a:p>
+                  <a:r>
+                    <a:rPr lang="en-US">
+                      <a:noFill/>
+                    </a:rPr>
+                    <a:t> </a:t>
+                  </a:r>
+                </a:p>
+              </p:txBody>
+            </p:sp>
+          </mc:Fallback>
+        </mc:AlternateContent>
+        <p:sp>
+          <p:nvSpPr>
+            <p:cNvPr id="44" name="Oval 43">
+              <a:extLst>
+                <a:ext uri="{FF2B5EF4-FFF2-40B4-BE49-F238E27FC236}">
+                  <a16:creationId xmlns:a16="http://schemas.microsoft.com/office/drawing/2014/main" id="{06E8EB40-8D03-6707-998B-4CDF735943D6}"/>
+                </a:ext>
+              </a:extLst>
+            </p:cNvPr>
+            <p:cNvSpPr/>
+            <p:nvPr/>
+          </p:nvSpPr>
+          <p:spPr>
+            <a:xfrm>
+              <a:off x="7669721" y="5554333"/>
+              <a:ext cx="340117" cy="370332"/>
+            </a:xfrm>
+            <a:prstGeom prst="ellipse">
+              <a:avLst/>
+            </a:prstGeom>
+            <a:solidFill>
+              <a:schemeClr val="accent1">
+                <a:alpha val="23000"/>
+              </a:schemeClr>
+            </a:solidFill>
+          </p:spPr>
+          <p:style>
+            <a:lnRef idx="2">
+              <a:schemeClr val="accent1">
+                <a:shade val="15000"/>
+              </a:schemeClr>
+            </a:lnRef>
+            <a:fillRef idx="1">
+              <a:schemeClr val="accent1"/>
+            </a:fillRef>
+            <a:effectRef idx="0">
+              <a:schemeClr val="accent1"/>
+            </a:effectRef>
+            <a:fontRef idx="minor">
+              <a:schemeClr val="lt1"/>
+            </a:fontRef>
+          </p:style>
+          <p:txBody>
+            <a:bodyPr rtlCol="0" anchor="ctr"/>
+            <a:lstStyle/>
+            <a:p>
+              <a:pPr algn="ctr"/>
+              <a:endParaRPr lang="en-US"/>
+            </a:p>
+          </p:txBody>
+        </p:sp>
+        <mc:AlternateContent xmlns:mc="http://schemas.openxmlformats.org/markup-compatibility/2006">
+          <mc:Choice xmlns:a14="http://schemas.microsoft.com/office/drawing/2010/main" Requires="a14">
+            <p:sp>
+              <p:nvSpPr>
+                <p:cNvPr id="45" name="TextBox 44">
+                  <a:extLst>
+                    <a:ext uri="{FF2B5EF4-FFF2-40B4-BE49-F238E27FC236}">
+                      <a16:creationId xmlns:a16="http://schemas.microsoft.com/office/drawing/2014/main" id="{3EE43538-6CF8-B554-18DD-553C3C450E82}"/>
+                    </a:ext>
+                  </a:extLst>
+                </p:cNvPr>
+                <p:cNvSpPr txBox="1"/>
+                <p:nvPr/>
+              </p:nvSpPr>
+              <p:spPr>
+                <a:xfrm>
+                  <a:off x="7705942" y="5624764"/>
+                  <a:ext cx="287515" cy="230832"/>
+                </a:xfrm>
+                <a:prstGeom prst="rect">
+                  <a:avLst/>
+                </a:prstGeom>
+                <a:noFill/>
+              </p:spPr>
+              <p:txBody>
+                <a:bodyPr wrap="none" rtlCol="0">
+                  <a:spAutoFit/>
+                </a:bodyPr>
+                <a:lstStyle/>
+                <a:p>
+                  <a14:m>
+                    <m:oMathPara xmlns:m="http://schemas.openxmlformats.org/officeDocument/2006/math">
+                      <m:oMathParaPr>
+                        <m:jc m:val="centerGroup"/>
+                      </m:oMathParaPr>
+                      <m:oMath xmlns:m="http://schemas.openxmlformats.org/officeDocument/2006/math">
+                        <m:r>
+                          <a:rPr lang="en-US" sz="900" b="0" i="1" smtClean="0">
+                            <a:latin typeface="Cambria Math" panose="02040503050406030204" pitchFamily="18" charset="0"/>
+                          </a:rPr>
+                          <m:t>𝐺</m:t>
+                        </m:r>
+                      </m:oMath>
+                    </m:oMathPara>
+                  </a14:m>
+                  <a:endParaRPr lang="en-US" sz="900" dirty="0"/>
+                </a:p>
+              </p:txBody>
+            </p:sp>
+          </mc:Choice>
+          <mc:Fallback>
+            <p:sp>
+              <p:nvSpPr>
+                <p:cNvPr id="45" name="TextBox 44">
+                  <a:extLst>
+                    <a:ext uri="{FF2B5EF4-FFF2-40B4-BE49-F238E27FC236}">
+                      <a16:creationId xmlns:a16="http://schemas.microsoft.com/office/drawing/2014/main" id="{3EE43538-6CF8-B554-18DD-553C3C450E82}"/>
+                    </a:ext>
+                  </a:extLst>
+                </p:cNvPr>
+                <p:cNvSpPr txBox="1">
+                  <a:spLocks noRot="1" noChangeAspect="1" noMove="1" noResize="1" noEditPoints="1" noAdjustHandles="1" noChangeArrowheads="1" noChangeShapeType="1" noTextEdit="1"/>
+                </p:cNvSpPr>
+                <p:nvPr/>
+              </p:nvSpPr>
+              <p:spPr>
+                <a:xfrm>
+                  <a:off x="7705942" y="5624764"/>
+                  <a:ext cx="287515" cy="230832"/>
+                </a:xfrm>
+                <a:prstGeom prst="rect">
+                  <a:avLst/>
+                </a:prstGeom>
+                <a:blipFill>
+                  <a:blip r:embed="rId11"/>
+                  <a:stretch>
+                    <a:fillRect/>
+                  </a:stretch>
+                </a:blipFill>
+              </p:spPr>
+              <p:txBody>
+                <a:bodyPr/>
+                <a:lstStyle/>
+                <a:p>
+                  <a:r>
+                    <a:rPr lang="en-US">
+                      <a:noFill/>
+                    </a:rPr>
+                    <a:t> </a:t>
+                  </a:r>
+                </a:p>
+              </p:txBody>
+            </p:sp>
+          </mc:Fallback>
+        </mc:AlternateContent>
+        <p:cxnSp>
+          <p:nvCxnSpPr>
+            <p:cNvPr id="46" name="Straight Arrow Connector 45">
+              <a:extLst>
+                <a:ext uri="{FF2B5EF4-FFF2-40B4-BE49-F238E27FC236}">
+                  <a16:creationId xmlns:a16="http://schemas.microsoft.com/office/drawing/2014/main" id="{4188E43E-7548-9C39-C8BD-D30E024C1BB6}"/>
+                </a:ext>
+              </a:extLst>
+            </p:cNvPr>
+            <p:cNvCxnSpPr>
+              <a:stCxn id="40" idx="6"/>
+              <a:endCxn id="42" idx="2"/>
+            </p:cNvCxnSpPr>
+            <p:nvPr/>
+          </p:nvCxnSpPr>
+          <p:spPr>
+            <a:xfrm>
+              <a:off x="6364916" y="5739499"/>
+              <a:ext cx="482344" cy="3681"/>
+            </a:xfrm>
+            <a:prstGeom prst="straightConnector1">
+              <a:avLst/>
+            </a:prstGeom>
+            <a:ln>
+              <a:tailEnd type="triangle"/>
+            </a:ln>
+          </p:spPr>
+          <p:style>
+            <a:lnRef idx="1">
+              <a:schemeClr val="accent1"/>
+            </a:lnRef>
+            <a:fillRef idx="0">
+              <a:schemeClr val="accent1"/>
+            </a:fillRef>
+            <a:effectRef idx="0">
+              <a:schemeClr val="accent1"/>
+            </a:effectRef>
+            <a:fontRef idx="minor">
+              <a:schemeClr val="tx1"/>
+            </a:fontRef>
+          </p:style>
+        </p:cxnSp>
+        <p:cxnSp>
+          <p:nvCxnSpPr>
+            <p:cNvPr id="47" name="Straight Arrow Connector 46">
+              <a:extLst>
+                <a:ext uri="{FF2B5EF4-FFF2-40B4-BE49-F238E27FC236}">
+                  <a16:creationId xmlns:a16="http://schemas.microsoft.com/office/drawing/2014/main" id="{0A3C1CA0-0925-0B29-6EFC-D132A213B33C}"/>
+                </a:ext>
+              </a:extLst>
+            </p:cNvPr>
+            <p:cNvCxnSpPr/>
+            <p:nvPr/>
+          </p:nvCxnSpPr>
+          <p:spPr>
+            <a:xfrm>
+              <a:off x="7187377" y="5747306"/>
+              <a:ext cx="482344" cy="3681"/>
+            </a:xfrm>
+            <a:prstGeom prst="straightConnector1">
+              <a:avLst/>
+            </a:prstGeom>
+            <a:ln>
+              <a:tailEnd type="triangle"/>
+            </a:ln>
+          </p:spPr>
+          <p:style>
+            <a:lnRef idx="1">
+              <a:schemeClr val="accent1"/>
+            </a:lnRef>
+            <a:fillRef idx="0">
+              <a:schemeClr val="accent1"/>
+            </a:fillRef>
+            <a:effectRef idx="0">
+              <a:schemeClr val="accent1"/>
+            </a:effectRef>
+            <a:fontRef idx="minor">
+              <a:schemeClr val="tx1"/>
+            </a:fontRef>
+          </p:style>
+        </p:cxnSp>
+      </p:grpSp>
+      <p:grpSp>
+        <p:nvGrpSpPr>
+          <p:cNvPr id="72" name="Group 71">
+            <a:extLst>
+              <a:ext uri="{FF2B5EF4-FFF2-40B4-BE49-F238E27FC236}">
+                <a16:creationId xmlns:a16="http://schemas.microsoft.com/office/drawing/2014/main" id="{A924F7EB-7BAD-193F-78A5-B0751304CF07}"/>
+              </a:ext>
+            </a:extLst>
+          </p:cNvPr>
+          <p:cNvGrpSpPr/>
+          <p:nvPr/>
+        </p:nvGrpSpPr>
+        <p:grpSpPr>
+          <a:xfrm>
+            <a:off x="6024798" y="4385669"/>
+            <a:ext cx="1985039" cy="380363"/>
+            <a:chOff x="6024798" y="4385669"/>
+            <a:chExt cx="1985039" cy="380363"/>
+          </a:xfrm>
+        </p:grpSpPr>
+        <p:sp>
+          <p:nvSpPr>
+            <p:cNvPr id="62" name="Oval 61">
+              <a:extLst>
+                <a:ext uri="{FF2B5EF4-FFF2-40B4-BE49-F238E27FC236}">
+                  <a16:creationId xmlns:a16="http://schemas.microsoft.com/office/drawing/2014/main" id="{41F527C6-FC05-6175-1753-CBB43EF03295}"/>
+                </a:ext>
+              </a:extLst>
+            </p:cNvPr>
+            <p:cNvSpPr/>
+            <p:nvPr/>
+          </p:nvSpPr>
+          <p:spPr>
+            <a:xfrm>
+              <a:off x="6024798" y="4392019"/>
+              <a:ext cx="340117" cy="370332"/>
+            </a:xfrm>
+            <a:prstGeom prst="ellipse">
+              <a:avLst/>
+            </a:prstGeom>
+            <a:solidFill>
+              <a:schemeClr val="accent1">
+                <a:alpha val="23000"/>
+              </a:schemeClr>
+            </a:solidFill>
+          </p:spPr>
+          <p:style>
+            <a:lnRef idx="2">
+              <a:schemeClr val="accent1">
+                <a:shade val="15000"/>
+              </a:schemeClr>
+            </a:lnRef>
+            <a:fillRef idx="1">
+              <a:schemeClr val="accent1"/>
+            </a:fillRef>
+            <a:effectRef idx="0">
+              <a:schemeClr val="accent1"/>
+            </a:effectRef>
+            <a:fontRef idx="minor">
+              <a:schemeClr val="lt1"/>
+            </a:fontRef>
+          </p:style>
+          <p:txBody>
+            <a:bodyPr rtlCol="0" anchor="ctr"/>
+            <a:lstStyle/>
+            <a:p>
+              <a:pPr algn="ctr"/>
+              <a:endParaRPr lang="en-US"/>
+            </a:p>
+          </p:txBody>
+        </p:sp>
+        <mc:AlternateContent xmlns:mc="http://schemas.openxmlformats.org/markup-compatibility/2006">
+          <mc:Choice xmlns:a14="http://schemas.microsoft.com/office/drawing/2010/main" Requires="a14">
+            <p:sp>
+              <p:nvSpPr>
+                <p:cNvPr id="63" name="TextBox 62">
+                  <a:extLst>
+                    <a:ext uri="{FF2B5EF4-FFF2-40B4-BE49-F238E27FC236}">
+                      <a16:creationId xmlns:a16="http://schemas.microsoft.com/office/drawing/2014/main" id="{88375D16-3D7F-728D-6C82-98B42FFA5B3E}"/>
+                    </a:ext>
+                  </a:extLst>
+                </p:cNvPr>
+                <p:cNvSpPr txBox="1"/>
+                <p:nvPr/>
+              </p:nvSpPr>
+              <p:spPr>
+                <a:xfrm>
+                  <a:off x="6061019" y="4462450"/>
+                  <a:ext cx="285335" cy="230832"/>
+                </a:xfrm>
+                <a:prstGeom prst="rect">
+                  <a:avLst/>
+                </a:prstGeom>
+                <a:noFill/>
+              </p:spPr>
+              <p:txBody>
+                <a:bodyPr wrap="none" rtlCol="0">
+                  <a:spAutoFit/>
+                </a:bodyPr>
+                <a:lstStyle/>
+                <a:p>
+                  <a14:m>
+                    <m:oMathPara xmlns:m="http://schemas.openxmlformats.org/officeDocument/2006/math">
+                      <m:oMathParaPr>
+                        <m:jc m:val="centerGroup"/>
+                      </m:oMathParaPr>
+                      <m:oMath xmlns:m="http://schemas.openxmlformats.org/officeDocument/2006/math">
+                        <m:r>
+                          <a:rPr lang="en-US" sz="900" b="0" i="1" smtClean="0">
+                            <a:latin typeface="Cambria Math" panose="02040503050406030204" pitchFamily="18" charset="0"/>
+                          </a:rPr>
+                          <m:t>𝐹</m:t>
+                        </m:r>
+                      </m:oMath>
+                    </m:oMathPara>
+                  </a14:m>
+                  <a:endParaRPr lang="en-US" sz="900" dirty="0"/>
+                </a:p>
+              </p:txBody>
+            </p:sp>
+          </mc:Choice>
+          <mc:Fallback>
+            <p:sp>
+              <p:nvSpPr>
+                <p:cNvPr id="63" name="TextBox 62">
+                  <a:extLst>
+                    <a:ext uri="{FF2B5EF4-FFF2-40B4-BE49-F238E27FC236}">
+                      <a16:creationId xmlns:a16="http://schemas.microsoft.com/office/drawing/2014/main" id="{88375D16-3D7F-728D-6C82-98B42FFA5B3E}"/>
+                    </a:ext>
+                  </a:extLst>
+                </p:cNvPr>
+                <p:cNvSpPr txBox="1">
+                  <a:spLocks noRot="1" noChangeAspect="1" noMove="1" noResize="1" noEditPoints="1" noAdjustHandles="1" noChangeArrowheads="1" noChangeShapeType="1" noTextEdit="1"/>
+                </p:cNvSpPr>
+                <p:nvPr/>
+              </p:nvSpPr>
+              <p:spPr>
+                <a:xfrm>
+                  <a:off x="6061019" y="4462450"/>
+                  <a:ext cx="285335" cy="230832"/>
+                </a:xfrm>
+                <a:prstGeom prst="rect">
+                  <a:avLst/>
+                </a:prstGeom>
+                <a:blipFill>
+                  <a:blip r:embed="rId12"/>
+                  <a:stretch>
+                    <a:fillRect/>
+                  </a:stretch>
+                </a:blipFill>
+              </p:spPr>
+              <p:txBody>
+                <a:bodyPr/>
+                <a:lstStyle/>
+                <a:p>
+                  <a:r>
+                    <a:rPr lang="en-US">
+                      <a:noFill/>
+                    </a:rPr>
+                    <a:t> </a:t>
+                  </a:r>
+                </a:p>
+              </p:txBody>
+            </p:sp>
+          </mc:Fallback>
+        </mc:AlternateContent>
+        <p:sp>
+          <p:nvSpPr>
+            <p:cNvPr id="64" name="Oval 63">
+              <a:extLst>
+                <a:ext uri="{FF2B5EF4-FFF2-40B4-BE49-F238E27FC236}">
+                  <a16:creationId xmlns:a16="http://schemas.microsoft.com/office/drawing/2014/main" id="{CF57BFB2-9E9E-EB6A-5A50-060C656D5EAF}"/>
+                </a:ext>
+              </a:extLst>
+            </p:cNvPr>
+            <p:cNvSpPr/>
+            <p:nvPr/>
+          </p:nvSpPr>
+          <p:spPr>
+            <a:xfrm>
+              <a:off x="6847259" y="4395700"/>
+              <a:ext cx="340117" cy="370332"/>
+            </a:xfrm>
+            <a:prstGeom prst="ellipse">
+              <a:avLst/>
+            </a:prstGeom>
+            <a:solidFill>
+              <a:schemeClr val="accent1">
+                <a:alpha val="23000"/>
+              </a:schemeClr>
+            </a:solidFill>
+          </p:spPr>
+          <p:style>
+            <a:lnRef idx="2">
+              <a:schemeClr val="accent1">
+                <a:shade val="15000"/>
+              </a:schemeClr>
+            </a:lnRef>
+            <a:fillRef idx="1">
+              <a:schemeClr val="accent1"/>
+            </a:fillRef>
+            <a:effectRef idx="0">
+              <a:schemeClr val="accent1"/>
+            </a:effectRef>
+            <a:fontRef idx="minor">
+              <a:schemeClr val="lt1"/>
+            </a:fontRef>
+          </p:style>
+          <p:txBody>
+            <a:bodyPr rtlCol="0" anchor="ctr"/>
+            <a:lstStyle/>
+            <a:p>
+              <a:pPr algn="ctr"/>
+              <a:endParaRPr lang="en-US"/>
+            </a:p>
+          </p:txBody>
+        </p:sp>
+        <mc:AlternateContent xmlns:mc="http://schemas.openxmlformats.org/markup-compatibility/2006">
+          <mc:Choice xmlns:a14="http://schemas.microsoft.com/office/drawing/2010/main" Requires="a14">
+            <p:sp>
+              <p:nvSpPr>
+                <p:cNvPr id="65" name="TextBox 64">
+                  <a:extLst>
+                    <a:ext uri="{FF2B5EF4-FFF2-40B4-BE49-F238E27FC236}">
+                      <a16:creationId xmlns:a16="http://schemas.microsoft.com/office/drawing/2014/main" id="{97454E2F-016F-C9E3-A9EC-13669BEA9237}"/>
+                    </a:ext>
+                  </a:extLst>
+                </p:cNvPr>
+                <p:cNvSpPr txBox="1"/>
+                <p:nvPr/>
+              </p:nvSpPr>
+              <p:spPr>
+                <a:xfrm>
+                  <a:off x="6883480" y="4466131"/>
+                  <a:ext cx="293863" cy="230832"/>
+                </a:xfrm>
+                <a:prstGeom prst="rect">
+                  <a:avLst/>
+                </a:prstGeom>
+                <a:noFill/>
+              </p:spPr>
+              <p:txBody>
+                <a:bodyPr wrap="none" rtlCol="0">
+                  <a:spAutoFit/>
+                </a:bodyPr>
+                <a:lstStyle/>
+                <a:p>
+                  <a14:m>
+                    <m:oMathPara xmlns:m="http://schemas.openxmlformats.org/officeDocument/2006/math">
+                      <m:oMathParaPr>
+                        <m:jc m:val="centerGroup"/>
+                      </m:oMathParaPr>
+                      <m:oMath xmlns:m="http://schemas.openxmlformats.org/officeDocument/2006/math">
+                        <m:r>
+                          <a:rPr lang="en-US" sz="900" b="0" i="1" smtClean="0">
+                            <a:latin typeface="Cambria Math" panose="02040503050406030204" pitchFamily="18" charset="0"/>
+                          </a:rPr>
+                          <m:t>𝐷</m:t>
+                        </m:r>
+                      </m:oMath>
+                    </m:oMathPara>
+                  </a14:m>
+                  <a:endParaRPr lang="en-US" sz="900" dirty="0"/>
+                </a:p>
+              </p:txBody>
+            </p:sp>
+          </mc:Choice>
+          <mc:Fallback>
+            <p:sp>
+              <p:nvSpPr>
+                <p:cNvPr id="65" name="TextBox 64">
+                  <a:extLst>
+                    <a:ext uri="{FF2B5EF4-FFF2-40B4-BE49-F238E27FC236}">
+                      <a16:creationId xmlns:a16="http://schemas.microsoft.com/office/drawing/2014/main" id="{97454E2F-016F-C9E3-A9EC-13669BEA9237}"/>
+                    </a:ext>
+                  </a:extLst>
+                </p:cNvPr>
+                <p:cNvSpPr txBox="1">
+                  <a:spLocks noRot="1" noChangeAspect="1" noMove="1" noResize="1" noEditPoints="1" noAdjustHandles="1" noChangeArrowheads="1" noChangeShapeType="1" noTextEdit="1"/>
+                </p:cNvSpPr>
+                <p:nvPr/>
+              </p:nvSpPr>
+              <p:spPr>
+                <a:xfrm>
+                  <a:off x="6883480" y="4466131"/>
+                  <a:ext cx="293863" cy="230832"/>
+                </a:xfrm>
+                <a:prstGeom prst="rect">
+                  <a:avLst/>
+                </a:prstGeom>
+                <a:blipFill>
+                  <a:blip r:embed="rId13"/>
+                  <a:stretch>
+                    <a:fillRect/>
+                  </a:stretch>
+                </a:blipFill>
+              </p:spPr>
+              <p:txBody>
+                <a:bodyPr/>
+                <a:lstStyle/>
+                <a:p>
+                  <a:r>
+                    <a:rPr lang="en-US">
+                      <a:noFill/>
+                    </a:rPr>
+                    <a:t> </a:t>
+                  </a:r>
+                </a:p>
+              </p:txBody>
+            </p:sp>
+          </mc:Fallback>
+        </mc:AlternateContent>
+        <p:sp>
+          <p:nvSpPr>
+            <p:cNvPr id="66" name="Oval 65">
+              <a:extLst>
+                <a:ext uri="{FF2B5EF4-FFF2-40B4-BE49-F238E27FC236}">
+                  <a16:creationId xmlns:a16="http://schemas.microsoft.com/office/drawing/2014/main" id="{F28BEEF0-E5E8-2FDD-84FE-6DE31A8817F7}"/>
+                </a:ext>
+              </a:extLst>
+            </p:cNvPr>
+            <p:cNvSpPr/>
+            <p:nvPr/>
+          </p:nvSpPr>
+          <p:spPr>
+            <a:xfrm>
+              <a:off x="7669720" y="4392019"/>
+              <a:ext cx="340117" cy="370332"/>
+            </a:xfrm>
+            <a:prstGeom prst="ellipse">
+              <a:avLst/>
+            </a:prstGeom>
+            <a:solidFill>
+              <a:schemeClr val="accent1">
+                <a:alpha val="23000"/>
+              </a:schemeClr>
+            </a:solidFill>
+          </p:spPr>
+          <p:style>
+            <a:lnRef idx="2">
+              <a:schemeClr val="accent1">
+                <a:shade val="15000"/>
+              </a:schemeClr>
+            </a:lnRef>
+            <a:fillRef idx="1">
+              <a:schemeClr val="accent1"/>
+            </a:fillRef>
+            <a:effectRef idx="0">
+              <a:schemeClr val="accent1"/>
+            </a:effectRef>
+            <a:fontRef idx="minor">
+              <a:schemeClr val="lt1"/>
+            </a:fontRef>
+          </p:style>
+          <p:txBody>
+            <a:bodyPr rtlCol="0" anchor="ctr"/>
+            <a:lstStyle/>
+            <a:p>
+              <a:pPr algn="ctr"/>
+              <a:endParaRPr lang="en-US"/>
+            </a:p>
+          </p:txBody>
+        </p:sp>
+        <mc:AlternateContent xmlns:mc="http://schemas.openxmlformats.org/markup-compatibility/2006">
+          <mc:Choice xmlns:a14="http://schemas.microsoft.com/office/drawing/2010/main" Requires="a14">
+            <p:sp>
+              <p:nvSpPr>
+                <p:cNvPr id="67" name="TextBox 66">
+                  <a:extLst>
+                    <a:ext uri="{FF2B5EF4-FFF2-40B4-BE49-F238E27FC236}">
+                      <a16:creationId xmlns:a16="http://schemas.microsoft.com/office/drawing/2014/main" id="{BEEBB252-491F-6A43-3939-4DC25BBEF8F1}"/>
+                    </a:ext>
+                  </a:extLst>
+                </p:cNvPr>
+                <p:cNvSpPr txBox="1"/>
+                <p:nvPr/>
+              </p:nvSpPr>
+              <p:spPr>
+                <a:xfrm>
+                  <a:off x="7705941" y="4462450"/>
+                  <a:ext cx="287515" cy="230832"/>
+                </a:xfrm>
+                <a:prstGeom prst="rect">
+                  <a:avLst/>
+                </a:prstGeom>
+                <a:noFill/>
+              </p:spPr>
+              <p:txBody>
+                <a:bodyPr wrap="none" rtlCol="0">
+                  <a:spAutoFit/>
+                </a:bodyPr>
+                <a:lstStyle/>
+                <a:p>
+                  <a14:m>
+                    <m:oMathPara xmlns:m="http://schemas.openxmlformats.org/officeDocument/2006/math">
+                      <m:oMathParaPr>
+                        <m:jc m:val="centerGroup"/>
+                      </m:oMathParaPr>
+                      <m:oMath xmlns:m="http://schemas.openxmlformats.org/officeDocument/2006/math">
+                        <m:r>
+                          <a:rPr lang="en-US" sz="900" b="0" i="1" smtClean="0">
+                            <a:latin typeface="Cambria Math" panose="02040503050406030204" pitchFamily="18" charset="0"/>
+                          </a:rPr>
+                          <m:t>𝐺</m:t>
+                        </m:r>
+                      </m:oMath>
+                    </m:oMathPara>
+                  </a14:m>
+                  <a:endParaRPr lang="en-US" sz="900" dirty="0"/>
+                </a:p>
+              </p:txBody>
+            </p:sp>
+          </mc:Choice>
+          <mc:Fallback>
+            <p:sp>
+              <p:nvSpPr>
+                <p:cNvPr id="67" name="TextBox 66">
+                  <a:extLst>
+                    <a:ext uri="{FF2B5EF4-FFF2-40B4-BE49-F238E27FC236}">
+                      <a16:creationId xmlns:a16="http://schemas.microsoft.com/office/drawing/2014/main" id="{BEEBB252-491F-6A43-3939-4DC25BBEF8F1}"/>
+                    </a:ext>
+                  </a:extLst>
+                </p:cNvPr>
+                <p:cNvSpPr txBox="1">
+                  <a:spLocks noRot="1" noChangeAspect="1" noMove="1" noResize="1" noEditPoints="1" noAdjustHandles="1" noChangeArrowheads="1" noChangeShapeType="1" noTextEdit="1"/>
+                </p:cNvSpPr>
+                <p:nvPr/>
+              </p:nvSpPr>
+              <p:spPr>
+                <a:xfrm>
+                  <a:off x="7705941" y="4462450"/>
+                  <a:ext cx="287515" cy="230832"/>
+                </a:xfrm>
+                <a:prstGeom prst="rect">
+                  <a:avLst/>
+                </a:prstGeom>
+                <a:blipFill>
+                  <a:blip r:embed="rId14"/>
+                  <a:stretch>
+                    <a:fillRect/>
+                  </a:stretch>
+                </a:blipFill>
+              </p:spPr>
+              <p:txBody>
+                <a:bodyPr/>
+                <a:lstStyle/>
+                <a:p>
+                  <a:r>
+                    <a:rPr lang="en-US">
+                      <a:noFill/>
+                    </a:rPr>
+                    <a:t> </a:t>
+                  </a:r>
+                </a:p>
+              </p:txBody>
+            </p:sp>
+          </mc:Fallback>
+        </mc:AlternateContent>
+        <p:cxnSp>
+          <p:nvCxnSpPr>
+            <p:cNvPr id="68" name="Straight Arrow Connector 67">
+              <a:extLst>
+                <a:ext uri="{FF2B5EF4-FFF2-40B4-BE49-F238E27FC236}">
+                  <a16:creationId xmlns:a16="http://schemas.microsoft.com/office/drawing/2014/main" id="{68C216A4-8D3E-CD2D-0897-102779C7D35E}"/>
+                </a:ext>
+              </a:extLst>
+            </p:cNvPr>
+            <p:cNvCxnSpPr>
+              <a:stCxn id="62" idx="6"/>
+              <a:endCxn id="64" idx="2"/>
+            </p:cNvCxnSpPr>
+            <p:nvPr/>
+          </p:nvCxnSpPr>
+          <p:spPr>
+            <a:xfrm>
+              <a:off x="6364915" y="4577185"/>
+              <a:ext cx="482344" cy="3681"/>
+            </a:xfrm>
+            <a:prstGeom prst="straightConnector1">
+              <a:avLst/>
+            </a:prstGeom>
+            <a:ln>
+              <a:tailEnd type="triangle"/>
+            </a:ln>
+          </p:spPr>
+          <p:style>
+            <a:lnRef idx="1">
+              <a:schemeClr val="accent1"/>
+            </a:lnRef>
+            <a:fillRef idx="0">
+              <a:schemeClr val="accent1"/>
+            </a:fillRef>
+            <a:effectRef idx="0">
+              <a:schemeClr val="accent1"/>
+            </a:effectRef>
+            <a:fontRef idx="minor">
+              <a:schemeClr val="tx1"/>
+            </a:fontRef>
+          </p:style>
+        </p:cxnSp>
+        <p:cxnSp>
+          <p:nvCxnSpPr>
+            <p:cNvPr id="69" name="Straight Arrow Connector 68">
+              <a:extLst>
+                <a:ext uri="{FF2B5EF4-FFF2-40B4-BE49-F238E27FC236}">
+                  <a16:creationId xmlns:a16="http://schemas.microsoft.com/office/drawing/2014/main" id="{21CE13FB-9E08-AF3B-2A61-3B43083A2461}"/>
+                </a:ext>
+              </a:extLst>
+            </p:cNvPr>
+            <p:cNvCxnSpPr/>
+            <p:nvPr/>
+          </p:nvCxnSpPr>
+          <p:spPr>
+            <a:xfrm>
+              <a:off x="7187376" y="4584992"/>
+              <a:ext cx="482344" cy="3681"/>
+            </a:xfrm>
+            <a:prstGeom prst="straightConnector1">
+              <a:avLst/>
+            </a:prstGeom>
+            <a:ln>
+              <a:tailEnd type="triangle"/>
+            </a:ln>
+          </p:spPr>
+          <p:style>
+            <a:lnRef idx="1">
+              <a:schemeClr val="accent1"/>
+            </a:lnRef>
+            <a:fillRef idx="0">
+              <a:schemeClr val="accent1"/>
+            </a:fillRef>
+            <a:effectRef idx="0">
+              <a:schemeClr val="accent1"/>
+            </a:effectRef>
+            <a:fontRef idx="minor">
+              <a:schemeClr val="tx1"/>
+            </a:fontRef>
+          </p:style>
+        </p:cxnSp>
+        <p:cxnSp>
+          <p:nvCxnSpPr>
+            <p:cNvPr id="71" name="Curved Connector 70">
+              <a:extLst>
+                <a:ext uri="{FF2B5EF4-FFF2-40B4-BE49-F238E27FC236}">
+                  <a16:creationId xmlns:a16="http://schemas.microsoft.com/office/drawing/2014/main" id="{09C1F0F6-8CD1-C257-70F7-26E5EDCB8EED}"/>
+                </a:ext>
+              </a:extLst>
+            </p:cNvPr>
+            <p:cNvCxnSpPr>
+              <a:stCxn id="62" idx="0"/>
+              <a:endCxn id="66" idx="0"/>
+            </p:cNvCxnSpPr>
+            <p:nvPr/>
+          </p:nvCxnSpPr>
+          <p:spPr>
+            <a:xfrm rot="5400000" flipH="1" flipV="1">
+              <a:off x="7017318" y="3569558"/>
+              <a:ext cx="12700" cy="1644922"/>
+            </a:xfrm>
+            <a:prstGeom prst="curvedConnector3">
+              <a:avLst>
+                <a:gd name="adj1" fmla="val 1800000"/>
+              </a:avLst>
+            </a:prstGeom>
+            <a:ln>
+              <a:tailEnd type="triangle"/>
+            </a:ln>
+          </p:spPr>
+          <p:style>
+            <a:lnRef idx="1">
+              <a:schemeClr val="accent1"/>
+            </a:lnRef>
+            <a:fillRef idx="0">
+              <a:schemeClr val="accent1"/>
+            </a:fillRef>
+            <a:effectRef idx="0">
+              <a:schemeClr val="accent1"/>
+            </a:effectRef>
+            <a:fontRef idx="minor">
+              <a:schemeClr val="tx1"/>
+            </a:fontRef>
+          </p:style>
+        </p:cxnSp>
+      </p:grpSp>
+      <p:grpSp>
+        <p:nvGrpSpPr>
+          <p:cNvPr id="107" name="Group 106">
+            <a:extLst>
+              <a:ext uri="{FF2B5EF4-FFF2-40B4-BE49-F238E27FC236}">
+                <a16:creationId xmlns:a16="http://schemas.microsoft.com/office/drawing/2014/main" id="{FA908055-5E40-0D84-394C-B8BB7787F5D8}"/>
+              </a:ext>
+            </a:extLst>
+          </p:cNvPr>
+          <p:cNvGrpSpPr/>
+          <p:nvPr/>
+        </p:nvGrpSpPr>
+        <p:grpSpPr>
+          <a:xfrm>
+            <a:off x="7338196" y="988624"/>
+            <a:ext cx="4104003" cy="1401969"/>
+            <a:chOff x="7338196" y="988624"/>
+            <a:chExt cx="4104003" cy="1401969"/>
+          </a:xfrm>
+        </p:grpSpPr>
+        <p:grpSp>
+          <p:nvGrpSpPr>
+            <p:cNvPr id="83" name="Group 82">
+              <a:extLst>
+                <a:ext uri="{FF2B5EF4-FFF2-40B4-BE49-F238E27FC236}">
+                  <a16:creationId xmlns:a16="http://schemas.microsoft.com/office/drawing/2014/main" id="{0E547F25-3A4A-34B4-81AD-3AE452A50FB8}"/>
+                </a:ext>
+              </a:extLst>
+            </p:cNvPr>
+            <p:cNvGrpSpPr/>
+            <p:nvPr/>
+          </p:nvGrpSpPr>
+          <p:grpSpPr>
+            <a:xfrm>
+              <a:off x="9783822" y="988624"/>
+              <a:ext cx="1658377" cy="1105419"/>
+              <a:chOff x="4437623" y="1325958"/>
+              <a:chExt cx="1658377" cy="1105419"/>
+            </a:xfrm>
+          </p:grpSpPr>
+          <p:sp>
+            <p:nvSpPr>
+              <p:cNvPr id="84" name="Oval 83">
+                <a:extLst>
+                  <a:ext uri="{FF2B5EF4-FFF2-40B4-BE49-F238E27FC236}">
+                    <a16:creationId xmlns:a16="http://schemas.microsoft.com/office/drawing/2014/main" id="{AB9D26AB-B8E1-9705-EB9D-D8F9929C5CB7}"/>
+                  </a:ext>
+                </a:extLst>
+              </p:cNvPr>
+              <p:cNvSpPr/>
+              <p:nvPr/>
+            </p:nvSpPr>
+            <p:spPr>
+              <a:xfrm>
+                <a:off x="4437623" y="1332053"/>
+                <a:ext cx="340117" cy="370332"/>
+              </a:xfrm>
+              <a:prstGeom prst="ellipse">
+                <a:avLst/>
+              </a:prstGeom>
+              <a:solidFill>
+                <a:schemeClr val="accent1">
+                  <a:alpha val="23000"/>
+                </a:schemeClr>
+              </a:solidFill>
+            </p:spPr>
+            <p:style>
+              <a:lnRef idx="2">
+                <a:schemeClr val="accent1">
+                  <a:shade val="15000"/>
+                </a:schemeClr>
+              </a:lnRef>
+              <a:fillRef idx="1">
+                <a:schemeClr val="accent1"/>
+              </a:fillRef>
+              <a:effectRef idx="0">
+                <a:schemeClr val="accent1"/>
+              </a:effectRef>
+              <a:fontRef idx="minor">
+                <a:schemeClr val="lt1"/>
+              </a:fontRef>
+            </p:style>
+            <p:txBody>
+              <a:bodyPr rtlCol="0" anchor="ctr"/>
+              <a:lstStyle/>
+              <a:p>
+                <a:pPr algn="ctr"/>
+                <a:endParaRPr lang="en-US"/>
+              </a:p>
+            </p:txBody>
+          </p:sp>
+          <mc:AlternateContent xmlns:mc="http://schemas.openxmlformats.org/markup-compatibility/2006">
+            <mc:Choice xmlns:a14="http://schemas.microsoft.com/office/drawing/2010/main" Requires="a14">
+              <p:sp>
+                <p:nvSpPr>
+                  <p:cNvPr id="85" name="TextBox 84">
+                    <a:extLst>
+                      <a:ext uri="{FF2B5EF4-FFF2-40B4-BE49-F238E27FC236}">
+                        <a16:creationId xmlns:a16="http://schemas.microsoft.com/office/drawing/2014/main" id="{6F659E20-4329-1049-BAD3-BF63BCCBC1D8}"/>
+                      </a:ext>
+                    </a:extLst>
+                  </p:cNvPr>
+                  <p:cNvSpPr txBox="1"/>
+                  <p:nvPr/>
+                </p:nvSpPr>
+                <p:spPr>
+                  <a:xfrm>
+                    <a:off x="4465079" y="1401803"/>
+                    <a:ext cx="288733" cy="230832"/>
+                  </a:xfrm>
+                  <a:prstGeom prst="rect">
+                    <a:avLst/>
+                  </a:prstGeom>
+                  <a:noFill/>
+                </p:spPr>
+                <p:txBody>
+                  <a:bodyPr wrap="none" rtlCol="0">
+                    <a:spAutoFit/>
+                  </a:bodyPr>
+                  <a:lstStyle/>
+                  <a:p>
+                    <a14:m>
+                      <m:oMathPara xmlns:m="http://schemas.openxmlformats.org/officeDocument/2006/math">
+                        <m:oMathParaPr>
+                          <m:jc m:val="centerGroup"/>
+                        </m:oMathParaPr>
+                        <m:oMath xmlns:m="http://schemas.openxmlformats.org/officeDocument/2006/math">
+                          <m:r>
+                            <a:rPr lang="en-US" sz="900" b="0" i="1" smtClean="0">
+                              <a:latin typeface="Cambria Math" panose="02040503050406030204" pitchFamily="18" charset="0"/>
+                            </a:rPr>
+                            <m:t>𝐵</m:t>
+                          </m:r>
+                        </m:oMath>
+                      </m:oMathPara>
+                    </a14:m>
+                    <a:endParaRPr lang="en-US" sz="900" dirty="0"/>
+                  </a:p>
+                </p:txBody>
+              </p:sp>
+            </mc:Choice>
+            <mc:Fallback>
+              <p:sp>
+                <p:nvSpPr>
+                  <p:cNvPr id="85" name="TextBox 84">
+                    <a:extLst>
+                      <a:ext uri="{FF2B5EF4-FFF2-40B4-BE49-F238E27FC236}">
+                        <a16:creationId xmlns:a16="http://schemas.microsoft.com/office/drawing/2014/main" id="{6F659E20-4329-1049-BAD3-BF63BCCBC1D8}"/>
+                      </a:ext>
+                    </a:extLst>
+                  </p:cNvPr>
+                  <p:cNvSpPr txBox="1">
+                    <a:spLocks noRot="1" noChangeAspect="1" noMove="1" noResize="1" noEditPoints="1" noAdjustHandles="1" noChangeArrowheads="1" noChangeShapeType="1" noTextEdit="1"/>
+                  </p:cNvSpPr>
+                  <p:nvPr/>
+                </p:nvSpPr>
+                <p:spPr>
+                  <a:xfrm>
+                    <a:off x="4465079" y="1401803"/>
+                    <a:ext cx="288733" cy="230832"/>
+                  </a:xfrm>
+                  <a:prstGeom prst="rect">
+                    <a:avLst/>
+                  </a:prstGeom>
+                  <a:blipFill>
+                    <a:blip r:embed="rId15"/>
+                    <a:stretch>
+                      <a:fillRect/>
+                    </a:stretch>
+                  </a:blipFill>
+                </p:spPr>
+                <p:txBody>
+                  <a:bodyPr/>
+                  <a:lstStyle/>
+                  <a:p>
+                    <a:r>
+                      <a:rPr lang="en-US">
+                        <a:noFill/>
+                      </a:rPr>
+                      <a:t> </a:t>
+                    </a:r>
+                  </a:p>
+                </p:txBody>
+              </p:sp>
+            </mc:Fallback>
+          </mc:AlternateContent>
+          <p:sp>
+            <p:nvSpPr>
+              <p:cNvPr id="86" name="Oval 85">
+                <a:extLst>
+                  <a:ext uri="{FF2B5EF4-FFF2-40B4-BE49-F238E27FC236}">
+                    <a16:creationId xmlns:a16="http://schemas.microsoft.com/office/drawing/2014/main" id="{1B393CFD-C0A5-DC83-F985-EF5D4240803D}"/>
+                  </a:ext>
+                </a:extLst>
+              </p:cNvPr>
+              <p:cNvSpPr/>
+              <p:nvPr/>
+            </p:nvSpPr>
+            <p:spPr>
+              <a:xfrm>
+                <a:off x="5755883" y="1325958"/>
+                <a:ext cx="340117" cy="370332"/>
+              </a:xfrm>
+              <a:prstGeom prst="ellipse">
+                <a:avLst/>
+              </a:prstGeom>
+              <a:solidFill>
+                <a:schemeClr val="accent1">
+                  <a:alpha val="23000"/>
+                </a:schemeClr>
+              </a:solidFill>
+            </p:spPr>
+            <p:style>
+              <a:lnRef idx="2">
+                <a:schemeClr val="accent1">
+                  <a:shade val="15000"/>
+                </a:schemeClr>
+              </a:lnRef>
+              <a:fillRef idx="1">
+                <a:schemeClr val="accent1"/>
+              </a:fillRef>
+              <a:effectRef idx="0">
+                <a:schemeClr val="accent1"/>
+              </a:effectRef>
+              <a:fontRef idx="minor">
+                <a:schemeClr val="lt1"/>
+              </a:fontRef>
+            </p:style>
+            <p:txBody>
+              <a:bodyPr rtlCol="0" anchor="ctr"/>
+              <a:lstStyle/>
+              <a:p>
+                <a:pPr algn="ctr"/>
+                <a:endParaRPr lang="en-US"/>
+              </a:p>
+            </p:txBody>
+          </p:sp>
+          <mc:AlternateContent xmlns:mc="http://schemas.openxmlformats.org/markup-compatibility/2006">
+            <mc:Choice xmlns:a14="http://schemas.microsoft.com/office/drawing/2010/main" Requires="a14">
+              <p:sp>
+                <p:nvSpPr>
+                  <p:cNvPr id="87" name="TextBox 86">
+                    <a:extLst>
+                      <a:ext uri="{FF2B5EF4-FFF2-40B4-BE49-F238E27FC236}">
+                        <a16:creationId xmlns:a16="http://schemas.microsoft.com/office/drawing/2014/main" id="{29BAB788-4395-B365-55C4-319D1D1ACAEA}"/>
+                      </a:ext>
+                    </a:extLst>
+                  </p:cNvPr>
+                  <p:cNvSpPr txBox="1"/>
+                  <p:nvPr/>
+                </p:nvSpPr>
+                <p:spPr>
+                  <a:xfrm>
+                    <a:off x="5783339" y="1395708"/>
+                    <a:ext cx="287515" cy="230832"/>
+                  </a:xfrm>
+                  <a:prstGeom prst="rect">
+                    <a:avLst/>
+                  </a:prstGeom>
+                  <a:noFill/>
+                </p:spPr>
+                <p:txBody>
+                  <a:bodyPr wrap="none" rtlCol="0">
+                    <a:spAutoFit/>
+                  </a:bodyPr>
+                  <a:lstStyle/>
+                  <a:p>
+                    <a14:m>
+                      <m:oMathPara xmlns:m="http://schemas.openxmlformats.org/officeDocument/2006/math">
+                        <m:oMathParaPr>
+                          <m:jc m:val="centerGroup"/>
+                        </m:oMathParaPr>
+                        <m:oMath xmlns:m="http://schemas.openxmlformats.org/officeDocument/2006/math">
+                          <m:r>
+                            <a:rPr lang="en-US" sz="900" b="0" i="1" smtClean="0">
+                              <a:latin typeface="Cambria Math" panose="02040503050406030204" pitchFamily="18" charset="0"/>
+                            </a:rPr>
+                            <m:t>𝐹</m:t>
+                          </m:r>
+                        </m:oMath>
+                      </m:oMathPara>
+                    </a14:m>
+                    <a:endParaRPr lang="en-US" sz="900" dirty="0"/>
+                  </a:p>
+                </p:txBody>
+              </p:sp>
+            </mc:Choice>
+            <mc:Fallback>
+              <p:sp>
+                <p:nvSpPr>
+                  <p:cNvPr id="87" name="TextBox 86">
+                    <a:extLst>
+                      <a:ext uri="{FF2B5EF4-FFF2-40B4-BE49-F238E27FC236}">
+                        <a16:creationId xmlns:a16="http://schemas.microsoft.com/office/drawing/2014/main" id="{29BAB788-4395-B365-55C4-319D1D1ACAEA}"/>
+                      </a:ext>
+                    </a:extLst>
+                  </p:cNvPr>
+                  <p:cNvSpPr txBox="1">
+                    <a:spLocks noRot="1" noChangeAspect="1" noMove="1" noResize="1" noEditPoints="1" noAdjustHandles="1" noChangeArrowheads="1" noChangeShapeType="1" noTextEdit="1"/>
+                  </p:cNvSpPr>
+                  <p:nvPr/>
+                </p:nvSpPr>
+                <p:spPr>
+                  <a:xfrm>
+                    <a:off x="5783339" y="1395708"/>
+                    <a:ext cx="287515" cy="230832"/>
+                  </a:xfrm>
+                  <a:prstGeom prst="rect">
+                    <a:avLst/>
+                  </a:prstGeom>
+                  <a:blipFill>
+                    <a:blip r:embed="rId16"/>
+                    <a:stretch>
+                      <a:fillRect/>
+                    </a:stretch>
+                  </a:blipFill>
+                </p:spPr>
+                <p:txBody>
+                  <a:bodyPr/>
+                  <a:lstStyle/>
+                  <a:p>
+                    <a:r>
+                      <a:rPr lang="en-US">
+                        <a:noFill/>
+                      </a:rPr>
+                      <a:t> </a:t>
+                    </a:r>
+                  </a:p>
+                </p:txBody>
+              </p:sp>
+            </mc:Fallback>
+          </mc:AlternateContent>
+          <p:sp>
+            <p:nvSpPr>
+              <p:cNvPr id="88" name="Oval 87">
+                <a:extLst>
+                  <a:ext uri="{FF2B5EF4-FFF2-40B4-BE49-F238E27FC236}">
+                    <a16:creationId xmlns:a16="http://schemas.microsoft.com/office/drawing/2014/main" id="{5904BEEB-B522-AD3C-31E5-A6EBBCA04798}"/>
+                  </a:ext>
+                </a:extLst>
+              </p:cNvPr>
+              <p:cNvSpPr/>
+              <p:nvPr/>
+            </p:nvSpPr>
+            <p:spPr>
+              <a:xfrm>
+                <a:off x="5094491" y="1974595"/>
+                <a:ext cx="340117" cy="370332"/>
+              </a:xfrm>
+              <a:prstGeom prst="ellipse">
+                <a:avLst/>
+              </a:prstGeom>
+              <a:solidFill>
+                <a:schemeClr val="accent1">
+                  <a:alpha val="23000"/>
+                </a:schemeClr>
+              </a:solidFill>
+            </p:spPr>
+            <p:style>
+              <a:lnRef idx="2">
+                <a:schemeClr val="accent1">
+                  <a:shade val="15000"/>
+                </a:schemeClr>
+              </a:lnRef>
+              <a:fillRef idx="1">
+                <a:schemeClr val="accent1"/>
+              </a:fillRef>
+              <a:effectRef idx="0">
+                <a:schemeClr val="accent1"/>
+              </a:effectRef>
+              <a:fontRef idx="minor">
+                <a:schemeClr val="lt1"/>
+              </a:fontRef>
+            </p:style>
+            <p:txBody>
+              <a:bodyPr rtlCol="0" anchor="ctr"/>
+              <a:lstStyle/>
+              <a:p>
+                <a:pPr algn="ctr"/>
+                <a:endParaRPr lang="en-US"/>
+              </a:p>
+            </p:txBody>
+          </p:sp>
+          <mc:AlternateContent xmlns:mc="http://schemas.openxmlformats.org/markup-compatibility/2006">
+            <mc:Choice xmlns:a14="http://schemas.microsoft.com/office/drawing/2010/main" Requires="a14">
+              <p:sp>
+                <p:nvSpPr>
+                  <p:cNvPr id="89" name="TextBox 88">
+                    <a:extLst>
+                      <a:ext uri="{FF2B5EF4-FFF2-40B4-BE49-F238E27FC236}">
+                        <a16:creationId xmlns:a16="http://schemas.microsoft.com/office/drawing/2014/main" id="{7459CAF4-076E-133B-3F87-EDF45656A5F7}"/>
+                      </a:ext>
+                    </a:extLst>
+                  </p:cNvPr>
+                  <p:cNvSpPr txBox="1"/>
+                  <p:nvPr/>
+                </p:nvSpPr>
+                <p:spPr>
+                  <a:xfrm>
+                    <a:off x="5121947" y="2044345"/>
+                    <a:ext cx="285206" cy="230832"/>
+                  </a:xfrm>
+                  <a:prstGeom prst="rect">
+                    <a:avLst/>
+                  </a:prstGeom>
+                  <a:noFill/>
+                </p:spPr>
+                <p:txBody>
+                  <a:bodyPr wrap="none" rtlCol="0">
+                    <a:spAutoFit/>
+                  </a:bodyPr>
+                  <a:lstStyle/>
+                  <a:p>
+                    <a14:m>
+                      <m:oMathPara xmlns:m="http://schemas.openxmlformats.org/officeDocument/2006/math">
+                        <m:oMathParaPr>
+                          <m:jc m:val="centerGroup"/>
+                        </m:oMathParaPr>
+                        <m:oMath xmlns:m="http://schemas.openxmlformats.org/officeDocument/2006/math">
+                          <m:r>
+                            <a:rPr lang="en-US" sz="900" b="0" i="1" smtClean="0">
+                              <a:latin typeface="Cambria Math" panose="02040503050406030204" pitchFamily="18" charset="0"/>
+                            </a:rPr>
+                            <m:t>𝐴</m:t>
+                          </m:r>
+                        </m:oMath>
+                      </m:oMathPara>
+                    </a14:m>
+                    <a:endParaRPr lang="en-US" sz="900" dirty="0"/>
+                  </a:p>
+                </p:txBody>
+              </p:sp>
+            </mc:Choice>
+            <mc:Fallback>
+              <p:sp>
+                <p:nvSpPr>
+                  <p:cNvPr id="89" name="TextBox 88">
+                    <a:extLst>
+                      <a:ext uri="{FF2B5EF4-FFF2-40B4-BE49-F238E27FC236}">
+                        <a16:creationId xmlns:a16="http://schemas.microsoft.com/office/drawing/2014/main" id="{7459CAF4-076E-133B-3F87-EDF45656A5F7}"/>
+                      </a:ext>
+                    </a:extLst>
+                  </p:cNvPr>
+                  <p:cNvSpPr txBox="1">
+                    <a:spLocks noRot="1" noChangeAspect="1" noMove="1" noResize="1" noEditPoints="1" noAdjustHandles="1" noChangeArrowheads="1" noChangeShapeType="1" noTextEdit="1"/>
+                  </p:cNvSpPr>
+                  <p:nvPr/>
+                </p:nvSpPr>
+                <p:spPr>
+                  <a:xfrm>
+                    <a:off x="5121947" y="2044345"/>
+                    <a:ext cx="285206" cy="230832"/>
+                  </a:xfrm>
+                  <a:prstGeom prst="rect">
+                    <a:avLst/>
+                  </a:prstGeom>
+                  <a:blipFill>
+                    <a:blip r:embed="rId17"/>
+                    <a:stretch>
+                      <a:fillRect/>
+                    </a:stretch>
+                  </a:blipFill>
+                </p:spPr>
+                <p:txBody>
+                  <a:bodyPr/>
+                  <a:lstStyle/>
+                  <a:p>
+                    <a:r>
+                      <a:rPr lang="en-US">
+                        <a:noFill/>
+                      </a:rPr>
+                      <a:t> </a:t>
+                    </a:r>
+                  </a:p>
+                </p:txBody>
+              </p:sp>
+            </mc:Fallback>
+          </mc:AlternateContent>
+          <p:cxnSp>
+            <p:nvCxnSpPr>
+              <p:cNvPr id="90" name="Straight Arrow Connector 89">
+                <a:extLst>
+                  <a:ext uri="{FF2B5EF4-FFF2-40B4-BE49-F238E27FC236}">
+                    <a16:creationId xmlns:a16="http://schemas.microsoft.com/office/drawing/2014/main" id="{5BB67FA3-66EB-CC9E-9297-4B3C1AB8DF2F}"/>
+                  </a:ext>
+                </a:extLst>
+              </p:cNvPr>
+              <p:cNvCxnSpPr/>
+              <p:nvPr/>
+            </p:nvCxnSpPr>
+            <p:spPr>
+              <a:xfrm>
+                <a:off x="4727931" y="1662175"/>
+                <a:ext cx="394016" cy="382170"/>
+              </a:xfrm>
+              <a:prstGeom prst="straightConnector1">
+                <a:avLst/>
+              </a:prstGeom>
+              <a:ln>
+                <a:tailEnd type="triangle"/>
+              </a:ln>
+            </p:spPr>
+            <p:style>
+              <a:lnRef idx="1">
+                <a:schemeClr val="accent1"/>
+              </a:lnRef>
+              <a:fillRef idx="0">
+                <a:schemeClr val="accent1"/>
+              </a:fillRef>
+              <a:effectRef idx="0">
+                <a:schemeClr val="accent1"/>
+              </a:effectRef>
+              <a:fontRef idx="minor">
+                <a:schemeClr val="tx1"/>
+              </a:fontRef>
+            </p:style>
+          </p:cxnSp>
+          <p:cxnSp>
+            <p:nvCxnSpPr>
+              <p:cNvPr id="91" name="Straight Arrow Connector 90">
+                <a:extLst>
+                  <a:ext uri="{FF2B5EF4-FFF2-40B4-BE49-F238E27FC236}">
+                    <a16:creationId xmlns:a16="http://schemas.microsoft.com/office/drawing/2014/main" id="{890ED3D6-9193-A762-2ED0-B210A9A75856}"/>
+                  </a:ext>
+                </a:extLst>
+              </p:cNvPr>
+              <p:cNvCxnSpPr>
+                <a:cxnSpLocks/>
+              </p:cNvCxnSpPr>
+              <p:nvPr/>
+            </p:nvCxnSpPr>
+            <p:spPr>
+              <a:xfrm flipH="1">
+                <a:off x="5407152" y="1642056"/>
+                <a:ext cx="392276" cy="402289"/>
+              </a:xfrm>
+              <a:prstGeom prst="straightConnector1">
+                <a:avLst/>
+              </a:prstGeom>
+              <a:ln>
+                <a:tailEnd type="triangle"/>
+              </a:ln>
+            </p:spPr>
+            <p:style>
+              <a:lnRef idx="1">
+                <a:schemeClr val="accent1"/>
+              </a:lnRef>
+              <a:fillRef idx="0">
+                <a:schemeClr val="accent1"/>
+              </a:fillRef>
+              <a:effectRef idx="0">
+                <a:schemeClr val="accent1"/>
+              </a:effectRef>
+              <a:fontRef idx="minor">
+                <a:schemeClr val="tx1"/>
+              </a:fontRef>
+            </p:style>
+          </p:cxnSp>
+          <p:cxnSp>
+            <p:nvCxnSpPr>
+              <p:cNvPr id="92" name="Straight Connector 91">
+                <a:extLst>
+                  <a:ext uri="{FF2B5EF4-FFF2-40B4-BE49-F238E27FC236}">
+                    <a16:creationId xmlns:a16="http://schemas.microsoft.com/office/drawing/2014/main" id="{4E48C860-5C49-906B-B18D-832C0484916B}"/>
+                  </a:ext>
+                </a:extLst>
+              </p:cNvPr>
+              <p:cNvCxnSpPr/>
+              <p:nvPr/>
+            </p:nvCxnSpPr>
+            <p:spPr>
+              <a:xfrm>
+                <a:off x="5121947" y="1853260"/>
+                <a:ext cx="282065" cy="578117"/>
+              </a:xfrm>
+              <a:prstGeom prst="line">
+                <a:avLst/>
+              </a:prstGeom>
+              <a:ln>
+                <a:solidFill>
+                  <a:schemeClr val="tx1"/>
+                </a:solidFill>
+              </a:ln>
+            </p:spPr>
+            <p:style>
+              <a:lnRef idx="1">
+                <a:schemeClr val="accent1"/>
+              </a:lnRef>
+              <a:fillRef idx="0">
+                <a:schemeClr val="accent1"/>
+              </a:fillRef>
+              <a:effectRef idx="0">
+                <a:schemeClr val="accent1"/>
+              </a:effectRef>
+              <a:fontRef idx="minor">
+                <a:schemeClr val="tx1"/>
+              </a:fontRef>
+            </p:style>
+          </p:cxnSp>
+          <p:cxnSp>
+            <p:nvCxnSpPr>
+              <p:cNvPr id="93" name="Straight Connector 92">
+                <a:extLst>
+                  <a:ext uri="{FF2B5EF4-FFF2-40B4-BE49-F238E27FC236}">
+                    <a16:creationId xmlns:a16="http://schemas.microsoft.com/office/drawing/2014/main" id="{F174AF5C-10AB-0776-131C-D387D1E61AD1}"/>
+                  </a:ext>
+                </a:extLst>
+              </p:cNvPr>
+              <p:cNvCxnSpPr/>
+              <p:nvPr/>
+            </p:nvCxnSpPr>
+            <p:spPr>
+              <a:xfrm flipH="1">
+                <a:off x="5082840" y="1870703"/>
+                <a:ext cx="359021" cy="503764"/>
+              </a:xfrm>
+              <a:prstGeom prst="line">
+                <a:avLst/>
+              </a:prstGeom>
+              <a:ln>
+                <a:solidFill>
+                  <a:schemeClr val="tx1"/>
+                </a:solidFill>
+              </a:ln>
+            </p:spPr>
+            <p:style>
+              <a:lnRef idx="1">
+                <a:schemeClr val="accent1"/>
+              </a:lnRef>
+              <a:fillRef idx="0">
+                <a:schemeClr val="accent1"/>
+              </a:fillRef>
+              <a:effectRef idx="0">
+                <a:schemeClr val="accent1"/>
+              </a:effectRef>
+              <a:fontRef idx="minor">
+                <a:schemeClr val="tx1"/>
+              </a:fontRef>
+            </p:style>
+          </p:cxnSp>
+        </p:grpSp>
+        <p:grpSp>
+          <p:nvGrpSpPr>
+            <p:cNvPr id="94" name="Group 93">
+              <a:extLst>
+                <a:ext uri="{FF2B5EF4-FFF2-40B4-BE49-F238E27FC236}">
+                  <a16:creationId xmlns:a16="http://schemas.microsoft.com/office/drawing/2014/main" id="{C0715E54-C43D-CDD4-7D17-39F692217F13}"/>
+                </a:ext>
+              </a:extLst>
+            </p:cNvPr>
+            <p:cNvGrpSpPr/>
+            <p:nvPr/>
+          </p:nvGrpSpPr>
+          <p:grpSpPr>
+            <a:xfrm>
+              <a:off x="7338196" y="989210"/>
+              <a:ext cx="1658377" cy="1018969"/>
+              <a:chOff x="4437623" y="1325958"/>
+              <a:chExt cx="1658377" cy="1018969"/>
+            </a:xfrm>
+          </p:grpSpPr>
+          <p:sp>
+            <p:nvSpPr>
+              <p:cNvPr id="95" name="Oval 94">
+                <a:extLst>
+                  <a:ext uri="{FF2B5EF4-FFF2-40B4-BE49-F238E27FC236}">
+                    <a16:creationId xmlns:a16="http://schemas.microsoft.com/office/drawing/2014/main" id="{D5E5D1E7-C6C4-D035-6E7E-56DCF43DEACC}"/>
+                  </a:ext>
+                </a:extLst>
+              </p:cNvPr>
+              <p:cNvSpPr/>
+              <p:nvPr/>
+            </p:nvSpPr>
+            <p:spPr>
+              <a:xfrm>
+                <a:off x="4437623" y="1332053"/>
+                <a:ext cx="340117" cy="370332"/>
+              </a:xfrm>
+              <a:prstGeom prst="ellipse">
+                <a:avLst/>
+              </a:prstGeom>
+              <a:solidFill>
+                <a:schemeClr val="accent1">
+                  <a:alpha val="23000"/>
+                </a:schemeClr>
+              </a:solidFill>
+            </p:spPr>
+            <p:style>
+              <a:lnRef idx="2">
+                <a:schemeClr val="accent1">
+                  <a:shade val="15000"/>
+                </a:schemeClr>
+              </a:lnRef>
+              <a:fillRef idx="1">
+                <a:schemeClr val="accent1"/>
+              </a:fillRef>
+              <a:effectRef idx="0">
+                <a:schemeClr val="accent1"/>
+              </a:effectRef>
+              <a:fontRef idx="minor">
+                <a:schemeClr val="lt1"/>
+              </a:fontRef>
+            </p:style>
+            <p:txBody>
+              <a:bodyPr rtlCol="0" anchor="ctr"/>
+              <a:lstStyle/>
+              <a:p>
+                <a:pPr algn="ctr"/>
+                <a:endParaRPr lang="en-US"/>
+              </a:p>
+            </p:txBody>
+          </p:sp>
+          <mc:AlternateContent xmlns:mc="http://schemas.openxmlformats.org/markup-compatibility/2006">
+            <mc:Choice xmlns:a14="http://schemas.microsoft.com/office/drawing/2010/main" Requires="a14">
+              <p:sp>
+                <p:nvSpPr>
+                  <p:cNvPr id="96" name="TextBox 95">
+                    <a:extLst>
+                      <a:ext uri="{FF2B5EF4-FFF2-40B4-BE49-F238E27FC236}">
+                        <a16:creationId xmlns:a16="http://schemas.microsoft.com/office/drawing/2014/main" id="{B4FA500C-BA90-20FE-FCD4-1571C0004800}"/>
+                      </a:ext>
+                    </a:extLst>
+                  </p:cNvPr>
+                  <p:cNvSpPr txBox="1"/>
+                  <p:nvPr/>
+                </p:nvSpPr>
+                <p:spPr>
+                  <a:xfrm>
+                    <a:off x="4465079" y="1401803"/>
+                    <a:ext cx="288733" cy="230832"/>
+                  </a:xfrm>
+                  <a:prstGeom prst="rect">
+                    <a:avLst/>
+                  </a:prstGeom>
+                  <a:noFill/>
+                </p:spPr>
+                <p:txBody>
+                  <a:bodyPr wrap="none" rtlCol="0">
+                    <a:spAutoFit/>
+                  </a:bodyPr>
+                  <a:lstStyle/>
+                  <a:p>
+                    <a14:m>
+                      <m:oMathPara xmlns:m="http://schemas.openxmlformats.org/officeDocument/2006/math">
+                        <m:oMathParaPr>
+                          <m:jc m:val="centerGroup"/>
+                        </m:oMathParaPr>
+                        <m:oMath xmlns:m="http://schemas.openxmlformats.org/officeDocument/2006/math">
+                          <m:r>
+                            <a:rPr lang="en-US" sz="900" b="0" i="1" smtClean="0">
+                              <a:latin typeface="Cambria Math" panose="02040503050406030204" pitchFamily="18" charset="0"/>
+                            </a:rPr>
+                            <m:t>𝐵</m:t>
+                          </m:r>
+                        </m:oMath>
+                      </m:oMathPara>
+                    </a14:m>
+                    <a:endParaRPr lang="en-US" sz="900" dirty="0"/>
+                  </a:p>
+                </p:txBody>
+              </p:sp>
+            </mc:Choice>
+            <mc:Fallback>
+              <p:sp>
+                <p:nvSpPr>
+                  <p:cNvPr id="96" name="TextBox 95">
+                    <a:extLst>
+                      <a:ext uri="{FF2B5EF4-FFF2-40B4-BE49-F238E27FC236}">
+                        <a16:creationId xmlns:a16="http://schemas.microsoft.com/office/drawing/2014/main" id="{B4FA500C-BA90-20FE-FCD4-1571C0004800}"/>
+                      </a:ext>
+                    </a:extLst>
+                  </p:cNvPr>
+                  <p:cNvSpPr txBox="1">
+                    <a:spLocks noRot="1" noChangeAspect="1" noMove="1" noResize="1" noEditPoints="1" noAdjustHandles="1" noChangeArrowheads="1" noChangeShapeType="1" noTextEdit="1"/>
+                  </p:cNvSpPr>
+                  <p:nvPr/>
+                </p:nvSpPr>
+                <p:spPr>
+                  <a:xfrm>
+                    <a:off x="4465079" y="1401803"/>
+                    <a:ext cx="288733" cy="230832"/>
+                  </a:xfrm>
+                  <a:prstGeom prst="rect">
+                    <a:avLst/>
+                  </a:prstGeom>
+                  <a:blipFill>
+                    <a:blip r:embed="rId18"/>
+                    <a:stretch>
+                      <a:fillRect/>
+                    </a:stretch>
+                  </a:blipFill>
+                </p:spPr>
+                <p:txBody>
+                  <a:bodyPr/>
+                  <a:lstStyle/>
+                  <a:p>
+                    <a:r>
+                      <a:rPr lang="en-US">
+                        <a:noFill/>
+                      </a:rPr>
+                      <a:t> </a:t>
+                    </a:r>
+                  </a:p>
+                </p:txBody>
+              </p:sp>
+            </mc:Fallback>
+          </mc:AlternateContent>
+          <p:sp>
+            <p:nvSpPr>
+              <p:cNvPr id="97" name="Oval 96">
+                <a:extLst>
+                  <a:ext uri="{FF2B5EF4-FFF2-40B4-BE49-F238E27FC236}">
+                    <a16:creationId xmlns:a16="http://schemas.microsoft.com/office/drawing/2014/main" id="{0FD50578-FD40-2480-CEF4-1B9C2099CE0E}"/>
+                  </a:ext>
+                </a:extLst>
+              </p:cNvPr>
+              <p:cNvSpPr/>
+              <p:nvPr/>
+            </p:nvSpPr>
+            <p:spPr>
+              <a:xfrm>
+                <a:off x="5755883" y="1325958"/>
+                <a:ext cx="340117" cy="370332"/>
+              </a:xfrm>
+              <a:prstGeom prst="ellipse">
+                <a:avLst/>
+              </a:prstGeom>
+              <a:solidFill>
+                <a:schemeClr val="accent1">
+                  <a:alpha val="23000"/>
+                </a:schemeClr>
+              </a:solidFill>
+            </p:spPr>
+            <p:style>
+              <a:lnRef idx="2">
+                <a:schemeClr val="accent1">
+                  <a:shade val="15000"/>
+                </a:schemeClr>
+              </a:lnRef>
+              <a:fillRef idx="1">
+                <a:schemeClr val="accent1"/>
+              </a:fillRef>
+              <a:effectRef idx="0">
+                <a:schemeClr val="accent1"/>
+              </a:effectRef>
+              <a:fontRef idx="minor">
+                <a:schemeClr val="lt1"/>
+              </a:fontRef>
+            </p:style>
+            <p:txBody>
+              <a:bodyPr rtlCol="0" anchor="ctr"/>
+              <a:lstStyle/>
+              <a:p>
+                <a:pPr algn="ctr"/>
+                <a:endParaRPr lang="en-US"/>
+              </a:p>
+            </p:txBody>
+          </p:sp>
+          <mc:AlternateContent xmlns:mc="http://schemas.openxmlformats.org/markup-compatibility/2006">
+            <mc:Choice xmlns:a14="http://schemas.microsoft.com/office/drawing/2010/main" Requires="a14">
+              <p:sp>
+                <p:nvSpPr>
+                  <p:cNvPr id="98" name="TextBox 97">
+                    <a:extLst>
+                      <a:ext uri="{FF2B5EF4-FFF2-40B4-BE49-F238E27FC236}">
+                        <a16:creationId xmlns:a16="http://schemas.microsoft.com/office/drawing/2014/main" id="{2CE4534D-F492-49C3-0CF3-E58C6192EF91}"/>
+                      </a:ext>
+                    </a:extLst>
+                  </p:cNvPr>
+                  <p:cNvSpPr txBox="1"/>
+                  <p:nvPr/>
+                </p:nvSpPr>
+                <p:spPr>
+                  <a:xfrm>
+                    <a:off x="5783339" y="1395708"/>
+                    <a:ext cx="287515" cy="230832"/>
+                  </a:xfrm>
+                  <a:prstGeom prst="rect">
+                    <a:avLst/>
+                  </a:prstGeom>
+                  <a:noFill/>
+                </p:spPr>
+                <p:txBody>
+                  <a:bodyPr wrap="none" rtlCol="0">
+                    <a:spAutoFit/>
+                  </a:bodyPr>
+                  <a:lstStyle/>
+                  <a:p>
+                    <a14:m>
+                      <m:oMathPara xmlns:m="http://schemas.openxmlformats.org/officeDocument/2006/math">
+                        <m:oMathParaPr>
+                          <m:jc m:val="centerGroup"/>
+                        </m:oMathParaPr>
+                        <m:oMath xmlns:m="http://schemas.openxmlformats.org/officeDocument/2006/math">
+                          <m:r>
+                            <a:rPr lang="en-US" sz="900" b="0" i="1" smtClean="0">
+                              <a:latin typeface="Cambria Math" panose="02040503050406030204" pitchFamily="18" charset="0"/>
+                            </a:rPr>
+                            <m:t>𝐹</m:t>
+                          </m:r>
+                        </m:oMath>
+                      </m:oMathPara>
+                    </a14:m>
+                    <a:endParaRPr lang="en-US" sz="900" dirty="0"/>
+                  </a:p>
+                </p:txBody>
+              </p:sp>
+            </mc:Choice>
+            <mc:Fallback>
+              <p:sp>
+                <p:nvSpPr>
+                  <p:cNvPr id="98" name="TextBox 97">
+                    <a:extLst>
+                      <a:ext uri="{FF2B5EF4-FFF2-40B4-BE49-F238E27FC236}">
+                        <a16:creationId xmlns:a16="http://schemas.microsoft.com/office/drawing/2014/main" id="{2CE4534D-F492-49C3-0CF3-E58C6192EF91}"/>
+                      </a:ext>
+                    </a:extLst>
+                  </p:cNvPr>
+                  <p:cNvSpPr txBox="1">
+                    <a:spLocks noRot="1" noChangeAspect="1" noMove="1" noResize="1" noEditPoints="1" noAdjustHandles="1" noChangeArrowheads="1" noChangeShapeType="1" noTextEdit="1"/>
+                  </p:cNvSpPr>
+                  <p:nvPr/>
+                </p:nvSpPr>
+                <p:spPr>
+                  <a:xfrm>
+                    <a:off x="5783339" y="1395708"/>
+                    <a:ext cx="287515" cy="230832"/>
+                  </a:xfrm>
+                  <a:prstGeom prst="rect">
+                    <a:avLst/>
+                  </a:prstGeom>
+                  <a:blipFill>
+                    <a:blip r:embed="rId19"/>
+                    <a:stretch>
+                      <a:fillRect/>
+                    </a:stretch>
+                  </a:blipFill>
+                </p:spPr>
+                <p:txBody>
+                  <a:bodyPr/>
+                  <a:lstStyle/>
+                  <a:p>
+                    <a:r>
+                      <a:rPr lang="en-US">
+                        <a:noFill/>
+                      </a:rPr>
+                      <a:t> </a:t>
+                    </a:r>
+                  </a:p>
+                </p:txBody>
+              </p:sp>
+            </mc:Fallback>
+          </mc:AlternateContent>
+          <p:sp>
+            <p:nvSpPr>
+              <p:cNvPr id="99" name="Oval 98">
+                <a:extLst>
+                  <a:ext uri="{FF2B5EF4-FFF2-40B4-BE49-F238E27FC236}">
+                    <a16:creationId xmlns:a16="http://schemas.microsoft.com/office/drawing/2014/main" id="{723E2BD2-7EF1-35E0-B9E3-28722A85CACA}"/>
+                  </a:ext>
+                </a:extLst>
+              </p:cNvPr>
+              <p:cNvSpPr/>
+              <p:nvPr/>
+            </p:nvSpPr>
+            <p:spPr>
+              <a:xfrm>
+                <a:off x="5094491" y="1974595"/>
+                <a:ext cx="340117" cy="370332"/>
+              </a:xfrm>
+              <a:prstGeom prst="ellipse">
+                <a:avLst/>
+              </a:prstGeom>
+              <a:solidFill>
+                <a:schemeClr val="accent1">
+                  <a:alpha val="23000"/>
+                </a:schemeClr>
+              </a:solidFill>
+            </p:spPr>
+            <p:style>
+              <a:lnRef idx="2">
+                <a:schemeClr val="accent1">
+                  <a:shade val="15000"/>
+                </a:schemeClr>
+              </a:lnRef>
+              <a:fillRef idx="1">
+                <a:schemeClr val="accent1"/>
+              </a:fillRef>
+              <a:effectRef idx="0">
+                <a:schemeClr val="accent1"/>
+              </a:effectRef>
+              <a:fontRef idx="minor">
+                <a:schemeClr val="lt1"/>
+              </a:fontRef>
+            </p:style>
+            <p:txBody>
+              <a:bodyPr rtlCol="0" anchor="ctr"/>
+              <a:lstStyle/>
+              <a:p>
+                <a:pPr algn="ctr"/>
+                <a:endParaRPr lang="en-US"/>
+              </a:p>
+            </p:txBody>
+          </p:sp>
+          <mc:AlternateContent xmlns:mc="http://schemas.openxmlformats.org/markup-compatibility/2006">
+            <mc:Choice xmlns:a14="http://schemas.microsoft.com/office/drawing/2010/main" Requires="a14">
+              <p:sp>
+                <p:nvSpPr>
+                  <p:cNvPr id="100" name="TextBox 99">
+                    <a:extLst>
+                      <a:ext uri="{FF2B5EF4-FFF2-40B4-BE49-F238E27FC236}">
+                        <a16:creationId xmlns:a16="http://schemas.microsoft.com/office/drawing/2014/main" id="{6ED30854-90FE-C4B5-9340-8FCD8FCF3737}"/>
+                      </a:ext>
+                    </a:extLst>
+                  </p:cNvPr>
+                  <p:cNvSpPr txBox="1"/>
+                  <p:nvPr/>
+                </p:nvSpPr>
+                <p:spPr>
+                  <a:xfrm>
+                    <a:off x="5121947" y="2044345"/>
+                    <a:ext cx="285206" cy="230832"/>
+                  </a:xfrm>
+                  <a:prstGeom prst="rect">
+                    <a:avLst/>
+                  </a:prstGeom>
+                  <a:noFill/>
+                </p:spPr>
+                <p:txBody>
+                  <a:bodyPr wrap="none" rtlCol="0">
+                    <a:spAutoFit/>
+                  </a:bodyPr>
+                  <a:lstStyle/>
+                  <a:p>
+                    <a14:m>
+                      <m:oMathPara xmlns:m="http://schemas.openxmlformats.org/officeDocument/2006/math">
+                        <m:oMathParaPr>
+                          <m:jc m:val="centerGroup"/>
+                        </m:oMathParaPr>
+                        <m:oMath xmlns:m="http://schemas.openxmlformats.org/officeDocument/2006/math">
+                          <m:r>
+                            <a:rPr lang="en-US" sz="900" b="0" i="1" smtClean="0">
+                              <a:latin typeface="Cambria Math" panose="02040503050406030204" pitchFamily="18" charset="0"/>
+                            </a:rPr>
+                            <m:t>𝐴</m:t>
+                          </m:r>
+                        </m:oMath>
+                      </m:oMathPara>
+                    </a14:m>
+                    <a:endParaRPr lang="en-US" sz="900" dirty="0"/>
+                  </a:p>
+                </p:txBody>
+              </p:sp>
+            </mc:Choice>
+            <mc:Fallback>
+              <p:sp>
+                <p:nvSpPr>
+                  <p:cNvPr id="100" name="TextBox 99">
+                    <a:extLst>
+                      <a:ext uri="{FF2B5EF4-FFF2-40B4-BE49-F238E27FC236}">
+                        <a16:creationId xmlns:a16="http://schemas.microsoft.com/office/drawing/2014/main" id="{6ED30854-90FE-C4B5-9340-8FCD8FCF3737}"/>
+                      </a:ext>
+                    </a:extLst>
+                  </p:cNvPr>
+                  <p:cNvSpPr txBox="1">
+                    <a:spLocks noRot="1" noChangeAspect="1" noMove="1" noResize="1" noEditPoints="1" noAdjustHandles="1" noChangeArrowheads="1" noChangeShapeType="1" noTextEdit="1"/>
+                  </p:cNvSpPr>
+                  <p:nvPr/>
+                </p:nvSpPr>
+                <p:spPr>
+                  <a:xfrm>
+                    <a:off x="5121947" y="2044345"/>
+                    <a:ext cx="285206" cy="230832"/>
+                  </a:xfrm>
+                  <a:prstGeom prst="rect">
+                    <a:avLst/>
+                  </a:prstGeom>
+                  <a:blipFill>
+                    <a:blip r:embed="rId20"/>
+                    <a:stretch>
+                      <a:fillRect/>
+                    </a:stretch>
+                  </a:blipFill>
+                </p:spPr>
+                <p:txBody>
+                  <a:bodyPr/>
+                  <a:lstStyle/>
+                  <a:p>
+                    <a:r>
+                      <a:rPr lang="en-US">
+                        <a:noFill/>
+                      </a:rPr>
+                      <a:t> </a:t>
+                    </a:r>
+                  </a:p>
+                </p:txBody>
+              </p:sp>
+            </mc:Fallback>
+          </mc:AlternateContent>
+          <p:cxnSp>
+            <p:nvCxnSpPr>
+              <p:cNvPr id="101" name="Straight Arrow Connector 100">
+                <a:extLst>
+                  <a:ext uri="{FF2B5EF4-FFF2-40B4-BE49-F238E27FC236}">
+                    <a16:creationId xmlns:a16="http://schemas.microsoft.com/office/drawing/2014/main" id="{D729659A-CD64-8301-6332-615056BC0EF8}"/>
+                  </a:ext>
+                </a:extLst>
+              </p:cNvPr>
+              <p:cNvCxnSpPr/>
+              <p:nvPr/>
+            </p:nvCxnSpPr>
+            <p:spPr>
+              <a:xfrm>
+                <a:off x="4727931" y="1662175"/>
+                <a:ext cx="394016" cy="382170"/>
+              </a:xfrm>
+              <a:prstGeom prst="straightConnector1">
+                <a:avLst/>
+              </a:prstGeom>
+              <a:ln>
+                <a:tailEnd type="triangle"/>
+              </a:ln>
+            </p:spPr>
+            <p:style>
+              <a:lnRef idx="1">
+                <a:schemeClr val="accent1"/>
+              </a:lnRef>
+              <a:fillRef idx="0">
+                <a:schemeClr val="accent1"/>
+              </a:fillRef>
+              <a:effectRef idx="0">
+                <a:schemeClr val="accent1"/>
+              </a:effectRef>
+              <a:fontRef idx="minor">
+                <a:schemeClr val="tx1"/>
+              </a:fontRef>
+            </p:style>
+          </p:cxnSp>
+          <p:cxnSp>
+            <p:nvCxnSpPr>
+              <p:cNvPr id="102" name="Straight Arrow Connector 101">
+                <a:extLst>
+                  <a:ext uri="{FF2B5EF4-FFF2-40B4-BE49-F238E27FC236}">
+                    <a16:creationId xmlns:a16="http://schemas.microsoft.com/office/drawing/2014/main" id="{1C3A1538-A147-535B-22E2-4796971891C3}"/>
+                  </a:ext>
+                </a:extLst>
+              </p:cNvPr>
+              <p:cNvCxnSpPr>
+                <a:cxnSpLocks/>
+              </p:cNvCxnSpPr>
+              <p:nvPr/>
+            </p:nvCxnSpPr>
+            <p:spPr>
+              <a:xfrm flipH="1">
+                <a:off x="5407152" y="1642056"/>
+                <a:ext cx="392276" cy="402289"/>
+              </a:xfrm>
+              <a:prstGeom prst="straightConnector1">
+                <a:avLst/>
+              </a:prstGeom>
+              <a:ln>
+                <a:tailEnd type="triangle"/>
+              </a:ln>
+            </p:spPr>
+            <p:style>
+              <a:lnRef idx="1">
+                <a:schemeClr val="accent1"/>
+              </a:lnRef>
+              <a:fillRef idx="0">
+                <a:schemeClr val="accent1"/>
+              </a:fillRef>
+              <a:effectRef idx="0">
+                <a:schemeClr val="accent1"/>
+              </a:effectRef>
+              <a:fontRef idx="minor">
+                <a:schemeClr val="tx1"/>
+              </a:fontRef>
+            </p:style>
+          </p:cxnSp>
+        </p:grpSp>
+        <mc:AlternateContent xmlns:mc="http://schemas.openxmlformats.org/markup-compatibility/2006">
+          <mc:Choice xmlns:a14="http://schemas.microsoft.com/office/drawing/2010/main" Requires="a14">
+            <p:sp>
+              <p:nvSpPr>
+                <p:cNvPr id="105" name="TextBox 104">
+                  <a:extLst>
+                    <a:ext uri="{FF2B5EF4-FFF2-40B4-BE49-F238E27FC236}">
+                      <a16:creationId xmlns:a16="http://schemas.microsoft.com/office/drawing/2014/main" id="{A922DA30-C6C1-5C6E-244F-D2EAFCAA4C9E}"/>
+                    </a:ext>
+                  </a:extLst>
+                </p:cNvPr>
+                <p:cNvSpPr txBox="1"/>
+                <p:nvPr/>
+              </p:nvSpPr>
+              <p:spPr>
+                <a:xfrm>
+                  <a:off x="7978404" y="2159761"/>
+                  <a:ext cx="373436" cy="230832"/>
+                </a:xfrm>
+                <a:prstGeom prst="rect">
+                  <a:avLst/>
+                </a:prstGeom>
+                <a:noFill/>
+              </p:spPr>
+              <p:txBody>
+                <a:bodyPr wrap="none" rtlCol="0">
+                  <a:spAutoFit/>
+                </a:bodyPr>
+                <a:lstStyle/>
+                <a:p>
+                  <a14:m>
+                    <m:oMathPara xmlns:m="http://schemas.openxmlformats.org/officeDocument/2006/math">
+                      <m:oMathParaPr>
+                        <m:jc m:val="centerGroup"/>
+                      </m:oMathParaPr>
+                      <m:oMath xmlns:m="http://schemas.openxmlformats.org/officeDocument/2006/math">
+                        <m:r>
+                          <a:rPr lang="en-US" sz="900" b="0" i="1" smtClean="0">
+                            <a:latin typeface="Cambria Math" panose="02040503050406030204" pitchFamily="18" charset="0"/>
+                          </a:rPr>
+                          <m:t>(</m:t>
+                        </m:r>
+                        <m:r>
+                          <a:rPr lang="en-US" sz="900" b="0" i="1" smtClean="0">
+                            <a:latin typeface="Cambria Math" panose="02040503050406030204" pitchFamily="18" charset="0"/>
+                          </a:rPr>
+                          <m:t>𝑎</m:t>
+                        </m:r>
+                        <m:r>
+                          <a:rPr lang="en-US" sz="900" b="0" i="1" smtClean="0">
+                            <a:latin typeface="Cambria Math" panose="02040503050406030204" pitchFamily="18" charset="0"/>
+                          </a:rPr>
+                          <m:t>)</m:t>
+                        </m:r>
+                      </m:oMath>
+                    </m:oMathPara>
+                  </a14:m>
+                  <a:endParaRPr lang="en-US" sz="900" dirty="0"/>
+                </a:p>
+              </p:txBody>
+            </p:sp>
+          </mc:Choice>
+          <mc:Fallback>
+            <p:sp>
+              <p:nvSpPr>
+                <p:cNvPr id="105" name="TextBox 104">
+                  <a:extLst>
+                    <a:ext uri="{FF2B5EF4-FFF2-40B4-BE49-F238E27FC236}">
+                      <a16:creationId xmlns:a16="http://schemas.microsoft.com/office/drawing/2014/main" id="{A922DA30-C6C1-5C6E-244F-D2EAFCAA4C9E}"/>
+                    </a:ext>
+                  </a:extLst>
+                </p:cNvPr>
+                <p:cNvSpPr txBox="1">
+                  <a:spLocks noRot="1" noChangeAspect="1" noMove="1" noResize="1" noEditPoints="1" noAdjustHandles="1" noChangeArrowheads="1" noChangeShapeType="1" noTextEdit="1"/>
+                </p:cNvSpPr>
+                <p:nvPr/>
+              </p:nvSpPr>
+              <p:spPr>
+                <a:xfrm>
+                  <a:off x="7978404" y="2159761"/>
+                  <a:ext cx="373436" cy="230832"/>
+                </a:xfrm>
+                <a:prstGeom prst="rect">
+                  <a:avLst/>
+                </a:prstGeom>
+                <a:blipFill>
+                  <a:blip r:embed="rId21"/>
+                  <a:stretch>
+                    <a:fillRect/>
+                  </a:stretch>
+                </a:blipFill>
+              </p:spPr>
+              <p:txBody>
+                <a:bodyPr/>
+                <a:lstStyle/>
+                <a:p>
+                  <a:r>
+                    <a:rPr lang="en-US">
+                      <a:noFill/>
+                    </a:rPr>
+                    <a:t> </a:t>
+                  </a:r>
+                </a:p>
+              </p:txBody>
+            </p:sp>
+          </mc:Fallback>
+        </mc:AlternateContent>
+        <mc:AlternateContent xmlns:mc="http://schemas.openxmlformats.org/markup-compatibility/2006">
+          <mc:Choice xmlns:a14="http://schemas.microsoft.com/office/drawing/2010/main" Requires="a14">
+            <p:sp>
+              <p:nvSpPr>
+                <p:cNvPr id="106" name="TextBox 105">
+                  <a:extLst>
+                    <a:ext uri="{FF2B5EF4-FFF2-40B4-BE49-F238E27FC236}">
+                      <a16:creationId xmlns:a16="http://schemas.microsoft.com/office/drawing/2014/main" id="{78445E85-4885-F6B1-8287-C08CBA0E77A3}"/>
+                    </a:ext>
+                  </a:extLst>
+                </p:cNvPr>
+                <p:cNvSpPr txBox="1"/>
+                <p:nvPr/>
+              </p:nvSpPr>
+              <p:spPr>
+                <a:xfrm>
+                  <a:off x="10421831" y="2159761"/>
+                  <a:ext cx="371577" cy="230832"/>
+                </a:xfrm>
+                <a:prstGeom prst="rect">
+                  <a:avLst/>
+                </a:prstGeom>
+                <a:noFill/>
+              </p:spPr>
+              <p:txBody>
+                <a:bodyPr wrap="none" rtlCol="0">
+                  <a:spAutoFit/>
+                </a:bodyPr>
+                <a:lstStyle/>
+                <a:p>
+                  <a14:m>
+                    <m:oMathPara xmlns:m="http://schemas.openxmlformats.org/officeDocument/2006/math">
+                      <m:oMathParaPr>
+                        <m:jc m:val="centerGroup"/>
+                      </m:oMathParaPr>
+                      <m:oMath xmlns:m="http://schemas.openxmlformats.org/officeDocument/2006/math">
+                        <m:r>
+                          <a:rPr lang="en-US" sz="900" b="0" i="1" smtClean="0">
+                            <a:latin typeface="Cambria Math" panose="02040503050406030204" pitchFamily="18" charset="0"/>
+                          </a:rPr>
+                          <m:t>(</m:t>
+                        </m:r>
+                        <m:r>
+                          <a:rPr lang="en-US" sz="900" b="0" i="1" smtClean="0">
+                            <a:latin typeface="Cambria Math" panose="02040503050406030204" pitchFamily="18" charset="0"/>
+                          </a:rPr>
+                          <m:t>𝑏</m:t>
+                        </m:r>
+                        <m:r>
+                          <a:rPr lang="en-US" sz="900" b="0" i="1" smtClean="0">
+                            <a:latin typeface="Cambria Math" panose="02040503050406030204" pitchFamily="18" charset="0"/>
+                          </a:rPr>
+                          <m:t>)</m:t>
+                        </m:r>
+                      </m:oMath>
+                    </m:oMathPara>
+                  </a14:m>
+                  <a:endParaRPr lang="en-US" sz="900" dirty="0"/>
+                </a:p>
+              </p:txBody>
+            </p:sp>
+          </mc:Choice>
+          <mc:Fallback>
+            <p:sp>
+              <p:nvSpPr>
+                <p:cNvPr id="106" name="TextBox 105">
+                  <a:extLst>
+                    <a:ext uri="{FF2B5EF4-FFF2-40B4-BE49-F238E27FC236}">
+                      <a16:creationId xmlns:a16="http://schemas.microsoft.com/office/drawing/2014/main" id="{78445E85-4885-F6B1-8287-C08CBA0E77A3}"/>
+                    </a:ext>
+                  </a:extLst>
+                </p:cNvPr>
+                <p:cNvSpPr txBox="1">
+                  <a:spLocks noRot="1" noChangeAspect="1" noMove="1" noResize="1" noEditPoints="1" noAdjustHandles="1" noChangeArrowheads="1" noChangeShapeType="1" noTextEdit="1"/>
+                </p:cNvSpPr>
+                <p:nvPr/>
+              </p:nvSpPr>
+              <p:spPr>
+                <a:xfrm>
+                  <a:off x="10421831" y="2159761"/>
+                  <a:ext cx="371577" cy="230832"/>
+                </a:xfrm>
+                <a:prstGeom prst="rect">
+                  <a:avLst/>
+                </a:prstGeom>
+                <a:blipFill>
+                  <a:blip r:embed="rId22"/>
+                  <a:stretch>
+                    <a:fillRect/>
+                  </a:stretch>
+                </a:blipFill>
+              </p:spPr>
+              <p:txBody>
+                <a:bodyPr/>
+                <a:lstStyle/>
+                <a:p>
+                  <a:r>
+                    <a:rPr lang="en-US">
+                      <a:noFill/>
+                    </a:rPr>
+                    <a:t> </a:t>
+                  </a:r>
+                </a:p>
+              </p:txBody>
+            </p:sp>
+          </mc:Fallback>
+        </mc:AlternateContent>
+      </p:grpSp>
     </p:spTree>
     <p:extLst>
       <p:ext uri="{BB962C8B-B14F-4D97-AF65-F5344CB8AC3E}">

--- a/docs/LearningBayesianNetworksNeapolitanNotes.pptx
+++ b/docs/LearningBayesianNetworksNeapolitanNotes.pptx
@@ -13985,6 +13985,819 @@
           </mc:Fallback>
         </mc:AlternateContent>
       </p:grpSp>
+      <p:grpSp>
+        <p:nvGrpSpPr>
+          <p:cNvPr id="125" name="Group 124">
+            <a:extLst>
+              <a:ext uri="{FF2B5EF4-FFF2-40B4-BE49-F238E27FC236}">
+                <a16:creationId xmlns:a16="http://schemas.microsoft.com/office/drawing/2014/main" id="{7C2E7B5F-0793-5C3F-84E3-0F4AB95BEBB6}"/>
+              </a:ext>
+            </a:extLst>
+          </p:cNvPr>
+          <p:cNvGrpSpPr/>
+          <p:nvPr/>
+        </p:nvGrpSpPr>
+        <p:grpSpPr>
+          <a:xfrm>
+            <a:off x="1267161" y="2843860"/>
+            <a:ext cx="3296234" cy="578117"/>
+            <a:chOff x="1267161" y="2843860"/>
+            <a:chExt cx="3296234" cy="578117"/>
+          </a:xfrm>
+        </p:grpSpPr>
+        <p:sp>
+          <p:nvSpPr>
+            <p:cNvPr id="108" name="Oval 107">
+              <a:extLst>
+                <a:ext uri="{FF2B5EF4-FFF2-40B4-BE49-F238E27FC236}">
+                  <a16:creationId xmlns:a16="http://schemas.microsoft.com/office/drawing/2014/main" id="{097787FF-2229-6502-C111-8F98CDF0AF25}"/>
+                </a:ext>
+              </a:extLst>
+            </p:cNvPr>
+            <p:cNvSpPr/>
+            <p:nvPr/>
+          </p:nvSpPr>
+          <p:spPr>
+            <a:xfrm>
+              <a:off x="1267161" y="2955968"/>
+              <a:ext cx="340117" cy="370332"/>
+            </a:xfrm>
+            <a:prstGeom prst="ellipse">
+              <a:avLst/>
+            </a:prstGeom>
+            <a:solidFill>
+              <a:schemeClr val="accent1">
+                <a:alpha val="23000"/>
+              </a:schemeClr>
+            </a:solidFill>
+          </p:spPr>
+          <p:style>
+            <a:lnRef idx="2">
+              <a:schemeClr val="accent1">
+                <a:shade val="15000"/>
+              </a:schemeClr>
+            </a:lnRef>
+            <a:fillRef idx="1">
+              <a:schemeClr val="accent1"/>
+            </a:fillRef>
+            <a:effectRef idx="0">
+              <a:schemeClr val="accent1"/>
+            </a:effectRef>
+            <a:fontRef idx="minor">
+              <a:schemeClr val="lt1"/>
+            </a:fontRef>
+          </p:style>
+          <p:txBody>
+            <a:bodyPr rtlCol="0" anchor="ctr"/>
+            <a:lstStyle/>
+            <a:p>
+              <a:pPr algn="ctr"/>
+              <a:endParaRPr lang="en-US"/>
+            </a:p>
+          </p:txBody>
+        </p:sp>
+        <mc:AlternateContent xmlns:mc="http://schemas.openxmlformats.org/markup-compatibility/2006">
+          <mc:Choice xmlns:a14="http://schemas.microsoft.com/office/drawing/2010/main" Requires="a14">
+            <p:sp>
+              <p:nvSpPr>
+                <p:cNvPr id="109" name="TextBox 108">
+                  <a:extLst>
+                    <a:ext uri="{FF2B5EF4-FFF2-40B4-BE49-F238E27FC236}">
+                      <a16:creationId xmlns:a16="http://schemas.microsoft.com/office/drawing/2014/main" id="{B2EFD644-1F0B-9B1F-324C-F572D15C34D7}"/>
+                    </a:ext>
+                  </a:extLst>
+                </p:cNvPr>
+                <p:cNvSpPr txBox="1"/>
+                <p:nvPr/>
+              </p:nvSpPr>
+              <p:spPr>
+                <a:xfrm>
+                  <a:off x="1306018" y="3025718"/>
+                  <a:ext cx="287515" cy="230832"/>
+                </a:xfrm>
+                <a:prstGeom prst="rect">
+                  <a:avLst/>
+                </a:prstGeom>
+                <a:noFill/>
+              </p:spPr>
+              <p:txBody>
+                <a:bodyPr wrap="none" rtlCol="0">
+                  <a:spAutoFit/>
+                </a:bodyPr>
+                <a:lstStyle/>
+                <a:p>
+                  <a14:m>
+                    <m:oMathPara xmlns:m="http://schemas.openxmlformats.org/officeDocument/2006/math">
+                      <m:oMathParaPr>
+                        <m:jc m:val="centerGroup"/>
+                      </m:oMathParaPr>
+                      <m:oMath xmlns:m="http://schemas.openxmlformats.org/officeDocument/2006/math">
+                        <m:r>
+                          <a:rPr lang="en-US" sz="900" b="0" i="1" smtClean="0">
+                            <a:latin typeface="Cambria Math" panose="02040503050406030204" pitchFamily="18" charset="0"/>
+                          </a:rPr>
+                          <m:t>𝐺</m:t>
+                        </m:r>
+                      </m:oMath>
+                    </m:oMathPara>
+                  </a14:m>
+                  <a:endParaRPr lang="en-US" sz="900" dirty="0"/>
+                </a:p>
+              </p:txBody>
+            </p:sp>
+          </mc:Choice>
+          <mc:Fallback>
+            <p:sp>
+              <p:nvSpPr>
+                <p:cNvPr id="109" name="TextBox 108">
+                  <a:extLst>
+                    <a:ext uri="{FF2B5EF4-FFF2-40B4-BE49-F238E27FC236}">
+                      <a16:creationId xmlns:a16="http://schemas.microsoft.com/office/drawing/2014/main" id="{B2EFD644-1F0B-9B1F-324C-F572D15C34D7}"/>
+                    </a:ext>
+                  </a:extLst>
+                </p:cNvPr>
+                <p:cNvSpPr txBox="1">
+                  <a:spLocks noRot="1" noChangeAspect="1" noMove="1" noResize="1" noEditPoints="1" noAdjustHandles="1" noChangeArrowheads="1" noChangeShapeType="1" noTextEdit="1"/>
+                </p:cNvSpPr>
+                <p:nvPr/>
+              </p:nvSpPr>
+              <p:spPr>
+                <a:xfrm>
+                  <a:off x="1306018" y="3025718"/>
+                  <a:ext cx="287515" cy="230832"/>
+                </a:xfrm>
+                <a:prstGeom prst="rect">
+                  <a:avLst/>
+                </a:prstGeom>
+                <a:blipFill>
+                  <a:blip r:embed="rId14"/>
+                  <a:stretch>
+                    <a:fillRect/>
+                  </a:stretch>
+                </a:blipFill>
+              </p:spPr>
+              <p:txBody>
+                <a:bodyPr/>
+                <a:lstStyle/>
+                <a:p>
+                  <a:r>
+                    <a:rPr lang="en-US">
+                      <a:noFill/>
+                    </a:rPr>
+                    <a:t> </a:t>
+                  </a:r>
+                </a:p>
+              </p:txBody>
+            </p:sp>
+          </mc:Fallback>
+        </mc:AlternateContent>
+        <p:sp>
+          <p:nvSpPr>
+            <p:cNvPr id="111" name="Oval 110">
+              <a:extLst>
+                <a:ext uri="{FF2B5EF4-FFF2-40B4-BE49-F238E27FC236}">
+                  <a16:creationId xmlns:a16="http://schemas.microsoft.com/office/drawing/2014/main" id="{F510AC16-E5A0-5B22-086E-AE5BF10194A7}"/>
+                </a:ext>
+              </a:extLst>
+            </p:cNvPr>
+            <p:cNvSpPr/>
+            <p:nvPr/>
+          </p:nvSpPr>
+          <p:spPr>
+            <a:xfrm>
+              <a:off x="2225101" y="2955968"/>
+              <a:ext cx="340117" cy="370332"/>
+            </a:xfrm>
+            <a:prstGeom prst="ellipse">
+              <a:avLst/>
+            </a:prstGeom>
+            <a:solidFill>
+              <a:schemeClr val="accent1">
+                <a:alpha val="23000"/>
+              </a:schemeClr>
+            </a:solidFill>
+          </p:spPr>
+          <p:style>
+            <a:lnRef idx="2">
+              <a:schemeClr val="accent1">
+                <a:shade val="15000"/>
+              </a:schemeClr>
+            </a:lnRef>
+            <a:fillRef idx="1">
+              <a:schemeClr val="accent1"/>
+            </a:fillRef>
+            <a:effectRef idx="0">
+              <a:schemeClr val="accent1"/>
+            </a:effectRef>
+            <a:fontRef idx="minor">
+              <a:schemeClr val="lt1"/>
+            </a:fontRef>
+          </p:style>
+          <p:txBody>
+            <a:bodyPr rtlCol="0" anchor="ctr"/>
+            <a:lstStyle/>
+            <a:p>
+              <a:pPr algn="ctr"/>
+              <a:endParaRPr lang="en-US"/>
+            </a:p>
+          </p:txBody>
+        </p:sp>
+        <mc:AlternateContent xmlns:mc="http://schemas.openxmlformats.org/markup-compatibility/2006">
+          <mc:Choice xmlns:a14="http://schemas.microsoft.com/office/drawing/2010/main" Requires="a14">
+            <p:sp>
+              <p:nvSpPr>
+                <p:cNvPr id="112" name="TextBox 111">
+                  <a:extLst>
+                    <a:ext uri="{FF2B5EF4-FFF2-40B4-BE49-F238E27FC236}">
+                      <a16:creationId xmlns:a16="http://schemas.microsoft.com/office/drawing/2014/main" id="{D3F4FB24-EE1E-5EB5-28FB-E26F55102B65}"/>
+                    </a:ext>
+                  </a:extLst>
+                </p:cNvPr>
+                <p:cNvSpPr txBox="1"/>
+                <p:nvPr/>
+              </p:nvSpPr>
+              <p:spPr>
+                <a:xfrm>
+                  <a:off x="2263958" y="3025718"/>
+                  <a:ext cx="285335" cy="230832"/>
+                </a:xfrm>
+                <a:prstGeom prst="rect">
+                  <a:avLst/>
+                </a:prstGeom>
+                <a:noFill/>
+              </p:spPr>
+              <p:txBody>
+                <a:bodyPr wrap="none" rtlCol="0">
+                  <a:spAutoFit/>
+                </a:bodyPr>
+                <a:lstStyle/>
+                <a:p>
+                  <a14:m>
+                    <m:oMathPara xmlns:m="http://schemas.openxmlformats.org/officeDocument/2006/math">
+                      <m:oMathParaPr>
+                        <m:jc m:val="centerGroup"/>
+                      </m:oMathParaPr>
+                      <m:oMath xmlns:m="http://schemas.openxmlformats.org/officeDocument/2006/math">
+                        <m:r>
+                          <a:rPr lang="en-US" sz="900" b="0" i="1" smtClean="0">
+                            <a:latin typeface="Cambria Math" panose="02040503050406030204" pitchFamily="18" charset="0"/>
+                          </a:rPr>
+                          <m:t>𝐹</m:t>
+                        </m:r>
+                      </m:oMath>
+                    </m:oMathPara>
+                  </a14:m>
+                  <a:endParaRPr lang="en-US" sz="900" dirty="0"/>
+                </a:p>
+              </p:txBody>
+            </p:sp>
+          </mc:Choice>
+          <mc:Fallback>
+            <p:sp>
+              <p:nvSpPr>
+                <p:cNvPr id="112" name="TextBox 111">
+                  <a:extLst>
+                    <a:ext uri="{FF2B5EF4-FFF2-40B4-BE49-F238E27FC236}">
+                      <a16:creationId xmlns:a16="http://schemas.microsoft.com/office/drawing/2014/main" id="{D3F4FB24-EE1E-5EB5-28FB-E26F55102B65}"/>
+                    </a:ext>
+                  </a:extLst>
+                </p:cNvPr>
+                <p:cNvSpPr txBox="1">
+                  <a:spLocks noRot="1" noChangeAspect="1" noMove="1" noResize="1" noEditPoints="1" noAdjustHandles="1" noChangeArrowheads="1" noChangeShapeType="1" noTextEdit="1"/>
+                </p:cNvSpPr>
+                <p:nvPr/>
+              </p:nvSpPr>
+              <p:spPr>
+                <a:xfrm>
+                  <a:off x="2263958" y="3025718"/>
+                  <a:ext cx="285335" cy="230832"/>
+                </a:xfrm>
+                <a:prstGeom prst="rect">
+                  <a:avLst/>
+                </a:prstGeom>
+                <a:blipFill>
+                  <a:blip r:embed="rId12"/>
+                  <a:stretch>
+                    <a:fillRect/>
+                  </a:stretch>
+                </a:blipFill>
+              </p:spPr>
+              <p:txBody>
+                <a:bodyPr/>
+                <a:lstStyle/>
+                <a:p>
+                  <a:r>
+                    <a:rPr lang="en-US">
+                      <a:noFill/>
+                    </a:rPr>
+                    <a:t> </a:t>
+                  </a:r>
+                </a:p>
+              </p:txBody>
+            </p:sp>
+          </mc:Fallback>
+        </mc:AlternateContent>
+        <p:sp>
+          <p:nvSpPr>
+            <p:cNvPr id="113" name="Oval 112">
+              <a:extLst>
+                <a:ext uri="{FF2B5EF4-FFF2-40B4-BE49-F238E27FC236}">
+                  <a16:creationId xmlns:a16="http://schemas.microsoft.com/office/drawing/2014/main" id="{CA861EAE-8959-BF34-05AB-4F86B4B60D88}"/>
+                </a:ext>
+              </a:extLst>
+            </p:cNvPr>
+            <p:cNvSpPr/>
+            <p:nvPr/>
+          </p:nvSpPr>
+          <p:spPr>
+            <a:xfrm>
+              <a:off x="3246789" y="2955968"/>
+              <a:ext cx="340117" cy="370332"/>
+            </a:xfrm>
+            <a:prstGeom prst="ellipse">
+              <a:avLst/>
+            </a:prstGeom>
+            <a:solidFill>
+              <a:schemeClr val="accent1">
+                <a:alpha val="23000"/>
+              </a:schemeClr>
+            </a:solidFill>
+          </p:spPr>
+          <p:style>
+            <a:lnRef idx="2">
+              <a:schemeClr val="accent1">
+                <a:shade val="15000"/>
+              </a:schemeClr>
+            </a:lnRef>
+            <a:fillRef idx="1">
+              <a:schemeClr val="accent1"/>
+            </a:fillRef>
+            <a:effectRef idx="0">
+              <a:schemeClr val="accent1"/>
+            </a:effectRef>
+            <a:fontRef idx="minor">
+              <a:schemeClr val="lt1"/>
+            </a:fontRef>
+          </p:style>
+          <p:txBody>
+            <a:bodyPr rtlCol="0" anchor="ctr"/>
+            <a:lstStyle/>
+            <a:p>
+              <a:pPr algn="ctr"/>
+              <a:endParaRPr lang="en-US"/>
+            </a:p>
+          </p:txBody>
+        </p:sp>
+        <mc:AlternateContent xmlns:mc="http://schemas.openxmlformats.org/markup-compatibility/2006">
+          <mc:Choice xmlns:a14="http://schemas.microsoft.com/office/drawing/2010/main" Requires="a14">
+            <p:sp>
+              <p:nvSpPr>
+                <p:cNvPr id="114" name="TextBox 113">
+                  <a:extLst>
+                    <a:ext uri="{FF2B5EF4-FFF2-40B4-BE49-F238E27FC236}">
+                      <a16:creationId xmlns:a16="http://schemas.microsoft.com/office/drawing/2014/main" id="{D9B9356E-927E-AFDD-CA51-8BFB8A685C3A}"/>
+                    </a:ext>
+                  </a:extLst>
+                </p:cNvPr>
+                <p:cNvSpPr txBox="1"/>
+                <p:nvPr/>
+              </p:nvSpPr>
+              <p:spPr>
+                <a:xfrm>
+                  <a:off x="3285646" y="3025718"/>
+                  <a:ext cx="288733" cy="230832"/>
+                </a:xfrm>
+                <a:prstGeom prst="rect">
+                  <a:avLst/>
+                </a:prstGeom>
+                <a:noFill/>
+              </p:spPr>
+              <p:txBody>
+                <a:bodyPr wrap="none" rtlCol="0">
+                  <a:spAutoFit/>
+                </a:bodyPr>
+                <a:lstStyle/>
+                <a:p>
+                  <a14:m>
+                    <m:oMathPara xmlns:m="http://schemas.openxmlformats.org/officeDocument/2006/math">
+                      <m:oMathParaPr>
+                        <m:jc m:val="centerGroup"/>
+                      </m:oMathParaPr>
+                      <m:oMath xmlns:m="http://schemas.openxmlformats.org/officeDocument/2006/math">
+                        <m:r>
+                          <a:rPr lang="en-US" sz="900" b="0" i="1" smtClean="0">
+                            <a:latin typeface="Cambria Math" panose="02040503050406030204" pitchFamily="18" charset="0"/>
+                          </a:rPr>
+                          <m:t>𝐵</m:t>
+                        </m:r>
+                      </m:oMath>
+                    </m:oMathPara>
+                  </a14:m>
+                  <a:endParaRPr lang="en-US" sz="900" dirty="0"/>
+                </a:p>
+              </p:txBody>
+            </p:sp>
+          </mc:Choice>
+          <mc:Fallback>
+            <p:sp>
+              <p:nvSpPr>
+                <p:cNvPr id="114" name="TextBox 113">
+                  <a:extLst>
+                    <a:ext uri="{FF2B5EF4-FFF2-40B4-BE49-F238E27FC236}">
+                      <a16:creationId xmlns:a16="http://schemas.microsoft.com/office/drawing/2014/main" id="{D9B9356E-927E-AFDD-CA51-8BFB8A685C3A}"/>
+                    </a:ext>
+                  </a:extLst>
+                </p:cNvPr>
+                <p:cNvSpPr txBox="1">
+                  <a:spLocks noRot="1" noChangeAspect="1" noMove="1" noResize="1" noEditPoints="1" noAdjustHandles="1" noChangeArrowheads="1" noChangeShapeType="1" noTextEdit="1"/>
+                </p:cNvSpPr>
+                <p:nvPr/>
+              </p:nvSpPr>
+              <p:spPr>
+                <a:xfrm>
+                  <a:off x="3285646" y="3025718"/>
+                  <a:ext cx="288733" cy="230832"/>
+                </a:xfrm>
+                <a:prstGeom prst="rect">
+                  <a:avLst/>
+                </a:prstGeom>
+                <a:blipFill>
+                  <a:blip r:embed="rId23"/>
+                  <a:stretch>
+                    <a:fillRect/>
+                  </a:stretch>
+                </a:blipFill>
+              </p:spPr>
+              <p:txBody>
+                <a:bodyPr/>
+                <a:lstStyle/>
+                <a:p>
+                  <a:r>
+                    <a:rPr lang="en-US">
+                      <a:noFill/>
+                    </a:rPr>
+                    <a:t> </a:t>
+                  </a:r>
+                </a:p>
+              </p:txBody>
+            </p:sp>
+          </mc:Fallback>
+        </mc:AlternateContent>
+        <p:sp>
+          <p:nvSpPr>
+            <p:cNvPr id="115" name="Oval 114">
+              <a:extLst>
+                <a:ext uri="{FF2B5EF4-FFF2-40B4-BE49-F238E27FC236}">
+                  <a16:creationId xmlns:a16="http://schemas.microsoft.com/office/drawing/2014/main" id="{632AFEDB-1C17-4073-0847-68F73C6A0389}"/>
+                </a:ext>
+              </a:extLst>
+            </p:cNvPr>
+            <p:cNvSpPr/>
+            <p:nvPr/>
+          </p:nvSpPr>
+          <p:spPr>
+            <a:xfrm>
+              <a:off x="4223278" y="2955968"/>
+              <a:ext cx="340117" cy="370332"/>
+            </a:xfrm>
+            <a:prstGeom prst="ellipse">
+              <a:avLst/>
+            </a:prstGeom>
+            <a:solidFill>
+              <a:schemeClr val="accent1">
+                <a:alpha val="23000"/>
+              </a:schemeClr>
+            </a:solidFill>
+          </p:spPr>
+          <p:style>
+            <a:lnRef idx="2">
+              <a:schemeClr val="accent1">
+                <a:shade val="15000"/>
+              </a:schemeClr>
+            </a:lnRef>
+            <a:fillRef idx="1">
+              <a:schemeClr val="accent1"/>
+            </a:fillRef>
+            <a:effectRef idx="0">
+              <a:schemeClr val="accent1"/>
+            </a:effectRef>
+            <a:fontRef idx="minor">
+              <a:schemeClr val="lt1"/>
+            </a:fontRef>
+          </p:style>
+          <p:txBody>
+            <a:bodyPr rtlCol="0" anchor="ctr"/>
+            <a:lstStyle/>
+            <a:p>
+              <a:pPr algn="ctr"/>
+              <a:endParaRPr lang="en-US"/>
+            </a:p>
+          </p:txBody>
+        </p:sp>
+        <mc:AlternateContent xmlns:mc="http://schemas.openxmlformats.org/markup-compatibility/2006">
+          <mc:Choice xmlns:a14="http://schemas.microsoft.com/office/drawing/2010/main" Requires="a14">
+            <p:sp>
+              <p:nvSpPr>
+                <p:cNvPr id="116" name="TextBox 115">
+                  <a:extLst>
+                    <a:ext uri="{FF2B5EF4-FFF2-40B4-BE49-F238E27FC236}">
+                      <a16:creationId xmlns:a16="http://schemas.microsoft.com/office/drawing/2014/main" id="{CAE24B1A-5D57-1749-09B2-9DFF1841D017}"/>
+                    </a:ext>
+                  </a:extLst>
+                </p:cNvPr>
+                <p:cNvSpPr txBox="1"/>
+                <p:nvPr/>
+              </p:nvSpPr>
+              <p:spPr>
+                <a:xfrm>
+                  <a:off x="4262135" y="3025718"/>
+                  <a:ext cx="284309" cy="230832"/>
+                </a:xfrm>
+                <a:prstGeom prst="rect">
+                  <a:avLst/>
+                </a:prstGeom>
+                <a:noFill/>
+              </p:spPr>
+              <p:txBody>
+                <a:bodyPr wrap="none" rtlCol="0">
+                  <a:spAutoFit/>
+                </a:bodyPr>
+                <a:lstStyle/>
+                <a:p>
+                  <a14:m>
+                    <m:oMathPara xmlns:m="http://schemas.openxmlformats.org/officeDocument/2006/math">
+                      <m:oMathParaPr>
+                        <m:jc m:val="centerGroup"/>
+                      </m:oMathParaPr>
+                      <m:oMath xmlns:m="http://schemas.openxmlformats.org/officeDocument/2006/math">
+                        <m:r>
+                          <a:rPr lang="en-US" sz="900" b="0" i="1" smtClean="0">
+                            <a:latin typeface="Cambria Math" panose="02040503050406030204" pitchFamily="18" charset="0"/>
+                          </a:rPr>
+                          <m:t>𝐶</m:t>
+                        </m:r>
+                      </m:oMath>
+                    </m:oMathPara>
+                  </a14:m>
+                  <a:endParaRPr lang="en-US" sz="900" dirty="0"/>
+                </a:p>
+              </p:txBody>
+            </p:sp>
+          </mc:Choice>
+          <mc:Fallback>
+            <p:sp>
+              <p:nvSpPr>
+                <p:cNvPr id="116" name="TextBox 115">
+                  <a:extLst>
+                    <a:ext uri="{FF2B5EF4-FFF2-40B4-BE49-F238E27FC236}">
+                      <a16:creationId xmlns:a16="http://schemas.microsoft.com/office/drawing/2014/main" id="{CAE24B1A-5D57-1749-09B2-9DFF1841D017}"/>
+                    </a:ext>
+                  </a:extLst>
+                </p:cNvPr>
+                <p:cNvSpPr txBox="1">
+                  <a:spLocks noRot="1" noChangeAspect="1" noMove="1" noResize="1" noEditPoints="1" noAdjustHandles="1" noChangeArrowheads="1" noChangeShapeType="1" noTextEdit="1"/>
+                </p:cNvSpPr>
+                <p:nvPr/>
+              </p:nvSpPr>
+              <p:spPr>
+                <a:xfrm>
+                  <a:off x="4262135" y="3025718"/>
+                  <a:ext cx="284309" cy="230832"/>
+                </a:xfrm>
+                <a:prstGeom prst="rect">
+                  <a:avLst/>
+                </a:prstGeom>
+                <a:blipFill>
+                  <a:blip r:embed="rId24"/>
+                  <a:stretch>
+                    <a:fillRect/>
+                  </a:stretch>
+                </a:blipFill>
+              </p:spPr>
+              <p:txBody>
+                <a:bodyPr/>
+                <a:lstStyle/>
+                <a:p>
+                  <a:r>
+                    <a:rPr lang="en-US">
+                      <a:noFill/>
+                    </a:rPr>
+                    <a:t> </a:t>
+                  </a:r>
+                </a:p>
+              </p:txBody>
+            </p:sp>
+          </mc:Fallback>
+        </mc:AlternateContent>
+        <p:cxnSp>
+          <p:nvCxnSpPr>
+            <p:cNvPr id="117" name="Straight Connector 116">
+              <a:extLst>
+                <a:ext uri="{FF2B5EF4-FFF2-40B4-BE49-F238E27FC236}">
+                  <a16:creationId xmlns:a16="http://schemas.microsoft.com/office/drawing/2014/main" id="{3F4B1BD2-CEFC-619D-4DC9-38132E41E4CA}"/>
+                </a:ext>
+              </a:extLst>
+            </p:cNvPr>
+            <p:cNvCxnSpPr/>
+            <p:nvPr/>
+          </p:nvCxnSpPr>
+          <p:spPr>
+            <a:xfrm>
+              <a:off x="2249911" y="2843860"/>
+              <a:ext cx="282065" cy="578117"/>
+            </a:xfrm>
+            <a:prstGeom prst="line">
+              <a:avLst/>
+            </a:prstGeom>
+            <a:ln>
+              <a:solidFill>
+                <a:schemeClr val="tx1"/>
+              </a:solidFill>
+            </a:ln>
+          </p:spPr>
+          <p:style>
+            <a:lnRef idx="1">
+              <a:schemeClr val="accent1"/>
+            </a:lnRef>
+            <a:fillRef idx="0">
+              <a:schemeClr val="accent1"/>
+            </a:fillRef>
+            <a:effectRef idx="0">
+              <a:schemeClr val="accent1"/>
+            </a:effectRef>
+            <a:fontRef idx="minor">
+              <a:schemeClr val="tx1"/>
+            </a:fontRef>
+          </p:style>
+        </p:cxnSp>
+        <p:cxnSp>
+          <p:nvCxnSpPr>
+            <p:cNvPr id="118" name="Straight Connector 117">
+              <a:extLst>
+                <a:ext uri="{FF2B5EF4-FFF2-40B4-BE49-F238E27FC236}">
+                  <a16:creationId xmlns:a16="http://schemas.microsoft.com/office/drawing/2014/main" id="{B96B37B3-DC71-8574-6E3F-765AEB61AED8}"/>
+                </a:ext>
+              </a:extLst>
+            </p:cNvPr>
+            <p:cNvCxnSpPr/>
+            <p:nvPr/>
+          </p:nvCxnSpPr>
+          <p:spPr>
+            <a:xfrm flipH="1">
+              <a:off x="2220000" y="2881036"/>
+              <a:ext cx="359021" cy="503764"/>
+            </a:xfrm>
+            <a:prstGeom prst="line">
+              <a:avLst/>
+            </a:prstGeom>
+            <a:ln>
+              <a:solidFill>
+                <a:schemeClr val="tx1"/>
+              </a:solidFill>
+            </a:ln>
+          </p:spPr>
+          <p:style>
+            <a:lnRef idx="1">
+              <a:schemeClr val="accent1"/>
+            </a:lnRef>
+            <a:fillRef idx="0">
+              <a:schemeClr val="accent1"/>
+            </a:fillRef>
+            <a:effectRef idx="0">
+              <a:schemeClr val="accent1"/>
+            </a:effectRef>
+            <a:fontRef idx="minor">
+              <a:schemeClr val="tx1"/>
+            </a:fontRef>
+          </p:style>
+        </p:cxnSp>
+        <p:cxnSp>
+          <p:nvCxnSpPr>
+            <p:cNvPr id="120" name="Straight Arrow Connector 119">
+              <a:extLst>
+                <a:ext uri="{FF2B5EF4-FFF2-40B4-BE49-F238E27FC236}">
+                  <a16:creationId xmlns:a16="http://schemas.microsoft.com/office/drawing/2014/main" id="{FE106306-DD53-AF6D-FE36-C3B0270F5FE5}"/>
+                </a:ext>
+              </a:extLst>
+            </p:cNvPr>
+            <p:cNvCxnSpPr>
+              <a:stCxn id="109" idx="3"/>
+              <a:endCxn id="111" idx="2"/>
+            </p:cNvCxnSpPr>
+            <p:nvPr/>
+          </p:nvCxnSpPr>
+          <p:spPr>
+            <a:xfrm>
+              <a:off x="1593533" y="3141134"/>
+              <a:ext cx="631568" cy="0"/>
+            </a:xfrm>
+            <a:prstGeom prst="straightConnector1">
+              <a:avLst/>
+            </a:prstGeom>
+            <a:ln>
+              <a:tailEnd type="triangle"/>
+            </a:ln>
+          </p:spPr>
+          <p:style>
+            <a:lnRef idx="1">
+              <a:schemeClr val="accent1"/>
+            </a:lnRef>
+            <a:fillRef idx="0">
+              <a:schemeClr val="accent1"/>
+            </a:fillRef>
+            <a:effectRef idx="0">
+              <a:schemeClr val="accent1"/>
+            </a:effectRef>
+            <a:fontRef idx="minor">
+              <a:schemeClr val="tx1"/>
+            </a:fontRef>
+          </p:style>
+        </p:cxnSp>
+        <p:cxnSp>
+          <p:nvCxnSpPr>
+            <p:cNvPr id="122" name="Straight Arrow Connector 121">
+              <a:extLst>
+                <a:ext uri="{FF2B5EF4-FFF2-40B4-BE49-F238E27FC236}">
+                  <a16:creationId xmlns:a16="http://schemas.microsoft.com/office/drawing/2014/main" id="{CC910E58-5B6A-5604-BC11-65ADFAF0A434}"/>
+                </a:ext>
+              </a:extLst>
+            </p:cNvPr>
+            <p:cNvCxnSpPr>
+              <a:stCxn id="111" idx="6"/>
+              <a:endCxn id="113" idx="2"/>
+            </p:cNvCxnSpPr>
+            <p:nvPr/>
+          </p:nvCxnSpPr>
+          <p:spPr>
+            <a:xfrm>
+              <a:off x="2565218" y="3141134"/>
+              <a:ext cx="681571" cy="0"/>
+            </a:xfrm>
+            <a:prstGeom prst="straightConnector1">
+              <a:avLst/>
+            </a:prstGeom>
+            <a:ln>
+              <a:tailEnd type="triangle"/>
+            </a:ln>
+          </p:spPr>
+          <p:style>
+            <a:lnRef idx="1">
+              <a:schemeClr val="accent1"/>
+            </a:lnRef>
+            <a:fillRef idx="0">
+              <a:schemeClr val="accent1"/>
+            </a:fillRef>
+            <a:effectRef idx="0">
+              <a:schemeClr val="accent1"/>
+            </a:effectRef>
+            <a:fontRef idx="minor">
+              <a:schemeClr val="tx1"/>
+            </a:fontRef>
+          </p:style>
+        </p:cxnSp>
+        <p:cxnSp>
+          <p:nvCxnSpPr>
+            <p:cNvPr id="124" name="Straight Arrow Connector 123">
+              <a:extLst>
+                <a:ext uri="{FF2B5EF4-FFF2-40B4-BE49-F238E27FC236}">
+                  <a16:creationId xmlns:a16="http://schemas.microsoft.com/office/drawing/2014/main" id="{561144E5-022D-A585-F5CE-C93E5CBB1884}"/>
+                </a:ext>
+              </a:extLst>
+            </p:cNvPr>
+            <p:cNvCxnSpPr>
+              <a:stCxn id="113" idx="6"/>
+              <a:endCxn id="115" idx="2"/>
+            </p:cNvCxnSpPr>
+            <p:nvPr/>
+          </p:nvCxnSpPr>
+          <p:spPr>
+            <a:xfrm>
+              <a:off x="3586906" y="3141134"/>
+              <a:ext cx="636372" cy="0"/>
+            </a:xfrm>
+            <a:prstGeom prst="straightConnector1">
+              <a:avLst/>
+            </a:prstGeom>
+            <a:ln>
+              <a:tailEnd type="triangle"/>
+            </a:ln>
+          </p:spPr>
+          <p:style>
+            <a:lnRef idx="1">
+              <a:schemeClr val="accent1"/>
+            </a:lnRef>
+            <a:fillRef idx="0">
+              <a:schemeClr val="accent1"/>
+            </a:fillRef>
+            <a:effectRef idx="0">
+              <a:schemeClr val="accent1"/>
+            </a:effectRef>
+            <a:fontRef idx="minor">
+              <a:schemeClr val="tx1"/>
+            </a:fontRef>
+          </p:style>
+        </p:cxnSp>
+      </p:grpSp>
     </p:spTree>
     <p:extLst>
       <p:ext uri="{BB962C8B-B14F-4D97-AF65-F5344CB8AC3E}">
